--- a/presentation/present1.pptx
+++ b/presentation/present1.pptx
@@ -2,7 +2,7 @@
 <file path=ppt/presentation.xml><?xml version="1.0" encoding="utf-8"?>
 <p:presentation xmlns:a="http://schemas.openxmlformats.org/drawingml/2006/main" xmlns:r="http://schemas.openxmlformats.org/officeDocument/2006/relationships" xmlns:p="http://schemas.openxmlformats.org/presentationml/2006/main" saveSubsetFonts="1">
   <p:sldMasterIdLst>
-    <p:sldMasterId id="2147483648" r:id="rId1"/>
+    <p:sldMasterId id="2147483660" r:id="rId1"/>
   </p:sldMasterIdLst>
   <p:sldIdLst>
     <p:sldId id="256" r:id="rId2"/>
@@ -116,7 +116,7 @@
 </file>
 
 <file path=ppt/slideLayouts/slideLayout1.xml><?xml version="1.0" encoding="utf-8"?>
-<p:sldLayout xmlns:a="http://schemas.openxmlformats.org/drawingml/2006/main" xmlns:r="http://schemas.openxmlformats.org/officeDocument/2006/relationships" xmlns:p="http://schemas.openxmlformats.org/presentationml/2006/main" type="title" preserve="1">
+<p:sldLayout xmlns:a="http://schemas.openxmlformats.org/drawingml/2006/main" xmlns:r="http://schemas.openxmlformats.org/officeDocument/2006/relationships" xmlns:p="http://schemas.openxmlformats.org/presentationml/2006/main" showMasterSp="0" type="title" preserve="1">
   <p:cSld name="Title Slide">
     <p:spTree>
       <p:nvGrpSpPr>
@@ -144,23 +144,25 @@
         </p:nvSpPr>
         <p:spPr>
           <a:xfrm>
-            <a:off x="1524000" y="1122363"/>
-            <a:ext cx="9144000" cy="2387600"/>
-          </a:xfrm>
-        </p:spPr>
-        <p:txBody>
-          <a:bodyPr anchor="b"/>
+            <a:off x="6400800" y="4624668"/>
+            <a:ext cx="5384800" cy="933450"/>
+          </a:xfrm>
+        </p:spPr>
+        <p:txBody>
+          <a:bodyPr>
+            <a:normAutofit/>
+          </a:bodyPr>
           <a:lstStyle>
-            <a:lvl1pPr algn="ctr">
-              <a:defRPr sz="6000"/>
+            <a:lvl1pPr>
+              <a:defRPr sz="2800"/>
             </a:lvl1pPr>
           </a:lstStyle>
           <a:p>
             <a:r>
-              <a:rPr lang="en-US" smtClean="0"/>
+              <a:rPr lang="en-US" altLang="zh-CN" smtClean="0"/>
               <a:t>Click to edit Master title style</a:t>
             </a:r>
-            <a:endParaRPr lang="en-US"/>
+            <a:endParaRPr/>
           </a:p>
         </p:txBody>
       </p:sp>
@@ -176,77 +178,145 @@
         </p:nvSpPr>
         <p:spPr>
           <a:xfrm>
-            <a:off x="1524000" y="3602038"/>
-            <a:ext cx="9144000" cy="1655762"/>
+            <a:off x="6400800" y="5562600"/>
+            <a:ext cx="5384800" cy="748553"/>
+          </a:xfrm>
+        </p:spPr>
+        <p:txBody>
+          <a:bodyPr>
+            <a:normAutofit/>
+          </a:bodyPr>
+          <a:lstStyle>
+            <a:lvl1pPr marL="0" indent="0" algn="l">
+              <a:spcBef>
+                <a:spcPts val="300"/>
+              </a:spcBef>
+              <a:buNone/>
+              <a:defRPr sz="1400">
+                <a:solidFill>
+                  <a:schemeClr val="tx1">
+                    <a:tint val="75000"/>
+                  </a:schemeClr>
+                </a:solidFill>
+              </a:defRPr>
+            </a:lvl1pPr>
+            <a:lvl2pPr marL="457200" indent="0" algn="ctr">
+              <a:buNone/>
+              <a:defRPr>
+                <a:solidFill>
+                  <a:schemeClr val="tx1">
+                    <a:tint val="75000"/>
+                  </a:schemeClr>
+                </a:solidFill>
+              </a:defRPr>
+            </a:lvl2pPr>
+            <a:lvl3pPr marL="914400" indent="0" algn="ctr">
+              <a:buNone/>
+              <a:defRPr>
+                <a:solidFill>
+                  <a:schemeClr val="tx1">
+                    <a:tint val="75000"/>
+                  </a:schemeClr>
+                </a:solidFill>
+              </a:defRPr>
+            </a:lvl3pPr>
+            <a:lvl4pPr marL="1371600" indent="0" algn="ctr">
+              <a:buNone/>
+              <a:defRPr>
+                <a:solidFill>
+                  <a:schemeClr val="tx1">
+                    <a:tint val="75000"/>
+                  </a:schemeClr>
+                </a:solidFill>
+              </a:defRPr>
+            </a:lvl4pPr>
+            <a:lvl5pPr marL="1828800" indent="0" algn="ctr">
+              <a:buNone/>
+              <a:defRPr>
+                <a:solidFill>
+                  <a:schemeClr val="tx1">
+                    <a:tint val="75000"/>
+                  </a:schemeClr>
+                </a:solidFill>
+              </a:defRPr>
+            </a:lvl5pPr>
+            <a:lvl6pPr marL="2286000" indent="0" algn="ctr">
+              <a:buNone/>
+              <a:defRPr>
+                <a:solidFill>
+                  <a:schemeClr val="tx1">
+                    <a:tint val="75000"/>
+                  </a:schemeClr>
+                </a:solidFill>
+              </a:defRPr>
+            </a:lvl6pPr>
+            <a:lvl7pPr marL="2743200" indent="0" algn="ctr">
+              <a:buNone/>
+              <a:defRPr>
+                <a:solidFill>
+                  <a:schemeClr val="tx1">
+                    <a:tint val="75000"/>
+                  </a:schemeClr>
+                </a:solidFill>
+              </a:defRPr>
+            </a:lvl7pPr>
+            <a:lvl8pPr marL="3200400" indent="0" algn="ctr">
+              <a:buNone/>
+              <a:defRPr>
+                <a:solidFill>
+                  <a:schemeClr val="tx1">
+                    <a:tint val="75000"/>
+                  </a:schemeClr>
+                </a:solidFill>
+              </a:defRPr>
+            </a:lvl8pPr>
+            <a:lvl9pPr marL="3657600" indent="0" algn="ctr">
+              <a:buNone/>
+              <a:defRPr>
+                <a:solidFill>
+                  <a:schemeClr val="tx1">
+                    <a:tint val="75000"/>
+                  </a:schemeClr>
+                </a:solidFill>
+              </a:defRPr>
+            </a:lvl9pPr>
+          </a:lstStyle>
+          <a:p>
+            <a:r>
+              <a:rPr lang="en-US" altLang="zh-CN" smtClean="0"/>
+              <a:t>Click to edit Master subtitle style</a:t>
+            </a:r>
+            <a:endParaRPr/>
+          </a:p>
+        </p:txBody>
+      </p:sp>
+      <p:sp>
+        <p:nvSpPr>
+          <p:cNvPr id="4" name="Date Placeholder 3"/>
+          <p:cNvSpPr>
+            <a:spLocks noGrp="1"/>
+          </p:cNvSpPr>
+          <p:nvPr>
+            <p:ph type="dt" sz="half" idx="10"/>
+          </p:nvPr>
+        </p:nvSpPr>
+        <p:spPr>
+          <a:xfrm>
+            <a:off x="6400801" y="6425641"/>
+            <a:ext cx="1643529" cy="365125"/>
           </a:xfrm>
         </p:spPr>
         <p:txBody>
           <a:bodyPr/>
           <a:lstStyle>
-            <a:lvl1pPr marL="0" indent="0" algn="ctr">
-              <a:buNone/>
-              <a:defRPr sz="2400"/>
+            <a:lvl1pPr algn="l">
+              <a:defRPr/>
             </a:lvl1pPr>
-            <a:lvl2pPr marL="457200" indent="0" algn="ctr">
-              <a:buNone/>
-              <a:defRPr sz="2000"/>
-            </a:lvl2pPr>
-            <a:lvl3pPr marL="914400" indent="0" algn="ctr">
-              <a:buNone/>
-              <a:defRPr sz="1800"/>
-            </a:lvl3pPr>
-            <a:lvl4pPr marL="1371600" indent="0" algn="ctr">
-              <a:buNone/>
-              <a:defRPr sz="1600"/>
-            </a:lvl4pPr>
-            <a:lvl5pPr marL="1828800" indent="0" algn="ctr">
-              <a:buNone/>
-              <a:defRPr sz="1600"/>
-            </a:lvl5pPr>
-            <a:lvl6pPr marL="2286000" indent="0" algn="ctr">
-              <a:buNone/>
-              <a:defRPr sz="1600"/>
-            </a:lvl6pPr>
-            <a:lvl7pPr marL="2743200" indent="0" algn="ctr">
-              <a:buNone/>
-              <a:defRPr sz="1600"/>
-            </a:lvl7pPr>
-            <a:lvl8pPr marL="3200400" indent="0" algn="ctr">
-              <a:buNone/>
-              <a:defRPr sz="1600"/>
-            </a:lvl8pPr>
-            <a:lvl9pPr marL="3657600" indent="0" algn="ctr">
-              <a:buNone/>
-              <a:defRPr sz="1600"/>
-            </a:lvl9pPr>
           </a:lstStyle>
-          <a:p>
-            <a:r>
-              <a:rPr lang="en-US" smtClean="0"/>
-              <a:t>Click to edit Master subtitle style</a:t>
-            </a:r>
-            <a:endParaRPr lang="en-US"/>
-          </a:p>
-        </p:txBody>
-      </p:sp>
-      <p:sp>
-        <p:nvSpPr>
-          <p:cNvPr id="4" name="Date Placeholder 3"/>
-          <p:cNvSpPr>
-            <a:spLocks noGrp="1"/>
-          </p:cNvSpPr>
-          <p:nvPr>
-            <p:ph type="dt" sz="half" idx="10"/>
-          </p:nvPr>
-        </p:nvSpPr>
-        <p:spPr/>
-        <p:txBody>
-          <a:bodyPr/>
-          <a:lstStyle/>
           <a:p>
             <a:fld id="{FEDBF184-AE6A-41EB-BBCB-9F86DBF77364}" type="datetimeFigureOut">
               <a:rPr lang="en-US" smtClean="0"/>
-              <a:t>2/26/2014</a:t>
+              <a:t>2/26/14</a:t>
             </a:fld>
             <a:endParaRPr lang="en-US"/>
           </a:p>
@@ -262,10 +332,19 @@
             <p:ph type="ftr" sz="quarter" idx="11"/>
           </p:nvPr>
         </p:nvSpPr>
-        <p:spPr/>
+        <p:spPr>
+          <a:xfrm>
+            <a:off x="8414871" y="6425641"/>
+            <a:ext cx="3490259" cy="365125"/>
+          </a:xfrm>
+        </p:spPr>
         <p:txBody>
           <a:bodyPr/>
-          <a:lstStyle/>
+          <a:lstStyle>
+            <a:lvl1pPr algn="r">
+              <a:defRPr/>
+            </a:lvl1pPr>
+          </a:lstStyle>
           <a:p>
             <a:endParaRPr lang="en-US"/>
           </a:p>
@@ -273,33 +352,278 @@
       </p:sp>
       <p:sp>
         <p:nvSpPr>
-          <p:cNvPr id="6" name="Slide Number Placeholder 5"/>
-          <p:cNvSpPr>
-            <a:spLocks noGrp="1"/>
-          </p:cNvSpPr>
-          <p:nvPr>
-            <p:ph type="sldNum" sz="quarter" idx="12"/>
-          </p:nvPr>
-        </p:nvSpPr>
-        <p:spPr/>
-        <p:txBody>
-          <a:bodyPr/>
-          <a:lstStyle/>
-          <a:p>
-            <a:fld id="{100B06FD-12AA-47B0-BCB2-99EE95C24A3C}" type="slidenum">
-              <a:rPr lang="en-US" smtClean="0"/>
-              <a:t>‹#›</a:t>
-            </a:fld>
-            <a:endParaRPr lang="en-US"/>
+          <p:cNvPr id="7" name="Rectangle 6"/>
+          <p:cNvSpPr/>
+          <p:nvPr/>
+        </p:nvSpPr>
+        <p:spPr>
+          <a:xfrm>
+            <a:off x="376767" y="228600"/>
+            <a:ext cx="5647267" cy="4187952"/>
+          </a:xfrm>
+          <a:prstGeom prst="rect">
+            <a:avLst/>
+          </a:prstGeom>
+          <a:solidFill>
+            <a:schemeClr val="accent1"/>
+          </a:solidFill>
+          <a:ln>
+            <a:noFill/>
+          </a:ln>
+        </p:spPr>
+        <p:style>
+          <a:lnRef idx="2">
+            <a:schemeClr val="accent1">
+              <a:shade val="50000"/>
+            </a:schemeClr>
+          </a:lnRef>
+          <a:fillRef idx="1">
+            <a:schemeClr val="accent1"/>
+          </a:fillRef>
+          <a:effectRef idx="0">
+            <a:schemeClr val="accent1"/>
+          </a:effectRef>
+          <a:fontRef idx="minor">
+            <a:schemeClr val="lt1"/>
+          </a:fontRef>
+        </p:style>
+        <p:txBody>
+          <a:bodyPr rtlCol="0" anchor="ctr"/>
+          <a:lstStyle/>
+          <a:p>
+            <a:pPr algn="ctr"/>
+            <a:endParaRPr/>
+          </a:p>
+        </p:txBody>
+      </p:sp>
+      <p:sp>
+        <p:nvSpPr>
+          <p:cNvPr id="8" name="Rectangle 7"/>
+          <p:cNvSpPr/>
+          <p:nvPr/>
+        </p:nvSpPr>
+        <p:spPr>
+          <a:xfrm>
+            <a:off x="9069917" y="228600"/>
+            <a:ext cx="2743200" cy="2039112"/>
+          </a:xfrm>
+          <a:prstGeom prst="rect">
+            <a:avLst/>
+          </a:prstGeom>
+          <a:solidFill>
+            <a:schemeClr val="accent3"/>
+          </a:solidFill>
+          <a:ln>
+            <a:noFill/>
+          </a:ln>
+        </p:spPr>
+        <p:style>
+          <a:lnRef idx="2">
+            <a:schemeClr val="accent1">
+              <a:shade val="50000"/>
+            </a:schemeClr>
+          </a:lnRef>
+          <a:fillRef idx="1">
+            <a:schemeClr val="accent1"/>
+          </a:fillRef>
+          <a:effectRef idx="0">
+            <a:schemeClr val="accent1"/>
+          </a:effectRef>
+          <a:fontRef idx="minor">
+            <a:schemeClr val="lt1"/>
+          </a:fontRef>
+        </p:style>
+        <p:txBody>
+          <a:bodyPr rtlCol="0" anchor="ctr"/>
+          <a:lstStyle/>
+          <a:p>
+            <a:pPr algn="ctr"/>
+            <a:endParaRPr/>
+          </a:p>
+        </p:txBody>
+      </p:sp>
+      <p:sp>
+        <p:nvSpPr>
+          <p:cNvPr id="10" name="Rectangle 9"/>
+          <p:cNvSpPr/>
+          <p:nvPr/>
+        </p:nvSpPr>
+        <p:spPr>
+          <a:xfrm>
+            <a:off x="6165851" y="2377440"/>
+            <a:ext cx="2743200" cy="2039112"/>
+          </a:xfrm>
+          <a:prstGeom prst="rect">
+            <a:avLst/>
+          </a:prstGeom>
+          <a:solidFill>
+            <a:schemeClr val="accent4"/>
+          </a:solidFill>
+          <a:ln>
+            <a:noFill/>
+          </a:ln>
+        </p:spPr>
+        <p:style>
+          <a:lnRef idx="2">
+            <a:schemeClr val="accent1">
+              <a:shade val="50000"/>
+            </a:schemeClr>
+          </a:lnRef>
+          <a:fillRef idx="1">
+            <a:schemeClr val="accent1"/>
+          </a:fillRef>
+          <a:effectRef idx="0">
+            <a:schemeClr val="accent1"/>
+          </a:effectRef>
+          <a:fontRef idx="minor">
+            <a:schemeClr val="lt1"/>
+          </a:fontRef>
+        </p:style>
+        <p:txBody>
+          <a:bodyPr rtlCol="0" anchor="ctr"/>
+          <a:lstStyle/>
+          <a:p>
+            <a:pPr marL="0" algn="ctr" defTabSz="914400" rtl="0" eaLnBrk="1" latinLnBrk="0" hangingPunct="1"/>
+            <a:endParaRPr sz="1800" kern="1200">
+              <a:solidFill>
+                <a:schemeClr val="lt1"/>
+              </a:solidFill>
+              <a:latin typeface="+mn-lt"/>
+              <a:ea typeface="+mn-ea"/>
+              <a:cs typeface="+mn-cs"/>
+            </a:endParaRPr>
+          </a:p>
+        </p:txBody>
+      </p:sp>
+      <p:sp>
+        <p:nvSpPr>
+          <p:cNvPr id="15" name="TextBox 14"/>
+          <p:cNvSpPr txBox="1"/>
+          <p:nvPr/>
+        </p:nvSpPr>
+        <p:spPr>
+          <a:xfrm>
+            <a:off x="566522" y="174813"/>
+            <a:ext cx="551079" cy="830997"/>
+          </a:xfrm>
+          <a:prstGeom prst="rect">
+            <a:avLst/>
+          </a:prstGeom>
+          <a:noFill/>
+        </p:spPr>
+        <p:txBody>
+          <a:bodyPr wrap="square" lIns="0" tIns="0" rIns="0" bIns="0" rtlCol="0">
+            <a:spAutoFit/>
+          </a:bodyPr>
+          <a:lstStyle/>
+          <a:p>
+            <a:r>
+              <a:rPr sz="5400" b="1">
+                <a:solidFill>
+                  <a:schemeClr val="accent1">
+                    <a:lumMod val="60000"/>
+                    <a:lumOff val="40000"/>
+                  </a:schemeClr>
+                </a:solidFill>
+              </a:rPr>
+              <a:t>+</a:t>
+            </a:r>
+          </a:p>
+        </p:txBody>
+      </p:sp>
+      <p:sp>
+        <p:nvSpPr>
+          <p:cNvPr id="11" name="Rectangle 10"/>
+          <p:cNvSpPr/>
+          <p:nvPr/>
+        </p:nvSpPr>
+        <p:spPr>
+          <a:xfrm>
+            <a:off x="6165851" y="228600"/>
+            <a:ext cx="2743200" cy="2039112"/>
+          </a:xfrm>
+          <a:prstGeom prst="rect">
+            <a:avLst/>
+          </a:prstGeom>
+          <a:solidFill>
+            <a:schemeClr val="accent6"/>
+          </a:solidFill>
+          <a:ln>
+            <a:noFill/>
+          </a:ln>
+        </p:spPr>
+        <p:style>
+          <a:lnRef idx="2">
+            <a:schemeClr val="accent1">
+              <a:shade val="50000"/>
+            </a:schemeClr>
+          </a:lnRef>
+          <a:fillRef idx="1">
+            <a:schemeClr val="accent1"/>
+          </a:fillRef>
+          <a:effectRef idx="0">
+            <a:schemeClr val="accent1"/>
+          </a:effectRef>
+          <a:fontRef idx="minor">
+            <a:schemeClr val="lt1"/>
+          </a:fontRef>
+        </p:style>
+        <p:txBody>
+          <a:bodyPr rtlCol="0" anchor="ctr"/>
+          <a:lstStyle/>
+          <a:p>
+            <a:pPr algn="ctr"/>
+            <a:endParaRPr/>
+          </a:p>
+        </p:txBody>
+      </p:sp>
+      <p:sp>
+        <p:nvSpPr>
+          <p:cNvPr id="12" name="Rectangle 11"/>
+          <p:cNvSpPr/>
+          <p:nvPr/>
+        </p:nvSpPr>
+        <p:spPr>
+          <a:xfrm>
+            <a:off x="9069917" y="2377440"/>
+            <a:ext cx="2743200" cy="2039112"/>
+          </a:xfrm>
+          <a:prstGeom prst="rect">
+            <a:avLst/>
+          </a:prstGeom>
+          <a:solidFill>
+            <a:schemeClr val="accent2"/>
+          </a:solidFill>
+          <a:ln>
+            <a:noFill/>
+          </a:ln>
+        </p:spPr>
+        <p:style>
+          <a:lnRef idx="2">
+            <a:schemeClr val="accent1">
+              <a:shade val="50000"/>
+            </a:schemeClr>
+          </a:lnRef>
+          <a:fillRef idx="1">
+            <a:schemeClr val="accent1"/>
+          </a:fillRef>
+          <a:effectRef idx="0">
+            <a:schemeClr val="accent1"/>
+          </a:effectRef>
+          <a:fontRef idx="minor">
+            <a:schemeClr val="lt1"/>
+          </a:fontRef>
+        </p:style>
+        <p:txBody>
+          <a:bodyPr rtlCol="0" anchor="ctr"/>
+          <a:lstStyle/>
+          <a:p>
+            <a:pPr algn="ctr"/>
+            <a:endParaRPr/>
           </a:p>
         </p:txBody>
       </p:sp>
     </p:spTree>
-    <p:extLst>
-      <p:ext uri="{BB962C8B-B14F-4D97-AF65-F5344CB8AC3E}">
-        <p14:creationId xmlns:p14="http://schemas.microsoft.com/office/powerpoint/2010/main" val="1392477358"/>
-      </p:ext>
-    </p:extLst>
   </p:cSld>
   <p:clrMapOvr>
     <a:masterClrMapping/>
@@ -308,7 +632,3305 @@
 </file>
 
 <file path=ppt/slideLayouts/slideLayout10.xml><?xml version="1.0" encoding="utf-8"?>
-<p:sldLayout xmlns:a="http://schemas.openxmlformats.org/drawingml/2006/main" xmlns:r="http://schemas.openxmlformats.org/officeDocument/2006/relationships" xmlns:p="http://schemas.openxmlformats.org/presentationml/2006/main" type="vertTx" preserve="1">
+<p:sldLayout xmlns:a="http://schemas.openxmlformats.org/drawingml/2006/main" xmlns:r="http://schemas.openxmlformats.org/officeDocument/2006/relationships" xmlns:p="http://schemas.openxmlformats.org/presentationml/2006/main" preserve="1">
+  <p:cSld name="4 Content">
+    <p:spTree>
+      <p:nvGrpSpPr>
+        <p:cNvPr id="1" name=""/>
+        <p:cNvGrpSpPr/>
+        <p:nvPr/>
+      </p:nvGrpSpPr>
+      <p:grpSpPr>
+        <a:xfrm>
+          <a:off x="0" y="0"/>
+          <a:ext cx="0" cy="0"/>
+          <a:chOff x="0" y="0"/>
+          <a:chExt cx="0" cy="0"/>
+        </a:xfrm>
+      </p:grpSpPr>
+      <p:sp>
+        <p:nvSpPr>
+          <p:cNvPr id="8" name="Rectangle 7"/>
+          <p:cNvSpPr/>
+          <p:nvPr/>
+        </p:nvSpPr>
+        <p:spPr>
+          <a:xfrm>
+            <a:off x="10889129" y="282574"/>
+            <a:ext cx="914400" cy="1600200"/>
+          </a:xfrm>
+          <a:prstGeom prst="rect">
+            <a:avLst/>
+          </a:prstGeom>
+          <a:solidFill>
+            <a:schemeClr val="accent1"/>
+          </a:solidFill>
+          <a:ln>
+            <a:noFill/>
+          </a:ln>
+        </p:spPr>
+        <p:style>
+          <a:lnRef idx="2">
+            <a:schemeClr val="accent1">
+              <a:shade val="50000"/>
+            </a:schemeClr>
+          </a:lnRef>
+          <a:fillRef idx="1">
+            <a:schemeClr val="accent1"/>
+          </a:fillRef>
+          <a:effectRef idx="0">
+            <a:schemeClr val="accent1"/>
+          </a:effectRef>
+          <a:fontRef idx="minor">
+            <a:schemeClr val="lt1"/>
+          </a:fontRef>
+        </p:style>
+        <p:txBody>
+          <a:bodyPr rtlCol="0" anchor="ctr"/>
+          <a:lstStyle/>
+          <a:p>
+            <a:pPr algn="ctr"/>
+            <a:endParaRPr/>
+          </a:p>
+        </p:txBody>
+      </p:sp>
+      <p:sp>
+        <p:nvSpPr>
+          <p:cNvPr id="10" name="TextBox 9"/>
+          <p:cNvSpPr txBox="1"/>
+          <p:nvPr/>
+        </p:nvSpPr>
+        <p:spPr>
+          <a:xfrm>
+            <a:off x="297581" y="228600"/>
+            <a:ext cx="347879" cy="553998"/>
+          </a:xfrm>
+          <a:prstGeom prst="rect">
+            <a:avLst/>
+          </a:prstGeom>
+          <a:noFill/>
+        </p:spPr>
+        <p:txBody>
+          <a:bodyPr wrap="square" lIns="0" tIns="0" rIns="0" bIns="0" rtlCol="0">
+            <a:spAutoFit/>
+          </a:bodyPr>
+          <a:lstStyle/>
+          <a:p>
+            <a:r>
+              <a:rPr sz="3600" b="1">
+                <a:solidFill>
+                  <a:schemeClr val="accent1">
+                    <a:lumMod val="60000"/>
+                    <a:lumOff val="40000"/>
+                  </a:schemeClr>
+                </a:solidFill>
+              </a:rPr>
+              <a:t>+</a:t>
+            </a:r>
+          </a:p>
+        </p:txBody>
+      </p:sp>
+      <p:sp>
+        <p:nvSpPr>
+          <p:cNvPr id="2" name="Title 1"/>
+          <p:cNvSpPr>
+            <a:spLocks noGrp="1"/>
+          </p:cNvSpPr>
+          <p:nvPr>
+            <p:ph type="title"/>
+          </p:nvPr>
+        </p:nvSpPr>
+        <p:spPr/>
+        <p:txBody>
+          <a:bodyPr/>
+          <a:lstStyle/>
+          <a:p>
+            <a:r>
+              <a:rPr lang="en-US" altLang="zh-CN" smtClean="0"/>
+              <a:t>Click to edit Master title style</a:t>
+            </a:r>
+            <a:endParaRPr/>
+          </a:p>
+        </p:txBody>
+      </p:sp>
+      <p:sp>
+        <p:nvSpPr>
+          <p:cNvPr id="5" name="Date Placeholder 4"/>
+          <p:cNvSpPr>
+            <a:spLocks noGrp="1"/>
+          </p:cNvSpPr>
+          <p:nvPr>
+            <p:ph type="dt" sz="half" idx="10"/>
+          </p:nvPr>
+        </p:nvSpPr>
+        <p:spPr/>
+        <p:txBody>
+          <a:bodyPr/>
+          <a:lstStyle/>
+          <a:p>
+            <a:fld id="{FEDBF184-AE6A-41EB-BBCB-9F86DBF77364}" type="datetimeFigureOut">
+              <a:rPr lang="en-US" smtClean="0"/>
+              <a:t>2/26/14</a:t>
+            </a:fld>
+            <a:endParaRPr lang="en-US"/>
+          </a:p>
+        </p:txBody>
+      </p:sp>
+      <p:sp>
+        <p:nvSpPr>
+          <p:cNvPr id="6" name="Footer Placeholder 5"/>
+          <p:cNvSpPr>
+            <a:spLocks noGrp="1"/>
+          </p:cNvSpPr>
+          <p:nvPr>
+            <p:ph type="ftr" sz="quarter" idx="11"/>
+          </p:nvPr>
+        </p:nvSpPr>
+        <p:spPr/>
+        <p:txBody>
+          <a:bodyPr/>
+          <a:lstStyle/>
+          <a:p>
+            <a:endParaRPr lang="en-US"/>
+          </a:p>
+        </p:txBody>
+      </p:sp>
+      <p:sp>
+        <p:nvSpPr>
+          <p:cNvPr id="7" name="Slide Number Placeholder 6"/>
+          <p:cNvSpPr>
+            <a:spLocks noGrp="1"/>
+          </p:cNvSpPr>
+          <p:nvPr>
+            <p:ph type="sldNum" sz="quarter" idx="12"/>
+          </p:nvPr>
+        </p:nvSpPr>
+        <p:spPr/>
+        <p:txBody>
+          <a:bodyPr/>
+          <a:lstStyle/>
+          <a:p>
+            <a:fld id="{100B06FD-12AA-47B0-BCB2-99EE95C24A3C}" type="slidenum">
+              <a:rPr lang="en-US" smtClean="0"/>
+              <a:t>‹#›</a:t>
+            </a:fld>
+            <a:endParaRPr lang="en-US"/>
+          </a:p>
+        </p:txBody>
+      </p:sp>
+      <p:sp>
+        <p:nvSpPr>
+          <p:cNvPr id="12" name="Content Placeholder 2"/>
+          <p:cNvSpPr>
+            <a:spLocks noGrp="1"/>
+          </p:cNvSpPr>
+          <p:nvPr>
+            <p:ph sz="half" idx="17"/>
+          </p:nvPr>
+        </p:nvSpPr>
+        <p:spPr>
+          <a:xfrm>
+            <a:off x="670561" y="1985963"/>
+            <a:ext cx="4876551" cy="1965960"/>
+          </a:xfrm>
+        </p:spPr>
+        <p:txBody>
+          <a:bodyPr>
+            <a:normAutofit/>
+          </a:bodyPr>
+          <a:lstStyle>
+            <a:lvl1pPr>
+              <a:defRPr sz="1800"/>
+            </a:lvl1pPr>
+            <a:lvl2pPr>
+              <a:defRPr sz="1800"/>
+            </a:lvl2pPr>
+            <a:lvl3pPr>
+              <a:defRPr sz="1800"/>
+            </a:lvl3pPr>
+            <a:lvl4pPr>
+              <a:defRPr sz="1800"/>
+            </a:lvl4pPr>
+            <a:lvl5pPr>
+              <a:defRPr sz="1800"/>
+            </a:lvl5pPr>
+            <a:lvl6pPr>
+              <a:defRPr sz="1800"/>
+            </a:lvl6pPr>
+            <a:lvl7pPr>
+              <a:defRPr sz="1800"/>
+            </a:lvl7pPr>
+            <a:lvl8pPr>
+              <a:defRPr sz="1800"/>
+            </a:lvl8pPr>
+            <a:lvl9pPr>
+              <a:defRPr sz="1800"/>
+            </a:lvl9pPr>
+          </a:lstStyle>
+          <a:p>
+            <a:pPr lvl="0"/>
+            <a:r>
+              <a:rPr lang="en-US" altLang="zh-CN" smtClean="0"/>
+              <a:t>Click to edit Master text styles</a:t>
+            </a:r>
+          </a:p>
+          <a:p>
+            <a:pPr lvl="1"/>
+            <a:r>
+              <a:rPr lang="en-US" altLang="zh-CN" smtClean="0"/>
+              <a:t>Second level</a:t>
+            </a:r>
+          </a:p>
+          <a:p>
+            <a:pPr lvl="2"/>
+            <a:r>
+              <a:rPr lang="en-US" altLang="zh-CN" smtClean="0"/>
+              <a:t>Third level</a:t>
+            </a:r>
+          </a:p>
+          <a:p>
+            <a:pPr lvl="3"/>
+            <a:r>
+              <a:rPr lang="en-US" altLang="zh-CN" smtClean="0"/>
+              <a:t>Fourth level</a:t>
+            </a:r>
+          </a:p>
+          <a:p>
+            <a:pPr lvl="4"/>
+            <a:r>
+              <a:rPr lang="en-US" altLang="zh-CN" smtClean="0"/>
+              <a:t>Fifth level</a:t>
+            </a:r>
+            <a:endParaRPr dirty="0"/>
+          </a:p>
+        </p:txBody>
+      </p:sp>
+      <p:sp>
+        <p:nvSpPr>
+          <p:cNvPr id="14" name="Content Placeholder 2"/>
+          <p:cNvSpPr>
+            <a:spLocks noGrp="1"/>
+          </p:cNvSpPr>
+          <p:nvPr>
+            <p:ph sz="half" idx="18"/>
+          </p:nvPr>
+        </p:nvSpPr>
+        <p:spPr>
+          <a:xfrm>
+            <a:off x="670561" y="4164965"/>
+            <a:ext cx="4876551" cy="1965960"/>
+          </a:xfrm>
+        </p:spPr>
+        <p:txBody>
+          <a:bodyPr>
+            <a:normAutofit/>
+          </a:bodyPr>
+          <a:lstStyle>
+            <a:lvl1pPr>
+              <a:defRPr sz="1800"/>
+            </a:lvl1pPr>
+            <a:lvl2pPr>
+              <a:defRPr sz="1800"/>
+            </a:lvl2pPr>
+            <a:lvl3pPr>
+              <a:defRPr sz="1800"/>
+            </a:lvl3pPr>
+            <a:lvl4pPr>
+              <a:defRPr sz="1800"/>
+            </a:lvl4pPr>
+            <a:lvl5pPr>
+              <a:defRPr sz="1800"/>
+            </a:lvl5pPr>
+            <a:lvl6pPr>
+              <a:defRPr sz="1800"/>
+            </a:lvl6pPr>
+            <a:lvl7pPr>
+              <a:defRPr sz="1800"/>
+            </a:lvl7pPr>
+            <a:lvl8pPr>
+              <a:defRPr sz="1800"/>
+            </a:lvl8pPr>
+            <a:lvl9pPr>
+              <a:defRPr sz="1800"/>
+            </a:lvl9pPr>
+          </a:lstStyle>
+          <a:p>
+            <a:pPr lvl="0"/>
+            <a:r>
+              <a:rPr lang="en-US" altLang="zh-CN" smtClean="0"/>
+              <a:t>Click to edit Master text styles</a:t>
+            </a:r>
+          </a:p>
+          <a:p>
+            <a:pPr lvl="1"/>
+            <a:r>
+              <a:rPr lang="en-US" altLang="zh-CN" smtClean="0"/>
+              <a:t>Second level</a:t>
+            </a:r>
+          </a:p>
+          <a:p>
+            <a:pPr lvl="2"/>
+            <a:r>
+              <a:rPr lang="en-US" altLang="zh-CN" smtClean="0"/>
+              <a:t>Third level</a:t>
+            </a:r>
+          </a:p>
+          <a:p>
+            <a:pPr lvl="3"/>
+            <a:r>
+              <a:rPr lang="en-US" altLang="zh-CN" smtClean="0"/>
+              <a:t>Fourth level</a:t>
+            </a:r>
+          </a:p>
+          <a:p>
+            <a:pPr lvl="4"/>
+            <a:r>
+              <a:rPr lang="en-US" altLang="zh-CN" smtClean="0"/>
+              <a:t>Fifth level</a:t>
+            </a:r>
+            <a:endParaRPr dirty="0"/>
+          </a:p>
+        </p:txBody>
+      </p:sp>
+      <p:sp>
+        <p:nvSpPr>
+          <p:cNvPr id="15" name="Content Placeholder 2"/>
+          <p:cNvSpPr>
+            <a:spLocks noGrp="1"/>
+          </p:cNvSpPr>
+          <p:nvPr>
+            <p:ph sz="half" idx="1"/>
+          </p:nvPr>
+        </p:nvSpPr>
+        <p:spPr>
+          <a:xfrm>
+            <a:off x="5880100" y="1985963"/>
+            <a:ext cx="4876800" cy="1965960"/>
+          </a:xfrm>
+        </p:spPr>
+        <p:txBody>
+          <a:bodyPr>
+            <a:normAutofit/>
+          </a:bodyPr>
+          <a:lstStyle>
+            <a:lvl1pPr>
+              <a:defRPr sz="1800"/>
+            </a:lvl1pPr>
+            <a:lvl2pPr>
+              <a:defRPr sz="1800"/>
+            </a:lvl2pPr>
+            <a:lvl3pPr>
+              <a:defRPr sz="1800"/>
+            </a:lvl3pPr>
+            <a:lvl4pPr>
+              <a:defRPr sz="1800"/>
+            </a:lvl4pPr>
+            <a:lvl5pPr>
+              <a:defRPr sz="1800"/>
+            </a:lvl5pPr>
+            <a:lvl6pPr>
+              <a:defRPr sz="1800"/>
+            </a:lvl6pPr>
+            <a:lvl7pPr>
+              <a:defRPr sz="1800"/>
+            </a:lvl7pPr>
+            <a:lvl8pPr>
+              <a:defRPr sz="1800"/>
+            </a:lvl8pPr>
+            <a:lvl9pPr>
+              <a:defRPr sz="1800"/>
+            </a:lvl9pPr>
+          </a:lstStyle>
+          <a:p>
+            <a:pPr lvl="0"/>
+            <a:r>
+              <a:rPr lang="en-US" altLang="zh-CN" smtClean="0"/>
+              <a:t>Click to edit Master text styles</a:t>
+            </a:r>
+          </a:p>
+          <a:p>
+            <a:pPr lvl="1"/>
+            <a:r>
+              <a:rPr lang="en-US" altLang="zh-CN" smtClean="0"/>
+              <a:t>Second level</a:t>
+            </a:r>
+          </a:p>
+          <a:p>
+            <a:pPr lvl="2"/>
+            <a:r>
+              <a:rPr lang="en-US" altLang="zh-CN" smtClean="0"/>
+              <a:t>Third level</a:t>
+            </a:r>
+          </a:p>
+          <a:p>
+            <a:pPr lvl="3"/>
+            <a:r>
+              <a:rPr lang="en-US" altLang="zh-CN" smtClean="0"/>
+              <a:t>Fourth level</a:t>
+            </a:r>
+          </a:p>
+          <a:p>
+            <a:pPr lvl="4"/>
+            <a:r>
+              <a:rPr lang="en-US" altLang="zh-CN" smtClean="0"/>
+              <a:t>Fifth level</a:t>
+            </a:r>
+            <a:endParaRPr dirty="0"/>
+          </a:p>
+        </p:txBody>
+      </p:sp>
+      <p:sp>
+        <p:nvSpPr>
+          <p:cNvPr id="16" name="Content Placeholder 2"/>
+          <p:cNvSpPr>
+            <a:spLocks noGrp="1"/>
+          </p:cNvSpPr>
+          <p:nvPr>
+            <p:ph sz="half" idx="16"/>
+          </p:nvPr>
+        </p:nvSpPr>
+        <p:spPr>
+          <a:xfrm>
+            <a:off x="5880100" y="4169664"/>
+            <a:ext cx="4876800" cy="1965960"/>
+          </a:xfrm>
+        </p:spPr>
+        <p:txBody>
+          <a:bodyPr>
+            <a:normAutofit/>
+          </a:bodyPr>
+          <a:lstStyle>
+            <a:lvl1pPr>
+              <a:defRPr sz="1800"/>
+            </a:lvl1pPr>
+            <a:lvl2pPr>
+              <a:defRPr sz="1800"/>
+            </a:lvl2pPr>
+            <a:lvl3pPr>
+              <a:defRPr sz="1800"/>
+            </a:lvl3pPr>
+            <a:lvl4pPr>
+              <a:defRPr sz="1800"/>
+            </a:lvl4pPr>
+            <a:lvl5pPr>
+              <a:defRPr sz="1800"/>
+            </a:lvl5pPr>
+            <a:lvl6pPr>
+              <a:defRPr sz="1800"/>
+            </a:lvl6pPr>
+            <a:lvl7pPr>
+              <a:defRPr sz="1800"/>
+            </a:lvl7pPr>
+            <a:lvl8pPr>
+              <a:defRPr sz="1800"/>
+            </a:lvl8pPr>
+            <a:lvl9pPr>
+              <a:defRPr sz="1800"/>
+            </a:lvl9pPr>
+          </a:lstStyle>
+          <a:p>
+            <a:pPr lvl="0"/>
+            <a:r>
+              <a:rPr lang="en-US" altLang="zh-CN" smtClean="0"/>
+              <a:t>Click to edit Master text styles</a:t>
+            </a:r>
+          </a:p>
+          <a:p>
+            <a:pPr lvl="1"/>
+            <a:r>
+              <a:rPr lang="en-US" altLang="zh-CN" smtClean="0"/>
+              <a:t>Second level</a:t>
+            </a:r>
+          </a:p>
+          <a:p>
+            <a:pPr lvl="2"/>
+            <a:r>
+              <a:rPr lang="en-US" altLang="zh-CN" smtClean="0"/>
+              <a:t>Third level</a:t>
+            </a:r>
+          </a:p>
+          <a:p>
+            <a:pPr lvl="3"/>
+            <a:r>
+              <a:rPr lang="en-US" altLang="zh-CN" smtClean="0"/>
+              <a:t>Fourth level</a:t>
+            </a:r>
+          </a:p>
+          <a:p>
+            <a:pPr lvl="4"/>
+            <a:r>
+              <a:rPr lang="en-US" altLang="zh-CN" smtClean="0"/>
+              <a:t>Fifth level</a:t>
+            </a:r>
+            <a:endParaRPr dirty="0"/>
+          </a:p>
+        </p:txBody>
+      </p:sp>
+    </p:spTree>
+  </p:cSld>
+  <p:clrMapOvr>
+    <a:masterClrMapping/>
+  </p:clrMapOvr>
+</p:sldLayout>
+</file>
+
+<file path=ppt/slideLayouts/slideLayout11.xml><?xml version="1.0" encoding="utf-8"?>
+<p:sldLayout xmlns:a="http://schemas.openxmlformats.org/drawingml/2006/main" xmlns:r="http://schemas.openxmlformats.org/officeDocument/2006/relationships" xmlns:p="http://schemas.openxmlformats.org/presentationml/2006/main" preserve="1">
+  <p:cSld name="Title Only">
+    <p:spTree>
+      <p:nvGrpSpPr>
+        <p:cNvPr id="1" name=""/>
+        <p:cNvGrpSpPr/>
+        <p:nvPr/>
+      </p:nvGrpSpPr>
+      <p:grpSpPr>
+        <a:xfrm>
+          <a:off x="0" y="0"/>
+          <a:ext cx="0" cy="0"/>
+          <a:chOff x="0" y="0"/>
+          <a:chExt cx="0" cy="0"/>
+        </a:xfrm>
+      </p:grpSpPr>
+      <p:sp>
+        <p:nvSpPr>
+          <p:cNvPr id="6" name="Rectangle 5"/>
+          <p:cNvSpPr/>
+          <p:nvPr/>
+        </p:nvSpPr>
+        <p:spPr>
+          <a:xfrm>
+            <a:off x="10889129" y="282574"/>
+            <a:ext cx="914400" cy="1600200"/>
+          </a:xfrm>
+          <a:prstGeom prst="rect">
+            <a:avLst/>
+          </a:prstGeom>
+          <a:solidFill>
+            <a:schemeClr val="accent1"/>
+          </a:solidFill>
+          <a:ln>
+            <a:noFill/>
+          </a:ln>
+        </p:spPr>
+        <p:style>
+          <a:lnRef idx="2">
+            <a:schemeClr val="accent1">
+              <a:shade val="50000"/>
+            </a:schemeClr>
+          </a:lnRef>
+          <a:fillRef idx="1">
+            <a:schemeClr val="accent1"/>
+          </a:fillRef>
+          <a:effectRef idx="0">
+            <a:schemeClr val="accent1"/>
+          </a:effectRef>
+          <a:fontRef idx="minor">
+            <a:schemeClr val="lt1"/>
+          </a:fontRef>
+        </p:style>
+        <p:txBody>
+          <a:bodyPr rtlCol="0" anchor="ctr"/>
+          <a:lstStyle/>
+          <a:p>
+            <a:pPr algn="ctr"/>
+            <a:endParaRPr/>
+          </a:p>
+        </p:txBody>
+      </p:sp>
+      <p:sp>
+        <p:nvSpPr>
+          <p:cNvPr id="8" name="TextBox 7"/>
+          <p:cNvSpPr txBox="1"/>
+          <p:nvPr/>
+        </p:nvSpPr>
+        <p:spPr>
+          <a:xfrm>
+            <a:off x="297581" y="228600"/>
+            <a:ext cx="347879" cy="553998"/>
+          </a:xfrm>
+          <a:prstGeom prst="rect">
+            <a:avLst/>
+          </a:prstGeom>
+          <a:noFill/>
+        </p:spPr>
+        <p:txBody>
+          <a:bodyPr wrap="square" lIns="0" tIns="0" rIns="0" bIns="0" rtlCol="0">
+            <a:spAutoFit/>
+          </a:bodyPr>
+          <a:lstStyle/>
+          <a:p>
+            <a:r>
+              <a:rPr sz="3600" b="1">
+                <a:solidFill>
+                  <a:schemeClr val="accent1">
+                    <a:lumMod val="60000"/>
+                    <a:lumOff val="40000"/>
+                  </a:schemeClr>
+                </a:solidFill>
+              </a:rPr>
+              <a:t>+</a:t>
+            </a:r>
+          </a:p>
+        </p:txBody>
+      </p:sp>
+      <p:sp>
+        <p:nvSpPr>
+          <p:cNvPr id="2" name="Title 1"/>
+          <p:cNvSpPr>
+            <a:spLocks noGrp="1"/>
+          </p:cNvSpPr>
+          <p:nvPr>
+            <p:ph type="title"/>
+          </p:nvPr>
+        </p:nvSpPr>
+        <p:spPr/>
+        <p:txBody>
+          <a:bodyPr/>
+          <a:lstStyle/>
+          <a:p>
+            <a:r>
+              <a:rPr lang="en-US" altLang="zh-CN" smtClean="0"/>
+              <a:t>Click to edit Master title style</a:t>
+            </a:r>
+            <a:endParaRPr/>
+          </a:p>
+        </p:txBody>
+      </p:sp>
+      <p:sp>
+        <p:nvSpPr>
+          <p:cNvPr id="3" name="Date Placeholder 2"/>
+          <p:cNvSpPr>
+            <a:spLocks noGrp="1"/>
+          </p:cNvSpPr>
+          <p:nvPr>
+            <p:ph type="dt" sz="half" idx="10"/>
+          </p:nvPr>
+        </p:nvSpPr>
+        <p:spPr/>
+        <p:txBody>
+          <a:bodyPr/>
+          <a:lstStyle/>
+          <a:p>
+            <a:fld id="{FEDBF184-AE6A-41EB-BBCB-9F86DBF77364}" type="datetimeFigureOut">
+              <a:rPr lang="en-US" smtClean="0"/>
+              <a:t>2/26/14</a:t>
+            </a:fld>
+            <a:endParaRPr lang="en-US"/>
+          </a:p>
+        </p:txBody>
+      </p:sp>
+      <p:sp>
+        <p:nvSpPr>
+          <p:cNvPr id="4" name="Footer Placeholder 3"/>
+          <p:cNvSpPr>
+            <a:spLocks noGrp="1"/>
+          </p:cNvSpPr>
+          <p:nvPr>
+            <p:ph type="ftr" sz="quarter" idx="11"/>
+          </p:nvPr>
+        </p:nvSpPr>
+        <p:spPr/>
+        <p:txBody>
+          <a:bodyPr/>
+          <a:lstStyle/>
+          <a:p>
+            <a:endParaRPr lang="en-US"/>
+          </a:p>
+        </p:txBody>
+      </p:sp>
+      <p:sp>
+        <p:nvSpPr>
+          <p:cNvPr id="5" name="Slide Number Placeholder 4"/>
+          <p:cNvSpPr>
+            <a:spLocks noGrp="1"/>
+          </p:cNvSpPr>
+          <p:nvPr>
+            <p:ph type="sldNum" sz="quarter" idx="12"/>
+          </p:nvPr>
+        </p:nvSpPr>
+        <p:spPr/>
+        <p:txBody>
+          <a:bodyPr/>
+          <a:lstStyle/>
+          <a:p>
+            <a:fld id="{100B06FD-12AA-47B0-BCB2-99EE95C24A3C}" type="slidenum">
+              <a:rPr lang="en-US" smtClean="0"/>
+              <a:t>‹#›</a:t>
+            </a:fld>
+            <a:endParaRPr lang="en-US"/>
+          </a:p>
+        </p:txBody>
+      </p:sp>
+    </p:spTree>
+  </p:cSld>
+  <p:clrMapOvr>
+    <a:masterClrMapping/>
+  </p:clrMapOvr>
+</p:sldLayout>
+</file>
+
+<file path=ppt/slideLayouts/slideLayout12.xml><?xml version="1.0" encoding="utf-8"?>
+<p:sldLayout xmlns:a="http://schemas.openxmlformats.org/drawingml/2006/main" xmlns:r="http://schemas.openxmlformats.org/officeDocument/2006/relationships" xmlns:p="http://schemas.openxmlformats.org/presentationml/2006/main" preserve="1">
+  <p:cSld name="Blank">
+    <p:spTree>
+      <p:nvGrpSpPr>
+        <p:cNvPr id="1" name=""/>
+        <p:cNvGrpSpPr/>
+        <p:nvPr/>
+      </p:nvGrpSpPr>
+      <p:grpSpPr>
+        <a:xfrm>
+          <a:off x="0" y="0"/>
+          <a:ext cx="0" cy="0"/>
+          <a:chOff x="0" y="0"/>
+          <a:chExt cx="0" cy="0"/>
+        </a:xfrm>
+      </p:grpSpPr>
+      <p:sp>
+        <p:nvSpPr>
+          <p:cNvPr id="5" name="Rectangle 4"/>
+          <p:cNvSpPr/>
+          <p:nvPr/>
+        </p:nvSpPr>
+        <p:spPr>
+          <a:xfrm>
+            <a:off x="10889129" y="282574"/>
+            <a:ext cx="914400" cy="302217"/>
+          </a:xfrm>
+          <a:prstGeom prst="rect">
+            <a:avLst/>
+          </a:prstGeom>
+          <a:solidFill>
+            <a:schemeClr val="accent1"/>
+          </a:solidFill>
+          <a:ln>
+            <a:noFill/>
+          </a:ln>
+        </p:spPr>
+        <p:style>
+          <a:lnRef idx="2">
+            <a:schemeClr val="accent1">
+              <a:shade val="50000"/>
+            </a:schemeClr>
+          </a:lnRef>
+          <a:fillRef idx="1">
+            <a:schemeClr val="accent1"/>
+          </a:fillRef>
+          <a:effectRef idx="0">
+            <a:schemeClr val="accent1"/>
+          </a:effectRef>
+          <a:fontRef idx="minor">
+            <a:schemeClr val="lt1"/>
+          </a:fontRef>
+        </p:style>
+        <p:txBody>
+          <a:bodyPr rtlCol="0" anchor="ctr"/>
+          <a:lstStyle/>
+          <a:p>
+            <a:pPr algn="ctr"/>
+            <a:endParaRPr/>
+          </a:p>
+        </p:txBody>
+      </p:sp>
+      <p:sp>
+        <p:nvSpPr>
+          <p:cNvPr id="2" name="Date Placeholder 1"/>
+          <p:cNvSpPr>
+            <a:spLocks noGrp="1"/>
+          </p:cNvSpPr>
+          <p:nvPr>
+            <p:ph type="dt" sz="half" idx="10"/>
+          </p:nvPr>
+        </p:nvSpPr>
+        <p:spPr/>
+        <p:txBody>
+          <a:bodyPr/>
+          <a:lstStyle/>
+          <a:p>
+            <a:fld id="{FEDBF184-AE6A-41EB-BBCB-9F86DBF77364}" type="datetimeFigureOut">
+              <a:rPr lang="en-US" smtClean="0"/>
+              <a:t>2/26/14</a:t>
+            </a:fld>
+            <a:endParaRPr lang="en-US"/>
+          </a:p>
+        </p:txBody>
+      </p:sp>
+      <p:sp>
+        <p:nvSpPr>
+          <p:cNvPr id="3" name="Footer Placeholder 2"/>
+          <p:cNvSpPr>
+            <a:spLocks noGrp="1"/>
+          </p:cNvSpPr>
+          <p:nvPr>
+            <p:ph type="ftr" sz="quarter" idx="11"/>
+          </p:nvPr>
+        </p:nvSpPr>
+        <p:spPr/>
+        <p:txBody>
+          <a:bodyPr/>
+          <a:lstStyle/>
+          <a:p>
+            <a:endParaRPr lang="en-US"/>
+          </a:p>
+        </p:txBody>
+      </p:sp>
+      <p:sp>
+        <p:nvSpPr>
+          <p:cNvPr id="4" name="Slide Number Placeholder 3"/>
+          <p:cNvSpPr>
+            <a:spLocks noGrp="1"/>
+          </p:cNvSpPr>
+          <p:nvPr>
+            <p:ph type="sldNum" sz="quarter" idx="12"/>
+          </p:nvPr>
+        </p:nvSpPr>
+        <p:spPr/>
+        <p:txBody>
+          <a:bodyPr/>
+          <a:lstStyle/>
+          <a:p>
+            <a:fld id="{100B06FD-12AA-47B0-BCB2-99EE95C24A3C}" type="slidenum">
+              <a:rPr lang="en-US" smtClean="0"/>
+              <a:t>‹#›</a:t>
+            </a:fld>
+            <a:endParaRPr lang="en-US"/>
+          </a:p>
+        </p:txBody>
+      </p:sp>
+    </p:spTree>
+  </p:cSld>
+  <p:clrMapOvr>
+    <a:masterClrMapping/>
+  </p:clrMapOvr>
+</p:sldLayout>
+</file>
+
+<file path=ppt/slideLayouts/slideLayout13.xml><?xml version="1.0" encoding="utf-8"?>
+<p:sldLayout xmlns:a="http://schemas.openxmlformats.org/drawingml/2006/main" xmlns:r="http://schemas.openxmlformats.org/officeDocument/2006/relationships" xmlns:p="http://schemas.openxmlformats.org/presentationml/2006/main" type="objTx" preserve="1">
+  <p:cSld name="Content with Caption">
+    <p:spTree>
+      <p:nvGrpSpPr>
+        <p:cNvPr id="1" name=""/>
+        <p:cNvGrpSpPr/>
+        <p:nvPr/>
+      </p:nvGrpSpPr>
+      <p:grpSpPr>
+        <a:xfrm>
+          <a:off x="0" y="0"/>
+          <a:ext cx="0" cy="0"/>
+          <a:chOff x="0" y="0"/>
+          <a:chExt cx="0" cy="0"/>
+        </a:xfrm>
+      </p:grpSpPr>
+      <p:sp>
+        <p:nvSpPr>
+          <p:cNvPr id="8" name="Rectangle 7"/>
+          <p:cNvSpPr/>
+          <p:nvPr/>
+        </p:nvSpPr>
+        <p:spPr>
+          <a:xfrm>
+            <a:off x="376768" y="228600"/>
+            <a:ext cx="4601633" cy="6345238"/>
+          </a:xfrm>
+          <a:prstGeom prst="rect">
+            <a:avLst/>
+          </a:prstGeom>
+          <a:solidFill>
+            <a:schemeClr val="accent1"/>
+          </a:solidFill>
+          <a:ln>
+            <a:noFill/>
+          </a:ln>
+        </p:spPr>
+        <p:style>
+          <a:lnRef idx="2">
+            <a:schemeClr val="accent1">
+              <a:shade val="50000"/>
+            </a:schemeClr>
+          </a:lnRef>
+          <a:fillRef idx="1">
+            <a:schemeClr val="accent1"/>
+          </a:fillRef>
+          <a:effectRef idx="0">
+            <a:schemeClr val="accent1"/>
+          </a:effectRef>
+          <a:fontRef idx="minor">
+            <a:schemeClr val="lt1"/>
+          </a:fontRef>
+        </p:style>
+        <p:txBody>
+          <a:bodyPr rtlCol="0" anchor="ctr"/>
+          <a:lstStyle/>
+          <a:p>
+            <a:pPr algn="ctr"/>
+            <a:endParaRPr/>
+          </a:p>
+        </p:txBody>
+      </p:sp>
+      <p:sp>
+        <p:nvSpPr>
+          <p:cNvPr id="2" name="Title 1"/>
+          <p:cNvSpPr>
+            <a:spLocks noGrp="1"/>
+          </p:cNvSpPr>
+          <p:nvPr>
+            <p:ph type="title"/>
+          </p:nvPr>
+        </p:nvSpPr>
+        <p:spPr>
+          <a:xfrm>
+            <a:off x="507407" y="2571750"/>
+            <a:ext cx="4340352" cy="1162050"/>
+          </a:xfrm>
+        </p:spPr>
+        <p:txBody>
+          <a:bodyPr anchor="b">
+            <a:normAutofit/>
+          </a:bodyPr>
+          <a:lstStyle>
+            <a:lvl1pPr algn="l">
+              <a:defRPr sz="2600" b="0">
+                <a:solidFill>
+                  <a:schemeClr val="bg1"/>
+                </a:solidFill>
+              </a:defRPr>
+            </a:lvl1pPr>
+          </a:lstStyle>
+          <a:p>
+            <a:r>
+              <a:rPr lang="en-US" altLang="zh-CN" smtClean="0"/>
+              <a:t>Click to edit Master title style</a:t>
+            </a:r>
+            <a:endParaRPr dirty="0"/>
+          </a:p>
+        </p:txBody>
+      </p:sp>
+      <p:sp>
+        <p:nvSpPr>
+          <p:cNvPr id="3" name="Content Placeholder 2"/>
+          <p:cNvSpPr>
+            <a:spLocks noGrp="1"/>
+          </p:cNvSpPr>
+          <p:nvPr>
+            <p:ph idx="1"/>
+          </p:nvPr>
+        </p:nvSpPr>
+        <p:spPr>
+          <a:xfrm>
+            <a:off x="5558368" y="273051"/>
+            <a:ext cx="6129865" cy="5853113"/>
+          </a:xfrm>
+        </p:spPr>
+        <p:txBody>
+          <a:bodyPr>
+            <a:normAutofit/>
+          </a:bodyPr>
+          <a:lstStyle>
+            <a:lvl1pPr>
+              <a:defRPr sz="1800"/>
+            </a:lvl1pPr>
+            <a:lvl2pPr>
+              <a:defRPr sz="1800"/>
+            </a:lvl2pPr>
+            <a:lvl3pPr>
+              <a:defRPr sz="1800"/>
+            </a:lvl3pPr>
+            <a:lvl4pPr>
+              <a:defRPr sz="1800"/>
+            </a:lvl4pPr>
+            <a:lvl5pPr>
+              <a:defRPr sz="1800"/>
+            </a:lvl5pPr>
+            <a:lvl6pPr>
+              <a:defRPr sz="2000"/>
+            </a:lvl6pPr>
+            <a:lvl7pPr>
+              <a:defRPr sz="2000"/>
+            </a:lvl7pPr>
+            <a:lvl8pPr>
+              <a:defRPr sz="2000"/>
+            </a:lvl8pPr>
+            <a:lvl9pPr>
+              <a:defRPr sz="2000"/>
+            </a:lvl9pPr>
+          </a:lstStyle>
+          <a:p>
+            <a:pPr lvl="0"/>
+            <a:r>
+              <a:rPr lang="en-US" altLang="zh-CN" smtClean="0"/>
+              <a:t>Click to edit Master text styles</a:t>
+            </a:r>
+          </a:p>
+          <a:p>
+            <a:pPr lvl="1"/>
+            <a:r>
+              <a:rPr lang="en-US" altLang="zh-CN" smtClean="0"/>
+              <a:t>Second level</a:t>
+            </a:r>
+          </a:p>
+          <a:p>
+            <a:pPr lvl="2"/>
+            <a:r>
+              <a:rPr lang="en-US" altLang="zh-CN" smtClean="0"/>
+              <a:t>Third level</a:t>
+            </a:r>
+          </a:p>
+          <a:p>
+            <a:pPr lvl="3"/>
+            <a:r>
+              <a:rPr lang="en-US" altLang="zh-CN" smtClean="0"/>
+              <a:t>Fourth level</a:t>
+            </a:r>
+          </a:p>
+          <a:p>
+            <a:pPr lvl="4"/>
+            <a:r>
+              <a:rPr lang="en-US" altLang="zh-CN" smtClean="0"/>
+              <a:t>Fifth level</a:t>
+            </a:r>
+            <a:endParaRPr dirty="0"/>
+          </a:p>
+        </p:txBody>
+      </p:sp>
+      <p:sp>
+        <p:nvSpPr>
+          <p:cNvPr id="4" name="Text Placeholder 3"/>
+          <p:cNvSpPr>
+            <a:spLocks noGrp="1"/>
+          </p:cNvSpPr>
+          <p:nvPr>
+            <p:ph type="body" sz="half" idx="2"/>
+          </p:nvPr>
+        </p:nvSpPr>
+        <p:spPr>
+          <a:xfrm>
+            <a:off x="508124" y="3733801"/>
+            <a:ext cx="4340352" cy="2392363"/>
+          </a:xfrm>
+        </p:spPr>
+        <p:txBody>
+          <a:bodyPr/>
+          <a:lstStyle>
+            <a:lvl1pPr marL="0" indent="0">
+              <a:spcBef>
+                <a:spcPts val="600"/>
+              </a:spcBef>
+              <a:buNone/>
+              <a:defRPr sz="1400">
+                <a:solidFill>
+                  <a:schemeClr val="bg1"/>
+                </a:solidFill>
+              </a:defRPr>
+            </a:lvl1pPr>
+            <a:lvl2pPr marL="457200" indent="0">
+              <a:buNone/>
+              <a:defRPr sz="1200"/>
+            </a:lvl2pPr>
+            <a:lvl3pPr marL="914400" indent="0">
+              <a:buNone/>
+              <a:defRPr sz="1000"/>
+            </a:lvl3pPr>
+            <a:lvl4pPr marL="1371600" indent="0">
+              <a:buNone/>
+              <a:defRPr sz="900"/>
+            </a:lvl4pPr>
+            <a:lvl5pPr marL="1828800" indent="0">
+              <a:buNone/>
+              <a:defRPr sz="900"/>
+            </a:lvl5pPr>
+            <a:lvl6pPr marL="2286000" indent="0">
+              <a:buNone/>
+              <a:defRPr sz="900"/>
+            </a:lvl6pPr>
+            <a:lvl7pPr marL="2743200" indent="0">
+              <a:buNone/>
+              <a:defRPr sz="900"/>
+            </a:lvl7pPr>
+            <a:lvl8pPr marL="3200400" indent="0">
+              <a:buNone/>
+              <a:defRPr sz="900"/>
+            </a:lvl8pPr>
+            <a:lvl9pPr marL="3657600" indent="0">
+              <a:buNone/>
+              <a:defRPr sz="900"/>
+            </a:lvl9pPr>
+          </a:lstStyle>
+          <a:p>
+            <a:pPr lvl="0"/>
+            <a:r>
+              <a:rPr lang="en-US" altLang="zh-CN" smtClean="0"/>
+              <a:t>Click to edit Master text styles</a:t>
+            </a:r>
+          </a:p>
+        </p:txBody>
+      </p:sp>
+      <p:sp>
+        <p:nvSpPr>
+          <p:cNvPr id="5" name="Date Placeholder 4"/>
+          <p:cNvSpPr>
+            <a:spLocks noGrp="1"/>
+          </p:cNvSpPr>
+          <p:nvPr>
+            <p:ph type="dt" sz="half" idx="10"/>
+          </p:nvPr>
+        </p:nvSpPr>
+        <p:spPr>
+          <a:xfrm>
+            <a:off x="9855200" y="6423586"/>
+            <a:ext cx="2049929" cy="365125"/>
+          </a:xfrm>
+        </p:spPr>
+        <p:txBody>
+          <a:bodyPr/>
+          <a:lstStyle/>
+          <a:p>
+            <a:fld id="{FEDBF184-AE6A-41EB-BBCB-9F86DBF77364}" type="datetimeFigureOut">
+              <a:rPr lang="en-US" smtClean="0"/>
+              <a:t>2/26/14</a:t>
+            </a:fld>
+            <a:endParaRPr lang="en-US"/>
+          </a:p>
+        </p:txBody>
+      </p:sp>
+      <p:sp>
+        <p:nvSpPr>
+          <p:cNvPr id="6" name="Footer Placeholder 5"/>
+          <p:cNvSpPr>
+            <a:spLocks noGrp="1"/>
+          </p:cNvSpPr>
+          <p:nvPr>
+            <p:ph type="ftr" sz="quarter" idx="11"/>
+          </p:nvPr>
+        </p:nvSpPr>
+        <p:spPr>
+          <a:xfrm>
+            <a:off x="5145741" y="6423586"/>
+            <a:ext cx="4422588" cy="365125"/>
+          </a:xfrm>
+        </p:spPr>
+        <p:txBody>
+          <a:bodyPr/>
+          <a:lstStyle/>
+          <a:p>
+            <a:endParaRPr lang="en-US"/>
+          </a:p>
+        </p:txBody>
+      </p:sp>
+      <p:sp>
+        <p:nvSpPr>
+          <p:cNvPr id="9" name="TextBox 8"/>
+          <p:cNvSpPr txBox="1"/>
+          <p:nvPr/>
+        </p:nvSpPr>
+        <p:spPr>
+          <a:xfrm>
+            <a:off x="566522" y="174813"/>
+            <a:ext cx="551079" cy="830997"/>
+          </a:xfrm>
+          <a:prstGeom prst="rect">
+            <a:avLst/>
+          </a:prstGeom>
+          <a:noFill/>
+        </p:spPr>
+        <p:txBody>
+          <a:bodyPr wrap="square" lIns="0" tIns="0" rIns="0" bIns="0" rtlCol="0">
+            <a:spAutoFit/>
+          </a:bodyPr>
+          <a:lstStyle/>
+          <a:p>
+            <a:r>
+              <a:rPr sz="5400" b="1">
+                <a:solidFill>
+                  <a:schemeClr val="accent1">
+                    <a:lumMod val="60000"/>
+                    <a:lumOff val="40000"/>
+                  </a:schemeClr>
+                </a:solidFill>
+              </a:rPr>
+              <a:t>+</a:t>
+            </a:r>
+          </a:p>
+        </p:txBody>
+      </p:sp>
+    </p:spTree>
+  </p:cSld>
+  <p:clrMapOvr>
+    <a:masterClrMapping/>
+  </p:clrMapOvr>
+</p:sldLayout>
+</file>
+
+<file path=ppt/slideLayouts/slideLayout14.xml><?xml version="1.0" encoding="utf-8"?>
+<p:sldLayout xmlns:a="http://schemas.openxmlformats.org/drawingml/2006/main" xmlns:r="http://schemas.openxmlformats.org/officeDocument/2006/relationships" xmlns:p="http://schemas.openxmlformats.org/presentationml/2006/main" type="picTx" preserve="1">
+  <p:cSld name="Picture with Caption">
+    <p:spTree>
+      <p:nvGrpSpPr>
+        <p:cNvPr id="1" name=""/>
+        <p:cNvGrpSpPr/>
+        <p:nvPr/>
+      </p:nvGrpSpPr>
+      <p:grpSpPr>
+        <a:xfrm>
+          <a:off x="0" y="0"/>
+          <a:ext cx="0" cy="0"/>
+          <a:chOff x="0" y="0"/>
+          <a:chExt cx="0" cy="0"/>
+        </a:xfrm>
+      </p:grpSpPr>
+      <p:sp>
+        <p:nvSpPr>
+          <p:cNvPr id="11" name="Rectangle 10"/>
+          <p:cNvSpPr/>
+          <p:nvPr/>
+        </p:nvSpPr>
+        <p:spPr>
+          <a:xfrm>
+            <a:off x="10889129" y="282574"/>
+            <a:ext cx="914400" cy="302217"/>
+          </a:xfrm>
+          <a:prstGeom prst="rect">
+            <a:avLst/>
+          </a:prstGeom>
+          <a:solidFill>
+            <a:schemeClr val="accent1"/>
+          </a:solidFill>
+          <a:ln>
+            <a:noFill/>
+          </a:ln>
+        </p:spPr>
+        <p:style>
+          <a:lnRef idx="2">
+            <a:schemeClr val="accent1">
+              <a:shade val="50000"/>
+            </a:schemeClr>
+          </a:lnRef>
+          <a:fillRef idx="1">
+            <a:schemeClr val="accent1"/>
+          </a:fillRef>
+          <a:effectRef idx="0">
+            <a:schemeClr val="accent1"/>
+          </a:effectRef>
+          <a:fontRef idx="minor">
+            <a:schemeClr val="lt1"/>
+          </a:fontRef>
+        </p:style>
+        <p:txBody>
+          <a:bodyPr rtlCol="0" anchor="ctr"/>
+          <a:lstStyle/>
+          <a:p>
+            <a:pPr algn="ctr"/>
+            <a:endParaRPr/>
+          </a:p>
+        </p:txBody>
+      </p:sp>
+      <p:sp>
+        <p:nvSpPr>
+          <p:cNvPr id="2" name="Title 1"/>
+          <p:cNvSpPr>
+            <a:spLocks noGrp="1"/>
+          </p:cNvSpPr>
+          <p:nvPr>
+            <p:ph type="title"/>
+          </p:nvPr>
+        </p:nvSpPr>
+        <p:spPr>
+          <a:xfrm>
+            <a:off x="5559205" y="3124200"/>
+            <a:ext cx="5197696" cy="871538"/>
+          </a:xfrm>
+        </p:spPr>
+        <p:txBody>
+          <a:bodyPr anchor="b">
+            <a:normAutofit/>
+          </a:bodyPr>
+          <a:lstStyle>
+            <a:lvl1pPr algn="l">
+              <a:defRPr sz="2600" b="0"/>
+            </a:lvl1pPr>
+          </a:lstStyle>
+          <a:p>
+            <a:r>
+              <a:rPr lang="en-US" altLang="zh-CN" smtClean="0"/>
+              <a:t>Click to edit Master title style</a:t>
+            </a:r>
+            <a:endParaRPr/>
+          </a:p>
+        </p:txBody>
+      </p:sp>
+      <p:sp>
+        <p:nvSpPr>
+          <p:cNvPr id="3" name="Picture Placeholder 2"/>
+          <p:cNvSpPr>
+            <a:spLocks noGrp="1"/>
+          </p:cNvSpPr>
+          <p:nvPr>
+            <p:ph type="pic" idx="1"/>
+          </p:nvPr>
+        </p:nvSpPr>
+        <p:spPr>
+          <a:xfrm>
+            <a:off x="370541" y="228600"/>
+            <a:ext cx="4614211" cy="6345238"/>
+          </a:xfrm>
+        </p:spPr>
+        <p:txBody>
+          <a:bodyPr/>
+          <a:lstStyle>
+            <a:lvl1pPr marL="0" indent="0">
+              <a:buNone/>
+              <a:defRPr sz="3200"/>
+            </a:lvl1pPr>
+            <a:lvl2pPr marL="457200" indent="0">
+              <a:buNone/>
+              <a:defRPr sz="2800"/>
+            </a:lvl2pPr>
+            <a:lvl3pPr marL="914400" indent="0">
+              <a:buNone/>
+              <a:defRPr sz="2400"/>
+            </a:lvl3pPr>
+            <a:lvl4pPr marL="1371600" indent="0">
+              <a:buNone/>
+              <a:defRPr sz="2000"/>
+            </a:lvl4pPr>
+            <a:lvl5pPr marL="1828800" indent="0">
+              <a:buNone/>
+              <a:defRPr sz="2000"/>
+            </a:lvl5pPr>
+            <a:lvl6pPr marL="2286000" indent="0">
+              <a:buNone/>
+              <a:defRPr sz="2000"/>
+            </a:lvl6pPr>
+            <a:lvl7pPr marL="2743200" indent="0">
+              <a:buNone/>
+              <a:defRPr sz="2000"/>
+            </a:lvl7pPr>
+            <a:lvl8pPr marL="3200400" indent="0">
+              <a:buNone/>
+              <a:defRPr sz="2000"/>
+            </a:lvl8pPr>
+            <a:lvl9pPr marL="3657600" indent="0">
+              <a:buNone/>
+              <a:defRPr sz="2000"/>
+            </a:lvl9pPr>
+          </a:lstStyle>
+          <a:p>
+            <a:r>
+              <a:rPr lang="en-US" altLang="zh-CN" smtClean="0"/>
+              <a:t>Drag picture to placeholder or click icon to add</a:t>
+            </a:r>
+            <a:endParaRPr/>
+          </a:p>
+        </p:txBody>
+      </p:sp>
+      <p:sp>
+        <p:nvSpPr>
+          <p:cNvPr id="4" name="Text Placeholder 3"/>
+          <p:cNvSpPr>
+            <a:spLocks noGrp="1"/>
+          </p:cNvSpPr>
+          <p:nvPr>
+            <p:ph type="body" sz="half" idx="2"/>
+          </p:nvPr>
+        </p:nvSpPr>
+        <p:spPr>
+          <a:xfrm>
+            <a:off x="5559205" y="3995737"/>
+            <a:ext cx="5197696" cy="2147888"/>
+          </a:xfrm>
+        </p:spPr>
+        <p:txBody>
+          <a:bodyPr/>
+          <a:lstStyle>
+            <a:lvl1pPr marL="0" indent="0">
+              <a:spcBef>
+                <a:spcPts val="600"/>
+              </a:spcBef>
+              <a:buNone/>
+              <a:defRPr sz="1400"/>
+            </a:lvl1pPr>
+            <a:lvl2pPr marL="457200" indent="0">
+              <a:buNone/>
+              <a:defRPr sz="1200"/>
+            </a:lvl2pPr>
+            <a:lvl3pPr marL="914400" indent="0">
+              <a:buNone/>
+              <a:defRPr sz="1000"/>
+            </a:lvl3pPr>
+            <a:lvl4pPr marL="1371600" indent="0">
+              <a:buNone/>
+              <a:defRPr sz="900"/>
+            </a:lvl4pPr>
+            <a:lvl5pPr marL="1828800" indent="0">
+              <a:buNone/>
+              <a:defRPr sz="900"/>
+            </a:lvl5pPr>
+            <a:lvl6pPr marL="2286000" indent="0">
+              <a:buNone/>
+              <a:defRPr sz="900"/>
+            </a:lvl6pPr>
+            <a:lvl7pPr marL="2743200" indent="0">
+              <a:buNone/>
+              <a:defRPr sz="900"/>
+            </a:lvl7pPr>
+            <a:lvl8pPr marL="3200400" indent="0">
+              <a:buNone/>
+              <a:defRPr sz="900"/>
+            </a:lvl8pPr>
+            <a:lvl9pPr marL="3657600" indent="0">
+              <a:buNone/>
+              <a:defRPr sz="900"/>
+            </a:lvl9pPr>
+          </a:lstStyle>
+          <a:p>
+            <a:pPr lvl="0"/>
+            <a:r>
+              <a:rPr lang="en-US" altLang="zh-CN" smtClean="0"/>
+              <a:t>Click to edit Master text styles</a:t>
+            </a:r>
+          </a:p>
+        </p:txBody>
+      </p:sp>
+      <p:sp>
+        <p:nvSpPr>
+          <p:cNvPr id="5" name="Date Placeholder 4"/>
+          <p:cNvSpPr>
+            <a:spLocks noGrp="1"/>
+          </p:cNvSpPr>
+          <p:nvPr>
+            <p:ph type="dt" sz="half" idx="10"/>
+          </p:nvPr>
+        </p:nvSpPr>
+        <p:spPr>
+          <a:xfrm>
+            <a:off x="9855200" y="6423586"/>
+            <a:ext cx="2049929" cy="365125"/>
+          </a:xfrm>
+        </p:spPr>
+        <p:txBody>
+          <a:bodyPr/>
+          <a:lstStyle/>
+          <a:p>
+            <a:fld id="{FEDBF184-AE6A-41EB-BBCB-9F86DBF77364}" type="datetimeFigureOut">
+              <a:rPr lang="en-US" smtClean="0"/>
+              <a:t>2/26/14</a:t>
+            </a:fld>
+            <a:endParaRPr lang="en-US"/>
+          </a:p>
+        </p:txBody>
+      </p:sp>
+      <p:sp>
+        <p:nvSpPr>
+          <p:cNvPr id="6" name="Footer Placeholder 5"/>
+          <p:cNvSpPr>
+            <a:spLocks noGrp="1"/>
+          </p:cNvSpPr>
+          <p:nvPr>
+            <p:ph type="ftr" sz="quarter" idx="11"/>
+          </p:nvPr>
+        </p:nvSpPr>
+        <p:spPr>
+          <a:xfrm>
+            <a:off x="5588000" y="6423586"/>
+            <a:ext cx="4006851" cy="365125"/>
+          </a:xfrm>
+        </p:spPr>
+        <p:txBody>
+          <a:bodyPr/>
+          <a:lstStyle/>
+          <a:p>
+            <a:endParaRPr lang="en-US"/>
+          </a:p>
+        </p:txBody>
+      </p:sp>
+      <p:sp>
+        <p:nvSpPr>
+          <p:cNvPr id="7" name="Slide Number Placeholder 6"/>
+          <p:cNvSpPr>
+            <a:spLocks noGrp="1"/>
+          </p:cNvSpPr>
+          <p:nvPr>
+            <p:ph type="sldNum" sz="quarter" idx="12"/>
+          </p:nvPr>
+        </p:nvSpPr>
+        <p:spPr/>
+        <p:txBody>
+          <a:bodyPr/>
+          <a:lstStyle/>
+          <a:p>
+            <a:fld id="{100B06FD-12AA-47B0-BCB2-99EE95C24A3C}" type="slidenum">
+              <a:rPr lang="en-US" smtClean="0"/>
+              <a:t>‹#›</a:t>
+            </a:fld>
+            <a:endParaRPr lang="en-US"/>
+          </a:p>
+        </p:txBody>
+      </p:sp>
+      <p:sp>
+        <p:nvSpPr>
+          <p:cNvPr id="10" name="TextBox 9"/>
+          <p:cNvSpPr txBox="1"/>
+          <p:nvPr/>
+        </p:nvSpPr>
+        <p:spPr>
+          <a:xfrm>
+            <a:off x="5320147" y="3370730"/>
+            <a:ext cx="294091" cy="369332"/>
+          </a:xfrm>
+          <a:prstGeom prst="rect">
+            <a:avLst/>
+          </a:prstGeom>
+          <a:noFill/>
+        </p:spPr>
+        <p:txBody>
+          <a:bodyPr wrap="square" lIns="0" tIns="0" rIns="0" bIns="0" rtlCol="0">
+            <a:spAutoFit/>
+          </a:bodyPr>
+          <a:lstStyle/>
+          <a:p>
+            <a:r>
+              <a:rPr sz="2400" b="1" baseline="0">
+                <a:solidFill>
+                  <a:schemeClr val="accent1">
+                    <a:lumMod val="60000"/>
+                    <a:lumOff val="40000"/>
+                  </a:schemeClr>
+                </a:solidFill>
+              </a:rPr>
+              <a:t>+ </a:t>
+            </a:r>
+          </a:p>
+        </p:txBody>
+      </p:sp>
+    </p:spTree>
+  </p:cSld>
+  <p:clrMapOvr>
+    <a:masterClrMapping/>
+  </p:clrMapOvr>
+</p:sldLayout>
+</file>
+
+<file path=ppt/slideLayouts/slideLayout15.xml><?xml version="1.0" encoding="utf-8"?>
+<p:sldLayout xmlns:a="http://schemas.openxmlformats.org/drawingml/2006/main" xmlns:r="http://schemas.openxmlformats.org/officeDocument/2006/relationships" xmlns:p="http://schemas.openxmlformats.org/presentationml/2006/main" type="picTx" preserve="1">
+  <p:cSld name="Picture above Caption">
+    <p:spTree>
+      <p:nvGrpSpPr>
+        <p:cNvPr id="1" name=""/>
+        <p:cNvGrpSpPr/>
+        <p:nvPr/>
+      </p:nvGrpSpPr>
+      <p:grpSpPr>
+        <a:xfrm>
+          <a:off x="0" y="0"/>
+          <a:ext cx="0" cy="0"/>
+          <a:chOff x="0" y="0"/>
+          <a:chExt cx="0" cy="0"/>
+        </a:xfrm>
+      </p:grpSpPr>
+      <p:sp>
+        <p:nvSpPr>
+          <p:cNvPr id="2" name="Title 1"/>
+          <p:cNvSpPr>
+            <a:spLocks noGrp="1"/>
+          </p:cNvSpPr>
+          <p:nvPr>
+            <p:ph type="title"/>
+          </p:nvPr>
+        </p:nvSpPr>
+        <p:spPr>
+          <a:xfrm>
+            <a:off x="675341" y="4424082"/>
+            <a:ext cx="8254876" cy="833718"/>
+          </a:xfrm>
+        </p:spPr>
+        <p:txBody>
+          <a:bodyPr anchor="b">
+            <a:normAutofit/>
+          </a:bodyPr>
+          <a:lstStyle>
+            <a:lvl1pPr algn="l">
+              <a:defRPr sz="2600" b="0"/>
+            </a:lvl1pPr>
+          </a:lstStyle>
+          <a:p>
+            <a:r>
+              <a:rPr lang="en-US" altLang="zh-CN" smtClean="0"/>
+              <a:t>Click to edit Master title style</a:t>
+            </a:r>
+            <a:endParaRPr/>
+          </a:p>
+        </p:txBody>
+      </p:sp>
+      <p:sp>
+        <p:nvSpPr>
+          <p:cNvPr id="3" name="Picture Placeholder 2"/>
+          <p:cNvSpPr>
+            <a:spLocks noGrp="1"/>
+          </p:cNvSpPr>
+          <p:nvPr>
+            <p:ph type="pic" idx="1"/>
+          </p:nvPr>
+        </p:nvSpPr>
+        <p:spPr>
+          <a:xfrm>
+            <a:off x="370541" y="228600"/>
+            <a:ext cx="8504519" cy="4187952"/>
+          </a:xfrm>
+        </p:spPr>
+        <p:txBody>
+          <a:bodyPr/>
+          <a:lstStyle>
+            <a:lvl1pPr marL="0" indent="0">
+              <a:buNone/>
+              <a:defRPr sz="3200"/>
+            </a:lvl1pPr>
+            <a:lvl2pPr marL="457200" indent="0">
+              <a:buNone/>
+              <a:defRPr sz="2800"/>
+            </a:lvl2pPr>
+            <a:lvl3pPr marL="914400" indent="0">
+              <a:buNone/>
+              <a:defRPr sz="2400"/>
+            </a:lvl3pPr>
+            <a:lvl4pPr marL="1371600" indent="0">
+              <a:buNone/>
+              <a:defRPr sz="2000"/>
+            </a:lvl4pPr>
+            <a:lvl5pPr marL="1828800" indent="0">
+              <a:buNone/>
+              <a:defRPr sz="2000"/>
+            </a:lvl5pPr>
+            <a:lvl6pPr marL="2286000" indent="0">
+              <a:buNone/>
+              <a:defRPr sz="2000"/>
+            </a:lvl6pPr>
+            <a:lvl7pPr marL="2743200" indent="0">
+              <a:buNone/>
+              <a:defRPr sz="2000"/>
+            </a:lvl7pPr>
+            <a:lvl8pPr marL="3200400" indent="0">
+              <a:buNone/>
+              <a:defRPr sz="2000"/>
+            </a:lvl8pPr>
+            <a:lvl9pPr marL="3657600" indent="0">
+              <a:buNone/>
+              <a:defRPr sz="2000"/>
+            </a:lvl9pPr>
+          </a:lstStyle>
+          <a:p>
+            <a:r>
+              <a:rPr lang="en-US" altLang="zh-CN" smtClean="0"/>
+              <a:t>Drag picture to placeholder or click icon to add</a:t>
+            </a:r>
+            <a:endParaRPr/>
+          </a:p>
+        </p:txBody>
+      </p:sp>
+      <p:sp>
+        <p:nvSpPr>
+          <p:cNvPr id="4" name="Text Placeholder 3"/>
+          <p:cNvSpPr>
+            <a:spLocks noGrp="1"/>
+          </p:cNvSpPr>
+          <p:nvPr>
+            <p:ph type="body" sz="half" idx="2"/>
+          </p:nvPr>
+        </p:nvSpPr>
+        <p:spPr>
+          <a:xfrm>
+            <a:off x="675341" y="5257800"/>
+            <a:ext cx="8254876" cy="885825"/>
+          </a:xfrm>
+        </p:spPr>
+        <p:txBody>
+          <a:bodyPr/>
+          <a:lstStyle>
+            <a:lvl1pPr marL="0" indent="0">
+              <a:spcBef>
+                <a:spcPts val="300"/>
+              </a:spcBef>
+              <a:buNone/>
+              <a:defRPr sz="1400"/>
+            </a:lvl1pPr>
+            <a:lvl2pPr marL="457200" indent="0">
+              <a:buNone/>
+              <a:defRPr sz="1200"/>
+            </a:lvl2pPr>
+            <a:lvl3pPr marL="914400" indent="0">
+              <a:buNone/>
+              <a:defRPr sz="1000"/>
+            </a:lvl3pPr>
+            <a:lvl4pPr marL="1371600" indent="0">
+              <a:buNone/>
+              <a:defRPr sz="900"/>
+            </a:lvl4pPr>
+            <a:lvl5pPr marL="1828800" indent="0">
+              <a:buNone/>
+              <a:defRPr sz="900"/>
+            </a:lvl5pPr>
+            <a:lvl6pPr marL="2286000" indent="0">
+              <a:buNone/>
+              <a:defRPr sz="900"/>
+            </a:lvl6pPr>
+            <a:lvl7pPr marL="2743200" indent="0">
+              <a:buNone/>
+              <a:defRPr sz="900"/>
+            </a:lvl7pPr>
+            <a:lvl8pPr marL="3200400" indent="0">
+              <a:buNone/>
+              <a:defRPr sz="900"/>
+            </a:lvl8pPr>
+            <a:lvl9pPr marL="3657600" indent="0">
+              <a:buNone/>
+              <a:defRPr sz="900"/>
+            </a:lvl9pPr>
+          </a:lstStyle>
+          <a:p>
+            <a:pPr lvl="0"/>
+            <a:r>
+              <a:rPr lang="en-US" altLang="zh-CN" smtClean="0"/>
+              <a:t>Click to edit Master text styles</a:t>
+            </a:r>
+          </a:p>
+        </p:txBody>
+      </p:sp>
+      <p:sp>
+        <p:nvSpPr>
+          <p:cNvPr id="5" name="Date Placeholder 4"/>
+          <p:cNvSpPr>
+            <a:spLocks noGrp="1"/>
+          </p:cNvSpPr>
+          <p:nvPr>
+            <p:ph type="dt" sz="half" idx="10"/>
+          </p:nvPr>
+        </p:nvSpPr>
+        <p:spPr/>
+        <p:txBody>
+          <a:bodyPr/>
+          <a:lstStyle/>
+          <a:p>
+            <a:fld id="{FEDBF184-AE6A-41EB-BBCB-9F86DBF77364}" type="datetimeFigureOut">
+              <a:rPr lang="en-US" smtClean="0"/>
+              <a:t>2/26/14</a:t>
+            </a:fld>
+            <a:endParaRPr lang="en-US"/>
+          </a:p>
+        </p:txBody>
+      </p:sp>
+      <p:sp>
+        <p:nvSpPr>
+          <p:cNvPr id="6" name="Footer Placeholder 5"/>
+          <p:cNvSpPr>
+            <a:spLocks noGrp="1"/>
+          </p:cNvSpPr>
+          <p:nvPr>
+            <p:ph type="ftr" sz="quarter" idx="11"/>
+          </p:nvPr>
+        </p:nvSpPr>
+        <p:spPr/>
+        <p:txBody>
+          <a:bodyPr/>
+          <a:lstStyle/>
+          <a:p>
+            <a:endParaRPr lang="en-US"/>
+          </a:p>
+        </p:txBody>
+      </p:sp>
+      <p:sp>
+        <p:nvSpPr>
+          <p:cNvPr id="7" name="Slide Number Placeholder 6"/>
+          <p:cNvSpPr>
+            <a:spLocks noGrp="1"/>
+          </p:cNvSpPr>
+          <p:nvPr>
+            <p:ph type="sldNum" sz="quarter" idx="12"/>
+          </p:nvPr>
+        </p:nvSpPr>
+        <p:spPr/>
+        <p:txBody>
+          <a:bodyPr/>
+          <a:lstStyle/>
+          <a:p>
+            <a:fld id="{100B06FD-12AA-47B0-BCB2-99EE95C24A3C}" type="slidenum">
+              <a:rPr lang="en-US" smtClean="0"/>
+              <a:t>‹#›</a:t>
+            </a:fld>
+            <a:endParaRPr lang="en-US"/>
+          </a:p>
+        </p:txBody>
+      </p:sp>
+      <p:sp>
+        <p:nvSpPr>
+          <p:cNvPr id="8" name="Rectangle 7"/>
+          <p:cNvSpPr/>
+          <p:nvPr/>
+        </p:nvSpPr>
+        <p:spPr>
+          <a:xfrm>
+            <a:off x="9069917" y="228600"/>
+            <a:ext cx="2743200" cy="2039112"/>
+          </a:xfrm>
+          <a:prstGeom prst="rect">
+            <a:avLst/>
+          </a:prstGeom>
+          <a:solidFill>
+            <a:schemeClr val="accent4"/>
+          </a:solidFill>
+          <a:ln>
+            <a:noFill/>
+          </a:ln>
+        </p:spPr>
+        <p:style>
+          <a:lnRef idx="2">
+            <a:schemeClr val="accent1">
+              <a:shade val="50000"/>
+            </a:schemeClr>
+          </a:lnRef>
+          <a:fillRef idx="1">
+            <a:schemeClr val="accent1"/>
+          </a:fillRef>
+          <a:effectRef idx="0">
+            <a:schemeClr val="accent1"/>
+          </a:effectRef>
+          <a:fontRef idx="minor">
+            <a:schemeClr val="lt1"/>
+          </a:fontRef>
+        </p:style>
+        <p:txBody>
+          <a:bodyPr rtlCol="0" anchor="ctr"/>
+          <a:lstStyle/>
+          <a:p>
+            <a:pPr algn="ctr"/>
+            <a:endParaRPr/>
+          </a:p>
+        </p:txBody>
+      </p:sp>
+      <p:sp>
+        <p:nvSpPr>
+          <p:cNvPr id="9" name="Rectangle 8"/>
+          <p:cNvSpPr/>
+          <p:nvPr/>
+        </p:nvSpPr>
+        <p:spPr>
+          <a:xfrm>
+            <a:off x="9069917" y="2377440"/>
+            <a:ext cx="2743200" cy="2039112"/>
+          </a:xfrm>
+          <a:prstGeom prst="rect">
+            <a:avLst/>
+          </a:prstGeom>
+          <a:solidFill>
+            <a:schemeClr val="accent1"/>
+          </a:solidFill>
+          <a:ln>
+            <a:noFill/>
+          </a:ln>
+        </p:spPr>
+        <p:style>
+          <a:lnRef idx="2">
+            <a:schemeClr val="accent1">
+              <a:shade val="50000"/>
+            </a:schemeClr>
+          </a:lnRef>
+          <a:fillRef idx="1">
+            <a:schemeClr val="accent1"/>
+          </a:fillRef>
+          <a:effectRef idx="0">
+            <a:schemeClr val="accent1"/>
+          </a:effectRef>
+          <a:fontRef idx="minor">
+            <a:schemeClr val="lt1"/>
+          </a:fontRef>
+        </p:style>
+        <p:txBody>
+          <a:bodyPr rtlCol="0" anchor="ctr"/>
+          <a:lstStyle/>
+          <a:p>
+            <a:pPr algn="ctr"/>
+            <a:endParaRPr/>
+          </a:p>
+        </p:txBody>
+      </p:sp>
+      <p:sp>
+        <p:nvSpPr>
+          <p:cNvPr id="10" name="TextBox 9"/>
+          <p:cNvSpPr txBox="1"/>
+          <p:nvPr/>
+        </p:nvSpPr>
+        <p:spPr>
+          <a:xfrm>
+            <a:off x="436283" y="4632792"/>
+            <a:ext cx="294091" cy="369332"/>
+          </a:xfrm>
+          <a:prstGeom prst="rect">
+            <a:avLst/>
+          </a:prstGeom>
+          <a:noFill/>
+        </p:spPr>
+        <p:txBody>
+          <a:bodyPr wrap="square" lIns="0" tIns="0" rIns="0" bIns="0" rtlCol="0">
+            <a:spAutoFit/>
+          </a:bodyPr>
+          <a:lstStyle/>
+          <a:p>
+            <a:r>
+              <a:rPr sz="2400" b="1" baseline="0">
+                <a:solidFill>
+                  <a:schemeClr val="accent1">
+                    <a:lumMod val="60000"/>
+                    <a:lumOff val="40000"/>
+                  </a:schemeClr>
+                </a:solidFill>
+              </a:rPr>
+              <a:t>+ </a:t>
+            </a:r>
+          </a:p>
+        </p:txBody>
+      </p:sp>
+    </p:spTree>
+  </p:cSld>
+  <p:clrMapOvr>
+    <a:masterClrMapping/>
+  </p:clrMapOvr>
+</p:sldLayout>
+</file>
+
+<file path=ppt/slideLayouts/slideLayout16.xml><?xml version="1.0" encoding="utf-8"?>
+<p:sldLayout xmlns:a="http://schemas.openxmlformats.org/drawingml/2006/main" xmlns:r="http://schemas.openxmlformats.org/officeDocument/2006/relationships" xmlns:p="http://schemas.openxmlformats.org/presentationml/2006/main" preserve="1">
+  <p:cSld name="2 Pictures with Caption">
+    <p:spTree>
+      <p:nvGrpSpPr>
+        <p:cNvPr id="1" name=""/>
+        <p:cNvGrpSpPr/>
+        <p:nvPr/>
+      </p:nvGrpSpPr>
+      <p:grpSpPr>
+        <a:xfrm>
+          <a:off x="0" y="0"/>
+          <a:ext cx="0" cy="0"/>
+          <a:chOff x="0" y="0"/>
+          <a:chExt cx="0" cy="0"/>
+        </a:xfrm>
+      </p:grpSpPr>
+      <p:sp>
+        <p:nvSpPr>
+          <p:cNvPr id="8" name="Rectangle 7"/>
+          <p:cNvSpPr/>
+          <p:nvPr/>
+        </p:nvSpPr>
+        <p:spPr>
+          <a:xfrm>
+            <a:off x="376766" y="228600"/>
+            <a:ext cx="8516223" cy="6345238"/>
+          </a:xfrm>
+          <a:prstGeom prst="rect">
+            <a:avLst/>
+          </a:prstGeom>
+          <a:solidFill>
+            <a:schemeClr val="accent1"/>
+          </a:solidFill>
+          <a:ln>
+            <a:noFill/>
+          </a:ln>
+        </p:spPr>
+        <p:style>
+          <a:lnRef idx="2">
+            <a:schemeClr val="accent1">
+              <a:shade val="50000"/>
+            </a:schemeClr>
+          </a:lnRef>
+          <a:fillRef idx="1">
+            <a:schemeClr val="accent1"/>
+          </a:fillRef>
+          <a:effectRef idx="0">
+            <a:schemeClr val="accent1"/>
+          </a:effectRef>
+          <a:fontRef idx="minor">
+            <a:schemeClr val="lt1"/>
+          </a:fontRef>
+        </p:style>
+        <p:txBody>
+          <a:bodyPr rtlCol="0" anchor="ctr"/>
+          <a:lstStyle/>
+          <a:p>
+            <a:pPr algn="ctr"/>
+            <a:endParaRPr/>
+          </a:p>
+        </p:txBody>
+      </p:sp>
+      <p:sp>
+        <p:nvSpPr>
+          <p:cNvPr id="2" name="Title 1"/>
+          <p:cNvSpPr>
+            <a:spLocks noGrp="1"/>
+          </p:cNvSpPr>
+          <p:nvPr>
+            <p:ph type="title"/>
+          </p:nvPr>
+        </p:nvSpPr>
+        <p:spPr>
+          <a:xfrm>
+            <a:off x="507406" y="2571750"/>
+            <a:ext cx="8242148" cy="1162050"/>
+          </a:xfrm>
+        </p:spPr>
+        <p:txBody>
+          <a:bodyPr anchor="b">
+            <a:normAutofit/>
+          </a:bodyPr>
+          <a:lstStyle>
+            <a:lvl1pPr algn="l">
+              <a:defRPr sz="2600" b="0">
+                <a:solidFill>
+                  <a:schemeClr val="bg1"/>
+                </a:solidFill>
+              </a:defRPr>
+            </a:lvl1pPr>
+          </a:lstStyle>
+          <a:p>
+            <a:r>
+              <a:rPr lang="en-US" altLang="zh-CN" smtClean="0"/>
+              <a:t>Click to edit Master title style</a:t>
+            </a:r>
+            <a:endParaRPr/>
+          </a:p>
+        </p:txBody>
+      </p:sp>
+      <p:sp>
+        <p:nvSpPr>
+          <p:cNvPr id="4" name="Text Placeholder 3"/>
+          <p:cNvSpPr>
+            <a:spLocks noGrp="1"/>
+          </p:cNvSpPr>
+          <p:nvPr>
+            <p:ph type="body" sz="half" idx="2"/>
+          </p:nvPr>
+        </p:nvSpPr>
+        <p:spPr>
+          <a:xfrm>
+            <a:off x="508126" y="3733801"/>
+            <a:ext cx="8239421" cy="2392363"/>
+          </a:xfrm>
+        </p:spPr>
+        <p:txBody>
+          <a:bodyPr/>
+          <a:lstStyle>
+            <a:lvl1pPr marL="0" indent="0">
+              <a:spcBef>
+                <a:spcPts val="600"/>
+              </a:spcBef>
+              <a:buNone/>
+              <a:defRPr sz="1400">
+                <a:solidFill>
+                  <a:schemeClr val="bg1"/>
+                </a:solidFill>
+              </a:defRPr>
+            </a:lvl1pPr>
+            <a:lvl2pPr marL="457200" indent="0">
+              <a:buNone/>
+              <a:defRPr sz="1200"/>
+            </a:lvl2pPr>
+            <a:lvl3pPr marL="914400" indent="0">
+              <a:buNone/>
+              <a:defRPr sz="1000"/>
+            </a:lvl3pPr>
+            <a:lvl4pPr marL="1371600" indent="0">
+              <a:buNone/>
+              <a:defRPr sz="900"/>
+            </a:lvl4pPr>
+            <a:lvl5pPr marL="1828800" indent="0">
+              <a:buNone/>
+              <a:defRPr sz="900"/>
+            </a:lvl5pPr>
+            <a:lvl6pPr marL="2286000" indent="0">
+              <a:buNone/>
+              <a:defRPr sz="900"/>
+            </a:lvl6pPr>
+            <a:lvl7pPr marL="2743200" indent="0">
+              <a:buNone/>
+              <a:defRPr sz="900"/>
+            </a:lvl7pPr>
+            <a:lvl8pPr marL="3200400" indent="0">
+              <a:buNone/>
+              <a:defRPr sz="900"/>
+            </a:lvl8pPr>
+            <a:lvl9pPr marL="3657600" indent="0">
+              <a:buNone/>
+              <a:defRPr sz="900"/>
+            </a:lvl9pPr>
+          </a:lstStyle>
+          <a:p>
+            <a:pPr lvl="0"/>
+            <a:r>
+              <a:rPr lang="en-US" altLang="zh-CN" smtClean="0"/>
+              <a:t>Click to edit Master text styles</a:t>
+            </a:r>
+          </a:p>
+        </p:txBody>
+      </p:sp>
+      <p:sp>
+        <p:nvSpPr>
+          <p:cNvPr id="5" name="Date Placeholder 4"/>
+          <p:cNvSpPr>
+            <a:spLocks noGrp="1"/>
+          </p:cNvSpPr>
+          <p:nvPr>
+            <p:ph type="dt" sz="half" idx="10"/>
+          </p:nvPr>
+        </p:nvSpPr>
+        <p:spPr>
+          <a:xfrm>
+            <a:off x="6949683" y="6235608"/>
+            <a:ext cx="1797864" cy="365125"/>
+          </a:xfrm>
+        </p:spPr>
+        <p:txBody>
+          <a:bodyPr/>
+          <a:lstStyle>
+            <a:lvl1pPr>
+              <a:defRPr>
+                <a:solidFill>
+                  <a:schemeClr val="bg1"/>
+                </a:solidFill>
+              </a:defRPr>
+            </a:lvl1pPr>
+          </a:lstStyle>
+          <a:p>
+            <a:fld id="{FEDBF184-AE6A-41EB-BBCB-9F86DBF77364}" type="datetimeFigureOut">
+              <a:rPr lang="en-US" smtClean="0"/>
+              <a:t>2/26/14</a:t>
+            </a:fld>
+            <a:endParaRPr lang="en-US"/>
+          </a:p>
+        </p:txBody>
+      </p:sp>
+      <p:sp>
+        <p:nvSpPr>
+          <p:cNvPr id="6" name="Footer Placeholder 5"/>
+          <p:cNvSpPr>
+            <a:spLocks noGrp="1"/>
+          </p:cNvSpPr>
+          <p:nvPr>
+            <p:ph type="ftr" sz="quarter" idx="11"/>
+          </p:nvPr>
+        </p:nvSpPr>
+        <p:spPr>
+          <a:xfrm>
+            <a:off x="508128" y="6235608"/>
+            <a:ext cx="6197473" cy="365125"/>
+          </a:xfrm>
+        </p:spPr>
+        <p:txBody>
+          <a:bodyPr/>
+          <a:lstStyle>
+            <a:lvl1pPr>
+              <a:defRPr>
+                <a:solidFill>
+                  <a:schemeClr val="bg1"/>
+                </a:solidFill>
+              </a:defRPr>
+            </a:lvl1pPr>
+          </a:lstStyle>
+          <a:p>
+            <a:endParaRPr lang="en-US"/>
+          </a:p>
+        </p:txBody>
+      </p:sp>
+      <p:sp>
+        <p:nvSpPr>
+          <p:cNvPr id="7" name="Slide Number Placeholder 6"/>
+          <p:cNvSpPr>
+            <a:spLocks noGrp="1"/>
+          </p:cNvSpPr>
+          <p:nvPr>
+            <p:ph type="sldNum" sz="quarter" idx="12"/>
+          </p:nvPr>
+        </p:nvSpPr>
+        <p:spPr/>
+        <p:txBody>
+          <a:bodyPr/>
+          <a:lstStyle/>
+          <a:p>
+            <a:fld id="{100B06FD-12AA-47B0-BCB2-99EE95C24A3C}" type="slidenum">
+              <a:rPr lang="en-US" smtClean="0"/>
+              <a:t>‹#›</a:t>
+            </a:fld>
+            <a:endParaRPr lang="en-US"/>
+          </a:p>
+        </p:txBody>
+      </p:sp>
+      <p:sp>
+        <p:nvSpPr>
+          <p:cNvPr id="9" name="TextBox 8"/>
+          <p:cNvSpPr txBox="1"/>
+          <p:nvPr/>
+        </p:nvSpPr>
+        <p:spPr>
+          <a:xfrm>
+            <a:off x="566522" y="174813"/>
+            <a:ext cx="551079" cy="830997"/>
+          </a:xfrm>
+          <a:prstGeom prst="rect">
+            <a:avLst/>
+          </a:prstGeom>
+          <a:noFill/>
+        </p:spPr>
+        <p:txBody>
+          <a:bodyPr wrap="square" lIns="0" tIns="0" rIns="0" bIns="0" rtlCol="0">
+            <a:spAutoFit/>
+          </a:bodyPr>
+          <a:lstStyle/>
+          <a:p>
+            <a:r>
+              <a:rPr sz="5400" b="1">
+                <a:solidFill>
+                  <a:schemeClr val="accent1">
+                    <a:lumMod val="60000"/>
+                    <a:lumOff val="40000"/>
+                  </a:schemeClr>
+                </a:solidFill>
+              </a:rPr>
+              <a:t>+</a:t>
+            </a:r>
+          </a:p>
+        </p:txBody>
+      </p:sp>
+      <p:sp>
+        <p:nvSpPr>
+          <p:cNvPr id="10" name="Rectangle 9"/>
+          <p:cNvSpPr/>
+          <p:nvPr/>
+        </p:nvSpPr>
+        <p:spPr>
+          <a:xfrm>
+            <a:off x="9069917" y="228600"/>
+            <a:ext cx="2743200" cy="2039112"/>
+          </a:xfrm>
+          <a:prstGeom prst="rect">
+            <a:avLst/>
+          </a:prstGeom>
+          <a:solidFill>
+            <a:schemeClr val="accent3"/>
+          </a:solidFill>
+          <a:ln>
+            <a:noFill/>
+          </a:ln>
+        </p:spPr>
+        <p:style>
+          <a:lnRef idx="2">
+            <a:schemeClr val="accent1">
+              <a:shade val="50000"/>
+            </a:schemeClr>
+          </a:lnRef>
+          <a:fillRef idx="1">
+            <a:schemeClr val="accent1"/>
+          </a:fillRef>
+          <a:effectRef idx="0">
+            <a:schemeClr val="accent1"/>
+          </a:effectRef>
+          <a:fontRef idx="minor">
+            <a:schemeClr val="lt1"/>
+          </a:fontRef>
+        </p:style>
+        <p:txBody>
+          <a:bodyPr rtlCol="0" anchor="ctr"/>
+          <a:lstStyle/>
+          <a:p>
+            <a:pPr algn="ctr"/>
+            <a:endParaRPr/>
+          </a:p>
+        </p:txBody>
+      </p:sp>
+      <p:sp>
+        <p:nvSpPr>
+          <p:cNvPr id="12" name="Picture Placeholder 12"/>
+          <p:cNvSpPr>
+            <a:spLocks noGrp="1"/>
+          </p:cNvSpPr>
+          <p:nvPr>
+            <p:ph type="pic" sz="quarter" idx="13"/>
+          </p:nvPr>
+        </p:nvSpPr>
+        <p:spPr>
+          <a:xfrm>
+            <a:off x="9069917" y="2374940"/>
+            <a:ext cx="2743200" cy="2039112"/>
+          </a:xfrm>
+        </p:spPr>
+        <p:txBody>
+          <a:bodyPr/>
+          <a:lstStyle>
+            <a:lvl1pPr>
+              <a:buNone/>
+              <a:defRPr/>
+            </a:lvl1pPr>
+          </a:lstStyle>
+          <a:p>
+            <a:r>
+              <a:rPr lang="en-US" altLang="zh-CN" smtClean="0"/>
+              <a:t>Drag picture to placeholder or click icon to add</a:t>
+            </a:r>
+            <a:endParaRPr/>
+          </a:p>
+        </p:txBody>
+      </p:sp>
+      <p:sp>
+        <p:nvSpPr>
+          <p:cNvPr id="13" name="Picture Placeholder 12"/>
+          <p:cNvSpPr>
+            <a:spLocks noGrp="1"/>
+          </p:cNvSpPr>
+          <p:nvPr>
+            <p:ph type="pic" sz="quarter" idx="14"/>
+          </p:nvPr>
+        </p:nvSpPr>
+        <p:spPr>
+          <a:xfrm>
+            <a:off x="9069917" y="4535424"/>
+            <a:ext cx="2743200" cy="2039112"/>
+          </a:xfrm>
+        </p:spPr>
+        <p:txBody>
+          <a:bodyPr/>
+          <a:lstStyle>
+            <a:lvl1pPr>
+              <a:buNone/>
+              <a:defRPr/>
+            </a:lvl1pPr>
+          </a:lstStyle>
+          <a:p>
+            <a:r>
+              <a:rPr lang="en-US" altLang="zh-CN" smtClean="0"/>
+              <a:t>Drag picture to placeholder or click icon to add</a:t>
+            </a:r>
+            <a:endParaRPr/>
+          </a:p>
+        </p:txBody>
+      </p:sp>
+    </p:spTree>
+  </p:cSld>
+  <p:clrMapOvr>
+    <a:masterClrMapping/>
+  </p:clrMapOvr>
+</p:sldLayout>
+</file>
+
+<file path=ppt/slideLayouts/slideLayout17.xml><?xml version="1.0" encoding="utf-8"?>
+<p:sldLayout xmlns:a="http://schemas.openxmlformats.org/drawingml/2006/main" xmlns:r="http://schemas.openxmlformats.org/officeDocument/2006/relationships" xmlns:p="http://schemas.openxmlformats.org/presentationml/2006/main" preserve="1">
+  <p:cSld name="3 Pictures with Caption">
+    <p:spTree>
+      <p:nvGrpSpPr>
+        <p:cNvPr id="1" name=""/>
+        <p:cNvGrpSpPr/>
+        <p:nvPr/>
+      </p:nvGrpSpPr>
+      <p:grpSpPr>
+        <a:xfrm>
+          <a:off x="0" y="0"/>
+          <a:ext cx="0" cy="0"/>
+          <a:chOff x="0" y="0"/>
+          <a:chExt cx="0" cy="0"/>
+        </a:xfrm>
+      </p:grpSpPr>
+      <p:sp>
+        <p:nvSpPr>
+          <p:cNvPr id="8" name="Rectangle 7"/>
+          <p:cNvSpPr/>
+          <p:nvPr/>
+        </p:nvSpPr>
+        <p:spPr>
+          <a:xfrm>
+            <a:off x="376767" y="228600"/>
+            <a:ext cx="5647267" cy="6345238"/>
+          </a:xfrm>
+          <a:prstGeom prst="rect">
+            <a:avLst/>
+          </a:prstGeom>
+          <a:solidFill>
+            <a:schemeClr val="accent1"/>
+          </a:solidFill>
+          <a:ln>
+            <a:noFill/>
+          </a:ln>
+        </p:spPr>
+        <p:style>
+          <a:lnRef idx="2">
+            <a:schemeClr val="accent1">
+              <a:shade val="50000"/>
+            </a:schemeClr>
+          </a:lnRef>
+          <a:fillRef idx="1">
+            <a:schemeClr val="accent1"/>
+          </a:fillRef>
+          <a:effectRef idx="0">
+            <a:schemeClr val="accent1"/>
+          </a:effectRef>
+          <a:fontRef idx="minor">
+            <a:schemeClr val="lt1"/>
+          </a:fontRef>
+        </p:style>
+        <p:txBody>
+          <a:bodyPr rtlCol="0" anchor="ctr"/>
+          <a:lstStyle/>
+          <a:p>
+            <a:pPr algn="ctr"/>
+            <a:endParaRPr/>
+          </a:p>
+        </p:txBody>
+      </p:sp>
+      <p:sp>
+        <p:nvSpPr>
+          <p:cNvPr id="2" name="Title 1"/>
+          <p:cNvSpPr>
+            <a:spLocks noGrp="1"/>
+          </p:cNvSpPr>
+          <p:nvPr>
+            <p:ph type="title"/>
+          </p:nvPr>
+        </p:nvSpPr>
+        <p:spPr>
+          <a:xfrm>
+            <a:off x="507406" y="2571750"/>
+            <a:ext cx="5355511" cy="1162050"/>
+          </a:xfrm>
+        </p:spPr>
+        <p:txBody>
+          <a:bodyPr anchor="b">
+            <a:normAutofit/>
+          </a:bodyPr>
+          <a:lstStyle>
+            <a:lvl1pPr algn="l">
+              <a:defRPr sz="2600" b="0">
+                <a:solidFill>
+                  <a:schemeClr val="bg1"/>
+                </a:solidFill>
+              </a:defRPr>
+            </a:lvl1pPr>
+          </a:lstStyle>
+          <a:p>
+            <a:r>
+              <a:rPr lang="en-US" altLang="zh-CN" smtClean="0"/>
+              <a:t>Click to edit Master title style</a:t>
+            </a:r>
+            <a:endParaRPr/>
+          </a:p>
+        </p:txBody>
+      </p:sp>
+      <p:sp>
+        <p:nvSpPr>
+          <p:cNvPr id="4" name="Text Placeholder 3"/>
+          <p:cNvSpPr>
+            <a:spLocks noGrp="1"/>
+          </p:cNvSpPr>
+          <p:nvPr>
+            <p:ph type="body" sz="half" idx="2"/>
+          </p:nvPr>
+        </p:nvSpPr>
+        <p:spPr>
+          <a:xfrm>
+            <a:off x="508125" y="3733801"/>
+            <a:ext cx="5353739" cy="2392363"/>
+          </a:xfrm>
+        </p:spPr>
+        <p:txBody>
+          <a:bodyPr/>
+          <a:lstStyle>
+            <a:lvl1pPr marL="0" indent="0">
+              <a:spcBef>
+                <a:spcPts val="600"/>
+              </a:spcBef>
+              <a:buNone/>
+              <a:defRPr sz="1400">
+                <a:solidFill>
+                  <a:schemeClr val="bg1"/>
+                </a:solidFill>
+              </a:defRPr>
+            </a:lvl1pPr>
+            <a:lvl2pPr marL="457200" indent="0">
+              <a:buNone/>
+              <a:defRPr sz="1200"/>
+            </a:lvl2pPr>
+            <a:lvl3pPr marL="914400" indent="0">
+              <a:buNone/>
+              <a:defRPr sz="1000"/>
+            </a:lvl3pPr>
+            <a:lvl4pPr marL="1371600" indent="0">
+              <a:buNone/>
+              <a:defRPr sz="900"/>
+            </a:lvl4pPr>
+            <a:lvl5pPr marL="1828800" indent="0">
+              <a:buNone/>
+              <a:defRPr sz="900"/>
+            </a:lvl5pPr>
+            <a:lvl6pPr marL="2286000" indent="0">
+              <a:buNone/>
+              <a:defRPr sz="900"/>
+            </a:lvl6pPr>
+            <a:lvl7pPr marL="2743200" indent="0">
+              <a:buNone/>
+              <a:defRPr sz="900"/>
+            </a:lvl7pPr>
+            <a:lvl8pPr marL="3200400" indent="0">
+              <a:buNone/>
+              <a:defRPr sz="900"/>
+            </a:lvl8pPr>
+            <a:lvl9pPr marL="3657600" indent="0">
+              <a:buNone/>
+              <a:defRPr sz="900"/>
+            </a:lvl9pPr>
+          </a:lstStyle>
+          <a:p>
+            <a:pPr lvl="0"/>
+            <a:r>
+              <a:rPr lang="en-US" altLang="zh-CN" smtClean="0"/>
+              <a:t>Click to edit Master text styles</a:t>
+            </a:r>
+          </a:p>
+        </p:txBody>
+      </p:sp>
+      <p:sp>
+        <p:nvSpPr>
+          <p:cNvPr id="5" name="Date Placeholder 4"/>
+          <p:cNvSpPr>
+            <a:spLocks noGrp="1"/>
+          </p:cNvSpPr>
+          <p:nvPr>
+            <p:ph type="dt" sz="half" idx="10"/>
+          </p:nvPr>
+        </p:nvSpPr>
+        <p:spPr>
+          <a:xfrm>
+            <a:off x="4064000" y="6235608"/>
+            <a:ext cx="1797864" cy="365125"/>
+          </a:xfrm>
+        </p:spPr>
+        <p:txBody>
+          <a:bodyPr/>
+          <a:lstStyle>
+            <a:lvl1pPr>
+              <a:defRPr>
+                <a:solidFill>
+                  <a:schemeClr val="bg1"/>
+                </a:solidFill>
+              </a:defRPr>
+            </a:lvl1pPr>
+          </a:lstStyle>
+          <a:p>
+            <a:fld id="{FEDBF184-AE6A-41EB-BBCB-9F86DBF77364}" type="datetimeFigureOut">
+              <a:rPr lang="en-US" smtClean="0"/>
+              <a:t>2/26/14</a:t>
+            </a:fld>
+            <a:endParaRPr lang="en-US"/>
+          </a:p>
+        </p:txBody>
+      </p:sp>
+      <p:sp>
+        <p:nvSpPr>
+          <p:cNvPr id="6" name="Footer Placeholder 5"/>
+          <p:cNvSpPr>
+            <a:spLocks noGrp="1"/>
+          </p:cNvSpPr>
+          <p:nvPr>
+            <p:ph type="ftr" sz="quarter" idx="11"/>
+          </p:nvPr>
+        </p:nvSpPr>
+        <p:spPr>
+          <a:xfrm>
+            <a:off x="508128" y="6235608"/>
+            <a:ext cx="3454273" cy="365125"/>
+          </a:xfrm>
+        </p:spPr>
+        <p:txBody>
+          <a:bodyPr/>
+          <a:lstStyle>
+            <a:lvl1pPr>
+              <a:defRPr>
+                <a:solidFill>
+                  <a:schemeClr val="bg1"/>
+                </a:solidFill>
+              </a:defRPr>
+            </a:lvl1pPr>
+          </a:lstStyle>
+          <a:p>
+            <a:endParaRPr lang="en-US"/>
+          </a:p>
+        </p:txBody>
+      </p:sp>
+      <p:sp>
+        <p:nvSpPr>
+          <p:cNvPr id="7" name="Slide Number Placeholder 6"/>
+          <p:cNvSpPr>
+            <a:spLocks noGrp="1"/>
+          </p:cNvSpPr>
+          <p:nvPr>
+            <p:ph type="sldNum" sz="quarter" idx="12"/>
+          </p:nvPr>
+        </p:nvSpPr>
+        <p:spPr/>
+        <p:txBody>
+          <a:bodyPr/>
+          <a:lstStyle/>
+          <a:p>
+            <a:fld id="{100B06FD-12AA-47B0-BCB2-99EE95C24A3C}" type="slidenum">
+              <a:rPr lang="en-US" smtClean="0"/>
+              <a:t>‹#›</a:t>
+            </a:fld>
+            <a:endParaRPr lang="en-US"/>
+          </a:p>
+        </p:txBody>
+      </p:sp>
+      <p:sp>
+        <p:nvSpPr>
+          <p:cNvPr id="9" name="TextBox 8"/>
+          <p:cNvSpPr txBox="1"/>
+          <p:nvPr/>
+        </p:nvSpPr>
+        <p:spPr>
+          <a:xfrm>
+            <a:off x="566522" y="174813"/>
+            <a:ext cx="551079" cy="830997"/>
+          </a:xfrm>
+          <a:prstGeom prst="rect">
+            <a:avLst/>
+          </a:prstGeom>
+          <a:noFill/>
+        </p:spPr>
+        <p:txBody>
+          <a:bodyPr wrap="square" lIns="0" tIns="0" rIns="0" bIns="0" rtlCol="0">
+            <a:spAutoFit/>
+          </a:bodyPr>
+          <a:lstStyle/>
+          <a:p>
+            <a:r>
+              <a:rPr sz="5400" b="1">
+                <a:solidFill>
+                  <a:schemeClr val="accent1">
+                    <a:lumMod val="60000"/>
+                    <a:lumOff val="40000"/>
+                  </a:schemeClr>
+                </a:solidFill>
+              </a:rPr>
+              <a:t>+</a:t>
+            </a:r>
+          </a:p>
+        </p:txBody>
+      </p:sp>
+      <p:sp>
+        <p:nvSpPr>
+          <p:cNvPr id="10" name="Rectangle 9"/>
+          <p:cNvSpPr/>
+          <p:nvPr/>
+        </p:nvSpPr>
+        <p:spPr>
+          <a:xfrm>
+            <a:off x="9069917" y="228600"/>
+            <a:ext cx="2743200" cy="2039112"/>
+          </a:xfrm>
+          <a:prstGeom prst="rect">
+            <a:avLst/>
+          </a:prstGeom>
+          <a:solidFill>
+            <a:schemeClr val="accent3"/>
+          </a:solidFill>
+          <a:ln>
+            <a:noFill/>
+          </a:ln>
+        </p:spPr>
+        <p:style>
+          <a:lnRef idx="2">
+            <a:schemeClr val="accent1">
+              <a:shade val="50000"/>
+            </a:schemeClr>
+          </a:lnRef>
+          <a:fillRef idx="1">
+            <a:schemeClr val="accent1"/>
+          </a:fillRef>
+          <a:effectRef idx="0">
+            <a:schemeClr val="accent1"/>
+          </a:effectRef>
+          <a:fontRef idx="minor">
+            <a:schemeClr val="lt1"/>
+          </a:fontRef>
+        </p:style>
+        <p:txBody>
+          <a:bodyPr rtlCol="0" anchor="ctr"/>
+          <a:lstStyle/>
+          <a:p>
+            <a:pPr algn="ctr"/>
+            <a:endParaRPr/>
+          </a:p>
+        </p:txBody>
+      </p:sp>
+      <p:sp>
+        <p:nvSpPr>
+          <p:cNvPr id="11" name="Rectangle 10"/>
+          <p:cNvSpPr/>
+          <p:nvPr/>
+        </p:nvSpPr>
+        <p:spPr>
+          <a:xfrm>
+            <a:off x="6165851" y="4534726"/>
+            <a:ext cx="2743200" cy="2039112"/>
+          </a:xfrm>
+          <a:prstGeom prst="rect">
+            <a:avLst/>
+          </a:prstGeom>
+          <a:solidFill>
+            <a:schemeClr val="accent4"/>
+          </a:solidFill>
+          <a:ln>
+            <a:noFill/>
+          </a:ln>
+        </p:spPr>
+        <p:style>
+          <a:lnRef idx="2">
+            <a:schemeClr val="accent1">
+              <a:shade val="50000"/>
+            </a:schemeClr>
+          </a:lnRef>
+          <a:fillRef idx="1">
+            <a:schemeClr val="accent1"/>
+          </a:fillRef>
+          <a:effectRef idx="0">
+            <a:schemeClr val="accent1"/>
+          </a:effectRef>
+          <a:fontRef idx="minor">
+            <a:schemeClr val="lt1"/>
+          </a:fontRef>
+        </p:style>
+        <p:txBody>
+          <a:bodyPr rtlCol="0" anchor="ctr"/>
+          <a:lstStyle/>
+          <a:p>
+            <a:pPr algn="ctr"/>
+            <a:endParaRPr/>
+          </a:p>
+        </p:txBody>
+      </p:sp>
+      <p:sp>
+        <p:nvSpPr>
+          <p:cNvPr id="12" name="Picture Placeholder 12"/>
+          <p:cNvSpPr>
+            <a:spLocks noGrp="1"/>
+          </p:cNvSpPr>
+          <p:nvPr>
+            <p:ph type="pic" sz="quarter" idx="13"/>
+          </p:nvPr>
+        </p:nvSpPr>
+        <p:spPr>
+          <a:xfrm>
+            <a:off x="6165851" y="228600"/>
+            <a:ext cx="2743200" cy="2039112"/>
+          </a:xfrm>
+        </p:spPr>
+        <p:txBody>
+          <a:bodyPr/>
+          <a:lstStyle>
+            <a:lvl1pPr>
+              <a:buNone/>
+              <a:defRPr/>
+            </a:lvl1pPr>
+          </a:lstStyle>
+          <a:p>
+            <a:r>
+              <a:rPr lang="en-US" altLang="zh-CN" smtClean="0"/>
+              <a:t>Drag picture to placeholder or click icon to add</a:t>
+            </a:r>
+            <a:endParaRPr/>
+          </a:p>
+        </p:txBody>
+      </p:sp>
+      <p:sp>
+        <p:nvSpPr>
+          <p:cNvPr id="13" name="Picture Placeholder 12"/>
+          <p:cNvSpPr>
+            <a:spLocks noGrp="1"/>
+          </p:cNvSpPr>
+          <p:nvPr>
+            <p:ph type="pic" sz="quarter" idx="14"/>
+          </p:nvPr>
+        </p:nvSpPr>
+        <p:spPr>
+          <a:xfrm>
+            <a:off x="6165851" y="2381663"/>
+            <a:ext cx="2743200" cy="2039112"/>
+          </a:xfrm>
+        </p:spPr>
+        <p:txBody>
+          <a:bodyPr/>
+          <a:lstStyle>
+            <a:lvl1pPr>
+              <a:buNone/>
+              <a:defRPr/>
+            </a:lvl1pPr>
+          </a:lstStyle>
+          <a:p>
+            <a:r>
+              <a:rPr lang="en-US" altLang="zh-CN" smtClean="0"/>
+              <a:t>Drag picture to placeholder or click icon to add</a:t>
+            </a:r>
+            <a:endParaRPr/>
+          </a:p>
+        </p:txBody>
+      </p:sp>
+      <p:sp>
+        <p:nvSpPr>
+          <p:cNvPr id="14" name="Picture Placeholder 12"/>
+          <p:cNvSpPr>
+            <a:spLocks noGrp="1"/>
+          </p:cNvSpPr>
+          <p:nvPr>
+            <p:ph type="pic" sz="quarter" idx="15"/>
+          </p:nvPr>
+        </p:nvSpPr>
+        <p:spPr>
+          <a:xfrm>
+            <a:off x="9070848" y="2381662"/>
+            <a:ext cx="2743200" cy="4187952"/>
+          </a:xfrm>
+        </p:spPr>
+        <p:txBody>
+          <a:bodyPr/>
+          <a:lstStyle>
+            <a:lvl1pPr>
+              <a:buNone/>
+              <a:defRPr/>
+            </a:lvl1pPr>
+          </a:lstStyle>
+          <a:p>
+            <a:r>
+              <a:rPr lang="en-US" altLang="zh-CN" smtClean="0"/>
+              <a:t>Drag picture to placeholder or click icon to add</a:t>
+            </a:r>
+            <a:endParaRPr/>
+          </a:p>
+        </p:txBody>
+      </p:sp>
+    </p:spTree>
+  </p:cSld>
+  <p:clrMapOvr>
+    <a:masterClrMapping/>
+  </p:clrMapOvr>
+</p:sldLayout>
+</file>
+
+<file path=ppt/slideLayouts/slideLayout18.xml><?xml version="1.0" encoding="utf-8"?>
+<p:sldLayout xmlns:a="http://schemas.openxmlformats.org/drawingml/2006/main" xmlns:r="http://schemas.openxmlformats.org/officeDocument/2006/relationships" xmlns:p="http://schemas.openxmlformats.org/presentationml/2006/main" preserve="1">
+  <p:cSld name="3 Pictures with Caption, Alt.">
+    <p:spTree>
+      <p:nvGrpSpPr>
+        <p:cNvPr id="1" name=""/>
+        <p:cNvGrpSpPr/>
+        <p:nvPr/>
+      </p:nvGrpSpPr>
+      <p:grpSpPr>
+        <a:xfrm>
+          <a:off x="0" y="0"/>
+          <a:ext cx="0" cy="0"/>
+          <a:chOff x="0" y="0"/>
+          <a:chExt cx="0" cy="0"/>
+        </a:xfrm>
+      </p:grpSpPr>
+      <p:sp>
+        <p:nvSpPr>
+          <p:cNvPr id="11" name="Rectangle 10"/>
+          <p:cNvSpPr/>
+          <p:nvPr/>
+        </p:nvSpPr>
+        <p:spPr>
+          <a:xfrm>
+            <a:off x="10889129" y="282574"/>
+            <a:ext cx="914400" cy="302217"/>
+          </a:xfrm>
+          <a:prstGeom prst="rect">
+            <a:avLst/>
+          </a:prstGeom>
+          <a:solidFill>
+            <a:schemeClr val="accent1"/>
+          </a:solidFill>
+          <a:ln>
+            <a:noFill/>
+          </a:ln>
+        </p:spPr>
+        <p:style>
+          <a:lnRef idx="2">
+            <a:schemeClr val="accent1">
+              <a:shade val="50000"/>
+            </a:schemeClr>
+          </a:lnRef>
+          <a:fillRef idx="1">
+            <a:schemeClr val="accent1"/>
+          </a:fillRef>
+          <a:effectRef idx="0">
+            <a:schemeClr val="accent1"/>
+          </a:effectRef>
+          <a:fontRef idx="minor">
+            <a:schemeClr val="lt1"/>
+          </a:fontRef>
+        </p:style>
+        <p:txBody>
+          <a:bodyPr rtlCol="0" anchor="ctr"/>
+          <a:lstStyle/>
+          <a:p>
+            <a:pPr algn="ctr"/>
+            <a:endParaRPr/>
+          </a:p>
+        </p:txBody>
+      </p:sp>
+      <p:sp>
+        <p:nvSpPr>
+          <p:cNvPr id="2" name="Title 1"/>
+          <p:cNvSpPr>
+            <a:spLocks noGrp="1"/>
+          </p:cNvSpPr>
+          <p:nvPr>
+            <p:ph type="title"/>
+          </p:nvPr>
+        </p:nvSpPr>
+        <p:spPr>
+          <a:xfrm>
+            <a:off x="6604000" y="3124200"/>
+            <a:ext cx="4145280" cy="871538"/>
+          </a:xfrm>
+        </p:spPr>
+        <p:txBody>
+          <a:bodyPr anchor="b">
+            <a:normAutofit/>
+          </a:bodyPr>
+          <a:lstStyle>
+            <a:lvl1pPr algn="l">
+              <a:defRPr sz="2600" b="0"/>
+            </a:lvl1pPr>
+          </a:lstStyle>
+          <a:p>
+            <a:r>
+              <a:rPr lang="en-US" altLang="zh-CN" smtClean="0"/>
+              <a:t>Click to edit Master title style</a:t>
+            </a:r>
+            <a:endParaRPr/>
+          </a:p>
+        </p:txBody>
+      </p:sp>
+      <p:sp>
+        <p:nvSpPr>
+          <p:cNvPr id="3" name="Picture Placeholder 2"/>
+          <p:cNvSpPr>
+            <a:spLocks noGrp="1"/>
+          </p:cNvSpPr>
+          <p:nvPr>
+            <p:ph type="pic" idx="1"/>
+          </p:nvPr>
+        </p:nvSpPr>
+        <p:spPr>
+          <a:xfrm>
+            <a:off x="370541" y="2365248"/>
+            <a:ext cx="5653492" cy="4187952"/>
+          </a:xfrm>
+        </p:spPr>
+        <p:txBody>
+          <a:bodyPr/>
+          <a:lstStyle>
+            <a:lvl1pPr marL="0" indent="0">
+              <a:buNone/>
+              <a:defRPr sz="3200"/>
+            </a:lvl1pPr>
+            <a:lvl2pPr marL="457200" indent="0">
+              <a:buNone/>
+              <a:defRPr sz="2800"/>
+            </a:lvl2pPr>
+            <a:lvl3pPr marL="914400" indent="0">
+              <a:buNone/>
+              <a:defRPr sz="2400"/>
+            </a:lvl3pPr>
+            <a:lvl4pPr marL="1371600" indent="0">
+              <a:buNone/>
+              <a:defRPr sz="2000"/>
+            </a:lvl4pPr>
+            <a:lvl5pPr marL="1828800" indent="0">
+              <a:buNone/>
+              <a:defRPr sz="2000"/>
+            </a:lvl5pPr>
+            <a:lvl6pPr marL="2286000" indent="0">
+              <a:buNone/>
+              <a:defRPr sz="2000"/>
+            </a:lvl6pPr>
+            <a:lvl7pPr marL="2743200" indent="0">
+              <a:buNone/>
+              <a:defRPr sz="2000"/>
+            </a:lvl7pPr>
+            <a:lvl8pPr marL="3200400" indent="0">
+              <a:buNone/>
+              <a:defRPr sz="2000"/>
+            </a:lvl8pPr>
+            <a:lvl9pPr marL="3657600" indent="0">
+              <a:buNone/>
+              <a:defRPr sz="2000"/>
+            </a:lvl9pPr>
+          </a:lstStyle>
+          <a:p>
+            <a:r>
+              <a:rPr lang="en-US" altLang="zh-CN" smtClean="0"/>
+              <a:t>Drag picture to placeholder or click icon to add</a:t>
+            </a:r>
+            <a:endParaRPr/>
+          </a:p>
+        </p:txBody>
+      </p:sp>
+      <p:sp>
+        <p:nvSpPr>
+          <p:cNvPr id="4" name="Text Placeholder 3"/>
+          <p:cNvSpPr>
+            <a:spLocks noGrp="1"/>
+          </p:cNvSpPr>
+          <p:nvPr>
+            <p:ph type="body" sz="half" idx="2"/>
+          </p:nvPr>
+        </p:nvSpPr>
+        <p:spPr>
+          <a:xfrm>
+            <a:off x="6604000" y="3995737"/>
+            <a:ext cx="4145280" cy="2147888"/>
+          </a:xfrm>
+        </p:spPr>
+        <p:txBody>
+          <a:bodyPr/>
+          <a:lstStyle>
+            <a:lvl1pPr marL="0" indent="0">
+              <a:spcBef>
+                <a:spcPts val="600"/>
+              </a:spcBef>
+              <a:buNone/>
+              <a:defRPr sz="1400"/>
+            </a:lvl1pPr>
+            <a:lvl2pPr marL="457200" indent="0">
+              <a:buNone/>
+              <a:defRPr sz="1200"/>
+            </a:lvl2pPr>
+            <a:lvl3pPr marL="914400" indent="0">
+              <a:buNone/>
+              <a:defRPr sz="1000"/>
+            </a:lvl3pPr>
+            <a:lvl4pPr marL="1371600" indent="0">
+              <a:buNone/>
+              <a:defRPr sz="900"/>
+            </a:lvl4pPr>
+            <a:lvl5pPr marL="1828800" indent="0">
+              <a:buNone/>
+              <a:defRPr sz="900"/>
+            </a:lvl5pPr>
+            <a:lvl6pPr marL="2286000" indent="0">
+              <a:buNone/>
+              <a:defRPr sz="900"/>
+            </a:lvl6pPr>
+            <a:lvl7pPr marL="2743200" indent="0">
+              <a:buNone/>
+              <a:defRPr sz="900"/>
+            </a:lvl7pPr>
+            <a:lvl8pPr marL="3200400" indent="0">
+              <a:buNone/>
+              <a:defRPr sz="900"/>
+            </a:lvl8pPr>
+            <a:lvl9pPr marL="3657600" indent="0">
+              <a:buNone/>
+              <a:defRPr sz="900"/>
+            </a:lvl9pPr>
+          </a:lstStyle>
+          <a:p>
+            <a:pPr lvl="0"/>
+            <a:r>
+              <a:rPr lang="en-US" altLang="zh-CN" smtClean="0"/>
+              <a:t>Click to edit Master text styles</a:t>
+            </a:r>
+          </a:p>
+        </p:txBody>
+      </p:sp>
+      <p:sp>
+        <p:nvSpPr>
+          <p:cNvPr id="5" name="Date Placeholder 4"/>
+          <p:cNvSpPr>
+            <a:spLocks noGrp="1"/>
+          </p:cNvSpPr>
+          <p:nvPr>
+            <p:ph type="dt" sz="half" idx="10"/>
+          </p:nvPr>
+        </p:nvSpPr>
+        <p:spPr>
+          <a:xfrm>
+            <a:off x="9855200" y="6423586"/>
+            <a:ext cx="2049929" cy="365125"/>
+          </a:xfrm>
+        </p:spPr>
+        <p:txBody>
+          <a:bodyPr/>
+          <a:lstStyle/>
+          <a:p>
+            <a:fld id="{FEDBF184-AE6A-41EB-BBCB-9F86DBF77364}" type="datetimeFigureOut">
+              <a:rPr lang="en-US" smtClean="0"/>
+              <a:t>2/26/14</a:t>
+            </a:fld>
+            <a:endParaRPr lang="en-US"/>
+          </a:p>
+        </p:txBody>
+      </p:sp>
+      <p:sp>
+        <p:nvSpPr>
+          <p:cNvPr id="6" name="Footer Placeholder 5"/>
+          <p:cNvSpPr>
+            <a:spLocks noGrp="1"/>
+          </p:cNvSpPr>
+          <p:nvPr>
+            <p:ph type="ftr" sz="quarter" idx="11"/>
+          </p:nvPr>
+        </p:nvSpPr>
+        <p:spPr>
+          <a:xfrm>
+            <a:off x="5588000" y="6423586"/>
+            <a:ext cx="4006851" cy="365125"/>
+          </a:xfrm>
+        </p:spPr>
+        <p:txBody>
+          <a:bodyPr/>
+          <a:lstStyle/>
+          <a:p>
+            <a:endParaRPr lang="en-US"/>
+          </a:p>
+        </p:txBody>
+      </p:sp>
+      <p:sp>
+        <p:nvSpPr>
+          <p:cNvPr id="7" name="Slide Number Placeholder 6"/>
+          <p:cNvSpPr>
+            <a:spLocks noGrp="1"/>
+          </p:cNvSpPr>
+          <p:nvPr>
+            <p:ph type="sldNum" sz="quarter" idx="12"/>
+          </p:nvPr>
+        </p:nvSpPr>
+        <p:spPr/>
+        <p:txBody>
+          <a:bodyPr/>
+          <a:lstStyle/>
+          <a:p>
+            <a:fld id="{100B06FD-12AA-47B0-BCB2-99EE95C24A3C}" type="slidenum">
+              <a:rPr lang="en-US" smtClean="0"/>
+              <a:t>‹#›</a:t>
+            </a:fld>
+            <a:endParaRPr lang="en-US"/>
+          </a:p>
+        </p:txBody>
+      </p:sp>
+      <p:sp>
+        <p:nvSpPr>
+          <p:cNvPr id="10" name="TextBox 9"/>
+          <p:cNvSpPr txBox="1"/>
+          <p:nvPr/>
+        </p:nvSpPr>
+        <p:spPr>
+          <a:xfrm>
+            <a:off x="6333815" y="3370730"/>
+            <a:ext cx="294091" cy="369332"/>
+          </a:xfrm>
+          <a:prstGeom prst="rect">
+            <a:avLst/>
+          </a:prstGeom>
+          <a:noFill/>
+        </p:spPr>
+        <p:txBody>
+          <a:bodyPr wrap="square" lIns="0" tIns="0" rIns="0" bIns="0" rtlCol="0">
+            <a:spAutoFit/>
+          </a:bodyPr>
+          <a:lstStyle/>
+          <a:p>
+            <a:r>
+              <a:rPr sz="2400" b="1" baseline="0">
+                <a:solidFill>
+                  <a:schemeClr val="accent1">
+                    <a:lumMod val="60000"/>
+                    <a:lumOff val="40000"/>
+                  </a:schemeClr>
+                </a:solidFill>
+              </a:rPr>
+              <a:t>+ </a:t>
+            </a:r>
+          </a:p>
+        </p:txBody>
+      </p:sp>
+      <p:sp>
+        <p:nvSpPr>
+          <p:cNvPr id="14" name="Picture Placeholder 12"/>
+          <p:cNvSpPr>
+            <a:spLocks noGrp="1"/>
+          </p:cNvSpPr>
+          <p:nvPr>
+            <p:ph type="pic" sz="quarter" idx="13"/>
+          </p:nvPr>
+        </p:nvSpPr>
+        <p:spPr>
+          <a:xfrm>
+            <a:off x="370540" y="228600"/>
+            <a:ext cx="2743200" cy="2039112"/>
+          </a:xfrm>
+        </p:spPr>
+        <p:txBody>
+          <a:bodyPr/>
+          <a:lstStyle>
+            <a:lvl1pPr>
+              <a:buNone/>
+              <a:defRPr/>
+            </a:lvl1pPr>
+          </a:lstStyle>
+          <a:p>
+            <a:r>
+              <a:rPr lang="en-US" altLang="zh-CN" smtClean="0"/>
+              <a:t>Drag picture to placeholder or click icon to add</a:t>
+            </a:r>
+            <a:endParaRPr/>
+          </a:p>
+        </p:txBody>
+      </p:sp>
+      <p:sp>
+        <p:nvSpPr>
+          <p:cNvPr id="15" name="Picture Placeholder 12"/>
+          <p:cNvSpPr>
+            <a:spLocks noGrp="1"/>
+          </p:cNvSpPr>
+          <p:nvPr>
+            <p:ph type="pic" sz="quarter" idx="14"/>
+          </p:nvPr>
+        </p:nvSpPr>
+        <p:spPr>
+          <a:xfrm>
+            <a:off x="3280833" y="228600"/>
+            <a:ext cx="2743200" cy="2039112"/>
+          </a:xfrm>
+        </p:spPr>
+        <p:txBody>
+          <a:bodyPr/>
+          <a:lstStyle>
+            <a:lvl1pPr>
+              <a:buNone/>
+              <a:defRPr/>
+            </a:lvl1pPr>
+          </a:lstStyle>
+          <a:p>
+            <a:r>
+              <a:rPr lang="en-US" altLang="zh-CN" smtClean="0"/>
+              <a:t>Drag picture to placeholder or click icon to add</a:t>
+            </a:r>
+            <a:endParaRPr/>
+          </a:p>
+        </p:txBody>
+      </p:sp>
+    </p:spTree>
+  </p:cSld>
+  <p:clrMapOvr>
+    <a:masterClrMapping/>
+  </p:clrMapOvr>
+</p:sldLayout>
+</file>
+
+<file path=ppt/slideLayouts/slideLayout19.xml><?xml version="1.0" encoding="utf-8"?>
+<p:sldLayout xmlns:a="http://schemas.openxmlformats.org/drawingml/2006/main" xmlns:r="http://schemas.openxmlformats.org/officeDocument/2006/relationships" xmlns:p="http://schemas.openxmlformats.org/presentationml/2006/main" preserve="1">
   <p:cSld name="Title and Vertical Text">
     <p:spTree>
       <p:nvGrpSpPr>
@@ -326,6 +3948,88 @@
       </p:grpSpPr>
       <p:sp>
         <p:nvSpPr>
+          <p:cNvPr id="7" name="Rectangle 6"/>
+          <p:cNvSpPr/>
+          <p:nvPr/>
+        </p:nvSpPr>
+        <p:spPr>
+          <a:xfrm>
+            <a:off x="10889129" y="282574"/>
+            <a:ext cx="914400" cy="1600200"/>
+          </a:xfrm>
+          <a:prstGeom prst="rect">
+            <a:avLst/>
+          </a:prstGeom>
+          <a:solidFill>
+            <a:schemeClr val="accent1"/>
+          </a:solidFill>
+          <a:ln>
+            <a:noFill/>
+          </a:ln>
+        </p:spPr>
+        <p:style>
+          <a:lnRef idx="2">
+            <a:schemeClr val="accent1">
+              <a:shade val="50000"/>
+            </a:schemeClr>
+          </a:lnRef>
+          <a:fillRef idx="1">
+            <a:schemeClr val="accent1"/>
+          </a:fillRef>
+          <a:effectRef idx="0">
+            <a:schemeClr val="accent1"/>
+          </a:effectRef>
+          <a:fontRef idx="minor">
+            <a:schemeClr val="lt1"/>
+          </a:fontRef>
+        </p:style>
+        <p:txBody>
+          <a:bodyPr rtlCol="0" anchor="ctr"/>
+          <a:lstStyle/>
+          <a:p>
+            <a:pPr algn="ctr"/>
+            <a:endParaRPr/>
+          </a:p>
+        </p:txBody>
+      </p:sp>
+      <p:sp>
+        <p:nvSpPr>
+          <p:cNvPr id="9" name="TextBox 8"/>
+          <p:cNvSpPr txBox="1"/>
+          <p:nvPr/>
+        </p:nvSpPr>
+        <p:spPr>
+          <a:xfrm>
+            <a:off x="297581" y="228600"/>
+            <a:ext cx="347879" cy="553998"/>
+          </a:xfrm>
+          <a:prstGeom prst="rect">
+            <a:avLst/>
+          </a:prstGeom>
+          <a:noFill/>
+        </p:spPr>
+        <p:txBody>
+          <a:bodyPr wrap="square" lIns="0" tIns="0" rIns="0" bIns="0" rtlCol="0">
+            <a:spAutoFit/>
+          </a:bodyPr>
+          <a:lstStyle/>
+          <a:p>
+            <a:r>
+              <a:rPr sz="3600" b="1">
+                <a:solidFill>
+                  <a:schemeClr val="accent1">
+                    <a:lumMod val="60000"/>
+                    <a:lumOff val="40000"/>
+                  </a:schemeClr>
+                </a:solidFill>
+              </a:rPr>
+              <a:t>+</a:t>
+            </a:r>
+          </a:p>
+        </p:txBody>
+      </p:sp>
+      <p:sp>
+        <p:nvSpPr>
           <p:cNvPr id="2" name="Title 1"/>
           <p:cNvSpPr>
             <a:spLocks noGrp="1"/>
@@ -340,10 +4044,10 @@
           <a:lstStyle/>
           <a:p>
             <a:r>
-              <a:rPr lang="en-US" smtClean="0"/>
+              <a:rPr lang="en-US" altLang="zh-CN" smtClean="0"/>
               <a:t>Click to edit Master title style</a:t>
             </a:r>
-            <a:endParaRPr lang="en-US"/>
+            <a:endParaRPr/>
           </a:p>
         </p:txBody>
       </p:sp>
@@ -360,42 +4064,46 @@
         <p:spPr/>
         <p:txBody>
           <a:bodyPr vert="eaVert"/>
-          <a:lstStyle/>
+          <a:lstStyle>
+            <a:lvl5pPr>
+              <a:defRPr/>
+            </a:lvl5pPr>
+          </a:lstStyle>
           <a:p>
             <a:pPr lvl="0"/>
             <a:r>
-              <a:rPr lang="en-US" smtClean="0"/>
+              <a:rPr lang="en-US" altLang="zh-CN" smtClean="0"/>
               <a:t>Click to edit Master text styles</a:t>
             </a:r>
           </a:p>
           <a:p>
             <a:pPr lvl="1"/>
             <a:r>
-              <a:rPr lang="en-US" smtClean="0"/>
+              <a:rPr lang="en-US" altLang="zh-CN" smtClean="0"/>
               <a:t>Second level</a:t>
             </a:r>
           </a:p>
           <a:p>
             <a:pPr lvl="2"/>
             <a:r>
-              <a:rPr lang="en-US" smtClean="0"/>
+              <a:rPr lang="en-US" altLang="zh-CN" smtClean="0"/>
               <a:t>Third level</a:t>
             </a:r>
           </a:p>
           <a:p>
             <a:pPr lvl="3"/>
             <a:r>
-              <a:rPr lang="en-US" smtClean="0"/>
+              <a:rPr lang="en-US" altLang="zh-CN" smtClean="0"/>
               <a:t>Fourth level</a:t>
             </a:r>
           </a:p>
           <a:p>
             <a:pPr lvl="4"/>
             <a:r>
-              <a:rPr lang="en-US" smtClean="0"/>
+              <a:rPr lang="en-US" altLang="zh-CN" smtClean="0"/>
               <a:t>Fifth level</a:t>
             </a:r>
-            <a:endParaRPr lang="en-US"/>
+            <a:endParaRPr dirty="0"/>
           </a:p>
         </p:txBody>
       </p:sp>
@@ -416,7 +4124,7 @@
           <a:p>
             <a:fld id="{FEDBF184-AE6A-41EB-BBCB-9F86DBF77364}" type="datetimeFigureOut">
               <a:rPr lang="en-US" smtClean="0"/>
-              <a:t>2/26/2014</a:t>
+              <a:t>2/26/14</a:t>
             </a:fld>
             <a:endParaRPr lang="en-US"/>
           </a:p>
@@ -465,11 +4173,6 @@
         </p:txBody>
       </p:sp>
     </p:spTree>
-    <p:extLst>
-      <p:ext uri="{BB962C8B-B14F-4D97-AF65-F5344CB8AC3E}">
-        <p14:creationId xmlns:p14="http://schemas.microsoft.com/office/powerpoint/2010/main" val="3852852901"/>
-      </p:ext>
-    </p:extLst>
   </p:cSld>
   <p:clrMapOvr>
     <a:masterClrMapping/>
@@ -477,8 +4180,305 @@
 </p:sldLayout>
 </file>
 
-<file path=ppt/slideLayouts/slideLayout11.xml><?xml version="1.0" encoding="utf-8"?>
-<p:sldLayout xmlns:a="http://schemas.openxmlformats.org/drawingml/2006/main" xmlns:r="http://schemas.openxmlformats.org/officeDocument/2006/relationships" xmlns:p="http://schemas.openxmlformats.org/presentationml/2006/main" type="vertTitleAndTx" preserve="1">
+<file path=ppt/slideLayouts/slideLayout2.xml><?xml version="1.0" encoding="utf-8"?>
+<p:sldLayout xmlns:a="http://schemas.openxmlformats.org/drawingml/2006/main" xmlns:r="http://schemas.openxmlformats.org/officeDocument/2006/relationships" xmlns:p="http://schemas.openxmlformats.org/presentationml/2006/main" preserve="1">
+  <p:cSld name="Title and Content">
+    <p:spTree>
+      <p:nvGrpSpPr>
+        <p:cNvPr id="1" name=""/>
+        <p:cNvGrpSpPr/>
+        <p:nvPr/>
+      </p:nvGrpSpPr>
+      <p:grpSpPr>
+        <a:xfrm>
+          <a:off x="0" y="0"/>
+          <a:ext cx="0" cy="0"/>
+          <a:chOff x="0" y="0"/>
+          <a:chExt cx="0" cy="0"/>
+        </a:xfrm>
+      </p:grpSpPr>
+      <p:sp>
+        <p:nvSpPr>
+          <p:cNvPr id="7" name="Rectangle 6"/>
+          <p:cNvSpPr/>
+          <p:nvPr/>
+        </p:nvSpPr>
+        <p:spPr>
+          <a:xfrm>
+            <a:off x="10947401" y="282574"/>
+            <a:ext cx="856129" cy="1600200"/>
+          </a:xfrm>
+          <a:prstGeom prst="rect">
+            <a:avLst/>
+          </a:prstGeom>
+          <a:solidFill>
+            <a:schemeClr val="accent1"/>
+          </a:solidFill>
+          <a:ln>
+            <a:noFill/>
+          </a:ln>
+        </p:spPr>
+        <p:style>
+          <a:lnRef idx="2">
+            <a:schemeClr val="accent1">
+              <a:shade val="50000"/>
+            </a:schemeClr>
+          </a:lnRef>
+          <a:fillRef idx="1">
+            <a:schemeClr val="accent1"/>
+          </a:fillRef>
+          <a:effectRef idx="0">
+            <a:schemeClr val="accent1"/>
+          </a:effectRef>
+          <a:fontRef idx="minor">
+            <a:schemeClr val="lt1"/>
+          </a:fontRef>
+        </p:style>
+        <p:txBody>
+          <a:bodyPr rtlCol="0" anchor="ctr"/>
+          <a:lstStyle/>
+          <a:p>
+            <a:pPr algn="ctr"/>
+            <a:endParaRPr/>
+          </a:p>
+        </p:txBody>
+      </p:sp>
+      <p:sp>
+        <p:nvSpPr>
+          <p:cNvPr id="2" name="Title 1"/>
+          <p:cNvSpPr>
+            <a:spLocks noGrp="1"/>
+          </p:cNvSpPr>
+          <p:nvPr>
+            <p:ph type="title"/>
+          </p:nvPr>
+        </p:nvSpPr>
+        <p:spPr/>
+        <p:txBody>
+          <a:bodyPr/>
+          <a:lstStyle/>
+          <a:p>
+            <a:r>
+              <a:rPr lang="en-US" altLang="zh-CN" smtClean="0"/>
+              <a:t>Click to edit Master title style</a:t>
+            </a:r>
+            <a:endParaRPr/>
+          </a:p>
+        </p:txBody>
+      </p:sp>
+      <p:sp>
+        <p:nvSpPr>
+          <p:cNvPr id="3" name="Content Placeholder 2"/>
+          <p:cNvSpPr>
+            <a:spLocks noGrp="1"/>
+          </p:cNvSpPr>
+          <p:nvPr>
+            <p:ph idx="1"/>
+          </p:nvPr>
+        </p:nvSpPr>
+        <p:spPr/>
+        <p:txBody>
+          <a:bodyPr/>
+          <a:lstStyle>
+            <a:lvl5pPr>
+              <a:defRPr/>
+            </a:lvl5pPr>
+          </a:lstStyle>
+          <a:p>
+            <a:pPr lvl="0"/>
+            <a:r>
+              <a:rPr lang="en-US" altLang="zh-CN" smtClean="0"/>
+              <a:t>Click to edit Master text styles</a:t>
+            </a:r>
+          </a:p>
+          <a:p>
+            <a:pPr lvl="1"/>
+            <a:r>
+              <a:rPr lang="en-US" altLang="zh-CN" smtClean="0"/>
+              <a:t>Second level</a:t>
+            </a:r>
+          </a:p>
+          <a:p>
+            <a:pPr lvl="2"/>
+            <a:r>
+              <a:rPr lang="en-US" altLang="zh-CN" smtClean="0"/>
+              <a:t>Third level</a:t>
+            </a:r>
+          </a:p>
+          <a:p>
+            <a:pPr lvl="3"/>
+            <a:r>
+              <a:rPr lang="en-US" altLang="zh-CN" smtClean="0"/>
+              <a:t>Fourth level</a:t>
+            </a:r>
+          </a:p>
+          <a:p>
+            <a:pPr lvl="4"/>
+            <a:r>
+              <a:rPr lang="en-US" altLang="zh-CN" smtClean="0"/>
+              <a:t>Fifth level</a:t>
+            </a:r>
+            <a:endParaRPr dirty="0"/>
+          </a:p>
+        </p:txBody>
+      </p:sp>
+      <p:sp>
+        <p:nvSpPr>
+          <p:cNvPr id="4" name="Date Placeholder 3"/>
+          <p:cNvSpPr>
+            <a:spLocks noGrp="1"/>
+          </p:cNvSpPr>
+          <p:nvPr>
+            <p:ph type="dt" sz="half" idx="10"/>
+          </p:nvPr>
+        </p:nvSpPr>
+        <p:spPr/>
+        <p:txBody>
+          <a:bodyPr/>
+          <a:lstStyle/>
+          <a:p>
+            <a:fld id="{FEDBF184-AE6A-41EB-BBCB-9F86DBF77364}" type="datetimeFigureOut">
+              <a:rPr lang="en-US" smtClean="0"/>
+              <a:t>2/26/14</a:t>
+            </a:fld>
+            <a:endParaRPr lang="en-US"/>
+          </a:p>
+        </p:txBody>
+      </p:sp>
+      <p:sp>
+        <p:nvSpPr>
+          <p:cNvPr id="5" name="Footer Placeholder 4"/>
+          <p:cNvSpPr>
+            <a:spLocks noGrp="1"/>
+          </p:cNvSpPr>
+          <p:nvPr>
+            <p:ph type="ftr" sz="quarter" idx="11"/>
+          </p:nvPr>
+        </p:nvSpPr>
+        <p:spPr/>
+        <p:txBody>
+          <a:bodyPr/>
+          <a:lstStyle/>
+          <a:p>
+            <a:endParaRPr lang="en-US"/>
+          </a:p>
+        </p:txBody>
+      </p:sp>
+      <p:sp>
+        <p:nvSpPr>
+          <p:cNvPr id="6" name="Slide Number Placeholder 5"/>
+          <p:cNvSpPr>
+            <a:spLocks noGrp="1"/>
+          </p:cNvSpPr>
+          <p:nvPr>
+            <p:ph type="sldNum" sz="quarter" idx="12"/>
+          </p:nvPr>
+        </p:nvSpPr>
+        <p:spPr/>
+        <p:txBody>
+          <a:bodyPr/>
+          <a:lstStyle/>
+          <a:p>
+            <a:fld id="{100B06FD-12AA-47B0-BCB2-99EE95C24A3C}" type="slidenum">
+              <a:rPr lang="en-US" smtClean="0"/>
+              <a:t>‹#›</a:t>
+            </a:fld>
+            <a:endParaRPr lang="en-US"/>
+          </a:p>
+        </p:txBody>
+      </p:sp>
+      <p:sp>
+        <p:nvSpPr>
+          <p:cNvPr id="9" name="TextBox 8"/>
+          <p:cNvSpPr txBox="1"/>
+          <p:nvPr/>
+        </p:nvSpPr>
+        <p:spPr>
+          <a:xfrm>
+            <a:off x="297581" y="228600"/>
+            <a:ext cx="347879" cy="553998"/>
+          </a:xfrm>
+          <a:prstGeom prst="rect">
+            <a:avLst/>
+          </a:prstGeom>
+          <a:noFill/>
+        </p:spPr>
+        <p:txBody>
+          <a:bodyPr wrap="square" lIns="0" tIns="0" rIns="0" bIns="0" rtlCol="0">
+            <a:spAutoFit/>
+          </a:bodyPr>
+          <a:lstStyle/>
+          <a:p>
+            <a:r>
+              <a:rPr sz="3600" b="1">
+                <a:solidFill>
+                  <a:schemeClr val="accent1">
+                    <a:lumMod val="60000"/>
+                    <a:lumOff val="40000"/>
+                  </a:schemeClr>
+                </a:solidFill>
+              </a:rPr>
+              <a:t>+</a:t>
+            </a:r>
+          </a:p>
+        </p:txBody>
+      </p:sp>
+      <p:sp>
+        <p:nvSpPr>
+          <p:cNvPr id="10" name="Rectangle 9"/>
+          <p:cNvSpPr/>
+          <p:nvPr/>
+        </p:nvSpPr>
+        <p:spPr>
+          <a:xfrm>
+            <a:off x="10757647" y="282574"/>
+            <a:ext cx="121920" cy="1600200"/>
+          </a:xfrm>
+          <a:prstGeom prst="rect">
+            <a:avLst/>
+          </a:prstGeom>
+          <a:solidFill>
+            <a:schemeClr val="accent3"/>
+          </a:solidFill>
+          <a:ln>
+            <a:noFill/>
+          </a:ln>
+        </p:spPr>
+        <p:style>
+          <a:lnRef idx="2">
+            <a:schemeClr val="accent1">
+              <a:shade val="50000"/>
+            </a:schemeClr>
+          </a:lnRef>
+          <a:fillRef idx="1">
+            <a:schemeClr val="accent1"/>
+          </a:fillRef>
+          <a:effectRef idx="0">
+            <a:schemeClr val="accent1"/>
+          </a:effectRef>
+          <a:fontRef idx="minor">
+            <a:schemeClr val="lt1"/>
+          </a:fontRef>
+        </p:style>
+        <p:txBody>
+          <a:bodyPr rtlCol="0" anchor="ctr"/>
+          <a:lstStyle/>
+          <a:p>
+            <a:pPr algn="ctr"/>
+            <a:endParaRPr/>
+          </a:p>
+        </p:txBody>
+      </p:sp>
+    </p:spTree>
+  </p:cSld>
+  <p:clrMapOvr>
+    <a:masterClrMapping/>
+  </p:clrMapOvr>
+</p:sldLayout>
+</file>
+
+<file path=ppt/slideLayouts/slideLayout20.xml><?xml version="1.0" encoding="utf-8"?>
+<p:sldLayout xmlns:a="http://schemas.openxmlformats.org/drawingml/2006/main" xmlns:r="http://schemas.openxmlformats.org/officeDocument/2006/relationships" xmlns:p="http://schemas.openxmlformats.org/presentationml/2006/main" preserve="1">
   <p:cSld name="Vertical Title and Text">
     <p:spTree>
       <p:nvGrpSpPr>
@@ -496,6 +4496,52 @@
       </p:grpSpPr>
       <p:sp>
         <p:nvSpPr>
+          <p:cNvPr id="10" name="Rectangle 9"/>
+          <p:cNvSpPr/>
+          <p:nvPr/>
+        </p:nvSpPr>
+        <p:spPr>
+          <a:xfrm>
+            <a:off x="10889129" y="282574"/>
+            <a:ext cx="914400" cy="302217"/>
+          </a:xfrm>
+          <a:prstGeom prst="rect">
+            <a:avLst/>
+          </a:prstGeom>
+          <a:solidFill>
+            <a:schemeClr val="accent1"/>
+          </a:solidFill>
+          <a:ln>
+            <a:noFill/>
+          </a:ln>
+        </p:spPr>
+        <p:style>
+          <a:lnRef idx="2">
+            <a:schemeClr val="accent1">
+              <a:shade val="50000"/>
+            </a:schemeClr>
+          </a:lnRef>
+          <a:fillRef idx="1">
+            <a:schemeClr val="accent1"/>
+          </a:fillRef>
+          <a:effectRef idx="0">
+            <a:schemeClr val="accent1"/>
+          </a:effectRef>
+          <a:fontRef idx="minor">
+            <a:schemeClr val="lt1"/>
+          </a:fontRef>
+        </p:style>
+        <p:txBody>
+          <a:bodyPr rtlCol="0" anchor="ctr"/>
+          <a:lstStyle/>
+          <a:p>
+            <a:pPr algn="ctr"/>
+            <a:endParaRPr/>
+          </a:p>
+        </p:txBody>
+      </p:sp>
+      <p:sp>
+        <p:nvSpPr>
           <p:cNvPr id="2" name="Vertical Title 1"/>
           <p:cNvSpPr>
             <a:spLocks noGrp="1"/>
@@ -506,76 +4552,80 @@
         </p:nvSpPr>
         <p:spPr>
           <a:xfrm>
-            <a:off x="8724900" y="365125"/>
-            <a:ext cx="2628900" cy="5811838"/>
+            <a:off x="10661029" y="954742"/>
+            <a:ext cx="908424" cy="5171422"/>
+          </a:xfrm>
+        </p:spPr>
+        <p:txBody>
+          <a:bodyPr vert="eaVert" anchor="t" anchorCtr="0"/>
+          <a:lstStyle/>
+          <a:p>
+            <a:r>
+              <a:rPr lang="en-US" altLang="zh-CN" smtClean="0"/>
+              <a:t>Click to edit Master title style</a:t>
+            </a:r>
+            <a:endParaRPr/>
+          </a:p>
+        </p:txBody>
+      </p:sp>
+      <p:sp>
+        <p:nvSpPr>
+          <p:cNvPr id="3" name="Vertical Text Placeholder 2"/>
+          <p:cNvSpPr>
+            <a:spLocks noGrp="1"/>
+          </p:cNvSpPr>
+          <p:nvPr>
+            <p:ph type="body" orient="vert" idx="1"/>
+          </p:nvPr>
+        </p:nvSpPr>
+        <p:spPr>
+          <a:xfrm>
+            <a:off x="609600" y="958757"/>
+            <a:ext cx="9144000" cy="5184869"/>
           </a:xfrm>
         </p:spPr>
         <p:txBody>
           <a:bodyPr vert="eaVert"/>
-          <a:lstStyle/>
-          <a:p>
-            <a:r>
-              <a:rPr lang="en-US" smtClean="0"/>
-              <a:t>Click to edit Master title style</a:t>
-            </a:r>
-            <a:endParaRPr lang="en-US"/>
-          </a:p>
-        </p:txBody>
-      </p:sp>
-      <p:sp>
-        <p:nvSpPr>
-          <p:cNvPr id="3" name="Vertical Text Placeholder 2"/>
-          <p:cNvSpPr>
-            <a:spLocks noGrp="1"/>
-          </p:cNvSpPr>
-          <p:nvPr>
-            <p:ph type="body" orient="vert" idx="1"/>
-          </p:nvPr>
-        </p:nvSpPr>
-        <p:spPr>
-          <a:xfrm>
-            <a:off x="838200" y="365125"/>
-            <a:ext cx="7734300" cy="5811838"/>
-          </a:xfrm>
-        </p:spPr>
-        <p:txBody>
-          <a:bodyPr vert="eaVert"/>
-          <a:lstStyle/>
+          <a:lstStyle>
+            <a:lvl5pPr>
+              <a:defRPr/>
+            </a:lvl5pPr>
+          </a:lstStyle>
           <a:p>
             <a:pPr lvl="0"/>
             <a:r>
-              <a:rPr lang="en-US" smtClean="0"/>
+              <a:rPr lang="en-US" altLang="zh-CN" smtClean="0"/>
               <a:t>Click to edit Master text styles</a:t>
             </a:r>
           </a:p>
           <a:p>
             <a:pPr lvl="1"/>
             <a:r>
-              <a:rPr lang="en-US" smtClean="0"/>
+              <a:rPr lang="en-US" altLang="zh-CN" smtClean="0"/>
               <a:t>Second level</a:t>
             </a:r>
           </a:p>
           <a:p>
             <a:pPr lvl="2"/>
             <a:r>
-              <a:rPr lang="en-US" smtClean="0"/>
+              <a:rPr lang="en-US" altLang="zh-CN" smtClean="0"/>
               <a:t>Third level</a:t>
             </a:r>
           </a:p>
           <a:p>
             <a:pPr lvl="3"/>
             <a:r>
-              <a:rPr lang="en-US" smtClean="0"/>
+              <a:rPr lang="en-US" altLang="zh-CN" smtClean="0"/>
               <a:t>Fourth level</a:t>
             </a:r>
           </a:p>
           <a:p>
             <a:pPr lvl="4"/>
             <a:r>
-              <a:rPr lang="en-US" smtClean="0"/>
+              <a:rPr lang="en-US" altLang="zh-CN" smtClean="0"/>
               <a:t>Fifth level</a:t>
             </a:r>
-            <a:endParaRPr lang="en-US"/>
+            <a:endParaRPr dirty="0"/>
           </a:p>
         </p:txBody>
       </p:sp>
@@ -596,7 +4646,7 @@
           <a:p>
             <a:fld id="{FEDBF184-AE6A-41EB-BBCB-9F86DBF77364}" type="datetimeFigureOut">
               <a:rPr lang="en-US" smtClean="0"/>
-              <a:t>2/26/2014</a:t>
+              <a:t>2/26/14</a:t>
             </a:fld>
             <a:endParaRPr lang="en-US"/>
           </a:p>
@@ -644,12 +4694,43 @@
           </a:p>
         </p:txBody>
       </p:sp>
+      <p:sp>
+        <p:nvSpPr>
+          <p:cNvPr id="9" name="TextBox 8"/>
+          <p:cNvSpPr txBox="1"/>
+          <p:nvPr/>
+        </p:nvSpPr>
+        <p:spPr>
+          <a:xfrm rot="16200000">
+            <a:off x="11500967" y="561668"/>
+            <a:ext cx="260909" cy="553998"/>
+          </a:xfrm>
+          <a:prstGeom prst="rect">
+            <a:avLst/>
+          </a:prstGeom>
+          <a:noFill/>
+        </p:spPr>
+        <p:txBody>
+          <a:bodyPr wrap="square" lIns="0" tIns="0" rIns="0" bIns="0" rtlCol="0">
+            <a:spAutoFit/>
+          </a:bodyPr>
+          <a:lstStyle/>
+          <a:p>
+            <a:r>
+              <a:rPr sz="3600" b="1">
+                <a:solidFill>
+                  <a:schemeClr val="accent1">
+                    <a:lumMod val="60000"/>
+                    <a:lumOff val="40000"/>
+                  </a:schemeClr>
+                </a:solidFill>
+              </a:rPr>
+              <a:t>+</a:t>
+            </a:r>
+          </a:p>
+        </p:txBody>
+      </p:sp>
     </p:spTree>
-    <p:extLst>
-      <p:ext uri="{BB962C8B-B14F-4D97-AF65-F5344CB8AC3E}">
-        <p14:creationId xmlns:p14="http://schemas.microsoft.com/office/powerpoint/2010/main" val="4292420158"/>
-      </p:ext>
-    </p:extLst>
   </p:cSld>
   <p:clrMapOvr>
     <a:masterClrMapping/>
@@ -657,9 +4738,9 @@
 </p:sldLayout>
 </file>
 
-<file path=ppt/slideLayouts/slideLayout2.xml><?xml version="1.0" encoding="utf-8"?>
-<p:sldLayout xmlns:a="http://schemas.openxmlformats.org/drawingml/2006/main" xmlns:r="http://schemas.openxmlformats.org/officeDocument/2006/relationships" xmlns:p="http://schemas.openxmlformats.org/presentationml/2006/main" type="obj" preserve="1">
-  <p:cSld name="Title and Content">
+<file path=ppt/slideLayouts/slideLayout3.xml><?xml version="1.0" encoding="utf-8"?>
+<p:sldLayout xmlns:a="http://schemas.openxmlformats.org/drawingml/2006/main" xmlns:r="http://schemas.openxmlformats.org/officeDocument/2006/relationships" xmlns:p="http://schemas.openxmlformats.org/presentationml/2006/main" preserve="1">
+  <p:cSld name="Title and Content, Alt.">
     <p:spTree>
       <p:nvGrpSpPr>
         <p:cNvPr id="1" name=""/>
@@ -676,6 +4757,52 @@
       </p:grpSpPr>
       <p:sp>
         <p:nvSpPr>
+          <p:cNvPr id="7" name="Rectangle 6"/>
+          <p:cNvSpPr/>
+          <p:nvPr/>
+        </p:nvSpPr>
+        <p:spPr>
+          <a:xfrm>
+            <a:off x="10889129" y="282574"/>
+            <a:ext cx="914400" cy="1600200"/>
+          </a:xfrm>
+          <a:prstGeom prst="rect">
+            <a:avLst/>
+          </a:prstGeom>
+          <a:solidFill>
+            <a:schemeClr val="accent1"/>
+          </a:solidFill>
+          <a:ln>
+            <a:noFill/>
+          </a:ln>
+        </p:spPr>
+        <p:style>
+          <a:lnRef idx="2">
+            <a:schemeClr val="accent1">
+              <a:shade val="50000"/>
+            </a:schemeClr>
+          </a:lnRef>
+          <a:fillRef idx="1">
+            <a:schemeClr val="accent1"/>
+          </a:fillRef>
+          <a:effectRef idx="0">
+            <a:schemeClr val="accent1"/>
+          </a:effectRef>
+          <a:fontRef idx="minor">
+            <a:schemeClr val="lt1"/>
+          </a:fontRef>
+        </p:style>
+        <p:txBody>
+          <a:bodyPr rtlCol="0" anchor="ctr"/>
+          <a:lstStyle/>
+          <a:p>
+            <a:pPr algn="ctr"/>
+            <a:endParaRPr/>
+          </a:p>
+        </p:txBody>
+      </p:sp>
+      <p:sp>
+        <p:nvSpPr>
           <p:cNvPr id="2" name="Title 1"/>
           <p:cNvSpPr>
             <a:spLocks noGrp="1"/>
@@ -684,68 +4811,77 @@
             <p:ph type="title"/>
           </p:nvPr>
         </p:nvSpPr>
+        <p:spPr>
+          <a:xfrm>
+            <a:off x="664633" y="134471"/>
+            <a:ext cx="10075084" cy="995082"/>
+          </a:xfrm>
+        </p:spPr>
+        <p:txBody>
+          <a:bodyPr anchor="b" anchorCtr="0"/>
+          <a:lstStyle/>
+          <a:p>
+            <a:r>
+              <a:rPr lang="en-US" altLang="zh-CN" smtClean="0"/>
+              <a:t>Click to edit Master title style</a:t>
+            </a:r>
+            <a:endParaRPr/>
+          </a:p>
+        </p:txBody>
+      </p:sp>
+      <p:sp>
+        <p:nvSpPr>
+          <p:cNvPr id="3" name="Content Placeholder 2"/>
+          <p:cNvSpPr>
+            <a:spLocks noGrp="1"/>
+          </p:cNvSpPr>
+          <p:nvPr>
+            <p:ph idx="1"/>
+          </p:nvPr>
+        </p:nvSpPr>
         <p:spPr/>
         <p:txBody>
           <a:bodyPr/>
-          <a:lstStyle/>
-          <a:p>
-            <a:r>
-              <a:rPr lang="en-US" smtClean="0"/>
-              <a:t>Click to edit Master title style</a:t>
-            </a:r>
-            <a:endParaRPr lang="en-US"/>
-          </a:p>
-        </p:txBody>
-      </p:sp>
-      <p:sp>
-        <p:nvSpPr>
-          <p:cNvPr id="3" name="Content Placeholder 2"/>
-          <p:cNvSpPr>
-            <a:spLocks noGrp="1"/>
-          </p:cNvSpPr>
-          <p:nvPr>
-            <p:ph idx="1"/>
-          </p:nvPr>
-        </p:nvSpPr>
-        <p:spPr/>
-        <p:txBody>
-          <a:bodyPr/>
-          <a:lstStyle/>
+          <a:lstStyle>
+            <a:lvl5pPr>
+              <a:defRPr/>
+            </a:lvl5pPr>
+          </a:lstStyle>
           <a:p>
             <a:pPr lvl="0"/>
             <a:r>
-              <a:rPr lang="en-US" smtClean="0"/>
+              <a:rPr lang="en-US" altLang="zh-CN" smtClean="0"/>
               <a:t>Click to edit Master text styles</a:t>
             </a:r>
           </a:p>
           <a:p>
             <a:pPr lvl="1"/>
             <a:r>
-              <a:rPr lang="en-US" smtClean="0"/>
+              <a:rPr lang="en-US" altLang="zh-CN" smtClean="0"/>
               <a:t>Second level</a:t>
             </a:r>
           </a:p>
           <a:p>
             <a:pPr lvl="2"/>
             <a:r>
-              <a:rPr lang="en-US" smtClean="0"/>
+              <a:rPr lang="en-US" altLang="zh-CN" smtClean="0"/>
               <a:t>Third level</a:t>
             </a:r>
           </a:p>
           <a:p>
             <a:pPr lvl="3"/>
             <a:r>
-              <a:rPr lang="en-US" smtClean="0"/>
+              <a:rPr lang="en-US" altLang="zh-CN" smtClean="0"/>
               <a:t>Fourth level</a:t>
             </a:r>
           </a:p>
           <a:p>
             <a:pPr lvl="4"/>
             <a:r>
-              <a:rPr lang="en-US" smtClean="0"/>
+              <a:rPr lang="en-US" altLang="zh-CN" smtClean="0"/>
               <a:t>Fifth level</a:t>
             </a:r>
-            <a:endParaRPr lang="en-US"/>
+            <a:endParaRPr dirty="0"/>
           </a:p>
         </p:txBody>
       </p:sp>
@@ -766,7 +4902,7 @@
           <a:p>
             <a:fld id="{FEDBF184-AE6A-41EB-BBCB-9F86DBF77364}" type="datetimeFigureOut">
               <a:rPr lang="en-US" smtClean="0"/>
-              <a:t>2/26/2014</a:t>
+              <a:t>2/26/14</a:t>
             </a:fld>
             <a:endParaRPr lang="en-US"/>
           </a:p>
@@ -814,12 +4950,139 @@
           </a:p>
         </p:txBody>
       </p:sp>
+      <p:sp>
+        <p:nvSpPr>
+          <p:cNvPr id="9" name="TextBox 8"/>
+          <p:cNvSpPr txBox="1"/>
+          <p:nvPr/>
+        </p:nvSpPr>
+        <p:spPr>
+          <a:xfrm>
+            <a:off x="297581" y="228600"/>
+            <a:ext cx="347879" cy="553998"/>
+          </a:xfrm>
+          <a:prstGeom prst="rect">
+            <a:avLst/>
+          </a:prstGeom>
+          <a:noFill/>
+        </p:spPr>
+        <p:txBody>
+          <a:bodyPr wrap="square" lIns="0" tIns="0" rIns="0" bIns="0" rtlCol="0">
+            <a:spAutoFit/>
+          </a:bodyPr>
+          <a:lstStyle/>
+          <a:p>
+            <a:r>
+              <a:rPr sz="3600" b="1">
+                <a:solidFill>
+                  <a:schemeClr val="accent1">
+                    <a:lumMod val="60000"/>
+                    <a:lumOff val="40000"/>
+                  </a:schemeClr>
+                </a:solidFill>
+              </a:rPr>
+              <a:t>+</a:t>
+            </a:r>
+          </a:p>
+        </p:txBody>
+      </p:sp>
+      <p:sp>
+        <p:nvSpPr>
+          <p:cNvPr id="10" name="Text Placeholder 3"/>
+          <p:cNvSpPr>
+            <a:spLocks noGrp="1"/>
+          </p:cNvSpPr>
+          <p:nvPr>
+            <p:ph type="body" sz="half" idx="2"/>
+          </p:nvPr>
+        </p:nvSpPr>
+        <p:spPr>
+          <a:xfrm>
+            <a:off x="664691" y="1129553"/>
+            <a:ext cx="10078613" cy="774700"/>
+          </a:xfrm>
+        </p:spPr>
+        <p:txBody>
+          <a:bodyPr vert="horz" lIns="91440" tIns="45720" rIns="91440" bIns="45720" rtlCol="0" anchor="t" anchorCtr="0">
+            <a:noAutofit/>
+          </a:bodyPr>
+          <a:lstStyle>
+            <a:lvl1pPr marL="0" indent="0">
+              <a:buNone/>
+              <a:defRPr kumimoji="0" sz="2400" b="0" i="0" u="none" strike="noStrike" kern="1200" cap="none" spc="0" normalizeH="0" baseline="0">
+                <a:ln>
+                  <a:noFill/>
+                </a:ln>
+                <a:solidFill>
+                  <a:schemeClr val="accent3"/>
+                </a:solidFill>
+                <a:effectLst/>
+                <a:uLnTx/>
+                <a:uFillTx/>
+                <a:latin typeface="+mj-lt"/>
+                <a:ea typeface="+mj-ea"/>
+                <a:cs typeface="+mj-cs"/>
+              </a:defRPr>
+            </a:lvl1pPr>
+            <a:lvl2pPr marL="457200" indent="0">
+              <a:buNone/>
+              <a:defRPr sz="1200"/>
+            </a:lvl2pPr>
+            <a:lvl3pPr marL="914400" indent="0">
+              <a:buNone/>
+              <a:defRPr sz="1000"/>
+            </a:lvl3pPr>
+            <a:lvl4pPr marL="1371600" indent="0">
+              <a:buNone/>
+              <a:defRPr sz="900"/>
+            </a:lvl4pPr>
+            <a:lvl5pPr marL="1828800" indent="0">
+              <a:buNone/>
+              <a:defRPr sz="900"/>
+            </a:lvl5pPr>
+            <a:lvl6pPr marL="2286000" indent="0">
+              <a:buNone/>
+              <a:defRPr sz="900"/>
+            </a:lvl6pPr>
+            <a:lvl7pPr marL="2743200" indent="0">
+              <a:buNone/>
+              <a:defRPr sz="900"/>
+            </a:lvl7pPr>
+            <a:lvl8pPr marL="3200400" indent="0">
+              <a:buNone/>
+              <a:defRPr sz="900"/>
+            </a:lvl8pPr>
+            <a:lvl9pPr marL="3657600" indent="0">
+              <a:buNone/>
+              <a:defRPr sz="900"/>
+            </a:lvl9pPr>
+          </a:lstStyle>
+          <a:p>
+            <a:pPr marL="0" marR="0" lvl="0" indent="0" algn="l" defTabSz="914400" rtl="0" eaLnBrk="1" fontAlgn="auto" latinLnBrk="0" hangingPunct="1">
+              <a:lnSpc>
+                <a:spcPct val="100000"/>
+              </a:lnSpc>
+              <a:spcBef>
+                <a:spcPct val="0"/>
+              </a:spcBef>
+              <a:spcAft>
+                <a:spcPts val="0"/>
+              </a:spcAft>
+              <a:buClrTx/>
+              <a:buSzTx/>
+              <a:buFontTx/>
+              <a:buNone/>
+              <a:tabLst/>
+              <a:defRPr/>
+            </a:pPr>
+            <a:r>
+              <a:rPr lang="en-US" altLang="zh-CN" smtClean="0"/>
+              <a:t>Click to edit Master text styles</a:t>
+            </a:r>
+          </a:p>
+        </p:txBody>
+      </p:sp>
     </p:spTree>
-    <p:extLst>
-      <p:ext uri="{BB962C8B-B14F-4D97-AF65-F5344CB8AC3E}">
-        <p14:creationId xmlns:p14="http://schemas.microsoft.com/office/powerpoint/2010/main" val="2498350783"/>
-      </p:ext>
-    </p:extLst>
   </p:cSld>
   <p:clrMapOvr>
     <a:masterClrMapping/>
@@ -827,7 +5090,544 @@
 </p:sldLayout>
 </file>
 
-<file path=ppt/slideLayouts/slideLayout3.xml><?xml version="1.0" encoding="utf-8"?>
+<file path=ppt/slideLayouts/slideLayout4.xml><?xml version="1.0" encoding="utf-8"?>
+<p:sldLayout xmlns:a="http://schemas.openxmlformats.org/drawingml/2006/main" xmlns:r="http://schemas.openxmlformats.org/officeDocument/2006/relationships" xmlns:p="http://schemas.openxmlformats.org/presentationml/2006/main" preserve="1">
+  <p:cSld name="Title Slide with 2 Pictures">
+    <p:spTree>
+      <p:nvGrpSpPr>
+        <p:cNvPr id="1" name=""/>
+        <p:cNvGrpSpPr/>
+        <p:nvPr/>
+      </p:nvGrpSpPr>
+      <p:grpSpPr>
+        <a:xfrm>
+          <a:off x="0" y="0"/>
+          <a:ext cx="0" cy="0"/>
+          <a:chOff x="0" y="0"/>
+          <a:chExt cx="0" cy="0"/>
+        </a:xfrm>
+      </p:grpSpPr>
+      <p:sp>
+        <p:nvSpPr>
+          <p:cNvPr id="2" name="Title 1"/>
+          <p:cNvSpPr>
+            <a:spLocks noGrp="1"/>
+          </p:cNvSpPr>
+          <p:nvPr>
+            <p:ph type="ctrTitle"/>
+          </p:nvPr>
+        </p:nvSpPr>
+        <p:spPr>
+          <a:xfrm>
+            <a:off x="6400800" y="4624668"/>
+            <a:ext cx="5384800" cy="933450"/>
+          </a:xfrm>
+        </p:spPr>
+        <p:txBody>
+          <a:bodyPr>
+            <a:normAutofit/>
+          </a:bodyPr>
+          <a:lstStyle>
+            <a:lvl1pPr>
+              <a:defRPr sz="2800"/>
+            </a:lvl1pPr>
+          </a:lstStyle>
+          <a:p>
+            <a:r>
+              <a:rPr lang="en-US" altLang="zh-CN" smtClean="0"/>
+              <a:t>Click to edit Master title style</a:t>
+            </a:r>
+            <a:endParaRPr/>
+          </a:p>
+        </p:txBody>
+      </p:sp>
+      <p:sp>
+        <p:nvSpPr>
+          <p:cNvPr id="3" name="Subtitle 2"/>
+          <p:cNvSpPr>
+            <a:spLocks noGrp="1"/>
+          </p:cNvSpPr>
+          <p:nvPr>
+            <p:ph type="subTitle" idx="1"/>
+          </p:nvPr>
+        </p:nvSpPr>
+        <p:spPr>
+          <a:xfrm>
+            <a:off x="6400800" y="5562600"/>
+            <a:ext cx="5384800" cy="748553"/>
+          </a:xfrm>
+        </p:spPr>
+        <p:txBody>
+          <a:bodyPr>
+            <a:normAutofit/>
+          </a:bodyPr>
+          <a:lstStyle>
+            <a:lvl1pPr marL="0" indent="0" algn="l">
+              <a:spcBef>
+                <a:spcPts val="300"/>
+              </a:spcBef>
+              <a:buNone/>
+              <a:defRPr sz="1400">
+                <a:solidFill>
+                  <a:schemeClr val="tx1">
+                    <a:tint val="75000"/>
+                  </a:schemeClr>
+                </a:solidFill>
+              </a:defRPr>
+            </a:lvl1pPr>
+            <a:lvl2pPr marL="457200" indent="0" algn="ctr">
+              <a:buNone/>
+              <a:defRPr>
+                <a:solidFill>
+                  <a:schemeClr val="tx1">
+                    <a:tint val="75000"/>
+                  </a:schemeClr>
+                </a:solidFill>
+              </a:defRPr>
+            </a:lvl2pPr>
+            <a:lvl3pPr marL="914400" indent="0" algn="ctr">
+              <a:buNone/>
+              <a:defRPr>
+                <a:solidFill>
+                  <a:schemeClr val="tx1">
+                    <a:tint val="75000"/>
+                  </a:schemeClr>
+                </a:solidFill>
+              </a:defRPr>
+            </a:lvl3pPr>
+            <a:lvl4pPr marL="1371600" indent="0" algn="ctr">
+              <a:buNone/>
+              <a:defRPr>
+                <a:solidFill>
+                  <a:schemeClr val="tx1">
+                    <a:tint val="75000"/>
+                  </a:schemeClr>
+                </a:solidFill>
+              </a:defRPr>
+            </a:lvl4pPr>
+            <a:lvl5pPr marL="1828800" indent="0" algn="ctr">
+              <a:buNone/>
+              <a:defRPr>
+                <a:solidFill>
+                  <a:schemeClr val="tx1">
+                    <a:tint val="75000"/>
+                  </a:schemeClr>
+                </a:solidFill>
+              </a:defRPr>
+            </a:lvl5pPr>
+            <a:lvl6pPr marL="2286000" indent="0" algn="ctr">
+              <a:buNone/>
+              <a:defRPr>
+                <a:solidFill>
+                  <a:schemeClr val="tx1">
+                    <a:tint val="75000"/>
+                  </a:schemeClr>
+                </a:solidFill>
+              </a:defRPr>
+            </a:lvl6pPr>
+            <a:lvl7pPr marL="2743200" indent="0" algn="ctr">
+              <a:buNone/>
+              <a:defRPr>
+                <a:solidFill>
+                  <a:schemeClr val="tx1">
+                    <a:tint val="75000"/>
+                  </a:schemeClr>
+                </a:solidFill>
+              </a:defRPr>
+            </a:lvl7pPr>
+            <a:lvl8pPr marL="3200400" indent="0" algn="ctr">
+              <a:buNone/>
+              <a:defRPr>
+                <a:solidFill>
+                  <a:schemeClr val="tx1">
+                    <a:tint val="75000"/>
+                  </a:schemeClr>
+                </a:solidFill>
+              </a:defRPr>
+            </a:lvl8pPr>
+            <a:lvl9pPr marL="3657600" indent="0" algn="ctr">
+              <a:buNone/>
+              <a:defRPr>
+                <a:solidFill>
+                  <a:schemeClr val="tx1">
+                    <a:tint val="75000"/>
+                  </a:schemeClr>
+                </a:solidFill>
+              </a:defRPr>
+            </a:lvl9pPr>
+          </a:lstStyle>
+          <a:p>
+            <a:r>
+              <a:rPr lang="en-US" altLang="zh-CN" smtClean="0"/>
+              <a:t>Click to edit Master subtitle style</a:t>
+            </a:r>
+            <a:endParaRPr dirty="0"/>
+          </a:p>
+        </p:txBody>
+      </p:sp>
+      <p:sp>
+        <p:nvSpPr>
+          <p:cNvPr id="4" name="Date Placeholder 3"/>
+          <p:cNvSpPr>
+            <a:spLocks noGrp="1"/>
+          </p:cNvSpPr>
+          <p:nvPr>
+            <p:ph type="dt" sz="half" idx="10"/>
+          </p:nvPr>
+        </p:nvSpPr>
+        <p:spPr>
+          <a:xfrm>
+            <a:off x="6400801" y="6425641"/>
+            <a:ext cx="1643529" cy="365125"/>
+          </a:xfrm>
+        </p:spPr>
+        <p:txBody>
+          <a:bodyPr/>
+          <a:lstStyle>
+            <a:lvl1pPr algn="l">
+              <a:defRPr/>
+            </a:lvl1pPr>
+          </a:lstStyle>
+          <a:p>
+            <a:fld id="{FEDBF184-AE6A-41EB-BBCB-9F86DBF77364}" type="datetimeFigureOut">
+              <a:rPr lang="en-US" smtClean="0"/>
+              <a:t>2/26/14</a:t>
+            </a:fld>
+            <a:endParaRPr lang="en-US"/>
+          </a:p>
+        </p:txBody>
+      </p:sp>
+      <p:sp>
+        <p:nvSpPr>
+          <p:cNvPr id="5" name="Footer Placeholder 4"/>
+          <p:cNvSpPr>
+            <a:spLocks noGrp="1"/>
+          </p:cNvSpPr>
+          <p:nvPr>
+            <p:ph type="ftr" sz="quarter" idx="11"/>
+          </p:nvPr>
+        </p:nvSpPr>
+        <p:spPr>
+          <a:xfrm>
+            <a:off x="8414871" y="6425641"/>
+            <a:ext cx="3490259" cy="365125"/>
+          </a:xfrm>
+        </p:spPr>
+        <p:txBody>
+          <a:bodyPr/>
+          <a:lstStyle>
+            <a:lvl1pPr algn="r">
+              <a:defRPr/>
+            </a:lvl1pPr>
+          </a:lstStyle>
+          <a:p>
+            <a:endParaRPr lang="en-US"/>
+          </a:p>
+        </p:txBody>
+      </p:sp>
+      <p:sp>
+        <p:nvSpPr>
+          <p:cNvPr id="7" name="Rectangle 6"/>
+          <p:cNvSpPr/>
+          <p:nvPr/>
+        </p:nvSpPr>
+        <p:spPr>
+          <a:xfrm>
+            <a:off x="376767" y="228600"/>
+            <a:ext cx="5647267" cy="4187952"/>
+          </a:xfrm>
+          <a:prstGeom prst="rect">
+            <a:avLst/>
+          </a:prstGeom>
+          <a:solidFill>
+            <a:schemeClr val="accent1"/>
+          </a:solidFill>
+          <a:ln>
+            <a:noFill/>
+          </a:ln>
+        </p:spPr>
+        <p:style>
+          <a:lnRef idx="2">
+            <a:schemeClr val="accent1">
+              <a:shade val="50000"/>
+            </a:schemeClr>
+          </a:lnRef>
+          <a:fillRef idx="1">
+            <a:schemeClr val="accent1"/>
+          </a:fillRef>
+          <a:effectRef idx="0">
+            <a:schemeClr val="accent1"/>
+          </a:effectRef>
+          <a:fontRef idx="minor">
+            <a:schemeClr val="lt1"/>
+          </a:fontRef>
+        </p:style>
+        <p:txBody>
+          <a:bodyPr rtlCol="0" anchor="ctr"/>
+          <a:lstStyle/>
+          <a:p>
+            <a:pPr algn="ctr"/>
+            <a:endParaRPr/>
+          </a:p>
+        </p:txBody>
+      </p:sp>
+      <p:sp>
+        <p:nvSpPr>
+          <p:cNvPr id="8" name="Rectangle 7"/>
+          <p:cNvSpPr/>
+          <p:nvPr/>
+        </p:nvSpPr>
+        <p:spPr>
+          <a:xfrm>
+            <a:off x="9069917" y="228600"/>
+            <a:ext cx="2743200" cy="2039112"/>
+          </a:xfrm>
+          <a:prstGeom prst="rect">
+            <a:avLst/>
+          </a:prstGeom>
+          <a:solidFill>
+            <a:schemeClr val="accent3"/>
+          </a:solidFill>
+          <a:ln>
+            <a:noFill/>
+          </a:ln>
+        </p:spPr>
+        <p:style>
+          <a:lnRef idx="2">
+            <a:schemeClr val="accent1">
+              <a:shade val="50000"/>
+            </a:schemeClr>
+          </a:lnRef>
+          <a:fillRef idx="1">
+            <a:schemeClr val="accent1"/>
+          </a:fillRef>
+          <a:effectRef idx="0">
+            <a:schemeClr val="accent1"/>
+          </a:effectRef>
+          <a:fontRef idx="minor">
+            <a:schemeClr val="lt1"/>
+          </a:fontRef>
+        </p:style>
+        <p:txBody>
+          <a:bodyPr rtlCol="0" anchor="ctr"/>
+          <a:lstStyle/>
+          <a:p>
+            <a:pPr algn="ctr"/>
+            <a:endParaRPr/>
+          </a:p>
+        </p:txBody>
+      </p:sp>
+      <p:sp>
+        <p:nvSpPr>
+          <p:cNvPr id="10" name="Rectangle 9"/>
+          <p:cNvSpPr/>
+          <p:nvPr/>
+        </p:nvSpPr>
+        <p:spPr>
+          <a:xfrm>
+            <a:off x="6165851" y="2377440"/>
+            <a:ext cx="2743200" cy="2039112"/>
+          </a:xfrm>
+          <a:prstGeom prst="rect">
+            <a:avLst/>
+          </a:prstGeom>
+          <a:solidFill>
+            <a:schemeClr val="accent4"/>
+          </a:solidFill>
+          <a:ln>
+            <a:noFill/>
+          </a:ln>
+        </p:spPr>
+        <p:style>
+          <a:lnRef idx="2">
+            <a:schemeClr val="accent1">
+              <a:shade val="50000"/>
+            </a:schemeClr>
+          </a:lnRef>
+          <a:fillRef idx="1">
+            <a:schemeClr val="accent1"/>
+          </a:fillRef>
+          <a:effectRef idx="0">
+            <a:schemeClr val="accent1"/>
+          </a:effectRef>
+          <a:fontRef idx="minor">
+            <a:schemeClr val="lt1"/>
+          </a:fontRef>
+        </p:style>
+        <p:txBody>
+          <a:bodyPr rtlCol="0" anchor="ctr"/>
+          <a:lstStyle/>
+          <a:p>
+            <a:pPr algn="ctr"/>
+            <a:endParaRPr/>
+          </a:p>
+        </p:txBody>
+      </p:sp>
+      <p:sp>
+        <p:nvSpPr>
+          <p:cNvPr id="13" name="Picture Placeholder 12"/>
+          <p:cNvSpPr>
+            <a:spLocks noGrp="1"/>
+          </p:cNvSpPr>
+          <p:nvPr>
+            <p:ph type="pic" sz="quarter" idx="12"/>
+          </p:nvPr>
+        </p:nvSpPr>
+        <p:spPr>
+          <a:xfrm>
+            <a:off x="6165851" y="228600"/>
+            <a:ext cx="2743200" cy="2039112"/>
+          </a:xfrm>
+        </p:spPr>
+        <p:txBody>
+          <a:bodyPr/>
+          <a:lstStyle>
+            <a:lvl1pPr>
+              <a:buNone/>
+              <a:defRPr/>
+            </a:lvl1pPr>
+          </a:lstStyle>
+          <a:p>
+            <a:r>
+              <a:rPr lang="en-US" altLang="zh-CN" smtClean="0"/>
+              <a:t>Drag picture to placeholder or click icon to add</a:t>
+            </a:r>
+            <a:endParaRPr/>
+          </a:p>
+        </p:txBody>
+      </p:sp>
+      <p:sp>
+        <p:nvSpPr>
+          <p:cNvPr id="14" name="Picture Placeholder 12"/>
+          <p:cNvSpPr>
+            <a:spLocks noGrp="1"/>
+          </p:cNvSpPr>
+          <p:nvPr>
+            <p:ph type="pic" sz="quarter" idx="13"/>
+          </p:nvPr>
+        </p:nvSpPr>
+        <p:spPr>
+          <a:xfrm>
+            <a:off x="9069917" y="2377440"/>
+            <a:ext cx="2743200" cy="2039112"/>
+          </a:xfrm>
+        </p:spPr>
+        <p:txBody>
+          <a:bodyPr/>
+          <a:lstStyle>
+            <a:lvl1pPr>
+              <a:buNone/>
+              <a:defRPr/>
+            </a:lvl1pPr>
+          </a:lstStyle>
+          <a:p>
+            <a:r>
+              <a:rPr lang="en-US" altLang="zh-CN" smtClean="0"/>
+              <a:t>Drag picture to placeholder or click icon to add</a:t>
+            </a:r>
+            <a:endParaRPr/>
+          </a:p>
+        </p:txBody>
+      </p:sp>
+      <p:sp>
+        <p:nvSpPr>
+          <p:cNvPr id="16" name="Text Placeholder 3"/>
+          <p:cNvSpPr>
+            <a:spLocks noGrp="1"/>
+          </p:cNvSpPr>
+          <p:nvPr>
+            <p:ph type="body" sz="half" idx="2"/>
+          </p:nvPr>
+        </p:nvSpPr>
+        <p:spPr>
+          <a:xfrm>
+            <a:off x="1143000" y="1779495"/>
+            <a:ext cx="4114800" cy="2040905"/>
+          </a:xfrm>
+        </p:spPr>
+        <p:txBody>
+          <a:bodyPr lIns="45720" tIns="45720" rIns="45720" anchor="t">
+            <a:noAutofit/>
+          </a:bodyPr>
+          <a:lstStyle>
+            <a:lvl1pPr marL="0" indent="0" algn="ctr">
+              <a:spcBef>
+                <a:spcPts val="600"/>
+              </a:spcBef>
+              <a:buNone/>
+              <a:defRPr sz="4600">
+                <a:solidFill>
+                  <a:schemeClr val="bg1"/>
+                </a:solidFill>
+              </a:defRPr>
+            </a:lvl1pPr>
+            <a:lvl2pPr>
+              <a:defRPr sz="1200"/>
+            </a:lvl2pPr>
+            <a:lvl3pPr>
+              <a:defRPr sz="1000"/>
+            </a:lvl3pPr>
+            <a:lvl4pPr>
+              <a:defRPr sz="900"/>
+            </a:lvl4pPr>
+            <a:lvl5pPr>
+              <a:defRPr sz="900"/>
+            </a:lvl5pPr>
+          </a:lstStyle>
+          <a:p>
+            <a:pPr lvl="0" eaLnBrk="1" latinLnBrk="0" hangingPunct="1"/>
+            <a:r>
+              <a:rPr kumimoji="0" lang="en-US" altLang="zh-CN" smtClean="0"/>
+              <a:t>Click to edit Master text styles</a:t>
+            </a:r>
+          </a:p>
+        </p:txBody>
+      </p:sp>
+      <p:sp>
+        <p:nvSpPr>
+          <p:cNvPr id="15" name="TextBox 14"/>
+          <p:cNvSpPr txBox="1"/>
+          <p:nvPr/>
+        </p:nvSpPr>
+        <p:spPr>
+          <a:xfrm>
+            <a:off x="566522" y="174813"/>
+            <a:ext cx="551079" cy="830997"/>
+          </a:xfrm>
+          <a:prstGeom prst="rect">
+            <a:avLst/>
+          </a:prstGeom>
+          <a:noFill/>
+        </p:spPr>
+        <p:txBody>
+          <a:bodyPr wrap="square" lIns="0" tIns="0" rIns="0" bIns="0" rtlCol="0">
+            <a:spAutoFit/>
+          </a:bodyPr>
+          <a:lstStyle/>
+          <a:p>
+            <a:r>
+              <a:rPr sz="5400" b="1">
+                <a:solidFill>
+                  <a:schemeClr val="accent1">
+                    <a:lumMod val="60000"/>
+                    <a:lumOff val="40000"/>
+                  </a:schemeClr>
+                </a:solidFill>
+              </a:rPr>
+              <a:t>+</a:t>
+            </a:r>
+          </a:p>
+        </p:txBody>
+      </p:sp>
+    </p:spTree>
+  </p:cSld>
+  <p:clrMapOvr>
+    <a:masterClrMapping/>
+  </p:clrMapOvr>
+</p:sldLayout>
+</file>
+
+<file path=ppt/slideLayouts/slideLayout5.xml><?xml version="1.0" encoding="utf-8"?>
 <p:sldLayout xmlns:a="http://schemas.openxmlformats.org/drawingml/2006/main" xmlns:r="http://schemas.openxmlformats.org/officeDocument/2006/relationships" xmlns:p="http://schemas.openxmlformats.org/presentationml/2006/main" type="secHead" preserve="1">
   <p:cSld name="Section Header">
     <p:spTree>
@@ -846,6 +5646,52 @@
       </p:grpSpPr>
       <p:sp>
         <p:nvSpPr>
+          <p:cNvPr id="7" name="Rectangle 6"/>
+          <p:cNvSpPr/>
+          <p:nvPr/>
+        </p:nvSpPr>
+        <p:spPr>
+          <a:xfrm>
+            <a:off x="878543" y="228600"/>
+            <a:ext cx="10934573" cy="6345238"/>
+          </a:xfrm>
+          <a:prstGeom prst="rect">
+            <a:avLst/>
+          </a:prstGeom>
+          <a:solidFill>
+            <a:schemeClr val="accent1"/>
+          </a:solidFill>
+          <a:ln>
+            <a:noFill/>
+          </a:ln>
+        </p:spPr>
+        <p:style>
+          <a:lnRef idx="2">
+            <a:schemeClr val="accent1">
+              <a:shade val="50000"/>
+            </a:schemeClr>
+          </a:lnRef>
+          <a:fillRef idx="1">
+            <a:schemeClr val="accent1"/>
+          </a:fillRef>
+          <a:effectRef idx="0">
+            <a:schemeClr val="accent1"/>
+          </a:effectRef>
+          <a:fontRef idx="minor">
+            <a:schemeClr val="lt1"/>
+          </a:fontRef>
+        </p:style>
+        <p:txBody>
+          <a:bodyPr rtlCol="0" anchor="ctr"/>
+          <a:lstStyle/>
+          <a:p>
+            <a:pPr algn="ctr"/>
+            <a:endParaRPr/>
+          </a:p>
+        </p:txBody>
+      </p:sp>
+      <p:sp>
+        <p:nvSpPr>
           <p:cNvPr id="2" name="Title 1"/>
           <p:cNvSpPr>
             <a:spLocks noGrp="1"/>
@@ -856,23 +5702,29 @@
         </p:nvSpPr>
         <p:spPr>
           <a:xfrm>
-            <a:off x="831850" y="1709738"/>
-            <a:ext cx="10515600" cy="2852737"/>
-          </a:xfrm>
-        </p:spPr>
-        <p:txBody>
-          <a:bodyPr anchor="b"/>
+            <a:off x="3048000" y="3124201"/>
+            <a:ext cx="7518400" cy="1362075"/>
+          </a:xfrm>
+        </p:spPr>
+        <p:txBody>
+          <a:bodyPr anchor="b" anchorCtr="0">
+            <a:normAutofit/>
+          </a:bodyPr>
           <a:lstStyle>
-            <a:lvl1pPr>
-              <a:defRPr sz="6000"/>
+            <a:lvl1pPr algn="l">
+              <a:defRPr sz="3200" b="0" cap="none" baseline="0">
+                <a:solidFill>
+                  <a:schemeClr val="bg1"/>
+                </a:solidFill>
+              </a:defRPr>
             </a:lvl1pPr>
           </a:lstStyle>
           <a:p>
             <a:r>
-              <a:rPr lang="en-US" smtClean="0"/>
+              <a:rPr lang="en-US" altLang="zh-CN" smtClean="0"/>
               <a:t>Click to edit Master title style</a:t>
             </a:r>
-            <a:endParaRPr lang="en-US"/>
+            <a:endParaRPr/>
           </a:p>
         </p:txBody>
       </p:sp>
@@ -888,26 +5740,29 @@
         </p:nvSpPr>
         <p:spPr>
           <a:xfrm>
-            <a:off x="831850" y="4589463"/>
-            <a:ext cx="10515600" cy="1500187"/>
-          </a:xfrm>
-        </p:spPr>
-        <p:txBody>
-          <a:bodyPr/>
+            <a:off x="3048000" y="4495801"/>
+            <a:ext cx="7518400" cy="1500187"/>
+          </a:xfrm>
+        </p:spPr>
+        <p:txBody>
+          <a:bodyPr anchor="t" anchorCtr="0">
+            <a:normAutofit/>
+          </a:bodyPr>
           <a:lstStyle>
             <a:lvl1pPr marL="0" indent="0">
-              <a:buNone/>
-              <a:defRPr sz="2400">
+              <a:spcBef>
+                <a:spcPts val="300"/>
+              </a:spcBef>
+              <a:buNone/>
+              <a:defRPr sz="1400" cap="none" baseline="0">
                 <a:solidFill>
-                  <a:schemeClr val="tx1">
-                    <a:tint val="75000"/>
-                  </a:schemeClr>
+                  <a:schemeClr val="bg1"/>
                 </a:solidFill>
               </a:defRPr>
             </a:lvl1pPr>
             <a:lvl2pPr marL="457200" indent="0">
               <a:buNone/>
-              <a:defRPr sz="2000">
+              <a:defRPr sz="1800">
                 <a:solidFill>
                   <a:schemeClr val="tx1">
                     <a:tint val="75000"/>
@@ -917,7 +5772,7 @@
             </a:lvl2pPr>
             <a:lvl3pPr marL="914400" indent="0">
               <a:buNone/>
-              <a:defRPr sz="1800">
+              <a:defRPr sz="1600">
                 <a:solidFill>
                   <a:schemeClr val="tx1">
                     <a:tint val="75000"/>
@@ -927,7 +5782,7 @@
             </a:lvl3pPr>
             <a:lvl4pPr marL="1371600" indent="0">
               <a:buNone/>
-              <a:defRPr sz="1600">
+              <a:defRPr sz="1400">
                 <a:solidFill>
                   <a:schemeClr val="tx1">
                     <a:tint val="75000"/>
@@ -937,7 +5792,7 @@
             </a:lvl4pPr>
             <a:lvl5pPr marL="1828800" indent="0">
               <a:buNone/>
-              <a:defRPr sz="1600">
+              <a:defRPr sz="1400">
                 <a:solidFill>
                   <a:schemeClr val="tx1">
                     <a:tint val="75000"/>
@@ -947,7 +5802,7 @@
             </a:lvl5pPr>
             <a:lvl6pPr marL="2286000" indent="0">
               <a:buNone/>
-              <a:defRPr sz="1600">
+              <a:defRPr sz="1400">
                 <a:solidFill>
                   <a:schemeClr val="tx1">
                     <a:tint val="75000"/>
@@ -957,7 +5812,7 @@
             </a:lvl6pPr>
             <a:lvl7pPr marL="2743200" indent="0">
               <a:buNone/>
-              <a:defRPr sz="1600">
+              <a:defRPr sz="1400">
                 <a:solidFill>
                   <a:schemeClr val="tx1">
                     <a:tint val="75000"/>
@@ -967,7 +5822,7 @@
             </a:lvl7pPr>
             <a:lvl8pPr marL="3200400" indent="0">
               <a:buNone/>
-              <a:defRPr sz="1600">
+              <a:defRPr sz="1400">
                 <a:solidFill>
                   <a:schemeClr val="tx1">
                     <a:tint val="75000"/>
@@ -977,7 +5832,7 @@
             </a:lvl8pPr>
             <a:lvl9pPr marL="3657600" indent="0">
               <a:buNone/>
-              <a:defRPr sz="1600">
+              <a:defRPr sz="1400">
                 <a:solidFill>
                   <a:schemeClr val="tx1">
                     <a:tint val="75000"/>
@@ -989,7 +5844,7 @@
           <a:p>
             <a:pPr lvl="0"/>
             <a:r>
-              <a:rPr lang="en-US" smtClean="0"/>
+              <a:rPr lang="en-US" altLang="zh-CN" smtClean="0"/>
               <a:t>Click to edit Master text styles</a:t>
             </a:r>
           </a:p>
@@ -1005,14 +5860,27 @@
             <p:ph type="dt" sz="half" idx="10"/>
           </p:nvPr>
         </p:nvSpPr>
-        <p:spPr/>
+        <p:spPr>
+          <a:xfrm>
+            <a:off x="878541" y="6248775"/>
+            <a:ext cx="1966259" cy="365125"/>
+          </a:xfrm>
+        </p:spPr>
         <p:txBody>
           <a:bodyPr/>
-          <a:lstStyle/>
+          <a:lstStyle>
+            <a:lvl1pPr algn="l">
+              <a:defRPr>
+                <a:solidFill>
+                  <a:schemeClr val="bg1"/>
+                </a:solidFill>
+              </a:defRPr>
+            </a:lvl1pPr>
+          </a:lstStyle>
           <a:p>
             <a:fld id="{FEDBF184-AE6A-41EB-BBCB-9F86DBF77364}" type="datetimeFigureOut">
               <a:rPr lang="en-US" smtClean="0"/>
-              <a:t>2/26/2014</a:t>
+              <a:t>2/26/14</a:t>
             </a:fld>
             <a:endParaRPr lang="en-US"/>
           </a:p>
@@ -1028,10 +5896,23 @@
             <p:ph type="ftr" sz="quarter" idx="11"/>
           </p:nvPr>
         </p:nvSpPr>
-        <p:spPr/>
+        <p:spPr>
+          <a:xfrm>
+            <a:off x="3048000" y="6248775"/>
+            <a:ext cx="7518400" cy="365125"/>
+          </a:xfrm>
+        </p:spPr>
         <p:txBody>
           <a:bodyPr/>
-          <a:lstStyle/>
+          <a:lstStyle>
+            <a:lvl1pPr>
+              <a:defRPr>
+                <a:solidFill>
+                  <a:schemeClr val="bg1"/>
+                </a:solidFill>
+              </a:defRPr>
+            </a:lvl1pPr>
+          </a:lstStyle>
           <a:p>
             <a:endParaRPr lang="en-US"/>
           </a:p>
@@ -1047,7 +5928,12 @@
             <p:ph type="sldNum" sz="quarter" idx="12"/>
           </p:nvPr>
         </p:nvSpPr>
-        <p:spPr/>
+        <p:spPr>
+          <a:xfrm>
+            <a:off x="11074400" y="6248775"/>
+            <a:ext cx="738717" cy="365125"/>
+          </a:xfrm>
+        </p:spPr>
         <p:txBody>
           <a:bodyPr/>
           <a:lstStyle/>
@@ -1060,12 +5946,89 @@
           </a:p>
         </p:txBody>
       </p:sp>
+      <p:sp>
+        <p:nvSpPr>
+          <p:cNvPr id="8" name="TextBox 7"/>
+          <p:cNvSpPr txBox="1"/>
+          <p:nvPr/>
+        </p:nvSpPr>
+        <p:spPr>
+          <a:xfrm>
+            <a:off x="2671483" y="3110755"/>
+            <a:ext cx="347879" cy="615553"/>
+          </a:xfrm>
+          <a:prstGeom prst="rect">
+            <a:avLst/>
+          </a:prstGeom>
+          <a:noFill/>
+        </p:spPr>
+        <p:txBody>
+          <a:bodyPr wrap="square" lIns="0" tIns="0" rIns="0" bIns="0" rtlCol="0">
+            <a:spAutoFit/>
+          </a:bodyPr>
+          <a:lstStyle/>
+          <a:p>
+            <a:r>
+              <a:rPr sz="4000" b="1">
+                <a:solidFill>
+                  <a:schemeClr val="accent1">
+                    <a:lumMod val="60000"/>
+                    <a:lumOff val="40000"/>
+                  </a:schemeClr>
+                </a:solidFill>
+              </a:rPr>
+              <a:t>+</a:t>
+            </a:r>
+          </a:p>
+        </p:txBody>
+      </p:sp>
+      <p:sp>
+        <p:nvSpPr>
+          <p:cNvPr id="9" name="Rectangle 8"/>
+          <p:cNvSpPr/>
+          <p:nvPr/>
+        </p:nvSpPr>
+        <p:spPr>
+          <a:xfrm>
+            <a:off x="381001" y="228600"/>
+            <a:ext cx="283633" cy="6345238"/>
+          </a:xfrm>
+          <a:prstGeom prst="rect">
+            <a:avLst/>
+          </a:prstGeom>
+          <a:solidFill>
+            <a:schemeClr val="accent4"/>
+          </a:solidFill>
+          <a:ln>
+            <a:noFill/>
+          </a:ln>
+        </p:spPr>
+        <p:style>
+          <a:lnRef idx="2">
+            <a:schemeClr val="accent1">
+              <a:shade val="50000"/>
+            </a:schemeClr>
+          </a:lnRef>
+          <a:fillRef idx="1">
+            <a:schemeClr val="accent1"/>
+          </a:fillRef>
+          <a:effectRef idx="0">
+            <a:schemeClr val="accent1"/>
+          </a:effectRef>
+          <a:fontRef idx="minor">
+            <a:schemeClr val="lt1"/>
+          </a:fontRef>
+        </p:style>
+        <p:txBody>
+          <a:bodyPr rtlCol="0" anchor="ctr"/>
+          <a:lstStyle/>
+          <a:p>
+            <a:pPr algn="ctr"/>
+            <a:endParaRPr/>
+          </a:p>
+        </p:txBody>
+      </p:sp>
     </p:spTree>
-    <p:extLst>
-      <p:ext uri="{BB962C8B-B14F-4D97-AF65-F5344CB8AC3E}">
-        <p14:creationId xmlns:p14="http://schemas.microsoft.com/office/powerpoint/2010/main" val="644693344"/>
-      </p:ext>
-    </p:extLst>
   </p:cSld>
   <p:clrMapOvr>
     <a:masterClrMapping/>
@@ -1073,8 +6036,8 @@
 </p:sldLayout>
 </file>
 
-<file path=ppt/slideLayouts/slideLayout4.xml><?xml version="1.0" encoding="utf-8"?>
-<p:sldLayout xmlns:a="http://schemas.openxmlformats.org/drawingml/2006/main" xmlns:r="http://schemas.openxmlformats.org/officeDocument/2006/relationships" xmlns:p="http://schemas.openxmlformats.org/presentationml/2006/main" type="twoObj" preserve="1">
+<file path=ppt/slideLayouts/slideLayout6.xml><?xml version="1.0" encoding="utf-8"?>
+<p:sldLayout xmlns:a="http://schemas.openxmlformats.org/drawingml/2006/main" xmlns:r="http://schemas.openxmlformats.org/officeDocument/2006/relationships" xmlns:p="http://schemas.openxmlformats.org/presentationml/2006/main" preserve="1">
   <p:cSld name="Two Content">
     <p:spTree>
       <p:nvGrpSpPr>
@@ -1092,6 +6055,134 @@
       </p:grpSpPr>
       <p:sp>
         <p:nvSpPr>
+          <p:cNvPr id="11" name="Rectangle 10"/>
+          <p:cNvSpPr/>
+          <p:nvPr/>
+        </p:nvSpPr>
+        <p:spPr>
+          <a:xfrm>
+            <a:off x="10947401" y="282574"/>
+            <a:ext cx="856129" cy="1600200"/>
+          </a:xfrm>
+          <a:prstGeom prst="rect">
+            <a:avLst/>
+          </a:prstGeom>
+          <a:solidFill>
+            <a:schemeClr val="accent1"/>
+          </a:solidFill>
+          <a:ln>
+            <a:noFill/>
+          </a:ln>
+        </p:spPr>
+        <p:style>
+          <a:lnRef idx="2">
+            <a:schemeClr val="accent1">
+              <a:shade val="50000"/>
+            </a:schemeClr>
+          </a:lnRef>
+          <a:fillRef idx="1">
+            <a:schemeClr val="accent1"/>
+          </a:fillRef>
+          <a:effectRef idx="0">
+            <a:schemeClr val="accent1"/>
+          </a:effectRef>
+          <a:fontRef idx="minor">
+            <a:schemeClr val="lt1"/>
+          </a:fontRef>
+        </p:style>
+        <p:txBody>
+          <a:bodyPr rtlCol="0" anchor="ctr"/>
+          <a:lstStyle/>
+          <a:p>
+            <a:pPr algn="ctr"/>
+            <a:endParaRPr/>
+          </a:p>
+        </p:txBody>
+      </p:sp>
+      <p:sp>
+        <p:nvSpPr>
+          <p:cNvPr id="12" name="Rectangle 11"/>
+          <p:cNvSpPr/>
+          <p:nvPr/>
+        </p:nvSpPr>
+        <p:spPr>
+          <a:xfrm>
+            <a:off x="10757647" y="282574"/>
+            <a:ext cx="121920" cy="1600200"/>
+          </a:xfrm>
+          <a:prstGeom prst="rect">
+            <a:avLst/>
+          </a:prstGeom>
+          <a:solidFill>
+            <a:schemeClr val="accent3"/>
+          </a:solidFill>
+          <a:ln>
+            <a:noFill/>
+          </a:ln>
+        </p:spPr>
+        <p:style>
+          <a:lnRef idx="2">
+            <a:schemeClr val="accent1">
+              <a:shade val="50000"/>
+            </a:schemeClr>
+          </a:lnRef>
+          <a:fillRef idx="1">
+            <a:schemeClr val="accent1"/>
+          </a:fillRef>
+          <a:effectRef idx="0">
+            <a:schemeClr val="accent1"/>
+          </a:effectRef>
+          <a:fontRef idx="minor">
+            <a:schemeClr val="lt1"/>
+          </a:fontRef>
+        </p:style>
+        <p:txBody>
+          <a:bodyPr rtlCol="0" anchor="ctr"/>
+          <a:lstStyle/>
+          <a:p>
+            <a:pPr algn="ctr"/>
+            <a:endParaRPr/>
+          </a:p>
+        </p:txBody>
+      </p:sp>
+      <p:sp>
+        <p:nvSpPr>
+          <p:cNvPr id="10" name="TextBox 9"/>
+          <p:cNvSpPr txBox="1"/>
+          <p:nvPr/>
+        </p:nvSpPr>
+        <p:spPr>
+          <a:xfrm>
+            <a:off x="297581" y="228600"/>
+            <a:ext cx="347879" cy="553998"/>
+          </a:xfrm>
+          <a:prstGeom prst="rect">
+            <a:avLst/>
+          </a:prstGeom>
+          <a:noFill/>
+        </p:spPr>
+        <p:txBody>
+          <a:bodyPr wrap="square" lIns="0" tIns="0" rIns="0" bIns="0" rtlCol="0">
+            <a:spAutoFit/>
+          </a:bodyPr>
+          <a:lstStyle/>
+          <a:p>
+            <a:r>
+              <a:rPr sz="3600" b="1">
+                <a:solidFill>
+                  <a:schemeClr val="accent1">
+                    <a:lumMod val="60000"/>
+                    <a:lumOff val="40000"/>
+                  </a:schemeClr>
+                </a:solidFill>
+              </a:rPr>
+              <a:t>+</a:t>
+            </a:r>
+          </a:p>
+        </p:txBody>
+      </p:sp>
+      <p:sp>
+        <p:nvSpPr>
           <p:cNvPr id="2" name="Title 1"/>
           <p:cNvSpPr>
             <a:spLocks noGrp="1"/>
@@ -1106,10 +6197,10 @@
           <a:lstStyle/>
           <a:p>
             <a:r>
-              <a:rPr lang="en-US" smtClean="0"/>
+              <a:rPr lang="en-US" altLang="zh-CN" smtClean="0"/>
               <a:t>Click to edit Master title style</a:t>
             </a:r>
-            <a:endParaRPr lang="en-US"/>
+            <a:endParaRPr/>
           </a:p>
         </p:txBody>
       </p:sp>
@@ -1125,48 +6216,78 @@
         </p:nvSpPr>
         <p:spPr>
           <a:xfrm>
-            <a:off x="838200" y="1825625"/>
-            <a:ext cx="5181600" cy="4351338"/>
-          </a:xfrm>
-        </p:spPr>
-        <p:txBody>
-          <a:bodyPr/>
-          <a:lstStyle/>
+            <a:off x="664691" y="1985963"/>
+            <a:ext cx="4876800" cy="4140200"/>
+          </a:xfrm>
+        </p:spPr>
+        <p:txBody>
+          <a:bodyPr>
+            <a:normAutofit/>
+          </a:bodyPr>
+          <a:lstStyle>
+            <a:lvl1pPr>
+              <a:defRPr sz="1800"/>
+            </a:lvl1pPr>
+            <a:lvl2pPr>
+              <a:defRPr sz="1800"/>
+            </a:lvl2pPr>
+            <a:lvl3pPr>
+              <a:defRPr sz="1800"/>
+            </a:lvl3pPr>
+            <a:lvl4pPr>
+              <a:defRPr sz="1800"/>
+            </a:lvl4pPr>
+            <a:lvl5pPr>
+              <a:defRPr sz="1800"/>
+            </a:lvl5pPr>
+            <a:lvl6pPr>
+              <a:defRPr sz="1800"/>
+            </a:lvl6pPr>
+            <a:lvl7pPr>
+              <a:defRPr sz="1800"/>
+            </a:lvl7pPr>
+            <a:lvl8pPr>
+              <a:defRPr sz="1800"/>
+            </a:lvl8pPr>
+            <a:lvl9pPr>
+              <a:defRPr sz="1800"/>
+            </a:lvl9pPr>
+          </a:lstStyle>
           <a:p>
             <a:pPr lvl="0"/>
             <a:r>
-              <a:rPr lang="en-US" smtClean="0"/>
+              <a:rPr lang="en-US" altLang="zh-CN" smtClean="0"/>
               <a:t>Click to edit Master text styles</a:t>
             </a:r>
           </a:p>
           <a:p>
             <a:pPr lvl="1"/>
             <a:r>
-              <a:rPr lang="en-US" smtClean="0"/>
+              <a:rPr lang="en-US" altLang="zh-CN" smtClean="0"/>
               <a:t>Second level</a:t>
             </a:r>
           </a:p>
           <a:p>
             <a:pPr lvl="2"/>
             <a:r>
-              <a:rPr lang="en-US" smtClean="0"/>
+              <a:rPr lang="en-US" altLang="zh-CN" smtClean="0"/>
               <a:t>Third level</a:t>
             </a:r>
           </a:p>
           <a:p>
             <a:pPr lvl="3"/>
             <a:r>
-              <a:rPr lang="en-US" smtClean="0"/>
+              <a:rPr lang="en-US" altLang="zh-CN" smtClean="0"/>
               <a:t>Fourth level</a:t>
             </a:r>
           </a:p>
           <a:p>
             <a:pPr lvl="4"/>
             <a:r>
-              <a:rPr lang="en-US" smtClean="0"/>
+              <a:rPr lang="en-US" altLang="zh-CN" smtClean="0"/>
               <a:t>Fifth level</a:t>
             </a:r>
-            <a:endParaRPr lang="en-US"/>
+            <a:endParaRPr dirty="0"/>
           </a:p>
         </p:txBody>
       </p:sp>
@@ -1182,48 +6303,78 @@
         </p:nvSpPr>
         <p:spPr>
           <a:xfrm>
-            <a:off x="6172200" y="1825625"/>
-            <a:ext cx="5181600" cy="4351338"/>
-          </a:xfrm>
-        </p:spPr>
-        <p:txBody>
-          <a:bodyPr/>
-          <a:lstStyle/>
+            <a:off x="5866504" y="1985963"/>
+            <a:ext cx="4876800" cy="4140200"/>
+          </a:xfrm>
+        </p:spPr>
+        <p:txBody>
+          <a:bodyPr>
+            <a:normAutofit/>
+          </a:bodyPr>
+          <a:lstStyle>
+            <a:lvl1pPr>
+              <a:defRPr sz="1800"/>
+            </a:lvl1pPr>
+            <a:lvl2pPr>
+              <a:defRPr sz="1800"/>
+            </a:lvl2pPr>
+            <a:lvl3pPr>
+              <a:defRPr sz="1800"/>
+            </a:lvl3pPr>
+            <a:lvl4pPr>
+              <a:defRPr sz="1800"/>
+            </a:lvl4pPr>
+            <a:lvl5pPr>
+              <a:defRPr sz="1800"/>
+            </a:lvl5pPr>
+            <a:lvl6pPr>
+              <a:defRPr sz="1800"/>
+            </a:lvl6pPr>
+            <a:lvl7pPr>
+              <a:defRPr sz="1800"/>
+            </a:lvl7pPr>
+            <a:lvl8pPr>
+              <a:defRPr sz="1800"/>
+            </a:lvl8pPr>
+            <a:lvl9pPr>
+              <a:defRPr sz="1800"/>
+            </a:lvl9pPr>
+          </a:lstStyle>
           <a:p>
             <a:pPr lvl="0"/>
             <a:r>
-              <a:rPr lang="en-US" smtClean="0"/>
+              <a:rPr lang="en-US" altLang="zh-CN" smtClean="0"/>
               <a:t>Click to edit Master text styles</a:t>
             </a:r>
           </a:p>
           <a:p>
             <a:pPr lvl="1"/>
             <a:r>
-              <a:rPr lang="en-US" smtClean="0"/>
+              <a:rPr lang="en-US" altLang="zh-CN" smtClean="0"/>
               <a:t>Second level</a:t>
             </a:r>
           </a:p>
           <a:p>
             <a:pPr lvl="2"/>
             <a:r>
-              <a:rPr lang="en-US" smtClean="0"/>
+              <a:rPr lang="en-US" altLang="zh-CN" smtClean="0"/>
               <a:t>Third level</a:t>
             </a:r>
           </a:p>
           <a:p>
             <a:pPr lvl="3"/>
             <a:r>
-              <a:rPr lang="en-US" smtClean="0"/>
+              <a:rPr lang="en-US" altLang="zh-CN" smtClean="0"/>
               <a:t>Fourth level</a:t>
             </a:r>
           </a:p>
           <a:p>
             <a:pPr lvl="4"/>
             <a:r>
-              <a:rPr lang="en-US" smtClean="0"/>
+              <a:rPr lang="en-US" altLang="zh-CN" smtClean="0"/>
               <a:t>Fifth level</a:t>
             </a:r>
-            <a:endParaRPr lang="en-US"/>
+            <a:endParaRPr dirty="0"/>
           </a:p>
         </p:txBody>
       </p:sp>
@@ -1244,7 +6395,7 @@
           <a:p>
             <a:fld id="{FEDBF184-AE6A-41EB-BBCB-9F86DBF77364}" type="datetimeFigureOut">
               <a:rPr lang="en-US" smtClean="0"/>
-              <a:t>2/26/2014</a:t>
+              <a:t>2/26/14</a:t>
             </a:fld>
             <a:endParaRPr lang="en-US"/>
           </a:p>
@@ -1293,11 +6444,6 @@
         </p:txBody>
       </p:sp>
     </p:spTree>
-    <p:extLst>
-      <p:ext uri="{BB962C8B-B14F-4D97-AF65-F5344CB8AC3E}">
-        <p14:creationId xmlns:p14="http://schemas.microsoft.com/office/powerpoint/2010/main" val="3297800838"/>
-      </p:ext>
-    </p:extLst>
   </p:cSld>
   <p:clrMapOvr>
     <a:masterClrMapping/>
@@ -1305,8 +6451,8 @@
 </p:sldLayout>
 </file>
 
-<file path=ppt/slideLayouts/slideLayout5.xml><?xml version="1.0" encoding="utf-8"?>
-<p:sldLayout xmlns:a="http://schemas.openxmlformats.org/drawingml/2006/main" xmlns:r="http://schemas.openxmlformats.org/officeDocument/2006/relationships" xmlns:p="http://schemas.openxmlformats.org/presentationml/2006/main" type="twoTxTwoObj" preserve="1">
+<file path=ppt/slideLayouts/slideLayout7.xml><?xml version="1.0" encoding="utf-8"?>
+<p:sldLayout xmlns:a="http://schemas.openxmlformats.org/drawingml/2006/main" xmlns:r="http://schemas.openxmlformats.org/officeDocument/2006/relationships" xmlns:p="http://schemas.openxmlformats.org/presentationml/2006/main" preserve="1">
   <p:cSld name="Comparison">
     <p:spTree>
       <p:nvGrpSpPr>
@@ -1324,6 +6470,88 @@
       </p:grpSpPr>
       <p:sp>
         <p:nvSpPr>
+          <p:cNvPr id="10" name="Rectangle 9"/>
+          <p:cNvSpPr/>
+          <p:nvPr/>
+        </p:nvSpPr>
+        <p:spPr>
+          <a:xfrm>
+            <a:off x="10889129" y="282574"/>
+            <a:ext cx="914400" cy="1600200"/>
+          </a:xfrm>
+          <a:prstGeom prst="rect">
+            <a:avLst/>
+          </a:prstGeom>
+          <a:solidFill>
+            <a:schemeClr val="accent1"/>
+          </a:solidFill>
+          <a:ln>
+            <a:noFill/>
+          </a:ln>
+        </p:spPr>
+        <p:style>
+          <a:lnRef idx="2">
+            <a:schemeClr val="accent1">
+              <a:shade val="50000"/>
+            </a:schemeClr>
+          </a:lnRef>
+          <a:fillRef idx="1">
+            <a:schemeClr val="accent1"/>
+          </a:fillRef>
+          <a:effectRef idx="0">
+            <a:schemeClr val="accent1"/>
+          </a:effectRef>
+          <a:fontRef idx="minor">
+            <a:schemeClr val="lt1"/>
+          </a:fontRef>
+        </p:style>
+        <p:txBody>
+          <a:bodyPr rtlCol="0" anchor="ctr"/>
+          <a:lstStyle/>
+          <a:p>
+            <a:pPr algn="ctr"/>
+            <a:endParaRPr/>
+          </a:p>
+        </p:txBody>
+      </p:sp>
+      <p:sp>
+        <p:nvSpPr>
+          <p:cNvPr id="12" name="TextBox 11"/>
+          <p:cNvSpPr txBox="1"/>
+          <p:nvPr/>
+        </p:nvSpPr>
+        <p:spPr>
+          <a:xfrm>
+            <a:off x="297581" y="228600"/>
+            <a:ext cx="347879" cy="553998"/>
+          </a:xfrm>
+          <a:prstGeom prst="rect">
+            <a:avLst/>
+          </a:prstGeom>
+          <a:noFill/>
+        </p:spPr>
+        <p:txBody>
+          <a:bodyPr wrap="square" lIns="0" tIns="0" rIns="0" bIns="0" rtlCol="0">
+            <a:spAutoFit/>
+          </a:bodyPr>
+          <a:lstStyle/>
+          <a:p>
+            <a:r>
+              <a:rPr sz="3600" b="1">
+                <a:solidFill>
+                  <a:schemeClr val="accent1">
+                    <a:lumMod val="60000"/>
+                    <a:lumOff val="40000"/>
+                  </a:schemeClr>
+                </a:solidFill>
+              </a:rPr>
+              <a:t>+</a:t>
+            </a:r>
+          </a:p>
+        </p:txBody>
+      </p:sp>
+      <p:sp>
+        <p:nvSpPr>
           <p:cNvPr id="2" name="Title 1"/>
           <p:cNvSpPr>
             <a:spLocks noGrp="1"/>
@@ -1332,265 +6560,194 @@
             <p:ph type="title"/>
           </p:nvPr>
         </p:nvSpPr>
-        <p:spPr>
-          <a:xfrm>
-            <a:off x="839788" y="365125"/>
-            <a:ext cx="10515600" cy="1325563"/>
-          </a:xfrm>
-        </p:spPr>
+        <p:spPr/>
         <p:txBody>
           <a:bodyPr/>
-          <a:lstStyle/>
-          <a:p>
-            <a:r>
-              <a:rPr lang="en-US" smtClean="0"/>
+          <a:lstStyle>
+            <a:lvl1pPr>
+              <a:defRPr/>
+            </a:lvl1pPr>
+          </a:lstStyle>
+          <a:p>
+            <a:r>
+              <a:rPr lang="en-US" altLang="zh-CN" smtClean="0"/>
               <a:t>Click to edit Master title style</a:t>
             </a:r>
-            <a:endParaRPr lang="en-US"/>
-          </a:p>
-        </p:txBody>
-      </p:sp>
-      <p:sp>
-        <p:nvSpPr>
-          <p:cNvPr id="3" name="Text Placeholder 2"/>
-          <p:cNvSpPr>
-            <a:spLocks noGrp="1"/>
-          </p:cNvSpPr>
-          <p:nvPr>
-            <p:ph type="body" idx="1"/>
-          </p:nvPr>
-        </p:nvSpPr>
-        <p:spPr>
-          <a:xfrm>
-            <a:off x="839788" y="1681163"/>
-            <a:ext cx="5157787" cy="823912"/>
-          </a:xfrm>
-        </p:spPr>
-        <p:txBody>
-          <a:bodyPr anchor="b"/>
+            <a:endParaRPr/>
+          </a:p>
+        </p:txBody>
+      </p:sp>
+      <p:sp>
+        <p:nvSpPr>
+          <p:cNvPr id="4" name="Content Placeholder 3"/>
+          <p:cNvSpPr>
+            <a:spLocks noGrp="1"/>
+          </p:cNvSpPr>
+          <p:nvPr>
+            <p:ph sz="half" idx="2"/>
+          </p:nvPr>
+        </p:nvSpPr>
+        <p:spPr>
+          <a:xfrm>
+            <a:off x="663388" y="2447366"/>
+            <a:ext cx="4876800" cy="3678797"/>
+          </a:xfrm>
+        </p:spPr>
+        <p:txBody>
+          <a:bodyPr>
+            <a:normAutofit/>
+          </a:bodyPr>
           <a:lstStyle>
-            <a:lvl1pPr marL="0" indent="0">
-              <a:buNone/>
-              <a:defRPr sz="2400" b="1"/>
+            <a:lvl1pPr>
+              <a:defRPr sz="1800"/>
             </a:lvl1pPr>
-            <a:lvl2pPr marL="457200" indent="0">
-              <a:buNone/>
-              <a:defRPr sz="2000" b="1"/>
+            <a:lvl2pPr>
+              <a:defRPr sz="1800"/>
             </a:lvl2pPr>
-            <a:lvl3pPr marL="914400" indent="0">
-              <a:buNone/>
-              <a:defRPr sz="1800" b="1"/>
+            <a:lvl3pPr>
+              <a:defRPr sz="1800"/>
             </a:lvl3pPr>
-            <a:lvl4pPr marL="1371600" indent="0">
-              <a:buNone/>
-              <a:defRPr sz="1600" b="1"/>
+            <a:lvl4pPr>
+              <a:defRPr sz="1800"/>
             </a:lvl4pPr>
-            <a:lvl5pPr marL="1828800" indent="0">
-              <a:buNone/>
-              <a:defRPr sz="1600" b="1"/>
+            <a:lvl5pPr>
+              <a:defRPr sz="1800"/>
             </a:lvl5pPr>
-            <a:lvl6pPr marL="2286000" indent="0">
-              <a:buNone/>
-              <a:defRPr sz="1600" b="1"/>
+            <a:lvl6pPr>
+              <a:defRPr sz="1600"/>
             </a:lvl6pPr>
-            <a:lvl7pPr marL="2743200" indent="0">
-              <a:buNone/>
-              <a:defRPr sz="1600" b="1"/>
+            <a:lvl7pPr>
+              <a:defRPr sz="1600"/>
             </a:lvl7pPr>
-            <a:lvl8pPr marL="3200400" indent="0">
-              <a:buNone/>
-              <a:defRPr sz="1600" b="1"/>
+            <a:lvl8pPr>
+              <a:defRPr sz="1600"/>
             </a:lvl8pPr>
-            <a:lvl9pPr marL="3657600" indent="0">
-              <a:buNone/>
-              <a:defRPr sz="1600" b="1"/>
+            <a:lvl9pPr>
+              <a:defRPr sz="1600"/>
             </a:lvl9pPr>
           </a:lstStyle>
           <a:p>
             <a:pPr lvl="0"/>
             <a:r>
-              <a:rPr lang="en-US" smtClean="0"/>
+              <a:rPr lang="en-US" altLang="zh-CN" smtClean="0"/>
               <a:t>Click to edit Master text styles</a:t>
             </a:r>
           </a:p>
-        </p:txBody>
-      </p:sp>
-      <p:sp>
-        <p:nvSpPr>
-          <p:cNvPr id="4" name="Content Placeholder 3"/>
-          <p:cNvSpPr>
-            <a:spLocks noGrp="1"/>
-          </p:cNvSpPr>
-          <p:nvPr>
-            <p:ph sz="half" idx="2"/>
-          </p:nvPr>
-        </p:nvSpPr>
-        <p:spPr>
-          <a:xfrm>
-            <a:off x="839788" y="2505075"/>
-            <a:ext cx="5157787" cy="3684588"/>
-          </a:xfrm>
-        </p:spPr>
-        <p:txBody>
-          <a:bodyPr/>
-          <a:lstStyle/>
-          <a:p>
-            <a:pPr lvl="0"/>
-            <a:r>
-              <a:rPr lang="en-US" smtClean="0"/>
-              <a:t>Click to edit Master text styles</a:t>
-            </a:r>
-          </a:p>
           <a:p>
             <a:pPr lvl="1"/>
             <a:r>
-              <a:rPr lang="en-US" smtClean="0"/>
+              <a:rPr lang="en-US" altLang="zh-CN" smtClean="0"/>
               <a:t>Second level</a:t>
             </a:r>
           </a:p>
           <a:p>
             <a:pPr lvl="2"/>
             <a:r>
-              <a:rPr lang="en-US" smtClean="0"/>
+              <a:rPr lang="en-US" altLang="zh-CN" smtClean="0"/>
               <a:t>Third level</a:t>
             </a:r>
           </a:p>
           <a:p>
             <a:pPr lvl="3"/>
             <a:r>
-              <a:rPr lang="en-US" smtClean="0"/>
+              <a:rPr lang="en-US" altLang="zh-CN" smtClean="0"/>
               <a:t>Fourth level</a:t>
             </a:r>
           </a:p>
           <a:p>
             <a:pPr lvl="4"/>
             <a:r>
-              <a:rPr lang="en-US" smtClean="0"/>
+              <a:rPr lang="en-US" altLang="zh-CN" smtClean="0"/>
               <a:t>Fifth level</a:t>
             </a:r>
-            <a:endParaRPr lang="en-US"/>
-          </a:p>
-        </p:txBody>
-      </p:sp>
-      <p:sp>
-        <p:nvSpPr>
-          <p:cNvPr id="5" name="Text Placeholder 4"/>
-          <p:cNvSpPr>
-            <a:spLocks noGrp="1"/>
-          </p:cNvSpPr>
-          <p:nvPr>
-            <p:ph type="body" sz="quarter" idx="3"/>
-          </p:nvPr>
-        </p:nvSpPr>
-        <p:spPr>
-          <a:xfrm>
-            <a:off x="6172200" y="1681163"/>
-            <a:ext cx="5183188" cy="823912"/>
-          </a:xfrm>
-        </p:spPr>
-        <p:txBody>
-          <a:bodyPr anchor="b"/>
+            <a:endParaRPr dirty="0"/>
+          </a:p>
+        </p:txBody>
+      </p:sp>
+      <p:sp>
+        <p:nvSpPr>
+          <p:cNvPr id="6" name="Content Placeholder 5"/>
+          <p:cNvSpPr>
+            <a:spLocks noGrp="1"/>
+          </p:cNvSpPr>
+          <p:nvPr>
+            <p:ph sz="quarter" idx="4"/>
+          </p:nvPr>
+        </p:nvSpPr>
+        <p:spPr>
+          <a:xfrm>
+            <a:off x="5866504" y="2447366"/>
+            <a:ext cx="4876800" cy="3678797"/>
+          </a:xfrm>
+        </p:spPr>
+        <p:txBody>
+          <a:bodyPr>
+            <a:normAutofit/>
+          </a:bodyPr>
           <a:lstStyle>
-            <a:lvl1pPr marL="0" indent="0">
-              <a:buNone/>
-              <a:defRPr sz="2400" b="1"/>
+            <a:lvl1pPr>
+              <a:defRPr sz="1800"/>
             </a:lvl1pPr>
-            <a:lvl2pPr marL="457200" indent="0">
-              <a:buNone/>
-              <a:defRPr sz="2000" b="1"/>
+            <a:lvl2pPr>
+              <a:defRPr sz="1800"/>
             </a:lvl2pPr>
-            <a:lvl3pPr marL="914400" indent="0">
-              <a:buNone/>
-              <a:defRPr sz="1800" b="1"/>
+            <a:lvl3pPr>
+              <a:defRPr sz="1800"/>
             </a:lvl3pPr>
-            <a:lvl4pPr marL="1371600" indent="0">
-              <a:buNone/>
-              <a:defRPr sz="1600" b="1"/>
+            <a:lvl4pPr>
+              <a:defRPr sz="1800"/>
             </a:lvl4pPr>
-            <a:lvl5pPr marL="1828800" indent="0">
-              <a:buNone/>
-              <a:defRPr sz="1600" b="1"/>
+            <a:lvl5pPr>
+              <a:defRPr sz="1800"/>
             </a:lvl5pPr>
-            <a:lvl6pPr marL="2286000" indent="0">
-              <a:buNone/>
-              <a:defRPr sz="1600" b="1"/>
+            <a:lvl6pPr>
+              <a:defRPr sz="1600"/>
             </a:lvl6pPr>
-            <a:lvl7pPr marL="2743200" indent="0">
-              <a:buNone/>
-              <a:defRPr sz="1600" b="1"/>
+            <a:lvl7pPr>
+              <a:defRPr sz="1600"/>
             </a:lvl7pPr>
-            <a:lvl8pPr marL="3200400" indent="0">
-              <a:buNone/>
-              <a:defRPr sz="1600" b="1"/>
+            <a:lvl8pPr>
+              <a:defRPr sz="1600"/>
             </a:lvl8pPr>
-            <a:lvl9pPr marL="3657600" indent="0">
-              <a:buNone/>
-              <a:defRPr sz="1600" b="1"/>
+            <a:lvl9pPr>
+              <a:defRPr sz="1600"/>
             </a:lvl9pPr>
           </a:lstStyle>
           <a:p>
             <a:pPr lvl="0"/>
             <a:r>
-              <a:rPr lang="en-US" smtClean="0"/>
+              <a:rPr lang="en-US" altLang="zh-CN" smtClean="0"/>
               <a:t>Click to edit Master text styles</a:t>
             </a:r>
           </a:p>
-        </p:txBody>
-      </p:sp>
-      <p:sp>
-        <p:nvSpPr>
-          <p:cNvPr id="6" name="Content Placeholder 5"/>
-          <p:cNvSpPr>
-            <a:spLocks noGrp="1"/>
-          </p:cNvSpPr>
-          <p:nvPr>
-            <p:ph sz="quarter" idx="4"/>
-          </p:nvPr>
-        </p:nvSpPr>
-        <p:spPr>
-          <a:xfrm>
-            <a:off x="6172200" y="2505075"/>
-            <a:ext cx="5183188" cy="3684588"/>
-          </a:xfrm>
-        </p:spPr>
-        <p:txBody>
-          <a:bodyPr/>
-          <a:lstStyle/>
-          <a:p>
-            <a:pPr lvl="0"/>
-            <a:r>
-              <a:rPr lang="en-US" smtClean="0"/>
-              <a:t>Click to edit Master text styles</a:t>
-            </a:r>
-          </a:p>
           <a:p>
             <a:pPr lvl="1"/>
             <a:r>
-              <a:rPr lang="en-US" smtClean="0"/>
+              <a:rPr lang="en-US" altLang="zh-CN" smtClean="0"/>
               <a:t>Second level</a:t>
             </a:r>
           </a:p>
           <a:p>
             <a:pPr lvl="2"/>
             <a:r>
-              <a:rPr lang="en-US" smtClean="0"/>
+              <a:rPr lang="en-US" altLang="zh-CN" smtClean="0"/>
               <a:t>Third level</a:t>
             </a:r>
           </a:p>
           <a:p>
             <a:pPr lvl="3"/>
             <a:r>
-              <a:rPr lang="en-US" smtClean="0"/>
+              <a:rPr lang="en-US" altLang="zh-CN" smtClean="0"/>
               <a:t>Fourth level</a:t>
             </a:r>
           </a:p>
           <a:p>
             <a:pPr lvl="4"/>
             <a:r>
-              <a:rPr lang="en-US" smtClean="0"/>
+              <a:rPr lang="en-US" altLang="zh-CN" smtClean="0"/>
               <a:t>Fifth level</a:t>
             </a:r>
-            <a:endParaRPr lang="en-US"/>
+            <a:endParaRPr dirty="0"/>
           </a:p>
         </p:txBody>
       </p:sp>
@@ -1611,7 +6768,7 @@
           <a:p>
             <a:fld id="{FEDBF184-AE6A-41EB-BBCB-9F86DBF77364}" type="datetimeFigureOut">
               <a:rPr lang="en-US" smtClean="0"/>
-              <a:t>2/26/2014</a:t>
+              <a:t>2/26/14</a:t>
             </a:fld>
             <a:endParaRPr lang="en-US"/>
           </a:p>
@@ -1659,12 +6816,170 @@
           </a:p>
         </p:txBody>
       </p:sp>
+      <p:sp>
+        <p:nvSpPr>
+          <p:cNvPr id="3" name="Text Placeholder 2"/>
+          <p:cNvSpPr>
+            <a:spLocks noGrp="1"/>
+          </p:cNvSpPr>
+          <p:nvPr>
+            <p:ph type="body" idx="1"/>
+          </p:nvPr>
+        </p:nvSpPr>
+        <p:spPr>
+          <a:xfrm>
+            <a:off x="663388" y="2070848"/>
+            <a:ext cx="4876800" cy="322729"/>
+          </a:xfrm>
+          <a:prstGeom prst="rect">
+            <a:avLst/>
+          </a:prstGeom>
+          <a:solidFill>
+            <a:schemeClr val="accent3"/>
+          </a:solidFill>
+        </p:spPr>
+        <p:txBody>
+          <a:bodyPr tIns="0" bIns="0" anchor="ctr" anchorCtr="0">
+            <a:noAutofit/>
+          </a:bodyPr>
+          <a:lstStyle>
+            <a:lvl1pPr marL="0" indent="0" algn="ctr">
+              <a:spcBef>
+                <a:spcPts val="0"/>
+              </a:spcBef>
+              <a:buNone/>
+              <a:defRPr sz="1800" b="0">
+                <a:solidFill>
+                  <a:schemeClr val="bg1"/>
+                </a:solidFill>
+              </a:defRPr>
+            </a:lvl1pPr>
+            <a:lvl2pPr marL="457200" indent="0">
+              <a:buNone/>
+              <a:defRPr sz="2000" b="1"/>
+            </a:lvl2pPr>
+            <a:lvl3pPr marL="914400" indent="0">
+              <a:buNone/>
+              <a:defRPr sz="1800" b="1"/>
+            </a:lvl3pPr>
+            <a:lvl4pPr marL="1371600" indent="0">
+              <a:buNone/>
+              <a:defRPr sz="1600" b="1"/>
+            </a:lvl4pPr>
+            <a:lvl5pPr marL="1828800" indent="0">
+              <a:buNone/>
+              <a:defRPr sz="1600" b="1"/>
+            </a:lvl5pPr>
+            <a:lvl6pPr marL="2286000" indent="0">
+              <a:buNone/>
+              <a:defRPr sz="1600" b="1"/>
+            </a:lvl6pPr>
+            <a:lvl7pPr marL="2743200" indent="0">
+              <a:buNone/>
+              <a:defRPr sz="1600" b="1"/>
+            </a:lvl7pPr>
+            <a:lvl8pPr marL="3200400" indent="0">
+              <a:buNone/>
+              <a:defRPr sz="1600" b="1"/>
+            </a:lvl8pPr>
+            <a:lvl9pPr marL="3657600" indent="0">
+              <a:buNone/>
+              <a:defRPr sz="1600" b="1"/>
+            </a:lvl9pPr>
+          </a:lstStyle>
+          <a:p>
+            <a:pPr lvl="0"/>
+            <a:r>
+              <a:rPr lang="en-US" altLang="zh-CN" smtClean="0"/>
+              <a:t>Click to edit Master text styles</a:t>
+            </a:r>
+          </a:p>
+        </p:txBody>
+      </p:sp>
+      <p:sp>
+        <p:nvSpPr>
+          <p:cNvPr id="5" name="Text Placeholder 4"/>
+          <p:cNvSpPr>
+            <a:spLocks noGrp="1"/>
+          </p:cNvSpPr>
+          <p:nvPr>
+            <p:ph type="body" sz="quarter" idx="3"/>
+          </p:nvPr>
+        </p:nvSpPr>
+        <p:spPr>
+          <a:xfrm>
+            <a:off x="5866504" y="2070848"/>
+            <a:ext cx="4876800" cy="322729"/>
+          </a:xfrm>
+          <a:prstGeom prst="rect">
+            <a:avLst/>
+          </a:prstGeom>
+          <a:solidFill>
+            <a:schemeClr val="accent3">
+              <a:lumMod val="60000"/>
+              <a:lumOff val="40000"/>
+            </a:schemeClr>
+          </a:solidFill>
+        </p:spPr>
+        <p:txBody>
+          <a:bodyPr tIns="0" bIns="0" anchor="ctr" anchorCtr="0">
+            <a:noAutofit/>
+          </a:bodyPr>
+          <a:lstStyle>
+            <a:lvl1pPr marL="0" indent="0" algn="ctr">
+              <a:spcBef>
+                <a:spcPts val="0"/>
+              </a:spcBef>
+              <a:buNone/>
+              <a:defRPr sz="1800" b="0">
+                <a:solidFill>
+                  <a:schemeClr val="bg1"/>
+                </a:solidFill>
+              </a:defRPr>
+            </a:lvl1pPr>
+            <a:lvl2pPr marL="457200" indent="0">
+              <a:buNone/>
+              <a:defRPr sz="2000" b="1"/>
+            </a:lvl2pPr>
+            <a:lvl3pPr marL="914400" indent="0">
+              <a:buNone/>
+              <a:defRPr sz="1800" b="1"/>
+            </a:lvl3pPr>
+            <a:lvl4pPr marL="1371600" indent="0">
+              <a:buNone/>
+              <a:defRPr sz="1600" b="1"/>
+            </a:lvl4pPr>
+            <a:lvl5pPr marL="1828800" indent="0">
+              <a:buNone/>
+              <a:defRPr sz="1600" b="1"/>
+            </a:lvl5pPr>
+            <a:lvl6pPr marL="2286000" indent="0">
+              <a:buNone/>
+              <a:defRPr sz="1600" b="1"/>
+            </a:lvl6pPr>
+            <a:lvl7pPr marL="2743200" indent="0">
+              <a:buNone/>
+              <a:defRPr sz="1600" b="1"/>
+            </a:lvl7pPr>
+            <a:lvl8pPr marL="3200400" indent="0">
+              <a:buNone/>
+              <a:defRPr sz="1600" b="1"/>
+            </a:lvl8pPr>
+            <a:lvl9pPr marL="3657600" indent="0">
+              <a:buNone/>
+              <a:defRPr sz="1600" b="1"/>
+            </a:lvl9pPr>
+          </a:lstStyle>
+          <a:p>
+            <a:pPr lvl="0"/>
+            <a:r>
+              <a:rPr lang="en-US" altLang="zh-CN" smtClean="0"/>
+              <a:t>Click to edit Master text styles</a:t>
+            </a:r>
+          </a:p>
+        </p:txBody>
+      </p:sp>
     </p:spTree>
-    <p:extLst>
-      <p:ext uri="{BB962C8B-B14F-4D97-AF65-F5344CB8AC3E}">
-        <p14:creationId xmlns:p14="http://schemas.microsoft.com/office/powerpoint/2010/main" val="3676346861"/>
-      </p:ext>
-    </p:extLst>
   </p:cSld>
   <p:clrMapOvr>
     <a:masterClrMapping/>
@@ -1672,9 +6987,9 @@
 </p:sldLayout>
 </file>
 
-<file path=ppt/slideLayouts/slideLayout6.xml><?xml version="1.0" encoding="utf-8"?>
-<p:sldLayout xmlns:a="http://schemas.openxmlformats.org/drawingml/2006/main" xmlns:r="http://schemas.openxmlformats.org/officeDocument/2006/relationships" xmlns:p="http://schemas.openxmlformats.org/presentationml/2006/main" type="titleOnly" preserve="1">
-  <p:cSld name="Title Only">
+<file path=ppt/slideLayouts/slideLayout8.xml><?xml version="1.0" encoding="utf-8"?>
+<p:sldLayout xmlns:a="http://schemas.openxmlformats.org/drawingml/2006/main" xmlns:r="http://schemas.openxmlformats.org/officeDocument/2006/relationships" xmlns:p="http://schemas.openxmlformats.org/presentationml/2006/main" preserve="1">
+  <p:cSld name="2 Content, Top and Bottom">
     <p:spTree>
       <p:nvGrpSpPr>
         <p:cNvPr id="1" name=""/>
@@ -1691,6 +7006,42 @@
       </p:grpSpPr>
       <p:sp>
         <p:nvSpPr>
+          <p:cNvPr id="10" name="TextBox 9"/>
+          <p:cNvSpPr txBox="1"/>
+          <p:nvPr/>
+        </p:nvSpPr>
+        <p:spPr>
+          <a:xfrm>
+            <a:off x="297581" y="228600"/>
+            <a:ext cx="347879" cy="553998"/>
+          </a:xfrm>
+          <a:prstGeom prst="rect">
+            <a:avLst/>
+          </a:prstGeom>
+          <a:noFill/>
+        </p:spPr>
+        <p:txBody>
+          <a:bodyPr wrap="square" lIns="0" tIns="0" rIns="0" bIns="0" rtlCol="0">
+            <a:spAutoFit/>
+          </a:bodyPr>
+          <a:lstStyle/>
+          <a:p>
+            <a:r>
+              <a:rPr sz="3600" b="1">
+                <a:solidFill>
+                  <a:schemeClr val="accent1">
+                    <a:lumMod val="60000"/>
+                    <a:lumOff val="40000"/>
+                  </a:schemeClr>
+                </a:solidFill>
+              </a:rPr>
+              <a:t>+</a:t>
+            </a:r>
+          </a:p>
+        </p:txBody>
+      </p:sp>
+      <p:sp>
+        <p:nvSpPr>
           <p:cNvPr id="2" name="Title 1"/>
           <p:cNvSpPr>
             <a:spLocks noGrp="1"/>
@@ -1705,16 +7056,103 @@
           <a:lstStyle/>
           <a:p>
             <a:r>
-              <a:rPr lang="en-US" smtClean="0"/>
+              <a:rPr lang="en-US" altLang="zh-CN" smtClean="0"/>
               <a:t>Click to edit Master title style</a:t>
             </a:r>
-            <a:endParaRPr lang="en-US"/>
-          </a:p>
-        </p:txBody>
-      </p:sp>
-      <p:sp>
-        <p:nvSpPr>
-          <p:cNvPr id="3" name="Date Placeholder 2"/>
+            <a:endParaRPr/>
+          </a:p>
+        </p:txBody>
+      </p:sp>
+      <p:sp>
+        <p:nvSpPr>
+          <p:cNvPr id="3" name="Content Placeholder 2"/>
+          <p:cNvSpPr>
+            <a:spLocks noGrp="1"/>
+          </p:cNvSpPr>
+          <p:nvPr>
+            <p:ph sz="half" idx="1"/>
+          </p:nvPr>
+        </p:nvSpPr>
+        <p:spPr>
+          <a:xfrm>
+            <a:off x="664690" y="1985963"/>
+            <a:ext cx="10092209" cy="1965960"/>
+          </a:xfrm>
+        </p:spPr>
+        <p:txBody>
+          <a:bodyPr>
+            <a:normAutofit/>
+          </a:bodyPr>
+          <a:lstStyle>
+            <a:lvl1pPr>
+              <a:defRPr sz="1800"/>
+            </a:lvl1pPr>
+            <a:lvl2pPr>
+              <a:defRPr sz="1800"/>
+            </a:lvl2pPr>
+            <a:lvl3pPr>
+              <a:defRPr sz="1800"/>
+            </a:lvl3pPr>
+            <a:lvl4pPr>
+              <a:defRPr sz="1800"/>
+            </a:lvl4pPr>
+            <a:lvl5pPr>
+              <a:defRPr sz="1800"/>
+            </a:lvl5pPr>
+            <a:lvl6pPr>
+              <a:defRPr sz="1800"/>
+            </a:lvl6pPr>
+            <a:lvl7pPr>
+              <a:defRPr sz="1800"/>
+            </a:lvl7pPr>
+            <a:lvl8pPr>
+              <a:defRPr sz="1800"/>
+            </a:lvl8pPr>
+            <a:lvl9pPr>
+              <a:defRPr sz="1800"/>
+            </a:lvl9pPr>
+          </a:lstStyle>
+          <a:p>
+            <a:pPr lvl="0"/>
+            <a:r>
+              <a:rPr lang="en-US" altLang="zh-CN" smtClean="0"/>
+              <a:t>Click to edit Master text styles</a:t>
+            </a:r>
+          </a:p>
+          <a:p>
+            <a:pPr lvl="1"/>
+            <a:r>
+              <a:rPr lang="en-US" altLang="zh-CN" smtClean="0"/>
+              <a:t>Second level</a:t>
+            </a:r>
+          </a:p>
+          <a:p>
+            <a:pPr lvl="2"/>
+            <a:r>
+              <a:rPr lang="en-US" altLang="zh-CN" smtClean="0"/>
+              <a:t>Third level</a:t>
+            </a:r>
+          </a:p>
+          <a:p>
+            <a:pPr lvl="3"/>
+            <a:r>
+              <a:rPr lang="en-US" altLang="zh-CN" smtClean="0"/>
+              <a:t>Fourth level</a:t>
+            </a:r>
+          </a:p>
+          <a:p>
+            <a:pPr lvl="4"/>
+            <a:r>
+              <a:rPr lang="en-US" altLang="zh-CN" smtClean="0"/>
+              <a:t>Fifth level</a:t>
+            </a:r>
+            <a:endParaRPr dirty="0"/>
+          </a:p>
+        </p:txBody>
+      </p:sp>
+      <p:sp>
+        <p:nvSpPr>
+          <p:cNvPr id="5" name="Date Placeholder 4"/>
           <p:cNvSpPr>
             <a:spLocks noGrp="1"/>
           </p:cNvSpPr>
@@ -1729,7 +7167,7 @@
           <a:p>
             <a:fld id="{FEDBF184-AE6A-41EB-BBCB-9F86DBF77364}" type="datetimeFigureOut">
               <a:rPr lang="en-US" smtClean="0"/>
-              <a:t>2/26/2014</a:t>
+              <a:t>2/26/14</a:t>
             </a:fld>
             <a:endParaRPr lang="en-US"/>
           </a:p>
@@ -1737,7 +7175,7 @@
       </p:sp>
       <p:sp>
         <p:nvSpPr>
-          <p:cNvPr id="4" name="Footer Placeholder 3"/>
+          <p:cNvPr id="6" name="Footer Placeholder 5"/>
           <p:cNvSpPr>
             <a:spLocks noGrp="1"/>
           </p:cNvSpPr>
@@ -1756,7 +7194,140 @@
       </p:sp>
       <p:sp>
         <p:nvSpPr>
-          <p:cNvPr id="5" name="Slide Number Placeholder 4"/>
+          <p:cNvPr id="13" name="Content Placeholder 2"/>
+          <p:cNvSpPr>
+            <a:spLocks noGrp="1"/>
+          </p:cNvSpPr>
+          <p:nvPr>
+            <p:ph sz="half" idx="14"/>
+          </p:nvPr>
+        </p:nvSpPr>
+        <p:spPr>
+          <a:xfrm>
+            <a:off x="664690" y="4164965"/>
+            <a:ext cx="10092209" cy="1965960"/>
+          </a:xfrm>
+        </p:spPr>
+        <p:txBody>
+          <a:bodyPr>
+            <a:normAutofit/>
+          </a:bodyPr>
+          <a:lstStyle>
+            <a:lvl1pPr>
+              <a:defRPr sz="1800"/>
+            </a:lvl1pPr>
+            <a:lvl2pPr>
+              <a:defRPr sz="1800"/>
+            </a:lvl2pPr>
+            <a:lvl3pPr>
+              <a:defRPr sz="1800"/>
+            </a:lvl3pPr>
+            <a:lvl4pPr>
+              <a:defRPr sz="1800"/>
+            </a:lvl4pPr>
+            <a:lvl5pPr>
+              <a:defRPr sz="1800"/>
+            </a:lvl5pPr>
+            <a:lvl6pPr>
+              <a:defRPr sz="1800"/>
+            </a:lvl6pPr>
+            <a:lvl7pPr>
+              <a:defRPr sz="1800"/>
+            </a:lvl7pPr>
+            <a:lvl8pPr>
+              <a:defRPr sz="1800"/>
+            </a:lvl8pPr>
+            <a:lvl9pPr>
+              <a:defRPr sz="1800"/>
+            </a:lvl9pPr>
+          </a:lstStyle>
+          <a:p>
+            <a:pPr lvl="0"/>
+            <a:r>
+              <a:rPr lang="en-US" altLang="zh-CN" smtClean="0"/>
+              <a:t>Click to edit Master text styles</a:t>
+            </a:r>
+          </a:p>
+          <a:p>
+            <a:pPr lvl="1"/>
+            <a:r>
+              <a:rPr lang="en-US" altLang="zh-CN" smtClean="0"/>
+              <a:t>Second level</a:t>
+            </a:r>
+          </a:p>
+          <a:p>
+            <a:pPr lvl="2"/>
+            <a:r>
+              <a:rPr lang="en-US" altLang="zh-CN" smtClean="0"/>
+              <a:t>Third level</a:t>
+            </a:r>
+          </a:p>
+          <a:p>
+            <a:pPr lvl="3"/>
+            <a:r>
+              <a:rPr lang="en-US" altLang="zh-CN" smtClean="0"/>
+              <a:t>Fourth level</a:t>
+            </a:r>
+          </a:p>
+          <a:p>
+            <a:pPr lvl="4"/>
+            <a:r>
+              <a:rPr lang="en-US" altLang="zh-CN" smtClean="0"/>
+              <a:t>Fifth level</a:t>
+            </a:r>
+            <a:endParaRPr dirty="0"/>
+          </a:p>
+        </p:txBody>
+      </p:sp>
+      <p:sp>
+        <p:nvSpPr>
+          <p:cNvPr id="14" name="Rectangle 13"/>
+          <p:cNvSpPr/>
+          <p:nvPr/>
+        </p:nvSpPr>
+        <p:spPr>
+          <a:xfrm>
+            <a:off x="10889129" y="282574"/>
+            <a:ext cx="914400" cy="1600200"/>
+          </a:xfrm>
+          <a:prstGeom prst="rect">
+            <a:avLst/>
+          </a:prstGeom>
+          <a:solidFill>
+            <a:schemeClr val="accent1"/>
+          </a:solidFill>
+          <a:ln>
+            <a:noFill/>
+          </a:ln>
+        </p:spPr>
+        <p:style>
+          <a:lnRef idx="2">
+            <a:schemeClr val="accent1">
+              <a:shade val="50000"/>
+            </a:schemeClr>
+          </a:lnRef>
+          <a:fillRef idx="1">
+            <a:schemeClr val="accent1"/>
+          </a:fillRef>
+          <a:effectRef idx="0">
+            <a:schemeClr val="accent1"/>
+          </a:effectRef>
+          <a:fontRef idx="minor">
+            <a:schemeClr val="lt1"/>
+          </a:fontRef>
+        </p:style>
+        <p:txBody>
+          <a:bodyPr rtlCol="0" anchor="ctr"/>
+          <a:lstStyle/>
+          <a:p>
+            <a:pPr algn="ctr"/>
+            <a:endParaRPr/>
+          </a:p>
+        </p:txBody>
+      </p:sp>
+      <p:sp>
+        <p:nvSpPr>
+          <p:cNvPr id="15" name="Slide Number Placeholder 6"/>
           <p:cNvSpPr>
             <a:spLocks noGrp="1"/>
           </p:cNvSpPr>
@@ -1764,7 +7335,12 @@
             <p:ph type="sldNum" sz="quarter" idx="12"/>
           </p:nvPr>
         </p:nvSpPr>
-        <p:spPr/>
+        <p:spPr>
+          <a:xfrm>
+            <a:off x="11074400" y="242235"/>
+            <a:ext cx="738717" cy="365125"/>
+          </a:xfrm>
+        </p:spPr>
         <p:txBody>
           <a:bodyPr/>
           <a:lstStyle/>
@@ -1778,11 +7354,6 @@
         </p:txBody>
       </p:sp>
     </p:spTree>
-    <p:extLst>
-      <p:ext uri="{BB962C8B-B14F-4D97-AF65-F5344CB8AC3E}">
-        <p14:creationId xmlns:p14="http://schemas.microsoft.com/office/powerpoint/2010/main" val="3669093153"/>
-      </p:ext>
-    </p:extLst>
   </p:cSld>
   <p:clrMapOvr>
     <a:masterClrMapping/>
@@ -1790,9 +7361,9 @@
 </p:sldLayout>
 </file>
 
-<file path=ppt/slideLayouts/slideLayout7.xml><?xml version="1.0" encoding="utf-8"?>
-<p:sldLayout xmlns:a="http://schemas.openxmlformats.org/drawingml/2006/main" xmlns:r="http://schemas.openxmlformats.org/officeDocument/2006/relationships" xmlns:p="http://schemas.openxmlformats.org/presentationml/2006/main" type="blank" preserve="1">
-  <p:cSld name="Blank">
+<file path=ppt/slideLayouts/slideLayout9.xml><?xml version="1.0" encoding="utf-8"?>
+<p:sldLayout xmlns:a="http://schemas.openxmlformats.org/drawingml/2006/main" xmlns:r="http://schemas.openxmlformats.org/officeDocument/2006/relationships" xmlns:p="http://schemas.openxmlformats.org/presentationml/2006/main" preserve="1">
+  <p:cSld name="3 Content">
     <p:spTree>
       <p:nvGrpSpPr>
         <p:cNvPr id="1" name=""/>
@@ -1809,7 +7380,199 @@
       </p:grpSpPr>
       <p:sp>
         <p:nvSpPr>
-          <p:cNvPr id="2" name="Date Placeholder 1"/>
+          <p:cNvPr id="8" name="Rectangle 7"/>
+          <p:cNvSpPr/>
+          <p:nvPr/>
+        </p:nvSpPr>
+        <p:spPr>
+          <a:xfrm>
+            <a:off x="10889129" y="282574"/>
+            <a:ext cx="914400" cy="1600200"/>
+          </a:xfrm>
+          <a:prstGeom prst="rect">
+            <a:avLst/>
+          </a:prstGeom>
+          <a:solidFill>
+            <a:schemeClr val="accent1"/>
+          </a:solidFill>
+          <a:ln>
+            <a:noFill/>
+          </a:ln>
+        </p:spPr>
+        <p:style>
+          <a:lnRef idx="2">
+            <a:schemeClr val="accent1">
+              <a:shade val="50000"/>
+            </a:schemeClr>
+          </a:lnRef>
+          <a:fillRef idx="1">
+            <a:schemeClr val="accent1"/>
+          </a:fillRef>
+          <a:effectRef idx="0">
+            <a:schemeClr val="accent1"/>
+          </a:effectRef>
+          <a:fontRef idx="minor">
+            <a:schemeClr val="lt1"/>
+          </a:fontRef>
+        </p:style>
+        <p:txBody>
+          <a:bodyPr rtlCol="0" anchor="ctr"/>
+          <a:lstStyle/>
+          <a:p>
+            <a:pPr algn="ctr"/>
+            <a:endParaRPr/>
+          </a:p>
+        </p:txBody>
+      </p:sp>
+      <p:sp>
+        <p:nvSpPr>
+          <p:cNvPr id="10" name="TextBox 9"/>
+          <p:cNvSpPr txBox="1"/>
+          <p:nvPr/>
+        </p:nvSpPr>
+        <p:spPr>
+          <a:xfrm>
+            <a:off x="297581" y="228600"/>
+            <a:ext cx="347879" cy="553998"/>
+          </a:xfrm>
+          <a:prstGeom prst="rect">
+            <a:avLst/>
+          </a:prstGeom>
+          <a:noFill/>
+        </p:spPr>
+        <p:txBody>
+          <a:bodyPr wrap="square" lIns="0" tIns="0" rIns="0" bIns="0" rtlCol="0">
+            <a:spAutoFit/>
+          </a:bodyPr>
+          <a:lstStyle/>
+          <a:p>
+            <a:r>
+              <a:rPr sz="3600" b="1">
+                <a:solidFill>
+                  <a:schemeClr val="accent1">
+                    <a:lumMod val="60000"/>
+                    <a:lumOff val="40000"/>
+                  </a:schemeClr>
+                </a:solidFill>
+              </a:rPr>
+              <a:t>+</a:t>
+            </a:r>
+          </a:p>
+        </p:txBody>
+      </p:sp>
+      <p:sp>
+        <p:nvSpPr>
+          <p:cNvPr id="2" name="Title 1"/>
+          <p:cNvSpPr>
+            <a:spLocks noGrp="1"/>
+          </p:cNvSpPr>
+          <p:nvPr>
+            <p:ph type="title"/>
+          </p:nvPr>
+        </p:nvSpPr>
+        <p:spPr/>
+        <p:txBody>
+          <a:bodyPr/>
+          <a:lstStyle/>
+          <a:p>
+            <a:r>
+              <a:rPr lang="en-US" altLang="zh-CN" smtClean="0"/>
+              <a:t>Click to edit Master title style</a:t>
+            </a:r>
+            <a:endParaRPr/>
+          </a:p>
+        </p:txBody>
+      </p:sp>
+      <p:sp>
+        <p:nvSpPr>
+          <p:cNvPr id="3" name="Content Placeholder 2"/>
+          <p:cNvSpPr>
+            <a:spLocks noGrp="1"/>
+          </p:cNvSpPr>
+          <p:nvPr>
+            <p:ph sz="half" idx="1"/>
+          </p:nvPr>
+        </p:nvSpPr>
+        <p:spPr>
+          <a:xfrm>
+            <a:off x="5880100" y="1985963"/>
+            <a:ext cx="4876800" cy="1965960"/>
+          </a:xfrm>
+        </p:spPr>
+        <p:txBody>
+          <a:bodyPr>
+            <a:normAutofit/>
+          </a:bodyPr>
+          <a:lstStyle>
+            <a:lvl1pPr>
+              <a:defRPr sz="1800"/>
+            </a:lvl1pPr>
+            <a:lvl2pPr>
+              <a:defRPr sz="1800"/>
+            </a:lvl2pPr>
+            <a:lvl3pPr>
+              <a:defRPr sz="1800"/>
+            </a:lvl3pPr>
+            <a:lvl4pPr>
+              <a:defRPr sz="1800"/>
+            </a:lvl4pPr>
+            <a:lvl5pPr>
+              <a:defRPr sz="1800"/>
+            </a:lvl5pPr>
+            <a:lvl6pPr>
+              <a:defRPr sz="1800"/>
+            </a:lvl6pPr>
+            <a:lvl7pPr>
+              <a:defRPr sz="1800"/>
+            </a:lvl7pPr>
+            <a:lvl8pPr>
+              <a:defRPr sz="1800"/>
+            </a:lvl8pPr>
+            <a:lvl9pPr>
+              <a:defRPr sz="1800"/>
+            </a:lvl9pPr>
+          </a:lstStyle>
+          <a:p>
+            <a:pPr lvl="0"/>
+            <a:r>
+              <a:rPr lang="en-US" altLang="zh-CN" smtClean="0"/>
+              <a:t>Click to edit Master text styles</a:t>
+            </a:r>
+          </a:p>
+          <a:p>
+            <a:pPr lvl="1"/>
+            <a:r>
+              <a:rPr lang="en-US" altLang="zh-CN" smtClean="0"/>
+              <a:t>Second level</a:t>
+            </a:r>
+          </a:p>
+          <a:p>
+            <a:pPr lvl="2"/>
+            <a:r>
+              <a:rPr lang="en-US" altLang="zh-CN" smtClean="0"/>
+              <a:t>Third level</a:t>
+            </a:r>
+          </a:p>
+          <a:p>
+            <a:pPr lvl="3"/>
+            <a:r>
+              <a:rPr lang="en-US" altLang="zh-CN" smtClean="0"/>
+              <a:t>Fourth level</a:t>
+            </a:r>
+          </a:p>
+          <a:p>
+            <a:pPr lvl="4"/>
+            <a:r>
+              <a:rPr lang="en-US" altLang="zh-CN" smtClean="0"/>
+              <a:t>Fifth level</a:t>
+            </a:r>
+            <a:endParaRPr dirty="0"/>
+          </a:p>
+        </p:txBody>
+      </p:sp>
+      <p:sp>
+        <p:nvSpPr>
+          <p:cNvPr id="5" name="Date Placeholder 4"/>
           <p:cNvSpPr>
             <a:spLocks noGrp="1"/>
           </p:cNvSpPr>
@@ -1824,7 +7587,7 @@
           <a:p>
             <a:fld id="{FEDBF184-AE6A-41EB-BBCB-9F86DBF77364}" type="datetimeFigureOut">
               <a:rPr lang="en-US" smtClean="0"/>
-              <a:t>2/26/2014</a:t>
+              <a:t>2/26/14</a:t>
             </a:fld>
             <a:endParaRPr lang="en-US"/>
           </a:p>
@@ -1832,7 +7595,7 @@
       </p:sp>
       <p:sp>
         <p:nvSpPr>
-          <p:cNvPr id="3" name="Footer Placeholder 2"/>
+          <p:cNvPr id="6" name="Footer Placeholder 5"/>
           <p:cNvSpPr>
             <a:spLocks noGrp="1"/>
           </p:cNvSpPr>
@@ -1851,7 +7614,7 @@
       </p:sp>
       <p:sp>
         <p:nvSpPr>
-          <p:cNvPr id="4" name="Slide Number Placeholder 3"/>
+          <p:cNvPr id="7" name="Slide Number Placeholder 6"/>
           <p:cNvSpPr>
             <a:spLocks noGrp="1"/>
           </p:cNvSpPr>
@@ -1872,542 +7635,181 @@
           </a:p>
         </p:txBody>
       </p:sp>
-    </p:spTree>
-    <p:extLst>
-      <p:ext uri="{BB962C8B-B14F-4D97-AF65-F5344CB8AC3E}">
-        <p14:creationId xmlns:p14="http://schemas.microsoft.com/office/powerpoint/2010/main" val="2459477290"/>
-      </p:ext>
-    </p:extLst>
-  </p:cSld>
-  <p:clrMapOvr>
-    <a:masterClrMapping/>
-  </p:clrMapOvr>
-</p:sldLayout>
-</file>
-
-<file path=ppt/slideLayouts/slideLayout8.xml><?xml version="1.0" encoding="utf-8"?>
-<p:sldLayout xmlns:a="http://schemas.openxmlformats.org/drawingml/2006/main" xmlns:r="http://schemas.openxmlformats.org/officeDocument/2006/relationships" xmlns:p="http://schemas.openxmlformats.org/presentationml/2006/main" type="objTx" preserve="1">
-  <p:cSld name="Content with Caption">
-    <p:spTree>
-      <p:nvGrpSpPr>
-        <p:cNvPr id="1" name=""/>
-        <p:cNvGrpSpPr/>
-        <p:nvPr/>
-      </p:nvGrpSpPr>
-      <p:grpSpPr>
-        <a:xfrm>
-          <a:off x="0" y="0"/>
-          <a:ext cx="0" cy="0"/>
-          <a:chOff x="0" y="0"/>
-          <a:chExt cx="0" cy="0"/>
-        </a:xfrm>
-      </p:grpSpPr>
-      <p:sp>
-        <p:nvSpPr>
-          <p:cNvPr id="2" name="Title 1"/>
-          <p:cNvSpPr>
-            <a:spLocks noGrp="1"/>
-          </p:cNvSpPr>
-          <p:nvPr>
-            <p:ph type="title"/>
-          </p:nvPr>
-        </p:nvSpPr>
-        <p:spPr>
-          <a:xfrm>
-            <a:off x="839788" y="457200"/>
-            <a:ext cx="3932237" cy="1600200"/>
-          </a:xfrm>
-        </p:spPr>
-        <p:txBody>
-          <a:bodyPr anchor="b"/>
+      <p:sp>
+        <p:nvSpPr>
+          <p:cNvPr id="11" name="Content Placeholder 2"/>
+          <p:cNvSpPr>
+            <a:spLocks noGrp="1"/>
+          </p:cNvSpPr>
+          <p:nvPr>
+            <p:ph sz="half" idx="15"/>
+          </p:nvPr>
+        </p:nvSpPr>
+        <p:spPr>
+          <a:xfrm>
+            <a:off x="664691" y="1985963"/>
+            <a:ext cx="4876800" cy="4140200"/>
+          </a:xfrm>
+        </p:spPr>
+        <p:txBody>
+          <a:bodyPr>
+            <a:normAutofit/>
+          </a:bodyPr>
           <a:lstStyle>
             <a:lvl1pPr>
-              <a:defRPr sz="3200"/>
+              <a:defRPr sz="1800"/>
             </a:lvl1pPr>
+            <a:lvl2pPr>
+              <a:defRPr sz="1800"/>
+            </a:lvl2pPr>
+            <a:lvl3pPr>
+              <a:defRPr sz="1800"/>
+            </a:lvl3pPr>
+            <a:lvl4pPr>
+              <a:defRPr sz="1800"/>
+            </a:lvl4pPr>
+            <a:lvl5pPr>
+              <a:defRPr sz="1800"/>
+            </a:lvl5pPr>
+            <a:lvl6pPr>
+              <a:defRPr sz="1800"/>
+            </a:lvl6pPr>
+            <a:lvl7pPr>
+              <a:defRPr sz="1800"/>
+            </a:lvl7pPr>
+            <a:lvl8pPr>
+              <a:defRPr sz="1800"/>
+            </a:lvl8pPr>
+            <a:lvl9pPr>
+              <a:defRPr sz="1800"/>
+            </a:lvl9pPr>
           </a:lstStyle>
           <a:p>
-            <a:r>
-              <a:rPr lang="en-US" smtClean="0"/>
-              <a:t>Click to edit Master title style</a:t>
-            </a:r>
-            <a:endParaRPr lang="en-US"/>
-          </a:p>
-        </p:txBody>
-      </p:sp>
-      <p:sp>
-        <p:nvSpPr>
-          <p:cNvPr id="3" name="Content Placeholder 2"/>
-          <p:cNvSpPr>
-            <a:spLocks noGrp="1"/>
-          </p:cNvSpPr>
-          <p:nvPr>
-            <p:ph idx="1"/>
-          </p:nvPr>
-        </p:nvSpPr>
-        <p:spPr>
-          <a:xfrm>
-            <a:off x="5183188" y="987425"/>
-            <a:ext cx="6172200" cy="4873625"/>
-          </a:xfrm>
-        </p:spPr>
-        <p:txBody>
-          <a:bodyPr/>
+            <a:pPr lvl="0"/>
+            <a:r>
+              <a:rPr lang="en-US" altLang="zh-CN" smtClean="0"/>
+              <a:t>Click to edit Master text styles</a:t>
+            </a:r>
+          </a:p>
+          <a:p>
+            <a:pPr lvl="1"/>
+            <a:r>
+              <a:rPr lang="en-US" altLang="zh-CN" smtClean="0"/>
+              <a:t>Second level</a:t>
+            </a:r>
+          </a:p>
+          <a:p>
+            <a:pPr lvl="2"/>
+            <a:r>
+              <a:rPr lang="en-US" altLang="zh-CN" smtClean="0"/>
+              <a:t>Third level</a:t>
+            </a:r>
+          </a:p>
+          <a:p>
+            <a:pPr lvl="3"/>
+            <a:r>
+              <a:rPr lang="en-US" altLang="zh-CN" smtClean="0"/>
+              <a:t>Fourth level</a:t>
+            </a:r>
+          </a:p>
+          <a:p>
+            <a:pPr lvl="4"/>
+            <a:r>
+              <a:rPr lang="en-US" altLang="zh-CN" smtClean="0"/>
+              <a:t>Fifth level</a:t>
+            </a:r>
+            <a:endParaRPr dirty="0"/>
+          </a:p>
+        </p:txBody>
+      </p:sp>
+      <p:sp>
+        <p:nvSpPr>
+          <p:cNvPr id="13" name="Content Placeholder 2"/>
+          <p:cNvSpPr>
+            <a:spLocks noGrp="1"/>
+          </p:cNvSpPr>
+          <p:nvPr>
+            <p:ph sz="half" idx="16"/>
+          </p:nvPr>
+        </p:nvSpPr>
+        <p:spPr>
+          <a:xfrm>
+            <a:off x="5880100" y="4169664"/>
+            <a:ext cx="4876800" cy="1965960"/>
+          </a:xfrm>
+        </p:spPr>
+        <p:txBody>
+          <a:bodyPr>
+            <a:normAutofit/>
+          </a:bodyPr>
           <a:lstStyle>
             <a:lvl1pPr>
-              <a:defRPr sz="3200"/>
+              <a:defRPr sz="1800"/>
             </a:lvl1pPr>
             <a:lvl2pPr>
-              <a:defRPr sz="2800"/>
+              <a:defRPr sz="1800"/>
             </a:lvl2pPr>
             <a:lvl3pPr>
-              <a:defRPr sz="2400"/>
+              <a:defRPr sz="1800"/>
             </a:lvl3pPr>
             <a:lvl4pPr>
-              <a:defRPr sz="2000"/>
+              <a:defRPr sz="1800"/>
             </a:lvl4pPr>
             <a:lvl5pPr>
-              <a:defRPr sz="2000"/>
+              <a:defRPr sz="1800"/>
             </a:lvl5pPr>
             <a:lvl6pPr>
-              <a:defRPr sz="2000"/>
+              <a:defRPr sz="1800"/>
             </a:lvl6pPr>
             <a:lvl7pPr>
-              <a:defRPr sz="2000"/>
+              <a:defRPr sz="1800"/>
             </a:lvl7pPr>
             <a:lvl8pPr>
-              <a:defRPr sz="2000"/>
+              <a:defRPr sz="1800"/>
             </a:lvl8pPr>
             <a:lvl9pPr>
-              <a:defRPr sz="2000"/>
+              <a:defRPr sz="1800"/>
             </a:lvl9pPr>
           </a:lstStyle>
           <a:p>
             <a:pPr lvl="0"/>
             <a:r>
-              <a:rPr lang="en-US" smtClean="0"/>
+              <a:rPr lang="en-US" altLang="zh-CN" smtClean="0"/>
               <a:t>Click to edit Master text styles</a:t>
             </a:r>
           </a:p>
           <a:p>
             <a:pPr lvl="1"/>
             <a:r>
-              <a:rPr lang="en-US" smtClean="0"/>
+              <a:rPr lang="en-US" altLang="zh-CN" smtClean="0"/>
               <a:t>Second level</a:t>
             </a:r>
           </a:p>
           <a:p>
             <a:pPr lvl="2"/>
             <a:r>
-              <a:rPr lang="en-US" smtClean="0"/>
+              <a:rPr lang="en-US" altLang="zh-CN" smtClean="0"/>
               <a:t>Third level</a:t>
             </a:r>
           </a:p>
           <a:p>
             <a:pPr lvl="3"/>
             <a:r>
-              <a:rPr lang="en-US" smtClean="0"/>
+              <a:rPr lang="en-US" altLang="zh-CN" smtClean="0"/>
               <a:t>Fourth level</a:t>
             </a:r>
           </a:p>
           <a:p>
             <a:pPr lvl="4"/>
             <a:r>
-              <a:rPr lang="en-US" smtClean="0"/>
+              <a:rPr lang="en-US" altLang="zh-CN" smtClean="0"/>
               <a:t>Fifth level</a:t>
             </a:r>
-            <a:endParaRPr lang="en-US"/>
-          </a:p>
-        </p:txBody>
-      </p:sp>
-      <p:sp>
-        <p:nvSpPr>
-          <p:cNvPr id="4" name="Text Placeholder 3"/>
-          <p:cNvSpPr>
-            <a:spLocks noGrp="1"/>
-          </p:cNvSpPr>
-          <p:nvPr>
-            <p:ph type="body" sz="half" idx="2"/>
-          </p:nvPr>
-        </p:nvSpPr>
-        <p:spPr>
-          <a:xfrm>
-            <a:off x="839788" y="2057400"/>
-            <a:ext cx="3932237" cy="3811588"/>
-          </a:xfrm>
-        </p:spPr>
-        <p:txBody>
-          <a:bodyPr/>
-          <a:lstStyle>
-            <a:lvl1pPr marL="0" indent="0">
-              <a:buNone/>
-              <a:defRPr sz="1600"/>
-            </a:lvl1pPr>
-            <a:lvl2pPr marL="457200" indent="0">
-              <a:buNone/>
-              <a:defRPr sz="1400"/>
-            </a:lvl2pPr>
-            <a:lvl3pPr marL="914400" indent="0">
-              <a:buNone/>
-              <a:defRPr sz="1200"/>
-            </a:lvl3pPr>
-            <a:lvl4pPr marL="1371600" indent="0">
-              <a:buNone/>
-              <a:defRPr sz="1000"/>
-            </a:lvl4pPr>
-            <a:lvl5pPr marL="1828800" indent="0">
-              <a:buNone/>
-              <a:defRPr sz="1000"/>
-            </a:lvl5pPr>
-            <a:lvl6pPr marL="2286000" indent="0">
-              <a:buNone/>
-              <a:defRPr sz="1000"/>
-            </a:lvl6pPr>
-            <a:lvl7pPr marL="2743200" indent="0">
-              <a:buNone/>
-              <a:defRPr sz="1000"/>
-            </a:lvl7pPr>
-            <a:lvl8pPr marL="3200400" indent="0">
-              <a:buNone/>
-              <a:defRPr sz="1000"/>
-            </a:lvl8pPr>
-            <a:lvl9pPr marL="3657600" indent="0">
-              <a:buNone/>
-              <a:defRPr sz="1000"/>
-            </a:lvl9pPr>
-          </a:lstStyle>
-          <a:p>
-            <a:pPr lvl="0"/>
-            <a:r>
-              <a:rPr lang="en-US" smtClean="0"/>
-              <a:t>Click to edit Master text styles</a:t>
-            </a:r>
-          </a:p>
-        </p:txBody>
-      </p:sp>
-      <p:sp>
-        <p:nvSpPr>
-          <p:cNvPr id="5" name="Date Placeholder 4"/>
-          <p:cNvSpPr>
-            <a:spLocks noGrp="1"/>
-          </p:cNvSpPr>
-          <p:nvPr>
-            <p:ph type="dt" sz="half" idx="10"/>
-          </p:nvPr>
-        </p:nvSpPr>
-        <p:spPr/>
-        <p:txBody>
-          <a:bodyPr/>
-          <a:lstStyle/>
-          <a:p>
-            <a:fld id="{FEDBF184-AE6A-41EB-BBCB-9F86DBF77364}" type="datetimeFigureOut">
-              <a:rPr lang="en-US" smtClean="0"/>
-              <a:t>2/26/2014</a:t>
-            </a:fld>
-            <a:endParaRPr lang="en-US"/>
-          </a:p>
-        </p:txBody>
-      </p:sp>
-      <p:sp>
-        <p:nvSpPr>
-          <p:cNvPr id="6" name="Footer Placeholder 5"/>
-          <p:cNvSpPr>
-            <a:spLocks noGrp="1"/>
-          </p:cNvSpPr>
-          <p:nvPr>
-            <p:ph type="ftr" sz="quarter" idx="11"/>
-          </p:nvPr>
-        </p:nvSpPr>
-        <p:spPr/>
-        <p:txBody>
-          <a:bodyPr/>
-          <a:lstStyle/>
-          <a:p>
-            <a:endParaRPr lang="en-US"/>
-          </a:p>
-        </p:txBody>
-      </p:sp>
-      <p:sp>
-        <p:nvSpPr>
-          <p:cNvPr id="7" name="Slide Number Placeholder 6"/>
-          <p:cNvSpPr>
-            <a:spLocks noGrp="1"/>
-          </p:cNvSpPr>
-          <p:nvPr>
-            <p:ph type="sldNum" sz="quarter" idx="12"/>
-          </p:nvPr>
-        </p:nvSpPr>
-        <p:spPr/>
-        <p:txBody>
-          <a:bodyPr/>
-          <a:lstStyle/>
-          <a:p>
-            <a:fld id="{100B06FD-12AA-47B0-BCB2-99EE95C24A3C}" type="slidenum">
-              <a:rPr lang="en-US" smtClean="0"/>
-              <a:t>‹#›</a:t>
-            </a:fld>
-            <a:endParaRPr lang="en-US"/>
+            <a:endParaRPr dirty="0"/>
           </a:p>
         </p:txBody>
       </p:sp>
     </p:spTree>
-    <p:extLst>
-      <p:ext uri="{BB962C8B-B14F-4D97-AF65-F5344CB8AC3E}">
-        <p14:creationId xmlns:p14="http://schemas.microsoft.com/office/powerpoint/2010/main" val="650345633"/>
-      </p:ext>
-    </p:extLst>
-  </p:cSld>
-  <p:clrMapOvr>
-    <a:masterClrMapping/>
-  </p:clrMapOvr>
-</p:sldLayout>
-</file>
-
-<file path=ppt/slideLayouts/slideLayout9.xml><?xml version="1.0" encoding="utf-8"?>
-<p:sldLayout xmlns:a="http://schemas.openxmlformats.org/drawingml/2006/main" xmlns:r="http://schemas.openxmlformats.org/officeDocument/2006/relationships" xmlns:p="http://schemas.openxmlformats.org/presentationml/2006/main" type="picTx" preserve="1">
-  <p:cSld name="Picture with Caption">
-    <p:spTree>
-      <p:nvGrpSpPr>
-        <p:cNvPr id="1" name=""/>
-        <p:cNvGrpSpPr/>
-        <p:nvPr/>
-      </p:nvGrpSpPr>
-      <p:grpSpPr>
-        <a:xfrm>
-          <a:off x="0" y="0"/>
-          <a:ext cx="0" cy="0"/>
-          <a:chOff x="0" y="0"/>
-          <a:chExt cx="0" cy="0"/>
-        </a:xfrm>
-      </p:grpSpPr>
-      <p:sp>
-        <p:nvSpPr>
-          <p:cNvPr id="2" name="Title 1"/>
-          <p:cNvSpPr>
-            <a:spLocks noGrp="1"/>
-          </p:cNvSpPr>
-          <p:nvPr>
-            <p:ph type="title"/>
-          </p:nvPr>
-        </p:nvSpPr>
-        <p:spPr>
-          <a:xfrm>
-            <a:off x="839788" y="457200"/>
-            <a:ext cx="3932237" cy="1600200"/>
-          </a:xfrm>
-        </p:spPr>
-        <p:txBody>
-          <a:bodyPr anchor="b"/>
-          <a:lstStyle>
-            <a:lvl1pPr>
-              <a:defRPr sz="3200"/>
-            </a:lvl1pPr>
-          </a:lstStyle>
-          <a:p>
-            <a:r>
-              <a:rPr lang="en-US" smtClean="0"/>
-              <a:t>Click to edit Master title style</a:t>
-            </a:r>
-            <a:endParaRPr lang="en-US"/>
-          </a:p>
-        </p:txBody>
-      </p:sp>
-      <p:sp>
-        <p:nvSpPr>
-          <p:cNvPr id="3" name="Picture Placeholder 2"/>
-          <p:cNvSpPr>
-            <a:spLocks noGrp="1"/>
-          </p:cNvSpPr>
-          <p:nvPr>
-            <p:ph type="pic" idx="1"/>
-          </p:nvPr>
-        </p:nvSpPr>
-        <p:spPr>
-          <a:xfrm>
-            <a:off x="5183188" y="987425"/>
-            <a:ext cx="6172200" cy="4873625"/>
-          </a:xfrm>
-        </p:spPr>
-        <p:txBody>
-          <a:bodyPr/>
-          <a:lstStyle>
-            <a:lvl1pPr marL="0" indent="0">
-              <a:buNone/>
-              <a:defRPr sz="3200"/>
-            </a:lvl1pPr>
-            <a:lvl2pPr marL="457200" indent="0">
-              <a:buNone/>
-              <a:defRPr sz="2800"/>
-            </a:lvl2pPr>
-            <a:lvl3pPr marL="914400" indent="0">
-              <a:buNone/>
-              <a:defRPr sz="2400"/>
-            </a:lvl3pPr>
-            <a:lvl4pPr marL="1371600" indent="0">
-              <a:buNone/>
-              <a:defRPr sz="2000"/>
-            </a:lvl4pPr>
-            <a:lvl5pPr marL="1828800" indent="0">
-              <a:buNone/>
-              <a:defRPr sz="2000"/>
-            </a:lvl5pPr>
-            <a:lvl6pPr marL="2286000" indent="0">
-              <a:buNone/>
-              <a:defRPr sz="2000"/>
-            </a:lvl6pPr>
-            <a:lvl7pPr marL="2743200" indent="0">
-              <a:buNone/>
-              <a:defRPr sz="2000"/>
-            </a:lvl7pPr>
-            <a:lvl8pPr marL="3200400" indent="0">
-              <a:buNone/>
-              <a:defRPr sz="2000"/>
-            </a:lvl8pPr>
-            <a:lvl9pPr marL="3657600" indent="0">
-              <a:buNone/>
-              <a:defRPr sz="2000"/>
-            </a:lvl9pPr>
-          </a:lstStyle>
-          <a:p>
-            <a:endParaRPr lang="en-US"/>
-          </a:p>
-        </p:txBody>
-      </p:sp>
-      <p:sp>
-        <p:nvSpPr>
-          <p:cNvPr id="4" name="Text Placeholder 3"/>
-          <p:cNvSpPr>
-            <a:spLocks noGrp="1"/>
-          </p:cNvSpPr>
-          <p:nvPr>
-            <p:ph type="body" sz="half" idx="2"/>
-          </p:nvPr>
-        </p:nvSpPr>
-        <p:spPr>
-          <a:xfrm>
-            <a:off x="839788" y="2057400"/>
-            <a:ext cx="3932237" cy="3811588"/>
-          </a:xfrm>
-        </p:spPr>
-        <p:txBody>
-          <a:bodyPr/>
-          <a:lstStyle>
-            <a:lvl1pPr marL="0" indent="0">
-              <a:buNone/>
-              <a:defRPr sz="1600"/>
-            </a:lvl1pPr>
-            <a:lvl2pPr marL="457200" indent="0">
-              <a:buNone/>
-              <a:defRPr sz="1400"/>
-            </a:lvl2pPr>
-            <a:lvl3pPr marL="914400" indent="0">
-              <a:buNone/>
-              <a:defRPr sz="1200"/>
-            </a:lvl3pPr>
-            <a:lvl4pPr marL="1371600" indent="0">
-              <a:buNone/>
-              <a:defRPr sz="1000"/>
-            </a:lvl4pPr>
-            <a:lvl5pPr marL="1828800" indent="0">
-              <a:buNone/>
-              <a:defRPr sz="1000"/>
-            </a:lvl5pPr>
-            <a:lvl6pPr marL="2286000" indent="0">
-              <a:buNone/>
-              <a:defRPr sz="1000"/>
-            </a:lvl6pPr>
-            <a:lvl7pPr marL="2743200" indent="0">
-              <a:buNone/>
-              <a:defRPr sz="1000"/>
-            </a:lvl7pPr>
-            <a:lvl8pPr marL="3200400" indent="0">
-              <a:buNone/>
-              <a:defRPr sz="1000"/>
-            </a:lvl8pPr>
-            <a:lvl9pPr marL="3657600" indent="0">
-              <a:buNone/>
-              <a:defRPr sz="1000"/>
-            </a:lvl9pPr>
-          </a:lstStyle>
-          <a:p>
-            <a:pPr lvl="0"/>
-            <a:r>
-              <a:rPr lang="en-US" smtClean="0"/>
-              <a:t>Click to edit Master text styles</a:t>
-            </a:r>
-          </a:p>
-        </p:txBody>
-      </p:sp>
-      <p:sp>
-        <p:nvSpPr>
-          <p:cNvPr id="5" name="Date Placeholder 4"/>
-          <p:cNvSpPr>
-            <a:spLocks noGrp="1"/>
-          </p:cNvSpPr>
-          <p:nvPr>
-            <p:ph type="dt" sz="half" idx="10"/>
-          </p:nvPr>
-        </p:nvSpPr>
-        <p:spPr/>
-        <p:txBody>
-          <a:bodyPr/>
-          <a:lstStyle/>
-          <a:p>
-            <a:fld id="{FEDBF184-AE6A-41EB-BBCB-9F86DBF77364}" type="datetimeFigureOut">
-              <a:rPr lang="en-US" smtClean="0"/>
-              <a:t>2/26/2014</a:t>
-            </a:fld>
-            <a:endParaRPr lang="en-US"/>
-          </a:p>
-        </p:txBody>
-      </p:sp>
-      <p:sp>
-        <p:nvSpPr>
-          <p:cNvPr id="6" name="Footer Placeholder 5"/>
-          <p:cNvSpPr>
-            <a:spLocks noGrp="1"/>
-          </p:cNvSpPr>
-          <p:nvPr>
-            <p:ph type="ftr" sz="quarter" idx="11"/>
-          </p:nvPr>
-        </p:nvSpPr>
-        <p:spPr/>
-        <p:txBody>
-          <a:bodyPr/>
-          <a:lstStyle/>
-          <a:p>
-            <a:endParaRPr lang="en-US"/>
-          </a:p>
-        </p:txBody>
-      </p:sp>
-      <p:sp>
-        <p:nvSpPr>
-          <p:cNvPr id="7" name="Slide Number Placeholder 6"/>
-          <p:cNvSpPr>
-            <a:spLocks noGrp="1"/>
-          </p:cNvSpPr>
-          <p:nvPr>
-            <p:ph type="sldNum" sz="quarter" idx="12"/>
-          </p:nvPr>
-        </p:nvSpPr>
-        <p:spPr/>
-        <p:txBody>
-          <a:bodyPr/>
-          <a:lstStyle/>
-          <a:p>
-            <a:fld id="{100B06FD-12AA-47B0-BCB2-99EE95C24A3C}" type="slidenum">
-              <a:rPr lang="en-US" smtClean="0"/>
-              <a:t>‹#›</a:t>
-            </a:fld>
-            <a:endParaRPr lang="en-US"/>
-          </a:p>
-        </p:txBody>
-      </p:sp>
-    </p:spTree>
-    <p:extLst>
-      <p:ext uri="{BB962C8B-B14F-4D97-AF65-F5344CB8AC3E}">
-        <p14:creationId xmlns:p14="http://schemas.microsoft.com/office/powerpoint/2010/main" val="4174432418"/>
-      </p:ext>
-    </p:extLst>
   </p:cSld>
   <p:clrMapOvr>
     <a:masterClrMapping/>
@@ -2449,24 +7851,24 @@
         </p:nvSpPr>
         <p:spPr>
           <a:xfrm>
-            <a:off x="838200" y="365125"/>
-            <a:ext cx="10515600" cy="1325563"/>
+            <a:off x="664633" y="484094"/>
+            <a:ext cx="10075084" cy="1116106"/>
           </a:xfrm>
           <a:prstGeom prst="rect">
             <a:avLst/>
           </a:prstGeom>
         </p:spPr>
         <p:txBody>
-          <a:bodyPr vert="horz" lIns="91440" tIns="45720" rIns="91440" bIns="45720" rtlCol="0" anchor="ctr">
-            <a:normAutofit/>
+          <a:bodyPr vert="horz" lIns="91440" tIns="45720" rIns="91440" bIns="45720" rtlCol="0" anchor="t" anchorCtr="0">
+            <a:noAutofit/>
           </a:bodyPr>
           <a:lstStyle/>
           <a:p>
             <a:r>
-              <a:rPr lang="en-US" smtClean="0"/>
+              <a:rPr lang="en-US" altLang="zh-CN" smtClean="0"/>
               <a:t>Click to edit Master title style</a:t>
             </a:r>
-            <a:endParaRPr lang="en-US"/>
+            <a:endParaRPr/>
           </a:p>
         </p:txBody>
       </p:sp>
@@ -2482,8 +7884,8 @@
         </p:nvSpPr>
         <p:spPr>
           <a:xfrm>
-            <a:off x="838200" y="1825625"/>
-            <a:ext cx="10515600" cy="4351338"/>
+            <a:off x="664633" y="1981201"/>
+            <a:ext cx="10075084" cy="4144963"/>
           </a:xfrm>
           <a:prstGeom prst="rect">
             <a:avLst/>
@@ -2497,38 +7899,38 @@
           <a:p>
             <a:pPr lvl="0"/>
             <a:r>
-              <a:rPr lang="en-US" smtClean="0"/>
+              <a:rPr lang="en-US" altLang="zh-CN" smtClean="0"/>
               <a:t>Click to edit Master text styles</a:t>
             </a:r>
           </a:p>
           <a:p>
             <a:pPr lvl="1"/>
             <a:r>
-              <a:rPr lang="en-US" smtClean="0"/>
+              <a:rPr lang="en-US" altLang="zh-CN" smtClean="0"/>
               <a:t>Second level</a:t>
             </a:r>
           </a:p>
           <a:p>
             <a:pPr lvl="2"/>
             <a:r>
-              <a:rPr lang="en-US" smtClean="0"/>
+              <a:rPr lang="en-US" altLang="zh-CN" smtClean="0"/>
               <a:t>Third level</a:t>
             </a:r>
           </a:p>
           <a:p>
             <a:pPr lvl="3"/>
             <a:r>
-              <a:rPr lang="en-US" smtClean="0"/>
+              <a:rPr lang="en-US" altLang="zh-CN" smtClean="0"/>
               <a:t>Fourth level</a:t>
             </a:r>
           </a:p>
           <a:p>
             <a:pPr lvl="4"/>
             <a:r>
-              <a:rPr lang="en-US" smtClean="0"/>
+              <a:rPr lang="en-US" altLang="zh-CN" smtClean="0"/>
               <a:t>Fifth level</a:t>
             </a:r>
-            <a:endParaRPr lang="en-US"/>
+            <a:endParaRPr dirty="0"/>
           </a:p>
         </p:txBody>
       </p:sp>
@@ -2544,8 +7946,8 @@
         </p:nvSpPr>
         <p:spPr>
           <a:xfrm>
-            <a:off x="838200" y="6356350"/>
-            <a:ext cx="2743200" cy="365125"/>
+            <a:off x="9060329" y="6423586"/>
+            <a:ext cx="2844800" cy="365125"/>
           </a:xfrm>
           <a:prstGeom prst="rect">
             <a:avLst/>
@@ -2554,11 +7956,12 @@
         <p:txBody>
           <a:bodyPr vert="horz" lIns="91440" tIns="45720" rIns="91440" bIns="45720" rtlCol="0" anchor="ctr"/>
           <a:lstStyle>
-            <a:lvl1pPr algn="l">
-              <a:defRPr sz="1200">
+            <a:lvl1pPr algn="r">
+              <a:defRPr sz="1100">
                 <a:solidFill>
                   <a:schemeClr val="tx1">
-                    <a:tint val="75000"/>
+                    <a:lumMod val="65000"/>
+                    <a:lumOff val="35000"/>
                   </a:schemeClr>
                 </a:solidFill>
               </a:defRPr>
@@ -2567,7 +7970,7 @@
           <a:p>
             <a:fld id="{FEDBF184-AE6A-41EB-BBCB-9F86DBF77364}" type="datetimeFigureOut">
               <a:rPr lang="en-US" smtClean="0"/>
-              <a:t>2/26/2014</a:t>
+              <a:t>2/26/14</a:t>
             </a:fld>
             <a:endParaRPr lang="en-US"/>
           </a:p>
@@ -2585,8 +7988,8 @@
         </p:nvSpPr>
         <p:spPr>
           <a:xfrm>
-            <a:off x="4038600" y="6356350"/>
-            <a:ext cx="4114800" cy="365125"/>
+            <a:off x="268941" y="6423586"/>
+            <a:ext cx="8163859" cy="365125"/>
           </a:xfrm>
           <a:prstGeom prst="rect">
             <a:avLst/>
@@ -2595,11 +7998,12 @@
         <p:txBody>
           <a:bodyPr vert="horz" lIns="91440" tIns="45720" rIns="91440" bIns="45720" rtlCol="0" anchor="ctr"/>
           <a:lstStyle>
-            <a:lvl1pPr algn="ctr">
-              <a:defRPr sz="1200">
+            <a:lvl1pPr algn="l">
+              <a:defRPr sz="1100">
                 <a:solidFill>
                   <a:schemeClr val="tx1">
-                    <a:tint val="75000"/>
+                    <a:lumMod val="65000"/>
+                    <a:lumOff val="35000"/>
                   </a:schemeClr>
                 </a:solidFill>
               </a:defRPr>
@@ -2622,8 +8026,8 @@
         </p:nvSpPr>
         <p:spPr>
           <a:xfrm>
-            <a:off x="8610600" y="6356350"/>
-            <a:ext cx="2743200" cy="365125"/>
+            <a:off x="11074400" y="242235"/>
+            <a:ext cx="738717" cy="365125"/>
           </a:xfrm>
           <a:prstGeom prst="rect">
             <a:avLst/>
@@ -2633,11 +8037,9 @@
           <a:bodyPr vert="horz" lIns="91440" tIns="45720" rIns="91440" bIns="45720" rtlCol="0" anchor="ctr"/>
           <a:lstStyle>
             <a:lvl1pPr algn="r">
-              <a:defRPr sz="1200">
+              <a:defRPr sz="1400">
                 <a:solidFill>
-                  <a:schemeClr val="tx1">
-                    <a:tint val="75000"/>
-                  </a:schemeClr>
+                  <a:schemeClr val="bg1"/>
                 </a:solidFill>
               </a:defRPr>
             </a:lvl1pPr>
@@ -2652,39 +8054,40 @@
         </p:txBody>
       </p:sp>
     </p:spTree>
-    <p:extLst>
-      <p:ext uri="{BB962C8B-B14F-4D97-AF65-F5344CB8AC3E}">
-        <p14:creationId xmlns:p14="http://schemas.microsoft.com/office/powerpoint/2010/main" val="2740387275"/>
-      </p:ext>
-    </p:extLst>
   </p:cSld>
   <p:clrMap bg1="lt1" tx1="dk1" bg2="lt2" tx2="dk2" accent1="accent1" accent2="accent2" accent3="accent3" accent4="accent4" accent5="accent5" accent6="accent6" hlink="hlink" folHlink="folHlink"/>
   <p:sldLayoutIdLst>
-    <p:sldLayoutId id="2147483649" r:id="rId1"/>
-    <p:sldLayoutId id="2147483650" r:id="rId2"/>
-    <p:sldLayoutId id="2147483651" r:id="rId3"/>
-    <p:sldLayoutId id="2147483652" r:id="rId4"/>
-    <p:sldLayoutId id="2147483653" r:id="rId5"/>
-    <p:sldLayoutId id="2147483654" r:id="rId6"/>
-    <p:sldLayoutId id="2147483655" r:id="rId7"/>
-    <p:sldLayoutId id="2147483656" r:id="rId8"/>
-    <p:sldLayoutId id="2147483657" r:id="rId9"/>
-    <p:sldLayoutId id="2147483658" r:id="rId10"/>
-    <p:sldLayoutId id="2147483659" r:id="rId11"/>
+    <p:sldLayoutId id="2147483661" r:id="rId1"/>
+    <p:sldLayoutId id="2147483662" r:id="rId2"/>
+    <p:sldLayoutId id="2147483663" r:id="rId3"/>
+    <p:sldLayoutId id="2147483664" r:id="rId4"/>
+    <p:sldLayoutId id="2147483665" r:id="rId5"/>
+    <p:sldLayoutId id="2147483666" r:id="rId6"/>
+    <p:sldLayoutId id="2147483667" r:id="rId7"/>
+    <p:sldLayoutId id="2147483668" r:id="rId8"/>
+    <p:sldLayoutId id="2147483669" r:id="rId9"/>
+    <p:sldLayoutId id="2147483670" r:id="rId10"/>
+    <p:sldLayoutId id="2147483671" r:id="rId11"/>
+    <p:sldLayoutId id="2147483672" r:id="rId12"/>
+    <p:sldLayoutId id="2147483673" r:id="rId13"/>
+    <p:sldLayoutId id="2147483674" r:id="rId14"/>
+    <p:sldLayoutId id="2147483675" r:id="rId15"/>
+    <p:sldLayoutId id="2147483676" r:id="rId16"/>
+    <p:sldLayoutId id="2147483677" r:id="rId17"/>
+    <p:sldLayoutId id="2147483678" r:id="rId18"/>
+    <p:sldLayoutId id="2147483679" r:id="rId19"/>
+    <p:sldLayoutId id="2147483680" r:id="rId20"/>
   </p:sldLayoutIdLst>
   <p:txStyles>
     <p:titleStyle>
       <a:lvl1pPr algn="l" defTabSz="914400" rtl="0" eaLnBrk="1" latinLnBrk="0" hangingPunct="1">
-        <a:lnSpc>
-          <a:spcPct val="90000"/>
-        </a:lnSpc>
         <a:spcBef>
           <a:spcPct val="0"/>
         </a:spcBef>
         <a:buNone/>
-        <a:defRPr sz="4400" kern="1200">
+        <a:defRPr sz="3600" b="0" kern="1200">
           <a:solidFill>
-            <a:schemeClr val="tx1"/>
+            <a:schemeClr val="accent1"/>
           </a:solidFill>
           <a:latin typeface="+mj-lt"/>
           <a:ea typeface="+mj-ea"/>
@@ -2694,161 +8097,209 @@
     </p:titleStyle>
     <p:bodyStyle>
       <a:lvl1pPr marL="228600" indent="-228600" algn="l" defTabSz="914400" rtl="0" eaLnBrk="1" latinLnBrk="0" hangingPunct="1">
-        <a:lnSpc>
-          <a:spcPct val="90000"/>
-        </a:lnSpc>
         <a:spcBef>
-          <a:spcPts val="1000"/>
+          <a:spcPts val="2000"/>
         </a:spcBef>
-        <a:buFont typeface="Arial" panose="020B0604020202020204" pitchFamily="34" charset="0"/>
-        <a:buChar char="•"/>
-        <a:defRPr sz="2800" kern="1200">
+        <a:buClr>
+          <a:schemeClr val="accent1"/>
+        </a:buClr>
+        <a:buSzPct val="75000"/>
+        <a:buFont typeface="Wingdings" pitchFamily="2" charset="2"/>
+        <a:buChar char="n"/>
+        <a:defRPr sz="2000" kern="1200">
           <a:solidFill>
-            <a:schemeClr val="tx1"/>
+            <a:schemeClr val="tx1">
+              <a:lumMod val="65000"/>
+              <a:lumOff val="35000"/>
+            </a:schemeClr>
           </a:solidFill>
           <a:latin typeface="+mn-lt"/>
           <a:ea typeface="+mn-ea"/>
           <a:cs typeface="+mn-cs"/>
         </a:defRPr>
       </a:lvl1pPr>
-      <a:lvl2pPr marL="685800" indent="-228600" algn="l" defTabSz="914400" rtl="0" eaLnBrk="1" latinLnBrk="0" hangingPunct="1">
-        <a:lnSpc>
-          <a:spcPct val="90000"/>
-        </a:lnSpc>
+      <a:lvl2pPr marL="457200" indent="-228600" algn="l" defTabSz="914400" rtl="0" eaLnBrk="1" latinLnBrk="0" hangingPunct="1">
         <a:spcBef>
-          <a:spcPts val="500"/>
+          <a:spcPts val="600"/>
         </a:spcBef>
-        <a:buFont typeface="Arial" panose="020B0604020202020204" pitchFamily="34" charset="0"/>
-        <a:buChar char="•"/>
-        <a:defRPr sz="2400" kern="1200">
+        <a:buClr>
+          <a:schemeClr val="accent1">
+            <a:lumMod val="60000"/>
+            <a:lumOff val="40000"/>
+          </a:schemeClr>
+        </a:buClr>
+        <a:buSzPct val="75000"/>
+        <a:buFont typeface="Wingdings" pitchFamily="2" charset="2"/>
+        <a:buChar char="n"/>
+        <a:defRPr sz="1800" kern="1200">
           <a:solidFill>
-            <a:schemeClr val="tx1"/>
+            <a:schemeClr val="tx1">
+              <a:lumMod val="65000"/>
+              <a:lumOff val="35000"/>
+            </a:schemeClr>
           </a:solidFill>
           <a:latin typeface="+mn-lt"/>
           <a:ea typeface="+mn-ea"/>
           <a:cs typeface="+mn-cs"/>
         </a:defRPr>
       </a:lvl2pPr>
-      <a:lvl3pPr marL="1143000" indent="-228600" algn="l" defTabSz="914400" rtl="0" eaLnBrk="1" latinLnBrk="0" hangingPunct="1">
-        <a:lnSpc>
-          <a:spcPct val="90000"/>
-        </a:lnSpc>
+      <a:lvl3pPr marL="685800" indent="-228600" algn="l" defTabSz="914400" rtl="0" eaLnBrk="1" latinLnBrk="0" hangingPunct="1">
         <a:spcBef>
-          <a:spcPts val="500"/>
+          <a:spcPts val="600"/>
         </a:spcBef>
-        <a:buFont typeface="Arial" panose="020B0604020202020204" pitchFamily="34" charset="0"/>
-        <a:buChar char="•"/>
-        <a:defRPr sz="2000" kern="1200">
+        <a:buClr>
+          <a:schemeClr val="accent1"/>
+        </a:buClr>
+        <a:buSzPct val="75000"/>
+        <a:buFont typeface="Wingdings" pitchFamily="2" charset="2"/>
+        <a:buChar char="n"/>
+        <a:defRPr sz="1800" kern="1200">
           <a:solidFill>
-            <a:schemeClr val="tx1"/>
+            <a:schemeClr val="tx1">
+              <a:lumMod val="65000"/>
+              <a:lumOff val="35000"/>
+            </a:schemeClr>
           </a:solidFill>
           <a:latin typeface="+mn-lt"/>
           <a:ea typeface="+mn-ea"/>
           <a:cs typeface="+mn-cs"/>
         </a:defRPr>
       </a:lvl3pPr>
-      <a:lvl4pPr marL="1600200" indent="-228600" algn="l" defTabSz="914400" rtl="0" eaLnBrk="1" latinLnBrk="0" hangingPunct="1">
-        <a:lnSpc>
-          <a:spcPct val="90000"/>
-        </a:lnSpc>
+      <a:lvl4pPr marL="914400" indent="-228600" algn="l" defTabSz="914400" rtl="0" eaLnBrk="1" latinLnBrk="0" hangingPunct="1">
         <a:spcBef>
-          <a:spcPts val="500"/>
+          <a:spcPts val="600"/>
         </a:spcBef>
-        <a:buFont typeface="Arial" panose="020B0604020202020204" pitchFamily="34" charset="0"/>
-        <a:buChar char="•"/>
+        <a:buClr>
+          <a:schemeClr val="accent1">
+            <a:lumMod val="60000"/>
+            <a:lumOff val="40000"/>
+          </a:schemeClr>
+        </a:buClr>
+        <a:buSzPct val="75000"/>
+        <a:buFont typeface="Wingdings" pitchFamily="2" charset="2"/>
+        <a:buChar char="n"/>
         <a:defRPr sz="1800" kern="1200">
           <a:solidFill>
-            <a:schemeClr val="tx1"/>
+            <a:schemeClr val="tx1">
+              <a:lumMod val="65000"/>
+              <a:lumOff val="35000"/>
+            </a:schemeClr>
           </a:solidFill>
           <a:latin typeface="+mn-lt"/>
           <a:ea typeface="+mn-ea"/>
           <a:cs typeface="+mn-cs"/>
         </a:defRPr>
       </a:lvl4pPr>
-      <a:lvl5pPr marL="2057400" indent="-228600" algn="l" defTabSz="914400" rtl="0" eaLnBrk="1" latinLnBrk="0" hangingPunct="1">
-        <a:lnSpc>
-          <a:spcPct val="90000"/>
-        </a:lnSpc>
+      <a:lvl5pPr marL="1143000" indent="-228600" algn="l" defTabSz="914400" rtl="0" eaLnBrk="1" latinLnBrk="0" hangingPunct="1">
         <a:spcBef>
-          <a:spcPts val="500"/>
+          <a:spcPts val="600"/>
         </a:spcBef>
-        <a:buFont typeface="Arial" panose="020B0604020202020204" pitchFamily="34" charset="0"/>
-        <a:buChar char="•"/>
+        <a:buClr>
+          <a:schemeClr val="accent1"/>
+        </a:buClr>
+        <a:buSzPct val="75000"/>
+        <a:buFont typeface="Wingdings" pitchFamily="2" charset="2"/>
+        <a:buChar char="n"/>
         <a:defRPr sz="1800" kern="1200">
           <a:solidFill>
-            <a:schemeClr val="tx1"/>
+            <a:schemeClr val="tx1">
+              <a:lumMod val="65000"/>
+              <a:lumOff val="35000"/>
+            </a:schemeClr>
           </a:solidFill>
           <a:latin typeface="+mn-lt"/>
           <a:ea typeface="+mn-ea"/>
           <a:cs typeface="+mn-cs"/>
         </a:defRPr>
       </a:lvl5pPr>
-      <a:lvl6pPr marL="2514600" indent="-228600" algn="l" defTabSz="914400" rtl="0" eaLnBrk="1" latinLnBrk="0" hangingPunct="1">
-        <a:lnSpc>
-          <a:spcPct val="90000"/>
-        </a:lnSpc>
+      <a:lvl6pPr marL="1377950" indent="-228600" algn="l" defTabSz="914400" rtl="0" eaLnBrk="1" latinLnBrk="0" hangingPunct="1">
         <a:spcBef>
-          <a:spcPts val="500"/>
+          <a:spcPct val="20000"/>
         </a:spcBef>
-        <a:buFont typeface="Arial" panose="020B0604020202020204" pitchFamily="34" charset="0"/>
-        <a:buChar char="•"/>
-        <a:defRPr sz="1800" kern="1200">
+        <a:buClr>
+          <a:schemeClr val="accent1">
+            <a:lumMod val="60000"/>
+            <a:lumOff val="40000"/>
+          </a:schemeClr>
+        </a:buClr>
+        <a:buSzPct val="75000"/>
+        <a:buFont typeface="Wingdings" pitchFamily="2" charset="2"/>
+        <a:buChar char=""/>
+        <a:defRPr lang="en-US" sz="1800" kern="1200" dirty="0" smtClean="0">
           <a:solidFill>
-            <a:schemeClr val="tx1"/>
+            <a:schemeClr val="tx1">
+              <a:lumMod val="65000"/>
+              <a:lumOff val="35000"/>
+            </a:schemeClr>
           </a:solidFill>
           <a:latin typeface="+mn-lt"/>
           <a:ea typeface="+mn-ea"/>
           <a:cs typeface="+mn-cs"/>
         </a:defRPr>
       </a:lvl6pPr>
-      <a:lvl7pPr marL="2971800" indent="-228600" algn="l" defTabSz="914400" rtl="0" eaLnBrk="1" latinLnBrk="0" hangingPunct="1">
-        <a:lnSpc>
-          <a:spcPct val="90000"/>
-        </a:lnSpc>
+      <a:lvl7pPr marL="1603375" indent="-228600" algn="l" defTabSz="914400" rtl="0" eaLnBrk="1" latinLnBrk="0" hangingPunct="1">
         <a:spcBef>
-          <a:spcPts val="500"/>
+          <a:spcPct val="20000"/>
         </a:spcBef>
-        <a:buFont typeface="Arial" panose="020B0604020202020204" pitchFamily="34" charset="0"/>
-        <a:buChar char="•"/>
-        <a:defRPr sz="1800" kern="1200">
+        <a:buClr>
+          <a:schemeClr val="accent1"/>
+        </a:buClr>
+        <a:buSzPct val="75000"/>
+        <a:buFont typeface="Wingdings" pitchFamily="2" charset="2"/>
+        <a:buChar char=""/>
+        <a:defRPr lang="en-US" sz="1800" kern="1200" baseline="0" dirty="0" smtClean="0">
           <a:solidFill>
-            <a:schemeClr val="tx1"/>
+            <a:schemeClr val="tx1">
+              <a:lumMod val="65000"/>
+              <a:lumOff val="35000"/>
+            </a:schemeClr>
           </a:solidFill>
           <a:latin typeface="+mn-lt"/>
           <a:ea typeface="+mn-ea"/>
           <a:cs typeface="+mn-cs"/>
         </a:defRPr>
       </a:lvl7pPr>
-      <a:lvl8pPr marL="3429000" indent="-228600" algn="l" defTabSz="914400" rtl="0" eaLnBrk="1" latinLnBrk="0" hangingPunct="1">
-        <a:lnSpc>
-          <a:spcPct val="90000"/>
-        </a:lnSpc>
+      <a:lvl8pPr marL="1830388" indent="-228600" algn="l" defTabSz="914400" rtl="0" eaLnBrk="1" latinLnBrk="0" hangingPunct="1">
         <a:spcBef>
-          <a:spcPts val="500"/>
+          <a:spcPct val="20000"/>
         </a:spcBef>
-        <a:buFont typeface="Arial" panose="020B0604020202020204" pitchFamily="34" charset="0"/>
-        <a:buChar char="•"/>
-        <a:defRPr sz="1800" kern="1200">
+        <a:buClr>
+          <a:schemeClr val="accent1">
+            <a:lumMod val="60000"/>
+            <a:lumOff val="40000"/>
+          </a:schemeClr>
+        </a:buClr>
+        <a:buSzPct val="75000"/>
+        <a:buFont typeface="Wingdings" pitchFamily="2" charset="2"/>
+        <a:buChar char=""/>
+        <a:defRPr lang="en-US" sz="1800" kern="1200" baseline="0" dirty="0" smtClean="0">
           <a:solidFill>
-            <a:schemeClr val="tx1"/>
+            <a:schemeClr val="tx1">
+              <a:lumMod val="65000"/>
+              <a:lumOff val="35000"/>
+            </a:schemeClr>
           </a:solidFill>
           <a:latin typeface="+mn-lt"/>
           <a:ea typeface="+mn-ea"/>
           <a:cs typeface="+mn-cs"/>
         </a:defRPr>
       </a:lvl8pPr>
-      <a:lvl9pPr marL="3886200" indent="-228600" algn="l" defTabSz="914400" rtl="0" eaLnBrk="1" latinLnBrk="0" hangingPunct="1">
-        <a:lnSpc>
-          <a:spcPct val="90000"/>
-        </a:lnSpc>
+      <a:lvl9pPr marL="2057400" indent="-228600" algn="l" defTabSz="914400" rtl="0" eaLnBrk="1" latinLnBrk="0" hangingPunct="1">
         <a:spcBef>
-          <a:spcPts val="500"/>
+          <a:spcPct val="20000"/>
         </a:spcBef>
-        <a:buFont typeface="Arial" panose="020B0604020202020204" pitchFamily="34" charset="0"/>
-        <a:buChar char="•"/>
-        <a:defRPr sz="1800" kern="1200">
+        <a:buClr>
+          <a:schemeClr val="accent1"/>
+        </a:buClr>
+        <a:buSzPct val="75000"/>
+        <a:buFont typeface="Wingdings" pitchFamily="2" charset="2"/>
+        <a:buChar char=""/>
+        <a:defRPr lang="en-US" sz="1800" kern="1200" baseline="0" dirty="0">
           <a:solidFill>
-            <a:schemeClr val="tx1"/>
+            <a:schemeClr val="tx1">
+              <a:lumMod val="65000"/>
+              <a:lumOff val="35000"/>
+            </a:schemeClr>
           </a:solidFill>
           <a:latin typeface="+mn-lt"/>
           <a:ea typeface="+mn-ea"/>
@@ -2858,7 +8309,7 @@
     </p:bodyStyle>
     <p:otherStyle>
       <a:defPPr>
-        <a:defRPr lang="en-US"/>
+        <a:defRPr/>
       </a:defPPr>
       <a:lvl1pPr marL="0" algn="l" defTabSz="914400" rtl="0" eaLnBrk="1" latinLnBrk="0" hangingPunct="1">
         <a:defRPr sz="1800" kern="1200">
@@ -2985,7 +8436,7 @@
         <p:spPr/>
         <p:txBody>
           <a:bodyPr>
-            <a:normAutofit/>
+            <a:normAutofit fontScale="90000"/>
           </a:bodyPr>
           <a:lstStyle/>
           <a:p>
@@ -3058,7 +8509,7 @@
   <p:timing>
     <p:tnLst>
       <p:par>
-        <p:cTn id="1" dur="indefinite" restart="never" nodeType="tmRoot"/>
+        <p:cTn xmlns:p14="http://schemas.microsoft.com/office/powerpoint/2010/main" id="1" dur="indefinite" restart="never" nodeType="tmRoot"/>
       </p:par>
     </p:tnLst>
   </p:timing>
@@ -3229,7 +8680,7 @@
           <a:noFill/>
           <a:extLst>
             <a:ext uri="{909E8E84-426E-40dd-AFC4-6F175D3DCCD1}">
-              <a14:hiddenFill xmlns:a14="http://schemas.microsoft.com/office/drawing/2010/main" xmlns="">
+              <a14:hiddenFill xmlns:a14="http://schemas.microsoft.com/office/drawing/2010/main">
                 <a:solidFill>
                   <a:srgbClr val="FFFFFF"/>
                 </a:solidFill>
@@ -3421,7 +8872,7 @@
           </a:prstGeom>
           <a:noFill/>
           <a:extLst>
-            <a:ext uri="{909E8E84-426E-40DD-AFC4-6F175D3DCCD1}">
+            <a:ext uri="{909E8E84-426E-40dd-AFC4-6F175D3DCCD1}">
               <a14:hiddenFill xmlns:a14="http://schemas.microsoft.com/office/drawing/2010/main">
                 <a:solidFill>
                   <a:srgbClr val="FFFFFF"/>
@@ -3444,7 +8895,7 @@
   <p:timing>
     <p:tnLst>
       <p:par>
-        <p:cTn id="1" dur="indefinite" restart="never" nodeType="tmRoot"/>
+        <p:cTn xmlns:p14="http://schemas.microsoft.com/office/powerpoint/2010/main" id="1" dur="indefinite" restart="never" nodeType="tmRoot"/>
       </p:par>
     </p:tnLst>
   </p:timing>
@@ -3546,7 +8997,7 @@
           <a:noFill/>
           <a:extLst>
             <a:ext uri="{909E8E84-426E-40dd-AFC4-6F175D3DCCD1}">
-              <a14:hiddenFill xmlns:a14="http://schemas.microsoft.com/office/drawing/2010/main" xmlns="">
+              <a14:hiddenFill xmlns:a14="http://schemas.microsoft.com/office/drawing/2010/main">
                 <a:solidFill>
                   <a:srgbClr val="FFFFFF"/>
                 </a:solidFill>
@@ -3738,7 +9189,7 @@
           </a:prstGeom>
           <a:noFill/>
           <a:extLst>
-            <a:ext uri="{909E8E84-426E-40DD-AFC4-6F175D3DCCD1}">
+            <a:ext uri="{909E8E84-426E-40dd-AFC4-6F175D3DCCD1}">
               <a14:hiddenFill xmlns:a14="http://schemas.microsoft.com/office/drawing/2010/main">
                 <a:solidFill>
                   <a:srgbClr val="FFFFFF"/>
@@ -3779,7 +9230,7 @@
           </a:prstGeom>
           <a:noFill/>
           <a:extLst>
-            <a:ext uri="{909E8E84-426E-40DD-AFC4-6F175D3DCCD1}">
+            <a:ext uri="{909E8E84-426E-40dd-AFC4-6F175D3DCCD1}">
               <a14:hiddenFill xmlns:a14="http://schemas.microsoft.com/office/drawing/2010/main">
                 <a:solidFill>
                   <a:srgbClr val="FFFFFF"/>
@@ -3802,7 +9253,7 @@
   <p:timing>
     <p:tnLst>
       <p:par>
-        <p:cTn id="1" dur="indefinite" restart="never" nodeType="tmRoot"/>
+        <p:cTn xmlns:p14="http://schemas.microsoft.com/office/powerpoint/2010/main" id="1" dur="indefinite" restart="never" nodeType="tmRoot"/>
       </p:par>
     </p:tnLst>
   </p:timing>
@@ -3904,7 +9355,7 @@
           <a:noFill/>
           <a:extLst>
             <a:ext uri="{909E8E84-426E-40dd-AFC4-6F175D3DCCD1}">
-              <a14:hiddenFill xmlns:a14="http://schemas.microsoft.com/office/drawing/2010/main" xmlns="">
+              <a14:hiddenFill xmlns:a14="http://schemas.microsoft.com/office/drawing/2010/main">
                 <a:solidFill>
                   <a:srgbClr val="FFFFFF"/>
                 </a:solidFill>
@@ -4096,7 +9547,7 @@
           </a:prstGeom>
           <a:noFill/>
           <a:extLst>
-            <a:ext uri="{909E8E84-426E-40DD-AFC4-6F175D3DCCD1}">
+            <a:ext uri="{909E8E84-426E-40dd-AFC4-6F175D3DCCD1}">
               <a14:hiddenFill xmlns:a14="http://schemas.microsoft.com/office/drawing/2010/main">
                 <a:solidFill>
                   <a:srgbClr val="FFFFFF"/>
@@ -4137,7 +9588,7 @@
           </a:prstGeom>
           <a:noFill/>
           <a:extLst>
-            <a:ext uri="{909E8E84-426E-40DD-AFC4-6F175D3DCCD1}">
+            <a:ext uri="{909E8E84-426E-40dd-AFC4-6F175D3DCCD1}">
               <a14:hiddenFill xmlns:a14="http://schemas.microsoft.com/office/drawing/2010/main">
                 <a:solidFill>
                   <a:srgbClr val="FFFFFF"/>
@@ -4178,7 +9629,7 @@
           </a:prstGeom>
           <a:noFill/>
           <a:extLst>
-            <a:ext uri="{909E8E84-426E-40DD-AFC4-6F175D3DCCD1}">
+            <a:ext uri="{909E8E84-426E-40dd-AFC4-6F175D3DCCD1}">
               <a14:hiddenFill xmlns:a14="http://schemas.microsoft.com/office/drawing/2010/main">
                 <a:solidFill>
                   <a:srgbClr val="FFFFFF"/>
@@ -4201,7 +9652,7 @@
   <p:timing>
     <p:tnLst>
       <p:par>
-        <p:cTn id="1" dur="indefinite" restart="never" nodeType="tmRoot"/>
+        <p:cTn xmlns:p14="http://schemas.microsoft.com/office/powerpoint/2010/main" id="1" dur="indefinite" restart="never" nodeType="tmRoot"/>
       </p:par>
     </p:tnLst>
   </p:timing>
@@ -4303,7 +9754,7 @@
           <a:noFill/>
           <a:extLst>
             <a:ext uri="{909E8E84-426E-40dd-AFC4-6F175D3DCCD1}">
-              <a14:hiddenFill xmlns:a14="http://schemas.microsoft.com/office/drawing/2010/main" xmlns="">
+              <a14:hiddenFill xmlns:a14="http://schemas.microsoft.com/office/drawing/2010/main">
                 <a:solidFill>
                   <a:srgbClr val="FFFFFF"/>
                 </a:solidFill>
@@ -4495,7 +9946,7 @@
           </a:prstGeom>
           <a:noFill/>
           <a:extLst>
-            <a:ext uri="{909E8E84-426E-40DD-AFC4-6F175D3DCCD1}">
+            <a:ext uri="{909E8E84-426E-40dd-AFC4-6F175D3DCCD1}">
               <a14:hiddenFill xmlns:a14="http://schemas.microsoft.com/office/drawing/2010/main">
                 <a:solidFill>
                   <a:srgbClr val="FFFFFF"/>
@@ -4536,7 +9987,7 @@
           </a:prstGeom>
           <a:noFill/>
           <a:extLst>
-            <a:ext uri="{909E8E84-426E-40DD-AFC4-6F175D3DCCD1}">
+            <a:ext uri="{909E8E84-426E-40dd-AFC4-6F175D3DCCD1}">
               <a14:hiddenFill xmlns:a14="http://schemas.microsoft.com/office/drawing/2010/main">
                 <a:solidFill>
                   <a:srgbClr val="FFFFFF"/>
@@ -4575,7 +10026,7 @@
           </a:prstGeom>
           <a:noFill/>
           <a:extLst>
-            <a:ext uri="{909E8E84-426E-40DD-AFC4-6F175D3DCCD1}">
+            <a:ext uri="{909E8E84-426E-40dd-AFC4-6F175D3DCCD1}">
               <a14:hiddenFill xmlns:a14="http://schemas.microsoft.com/office/drawing/2010/main">
                 <a:solidFill>
                   <a:srgbClr val="FFFFFF"/>
@@ -4598,7 +10049,7 @@
   <p:timing>
     <p:tnLst>
       <p:par>
-        <p:cTn id="1" dur="indefinite" restart="never" nodeType="tmRoot"/>
+        <p:cTn xmlns:p14="http://schemas.microsoft.com/office/powerpoint/2010/main" id="1" dur="indefinite" restart="never" nodeType="tmRoot"/>
       </p:par>
     </p:tnLst>
   </p:timing>
@@ -4700,7 +10151,7 @@
           <a:noFill/>
           <a:extLst>
             <a:ext uri="{909E8E84-426E-40dd-AFC4-6F175D3DCCD1}">
-              <a14:hiddenFill xmlns:a14="http://schemas.microsoft.com/office/drawing/2010/main" xmlns="">
+              <a14:hiddenFill xmlns:a14="http://schemas.microsoft.com/office/drawing/2010/main">
                 <a:solidFill>
                   <a:srgbClr val="FFFFFF"/>
                 </a:solidFill>
@@ -4892,7 +10343,7 @@
           </a:prstGeom>
           <a:noFill/>
           <a:extLst>
-            <a:ext uri="{909E8E84-426E-40DD-AFC4-6F175D3DCCD1}">
+            <a:ext uri="{909E8E84-426E-40dd-AFC4-6F175D3DCCD1}">
               <a14:hiddenFill xmlns:a14="http://schemas.microsoft.com/office/drawing/2010/main">
                 <a:solidFill>
                   <a:srgbClr val="FFFFFF"/>
@@ -4931,7 +10382,7 @@
           </a:prstGeom>
           <a:noFill/>
           <a:extLst>
-            <a:ext uri="{909E8E84-426E-40DD-AFC4-6F175D3DCCD1}">
+            <a:ext uri="{909E8E84-426E-40dd-AFC4-6F175D3DCCD1}">
               <a14:hiddenFill xmlns:a14="http://schemas.microsoft.com/office/drawing/2010/main">
                 <a:solidFill>
                   <a:srgbClr val="FFFFFF"/>
@@ -4972,7 +10423,7 @@
           </a:prstGeom>
           <a:noFill/>
           <a:extLst>
-            <a:ext uri="{909E8E84-426E-40DD-AFC4-6F175D3DCCD1}">
+            <a:ext uri="{909E8E84-426E-40dd-AFC4-6F175D3DCCD1}">
               <a14:hiddenFill xmlns:a14="http://schemas.microsoft.com/office/drawing/2010/main">
                 <a:solidFill>
                   <a:srgbClr val="FFFFFF"/>
@@ -5033,7 +10484,7 @@
   <p:timing>
     <p:tnLst>
       <p:par>
-        <p:cTn id="1" dur="indefinite" restart="never" nodeType="tmRoot"/>
+        <p:cTn xmlns:p14="http://schemas.microsoft.com/office/powerpoint/2010/main" id="1" dur="indefinite" restart="never" nodeType="tmRoot"/>
       </p:par>
     </p:tnLst>
   </p:timing>
@@ -5153,7 +10604,7 @@
           </a:prstGeom>
           <a:noFill/>
           <a:extLst>
-            <a:ext uri="{909E8E84-426E-40DD-AFC4-6F175D3DCCD1}">
+            <a:ext uri="{909E8E84-426E-40dd-AFC4-6F175D3DCCD1}">
               <a14:hiddenFill xmlns:a14="http://schemas.microsoft.com/office/drawing/2010/main">
                 <a:solidFill>
                   <a:srgbClr val="FFFFFF"/>
@@ -5232,7 +10683,7 @@
           </a:prstGeom>
           <a:noFill/>
           <a:extLst>
-            <a:ext uri="{909E8E84-426E-40DD-AFC4-6F175D3DCCD1}">
+            <a:ext uri="{909E8E84-426E-40dd-AFC4-6F175D3DCCD1}">
               <a14:hiddenFill xmlns:a14="http://schemas.microsoft.com/office/drawing/2010/main">
                 <a:solidFill>
                   <a:srgbClr val="FFFFFF"/>
@@ -5525,7 +10976,7 @@
           </a:prstGeom>
           <a:noFill/>
           <a:extLst>
-            <a:ext uri="{909E8E84-426E-40DD-AFC4-6F175D3DCCD1}">
+            <a:ext uri="{909E8E84-426E-40dd-AFC4-6F175D3DCCD1}">
               <a14:hiddenFill xmlns:a14="http://schemas.microsoft.com/office/drawing/2010/main">
                 <a:solidFill>
                   <a:srgbClr val="FFFFFF"/>
@@ -5895,9 +11346,9 @@
 </file>
 
 <file path=ppt/theme/theme1.xml><?xml version="1.0" encoding="utf-8"?>
-<a:theme xmlns:a="http://schemas.openxmlformats.org/drawingml/2006/main" name="Office Theme">
+<a:theme xmlns:a="http://schemas.openxmlformats.org/drawingml/2006/main" name="Advantage">
   <a:themeElements>
-    <a:clrScheme name="Office">
+    <a:clrScheme name="Advantage">
       <a:dk1>
         <a:sysClr val="windowText" lastClr="000000"/>
       </a:dk1>
@@ -5905,109 +11356,55 @@
         <a:sysClr val="window" lastClr="FFFFFF"/>
       </a:lt1>
       <a:dk2>
-        <a:srgbClr val="44546A"/>
+        <a:srgbClr val="2B142D"/>
       </a:dk2>
       <a:lt2>
-        <a:srgbClr val="E7E6E6"/>
+        <a:srgbClr val="C3AFCC"/>
       </a:lt2>
       <a:accent1>
-        <a:srgbClr val="5B9BD5"/>
+        <a:srgbClr val="663366"/>
       </a:accent1>
       <a:accent2>
-        <a:srgbClr val="ED7D31"/>
+        <a:srgbClr val="330F42"/>
       </a:accent2>
       <a:accent3>
-        <a:srgbClr val="A5A5A5"/>
+        <a:srgbClr val="666699"/>
       </a:accent3>
       <a:accent4>
-        <a:srgbClr val="FFC000"/>
+        <a:srgbClr val="999966"/>
       </a:accent4>
       <a:accent5>
-        <a:srgbClr val="4472C4"/>
+        <a:srgbClr val="F7901E"/>
       </a:accent5>
       <a:accent6>
-        <a:srgbClr val="70AD47"/>
+        <a:srgbClr val="A3A101"/>
       </a:accent6>
       <a:hlink>
-        <a:srgbClr val="0563C1"/>
+        <a:srgbClr val="BC5FBC"/>
       </a:hlink>
       <a:folHlink>
-        <a:srgbClr val="954F72"/>
+        <a:srgbClr val="9775A7"/>
       </a:folHlink>
     </a:clrScheme>
-    <a:fontScheme name="Office">
+    <a:fontScheme name="Advantage">
       <a:majorFont>
-        <a:latin typeface="Calibri Light" panose="020F0302020204030204"/>
+        <a:latin typeface="Rockwell"/>
         <a:ea typeface=""/>
         <a:cs typeface=""/>
-        <a:font script="Jpan" typeface="ＭＳ Ｐゴシック"/>
-        <a:font script="Hang" typeface="맑은 고딕"/>
+        <a:font script="Jpan" typeface="ＭＳ ゴシック"/>
         <a:font script="Hans" typeface="宋体"/>
         <a:font script="Hant" typeface="新細明體"/>
-        <a:font script="Arab" typeface="Times New Roman"/>
-        <a:font script="Hebr" typeface="Times New Roman"/>
-        <a:font script="Thai" typeface="Angsana New"/>
-        <a:font script="Ethi" typeface="Nyala"/>
-        <a:font script="Beng" typeface="Vrinda"/>
-        <a:font script="Gujr" typeface="Shruti"/>
-        <a:font script="Khmr" typeface="MoolBoran"/>
-        <a:font script="Knda" typeface="Tunga"/>
-        <a:font script="Guru" typeface="Raavi"/>
-        <a:font script="Cans" typeface="Euphemia"/>
-        <a:font script="Cher" typeface="Plantagenet Cherokee"/>
-        <a:font script="Yiii" typeface="Microsoft Yi Baiti"/>
-        <a:font script="Tibt" typeface="Microsoft Himalaya"/>
-        <a:font script="Thaa" typeface="MV Boli"/>
-        <a:font script="Deva" typeface="Mangal"/>
-        <a:font script="Telu" typeface="Gautami"/>
-        <a:font script="Taml" typeface="Latha"/>
-        <a:font script="Syrc" typeface="Estrangelo Edessa"/>
-        <a:font script="Orya" typeface="Kalinga"/>
-        <a:font script="Mlym" typeface="Kartika"/>
-        <a:font script="Laoo" typeface="DokChampa"/>
-        <a:font script="Sinh" typeface="Iskoola Pota"/>
-        <a:font script="Mong" typeface="Mongolian Baiti"/>
-        <a:font script="Viet" typeface="Times New Roman"/>
-        <a:font script="Uigh" typeface="Microsoft Uighur"/>
-        <a:font script="Geor" typeface="Sylfaen"/>
       </a:majorFont>
       <a:minorFont>
-        <a:latin typeface="Calibri" panose="020F0502020204030204"/>
+        <a:latin typeface="Rockwell"/>
         <a:ea typeface=""/>
         <a:cs typeface=""/>
-        <a:font script="Jpan" typeface="ＭＳ Ｐゴシック"/>
-        <a:font script="Hang" typeface="맑은 고딕"/>
+        <a:font script="Jpan" typeface="ＭＳ ゴシック"/>
         <a:font script="Hans" typeface="宋体"/>
         <a:font script="Hant" typeface="新細明體"/>
-        <a:font script="Arab" typeface="Arial"/>
-        <a:font script="Hebr" typeface="Arial"/>
-        <a:font script="Thai" typeface="Cordia New"/>
-        <a:font script="Ethi" typeface="Nyala"/>
-        <a:font script="Beng" typeface="Vrinda"/>
-        <a:font script="Gujr" typeface="Shruti"/>
-        <a:font script="Khmr" typeface="DaunPenh"/>
-        <a:font script="Knda" typeface="Tunga"/>
-        <a:font script="Guru" typeface="Raavi"/>
-        <a:font script="Cans" typeface="Euphemia"/>
-        <a:font script="Cher" typeface="Plantagenet Cherokee"/>
-        <a:font script="Yiii" typeface="Microsoft Yi Baiti"/>
-        <a:font script="Tibt" typeface="Microsoft Himalaya"/>
-        <a:font script="Thaa" typeface="MV Boli"/>
-        <a:font script="Deva" typeface="Mangal"/>
-        <a:font script="Telu" typeface="Gautami"/>
-        <a:font script="Taml" typeface="Latha"/>
-        <a:font script="Syrc" typeface="Estrangelo Edessa"/>
-        <a:font script="Orya" typeface="Kalinga"/>
-        <a:font script="Mlym" typeface="Kartika"/>
-        <a:font script="Laoo" typeface="DokChampa"/>
-        <a:font script="Sinh" typeface="Iskoola Pota"/>
-        <a:font script="Mong" typeface="Mongolian Baiti"/>
-        <a:font script="Viet" typeface="Arial"/>
-        <a:font script="Uigh" typeface="Microsoft Uighur"/>
-        <a:font script="Geor" typeface="Sylfaen"/>
       </a:minorFont>
     </a:fontScheme>
-    <a:fmtScheme name="Office">
+    <a:fmtScheme name="Advantage">
       <a:fillStyleLst>
         <a:solidFill>
           <a:schemeClr val="phClr"/>
@@ -6016,76 +11413,69 @@
           <a:gsLst>
             <a:gs pos="0">
               <a:schemeClr val="phClr">
-                <a:lumMod val="110000"/>
-                <a:satMod val="105000"/>
-                <a:tint val="67000"/>
-              </a:schemeClr>
-            </a:gs>
-            <a:gs pos="50000">
-              <a:schemeClr val="phClr">
-                <a:lumMod val="105000"/>
-                <a:satMod val="103000"/>
-                <a:tint val="73000"/>
+                <a:tint val="100000"/>
+                <a:shade val="40000"/>
+                <a:alpha val="100000"/>
+                <a:satMod val="150000"/>
+                <a:lumMod val="100000"/>
               </a:schemeClr>
             </a:gs>
             <a:gs pos="100000">
               <a:schemeClr val="phClr">
-                <a:lumMod val="105000"/>
-                <a:satMod val="109000"/>
-                <a:tint val="81000"/>
+                <a:tint val="70000"/>
+                <a:shade val="100000"/>
+                <a:alpha val="100000"/>
+                <a:satMod val="200000"/>
+                <a:lumMod val="100000"/>
               </a:schemeClr>
             </a:gs>
           </a:gsLst>
-          <a:lin ang="5400000" scaled="0"/>
+          <a:lin ang="6000000" scaled="1"/>
         </a:gradFill>
         <a:gradFill rotWithShape="1">
           <a:gsLst>
             <a:gs pos="0">
               <a:schemeClr val="phClr">
-                <a:satMod val="103000"/>
-                <a:lumMod val="102000"/>
-                <a:tint val="94000"/>
-              </a:schemeClr>
-            </a:gs>
-            <a:gs pos="50000">
-              <a:schemeClr val="phClr">
-                <a:satMod val="110000"/>
+                <a:shade val="40000"/>
+                <a:alpha val="100000"/>
+                <a:satMod val="150000"/>
                 <a:lumMod val="100000"/>
-                <a:shade val="100000"/>
               </a:schemeClr>
             </a:gs>
             <a:gs pos="100000">
               <a:schemeClr val="phClr">
-                <a:lumMod val="99000"/>
-                <a:satMod val="120000"/>
-                <a:shade val="78000"/>
+                <a:tint val="70000"/>
+                <a:shade val="100000"/>
+                <a:alpha val="100000"/>
+                <a:satMod val="200000"/>
+                <a:lumMod val="100000"/>
               </a:schemeClr>
             </a:gs>
           </a:gsLst>
-          <a:lin ang="5400000" scaled="0"/>
+          <a:lin ang="5400000" scaled="1"/>
         </a:gradFill>
       </a:fillStyleLst>
       <a:lnStyleLst>
-        <a:ln w="6350" cap="flat" cmpd="sng" algn="ctr">
+        <a:ln w="12700" cap="flat" cmpd="sng" algn="ctr">
+          <a:solidFill>
+            <a:schemeClr val="phClr">
+              <a:shade val="95000"/>
+              <a:satMod val="105000"/>
+            </a:schemeClr>
+          </a:solidFill>
+          <a:prstDash val="solid"/>
+        </a:ln>
+        <a:ln w="25400" cap="flat" cmpd="sng" algn="ctr">
           <a:solidFill>
             <a:schemeClr val="phClr"/>
           </a:solidFill>
           <a:prstDash val="solid"/>
-          <a:miter lim="800000"/>
         </a:ln>
-        <a:ln w="12700" cap="flat" cmpd="sng" algn="ctr">
+        <a:ln w="38100" cap="flat" cmpd="sng" algn="ctr">
           <a:solidFill>
             <a:schemeClr val="phClr"/>
           </a:solidFill>
           <a:prstDash val="solid"/>
-          <a:miter lim="800000"/>
-        </a:ln>
-        <a:ln w="19050" cap="flat" cmpd="sng" algn="ctr">
-          <a:solidFill>
-            <a:schemeClr val="phClr"/>
-          </a:solidFill>
-          <a:prstDash val="solid"/>
-          <a:miter lim="800000"/>
         </a:ln>
       </a:lnStyleLst>
       <a:effectStyleLst>
@@ -6093,64 +11483,130 @@
           <a:effectLst/>
         </a:effectStyle>
         <a:effectStyle>
-          <a:effectLst/>
-        </a:effectStyle>
-        <a:effectStyle>
           <a:effectLst>
-            <a:outerShdw blurRad="57150" dist="19050" dir="5400000" algn="ctr" rotWithShape="0">
-              <a:srgbClr val="000000">
-                <a:alpha val="63000"/>
+            <a:innerShdw blurRad="50800" dist="25400" dir="13500000">
+              <a:srgbClr val="FFFFFF">
+                <a:alpha val="75000"/>
+              </a:srgbClr>
+            </a:innerShdw>
+            <a:outerShdw blurRad="63500" dist="25400" dir="5400000" rotWithShape="0">
+              <a:srgbClr val="808080">
+                <a:alpha val="75000"/>
               </a:srgbClr>
             </a:outerShdw>
           </a:effectLst>
+        </a:effectStyle>
+        <a:effectStyle>
+          <a:effectLst/>
+          <a:scene3d>
+            <a:camera prst="orthographicFront">
+              <a:rot lat="0" lon="0" rev="0"/>
+            </a:camera>
+            <a:lightRig rig="twoPt" dir="tl">
+              <a:rot lat="0" lon="0" rev="4500000"/>
+            </a:lightRig>
+          </a:scene3d>
+          <a:sp3d>
+            <a:bevelT w="63500" h="50800"/>
+          </a:sp3d>
         </a:effectStyle>
       </a:effectStyleLst>
       <a:bgFillStyleLst>
         <a:solidFill>
           <a:schemeClr val="phClr"/>
         </a:solidFill>
-        <a:solidFill>
-          <a:schemeClr val="phClr">
-            <a:tint val="95000"/>
-            <a:satMod val="170000"/>
-          </a:schemeClr>
-        </a:solidFill>
         <a:gradFill rotWithShape="1">
           <a:gsLst>
             <a:gs pos="0">
               <a:schemeClr val="phClr">
-                <a:tint val="93000"/>
+                <a:tint val="40000"/>
                 <a:satMod val="150000"/>
-                <a:shade val="98000"/>
-                <a:lumMod val="102000"/>
               </a:schemeClr>
             </a:gs>
-            <a:gs pos="50000">
+            <a:gs pos="40000">
               <a:schemeClr val="phClr">
-                <a:tint val="98000"/>
-                <a:satMod val="130000"/>
-                <a:shade val="90000"/>
-                <a:lumMod val="103000"/>
+                <a:tint val="45000"/>
+                <a:shade val="99000"/>
+                <a:satMod val="350000"/>
               </a:schemeClr>
             </a:gs>
             <a:gs pos="100000">
               <a:schemeClr val="phClr">
-                <a:shade val="63000"/>
-                <a:satMod val="120000"/>
+                <a:shade val="20000"/>
+                <a:satMod val="255000"/>
               </a:schemeClr>
             </a:gs>
           </a:gsLst>
-          <a:lin ang="5400000" scaled="0"/>
+          <a:path path="circle">
+            <a:fillToRect l="50000" t="-80000" r="50000" b="180000"/>
+          </a:path>
+        </a:gradFill>
+        <a:gradFill rotWithShape="1">
+          <a:gsLst>
+            <a:gs pos="0">
+              <a:schemeClr val="phClr">
+                <a:tint val="80000"/>
+                <a:satMod val="300000"/>
+              </a:schemeClr>
+            </a:gs>
+            <a:gs pos="100000">
+              <a:schemeClr val="phClr">
+                <a:shade val="30000"/>
+                <a:satMod val="200000"/>
+              </a:schemeClr>
+            </a:gs>
+          </a:gsLst>
+          <a:path path="circle">
+            <a:fillToRect l="50000" t="50000" r="50000" b="50000"/>
+          </a:path>
         </a:gradFill>
       </a:bgFillStyleLst>
     </a:fmtScheme>
   </a:themeElements>
-  <a:objectDefaults/>
+  <a:objectDefaults>
+    <a:spDef>
+      <a:spPr/>
+      <a:bodyPr rtlCol="0" anchor="ctr"/>
+      <a:lstStyle>
+        <a:defPPr algn="ctr">
+          <a:defRPr/>
+        </a:defPPr>
+      </a:lstStyle>
+      <a:style>
+        <a:lnRef idx="1">
+          <a:schemeClr val="accent1"/>
+        </a:lnRef>
+        <a:fillRef idx="3">
+          <a:schemeClr val="accent1"/>
+        </a:fillRef>
+        <a:effectRef idx="2">
+          <a:schemeClr val="accent1"/>
+        </a:effectRef>
+        <a:fontRef idx="minor">
+          <a:schemeClr val="lt1"/>
+        </a:fontRef>
+      </a:style>
+    </a:spDef>
+    <a:lnDef>
+      <a:spPr/>
+      <a:bodyPr/>
+      <a:lstStyle/>
+      <a:style>
+        <a:lnRef idx="2">
+          <a:schemeClr val="accent1"/>
+        </a:lnRef>
+        <a:fillRef idx="0">
+          <a:schemeClr val="accent1"/>
+        </a:fillRef>
+        <a:effectRef idx="1">
+          <a:schemeClr val="accent1"/>
+        </a:effectRef>
+        <a:fontRef idx="minor">
+          <a:schemeClr val="tx1"/>
+        </a:fontRef>
+      </a:style>
+    </a:lnDef>
+  </a:objectDefaults>
   <a:extraClrSchemeLst/>
-  <a:extLst>
-    <a:ext uri="{05A4C25C-085E-4340-85A3-A5531E510DB2}">
-      <thm15:themeFamily xmlns:thm15="http://schemas.microsoft.com/office/thememl/2012/main" name="Office Theme" id="{62F939B6-93AF-4DB8-9C6B-D6C7DFDC589F}" vid="{4A3C46E8-61CC-4603-A589-7422A47A8E4A}"/>
-    </a:ext>
-  </a:extLst>
 </a:theme>
 </file>
--- a/presentation/present1.pptx
+++ b/presentation/present1.pptx
@@ -5,7 +5,7 @@
     <p:sldMasterId id="2147483660" r:id="rId1"/>
   </p:sldMasterIdLst>
   <p:sldIdLst>
-    <p:sldId id="256" r:id="rId2"/>
+    <p:sldId id="266" r:id="rId2"/>
     <p:sldId id="257" r:id="rId3"/>
     <p:sldId id="258" r:id="rId4"/>
     <p:sldId id="260" r:id="rId5"/>
@@ -13,9 +13,11 @@
     <p:sldId id="261" r:id="rId7"/>
     <p:sldId id="264" r:id="rId8"/>
     <p:sldId id="262" r:id="rId9"/>
-    <p:sldId id="265" r:id="rId10"/>
+    <p:sldId id="267" r:id="rId10"/>
+    <p:sldId id="268" r:id="rId11"/>
+    <p:sldId id="265" r:id="rId12"/>
   </p:sldIdLst>
-  <p:sldSz cx="12192000" cy="6858000"/>
+  <p:sldSz cx="9144000" cy="6858000" type="screen4x3"/>
   <p:notesSz cx="6858000" cy="9144000"/>
   <p:defaultTextStyle>
     <a:defPPr>
@@ -112,6 +114,22 @@
       </a:defRPr>
     </a:lvl9pPr>
   </p:defaultTextStyle>
+  <p:extLst>
+    <p:ext uri="{EFAFB233-063F-42B5-8137-9DF3F51BA10A}">
+      <p15:sldGuideLst xmlns:p15="http://schemas.microsoft.com/office/powerpoint/2012/main">
+        <p15:guide id="1" orient="horz" pos="2160" userDrawn="1">
+          <p15:clr>
+            <a:srgbClr val="A4A3A4"/>
+          </p15:clr>
+        </p15:guide>
+        <p15:guide id="2" pos="2880" userDrawn="1">
+          <p15:clr>
+            <a:srgbClr val="A4A3A4"/>
+          </p15:clr>
+        </p15:guide>
+      </p15:sldGuideLst>
+    </p:ext>
+  </p:extLst>
 </p:presentation>
 </file>
 
@@ -144,8 +162,8 @@
         </p:nvSpPr>
         <p:spPr>
           <a:xfrm>
-            <a:off x="6400800" y="4624668"/>
-            <a:ext cx="5384800" cy="933450"/>
+            <a:off x="4800600" y="4624668"/>
+            <a:ext cx="4038600" cy="933450"/>
           </a:xfrm>
         </p:spPr>
         <p:txBody>
@@ -154,7 +172,7 @@
           </a:bodyPr>
           <a:lstStyle>
             <a:lvl1pPr>
-              <a:defRPr sz="2800"/>
+              <a:defRPr sz="2100"/>
             </a:lvl1pPr>
           </a:lstStyle>
           <a:p>
@@ -178,8 +196,8 @@
         </p:nvSpPr>
         <p:spPr>
           <a:xfrm>
-            <a:off x="6400800" y="5562600"/>
-            <a:ext cx="5384800" cy="748553"/>
+            <a:off x="4800600" y="5562601"/>
+            <a:ext cx="4038600" cy="748553"/>
           </a:xfrm>
         </p:spPr>
         <p:txBody>
@@ -189,10 +207,10 @@
           <a:lstStyle>
             <a:lvl1pPr marL="0" indent="0" algn="l">
               <a:spcBef>
-                <a:spcPts val="300"/>
+                <a:spcPts val="225"/>
               </a:spcBef>
               <a:buNone/>
-              <a:defRPr sz="1400">
+              <a:defRPr sz="1050">
                 <a:solidFill>
                   <a:schemeClr val="tx1">
                     <a:tint val="75000"/>
@@ -200,7 +218,7 @@
                 </a:solidFill>
               </a:defRPr>
             </a:lvl1pPr>
-            <a:lvl2pPr marL="457200" indent="0" algn="ctr">
+            <a:lvl2pPr marL="342900" indent="0" algn="ctr">
               <a:buNone/>
               <a:defRPr>
                 <a:solidFill>
@@ -210,7 +228,7 @@
                 </a:solidFill>
               </a:defRPr>
             </a:lvl2pPr>
-            <a:lvl3pPr marL="914400" indent="0" algn="ctr">
+            <a:lvl3pPr marL="685800" indent="0" algn="ctr">
               <a:buNone/>
               <a:defRPr>
                 <a:solidFill>
@@ -220,7 +238,7 @@
                 </a:solidFill>
               </a:defRPr>
             </a:lvl3pPr>
-            <a:lvl4pPr marL="1371600" indent="0" algn="ctr">
+            <a:lvl4pPr marL="1028700" indent="0" algn="ctr">
               <a:buNone/>
               <a:defRPr>
                 <a:solidFill>
@@ -230,7 +248,7 @@
                 </a:solidFill>
               </a:defRPr>
             </a:lvl4pPr>
-            <a:lvl5pPr marL="1828800" indent="0" algn="ctr">
+            <a:lvl5pPr marL="1371600" indent="0" algn="ctr">
               <a:buNone/>
               <a:defRPr>
                 <a:solidFill>
@@ -240,7 +258,7 @@
                 </a:solidFill>
               </a:defRPr>
             </a:lvl5pPr>
-            <a:lvl6pPr marL="2286000" indent="0" algn="ctr">
+            <a:lvl6pPr marL="1714500" indent="0" algn="ctr">
               <a:buNone/>
               <a:defRPr>
                 <a:solidFill>
@@ -250,7 +268,7 @@
                 </a:solidFill>
               </a:defRPr>
             </a:lvl6pPr>
-            <a:lvl7pPr marL="2743200" indent="0" algn="ctr">
+            <a:lvl7pPr marL="2057400" indent="0" algn="ctr">
               <a:buNone/>
               <a:defRPr>
                 <a:solidFill>
@@ -260,7 +278,7 @@
                 </a:solidFill>
               </a:defRPr>
             </a:lvl7pPr>
-            <a:lvl8pPr marL="3200400" indent="0" algn="ctr">
+            <a:lvl8pPr marL="2400300" indent="0" algn="ctr">
               <a:buNone/>
               <a:defRPr>
                 <a:solidFill>
@@ -270,7 +288,7 @@
                 </a:solidFill>
               </a:defRPr>
             </a:lvl8pPr>
-            <a:lvl9pPr marL="3657600" indent="0" algn="ctr">
+            <a:lvl9pPr marL="2743200" indent="0" algn="ctr">
               <a:buNone/>
               <a:defRPr>
                 <a:solidFill>
@@ -302,8 +320,8 @@
         </p:nvSpPr>
         <p:spPr>
           <a:xfrm>
-            <a:off x="6400801" y="6425641"/>
-            <a:ext cx="1643529" cy="365125"/>
+            <a:off x="4800601" y="6425642"/>
+            <a:ext cx="1232647" cy="365125"/>
           </a:xfrm>
         </p:spPr>
         <p:txBody>
@@ -316,7 +334,7 @@
           <a:p>
             <a:fld id="{FEDBF184-AE6A-41EB-BBCB-9F86DBF77364}" type="datetimeFigureOut">
               <a:rPr lang="en-US" smtClean="0"/>
-              <a:t>2/26/14</a:t>
+              <a:t>2/26/2014</a:t>
             </a:fld>
             <a:endParaRPr lang="en-US"/>
           </a:p>
@@ -334,8 +352,8 @@
         </p:nvSpPr>
         <p:spPr>
           <a:xfrm>
-            <a:off x="8414871" y="6425641"/>
-            <a:ext cx="3490259" cy="365125"/>
+            <a:off x="6311154" y="6425642"/>
+            <a:ext cx="2617694" cy="365125"/>
           </a:xfrm>
         </p:spPr>
         <p:txBody>
@@ -358,8 +376,8 @@
         </p:nvSpPr>
         <p:spPr>
           <a:xfrm>
-            <a:off x="376767" y="228600"/>
-            <a:ext cx="5647267" cy="4187952"/>
+            <a:off x="282576" y="228600"/>
+            <a:ext cx="4235450" cy="4187952"/>
           </a:xfrm>
           <a:prstGeom prst="rect">
             <a:avLst/>
@@ -392,7 +410,7 @@
           <a:lstStyle/>
           <a:p>
             <a:pPr algn="ctr"/>
-            <a:endParaRPr/>
+            <a:endParaRPr sz="1350"/>
           </a:p>
         </p:txBody>
       </p:sp>
@@ -404,8 +422,8 @@
         </p:nvSpPr>
         <p:spPr>
           <a:xfrm>
-            <a:off x="9069917" y="228600"/>
-            <a:ext cx="2743200" cy="2039112"/>
+            <a:off x="6802438" y="228600"/>
+            <a:ext cx="2057400" cy="2039112"/>
           </a:xfrm>
           <a:prstGeom prst="rect">
             <a:avLst/>
@@ -438,7 +456,7 @@
           <a:lstStyle/>
           <a:p>
             <a:pPr algn="ctr"/>
-            <a:endParaRPr/>
+            <a:endParaRPr sz="1350"/>
           </a:p>
         </p:txBody>
       </p:sp>
@@ -450,8 +468,8 @@
         </p:nvSpPr>
         <p:spPr>
           <a:xfrm>
-            <a:off x="6165851" y="2377440"/>
-            <a:ext cx="2743200" cy="2039112"/>
+            <a:off x="4624388" y="2377440"/>
+            <a:ext cx="2057400" cy="2039112"/>
           </a:xfrm>
           <a:prstGeom prst="rect">
             <a:avLst/>
@@ -483,8 +501,8 @@
           <a:bodyPr rtlCol="0" anchor="ctr"/>
           <a:lstStyle/>
           <a:p>
-            <a:pPr marL="0" algn="ctr" defTabSz="914400" rtl="0" eaLnBrk="1" latinLnBrk="0" hangingPunct="1"/>
-            <a:endParaRPr sz="1800" kern="1200">
+            <a:pPr marL="0" algn="ctr" defTabSz="685800" rtl="0" eaLnBrk="1" latinLnBrk="0" hangingPunct="1"/>
+            <a:endParaRPr sz="1350" kern="1200">
               <a:solidFill>
                 <a:schemeClr val="lt1"/>
               </a:solidFill>
@@ -503,8 +521,8 @@
         </p:nvSpPr>
         <p:spPr>
           <a:xfrm>
-            <a:off x="566522" y="174813"/>
-            <a:ext cx="551079" cy="830997"/>
+            <a:off x="424892" y="174813"/>
+            <a:ext cx="413309" cy="623248"/>
           </a:xfrm>
           <a:prstGeom prst="rect">
             <a:avLst/>
@@ -518,7 +536,7 @@
           <a:lstStyle/>
           <a:p>
             <a:r>
-              <a:rPr sz="5400" b="1">
+              <a:rPr sz="4050" b="1">
                 <a:solidFill>
                   <a:schemeClr val="accent1">
                     <a:lumMod val="60000"/>
@@ -539,8 +557,8 @@
         </p:nvSpPr>
         <p:spPr>
           <a:xfrm>
-            <a:off x="6165851" y="228600"/>
-            <a:ext cx="2743200" cy="2039112"/>
+            <a:off x="4624388" y="228600"/>
+            <a:ext cx="2057400" cy="2039112"/>
           </a:xfrm>
           <a:prstGeom prst="rect">
             <a:avLst/>
@@ -573,7 +591,7 @@
           <a:lstStyle/>
           <a:p>
             <a:pPr algn="ctr"/>
-            <a:endParaRPr/>
+            <a:endParaRPr sz="1350"/>
           </a:p>
         </p:txBody>
       </p:sp>
@@ -585,8 +603,8 @@
         </p:nvSpPr>
         <p:spPr>
           <a:xfrm>
-            <a:off x="9069917" y="2377440"/>
-            <a:ext cx="2743200" cy="2039112"/>
+            <a:off x="6802438" y="2377440"/>
+            <a:ext cx="2057400" cy="2039112"/>
           </a:xfrm>
           <a:prstGeom prst="rect">
             <a:avLst/>
@@ -619,7 +637,7 @@
           <a:lstStyle/>
           <a:p>
             <a:pPr algn="ctr"/>
-            <a:endParaRPr/>
+            <a:endParaRPr sz="1350"/>
           </a:p>
         </p:txBody>
       </p:sp>
@@ -656,8 +674,8 @@
         </p:nvSpPr>
         <p:spPr>
           <a:xfrm>
-            <a:off x="10889129" y="282574"/>
-            <a:ext cx="914400" cy="1600200"/>
+            <a:off x="8166847" y="282574"/>
+            <a:ext cx="685800" cy="1600200"/>
           </a:xfrm>
           <a:prstGeom prst="rect">
             <a:avLst/>
@@ -690,7 +708,7 @@
           <a:lstStyle/>
           <a:p>
             <a:pPr algn="ctr"/>
-            <a:endParaRPr/>
+            <a:endParaRPr sz="1350"/>
           </a:p>
         </p:txBody>
       </p:sp>
@@ -702,8 +720,8 @@
         </p:nvSpPr>
         <p:spPr>
           <a:xfrm>
-            <a:off x="297581" y="228600"/>
-            <a:ext cx="347879" cy="553998"/>
+            <a:off x="223186" y="228600"/>
+            <a:ext cx="260909" cy="415498"/>
           </a:xfrm>
           <a:prstGeom prst="rect">
             <a:avLst/>
@@ -717,7 +735,7 @@
           <a:lstStyle/>
           <a:p>
             <a:r>
-              <a:rPr sz="3600" b="1">
+              <a:rPr sz="2700" b="1">
                 <a:solidFill>
                   <a:schemeClr val="accent1">
                     <a:lumMod val="60000"/>
@@ -770,7 +788,7 @@
           <a:p>
             <a:fld id="{FEDBF184-AE6A-41EB-BBCB-9F86DBF77364}" type="datetimeFigureOut">
               <a:rPr lang="en-US" smtClean="0"/>
-              <a:t>2/26/14</a:t>
+              <a:t>2/26/2014</a:t>
             </a:fld>
             <a:endParaRPr lang="en-US"/>
           </a:p>
@@ -830,8 +848,8 @@
         </p:nvSpPr>
         <p:spPr>
           <a:xfrm>
-            <a:off x="670561" y="1985963"/>
-            <a:ext cx="4876551" cy="1965960"/>
+            <a:off x="502921" y="1985963"/>
+            <a:ext cx="3657413" cy="1965960"/>
           </a:xfrm>
         </p:spPr>
         <p:txBody>
@@ -840,31 +858,31 @@
           </a:bodyPr>
           <a:lstStyle>
             <a:lvl1pPr>
-              <a:defRPr sz="1800"/>
+              <a:defRPr sz="1350"/>
             </a:lvl1pPr>
             <a:lvl2pPr>
-              <a:defRPr sz="1800"/>
+              <a:defRPr sz="1350"/>
             </a:lvl2pPr>
             <a:lvl3pPr>
-              <a:defRPr sz="1800"/>
+              <a:defRPr sz="1350"/>
             </a:lvl3pPr>
             <a:lvl4pPr>
-              <a:defRPr sz="1800"/>
+              <a:defRPr sz="1350"/>
             </a:lvl4pPr>
             <a:lvl5pPr>
-              <a:defRPr sz="1800"/>
+              <a:defRPr sz="1350"/>
             </a:lvl5pPr>
             <a:lvl6pPr>
-              <a:defRPr sz="1800"/>
+              <a:defRPr sz="1350"/>
             </a:lvl6pPr>
             <a:lvl7pPr>
-              <a:defRPr sz="1800"/>
+              <a:defRPr sz="1350"/>
             </a:lvl7pPr>
             <a:lvl8pPr>
-              <a:defRPr sz="1800"/>
+              <a:defRPr sz="1350"/>
             </a:lvl8pPr>
             <a:lvl9pPr>
-              <a:defRPr sz="1800"/>
+              <a:defRPr sz="1350"/>
             </a:lvl9pPr>
           </a:lstStyle>
           <a:p>
@@ -917,8 +935,8 @@
         </p:nvSpPr>
         <p:spPr>
           <a:xfrm>
-            <a:off x="670561" y="4164965"/>
-            <a:ext cx="4876551" cy="1965960"/>
+            <a:off x="502921" y="4164965"/>
+            <a:ext cx="3657413" cy="1965960"/>
           </a:xfrm>
         </p:spPr>
         <p:txBody>
@@ -927,31 +945,31 @@
           </a:bodyPr>
           <a:lstStyle>
             <a:lvl1pPr>
-              <a:defRPr sz="1800"/>
+              <a:defRPr sz="1350"/>
             </a:lvl1pPr>
             <a:lvl2pPr>
-              <a:defRPr sz="1800"/>
+              <a:defRPr sz="1350"/>
             </a:lvl2pPr>
             <a:lvl3pPr>
-              <a:defRPr sz="1800"/>
+              <a:defRPr sz="1350"/>
             </a:lvl3pPr>
             <a:lvl4pPr>
-              <a:defRPr sz="1800"/>
+              <a:defRPr sz="1350"/>
             </a:lvl4pPr>
             <a:lvl5pPr>
-              <a:defRPr sz="1800"/>
+              <a:defRPr sz="1350"/>
             </a:lvl5pPr>
             <a:lvl6pPr>
-              <a:defRPr sz="1800"/>
+              <a:defRPr sz="1350"/>
             </a:lvl6pPr>
             <a:lvl7pPr>
-              <a:defRPr sz="1800"/>
+              <a:defRPr sz="1350"/>
             </a:lvl7pPr>
             <a:lvl8pPr>
-              <a:defRPr sz="1800"/>
+              <a:defRPr sz="1350"/>
             </a:lvl8pPr>
             <a:lvl9pPr>
-              <a:defRPr sz="1800"/>
+              <a:defRPr sz="1350"/>
             </a:lvl9pPr>
           </a:lstStyle>
           <a:p>
@@ -1004,8 +1022,8 @@
         </p:nvSpPr>
         <p:spPr>
           <a:xfrm>
-            <a:off x="5880100" y="1985963"/>
-            <a:ext cx="4876800" cy="1965960"/>
+            <a:off x="4410075" y="1985963"/>
+            <a:ext cx="3657600" cy="1965960"/>
           </a:xfrm>
         </p:spPr>
         <p:txBody>
@@ -1014,31 +1032,31 @@
           </a:bodyPr>
           <a:lstStyle>
             <a:lvl1pPr>
-              <a:defRPr sz="1800"/>
+              <a:defRPr sz="1350"/>
             </a:lvl1pPr>
             <a:lvl2pPr>
-              <a:defRPr sz="1800"/>
+              <a:defRPr sz="1350"/>
             </a:lvl2pPr>
             <a:lvl3pPr>
-              <a:defRPr sz="1800"/>
+              <a:defRPr sz="1350"/>
             </a:lvl3pPr>
             <a:lvl4pPr>
-              <a:defRPr sz="1800"/>
+              <a:defRPr sz="1350"/>
             </a:lvl4pPr>
             <a:lvl5pPr>
-              <a:defRPr sz="1800"/>
+              <a:defRPr sz="1350"/>
             </a:lvl5pPr>
             <a:lvl6pPr>
-              <a:defRPr sz="1800"/>
+              <a:defRPr sz="1350"/>
             </a:lvl6pPr>
             <a:lvl7pPr>
-              <a:defRPr sz="1800"/>
+              <a:defRPr sz="1350"/>
             </a:lvl7pPr>
             <a:lvl8pPr>
-              <a:defRPr sz="1800"/>
+              <a:defRPr sz="1350"/>
             </a:lvl8pPr>
             <a:lvl9pPr>
-              <a:defRPr sz="1800"/>
+              <a:defRPr sz="1350"/>
             </a:lvl9pPr>
           </a:lstStyle>
           <a:p>
@@ -1091,8 +1109,8 @@
         </p:nvSpPr>
         <p:spPr>
           <a:xfrm>
-            <a:off x="5880100" y="4169664"/>
-            <a:ext cx="4876800" cy="1965960"/>
+            <a:off x="4410075" y="4169664"/>
+            <a:ext cx="3657600" cy="1965960"/>
           </a:xfrm>
         </p:spPr>
         <p:txBody>
@@ -1101,31 +1119,31 @@
           </a:bodyPr>
           <a:lstStyle>
             <a:lvl1pPr>
-              <a:defRPr sz="1800"/>
+              <a:defRPr sz="1350"/>
             </a:lvl1pPr>
             <a:lvl2pPr>
-              <a:defRPr sz="1800"/>
+              <a:defRPr sz="1350"/>
             </a:lvl2pPr>
             <a:lvl3pPr>
-              <a:defRPr sz="1800"/>
+              <a:defRPr sz="1350"/>
             </a:lvl3pPr>
             <a:lvl4pPr>
-              <a:defRPr sz="1800"/>
+              <a:defRPr sz="1350"/>
             </a:lvl4pPr>
             <a:lvl5pPr>
-              <a:defRPr sz="1800"/>
+              <a:defRPr sz="1350"/>
             </a:lvl5pPr>
             <a:lvl6pPr>
-              <a:defRPr sz="1800"/>
+              <a:defRPr sz="1350"/>
             </a:lvl6pPr>
             <a:lvl7pPr>
-              <a:defRPr sz="1800"/>
+              <a:defRPr sz="1350"/>
             </a:lvl7pPr>
             <a:lvl8pPr>
-              <a:defRPr sz="1800"/>
+              <a:defRPr sz="1350"/>
             </a:lvl8pPr>
             <a:lvl9pPr>
-              <a:defRPr sz="1800"/>
+              <a:defRPr sz="1350"/>
             </a:lvl9pPr>
           </a:lstStyle>
           <a:p>
@@ -1199,8 +1217,8 @@
         </p:nvSpPr>
         <p:spPr>
           <a:xfrm>
-            <a:off x="10889129" y="282574"/>
-            <a:ext cx="914400" cy="1600200"/>
+            <a:off x="8166847" y="282574"/>
+            <a:ext cx="685800" cy="1600200"/>
           </a:xfrm>
           <a:prstGeom prst="rect">
             <a:avLst/>
@@ -1233,7 +1251,7 @@
           <a:lstStyle/>
           <a:p>
             <a:pPr algn="ctr"/>
-            <a:endParaRPr/>
+            <a:endParaRPr sz="1350"/>
           </a:p>
         </p:txBody>
       </p:sp>
@@ -1245,8 +1263,8 @@
         </p:nvSpPr>
         <p:spPr>
           <a:xfrm>
-            <a:off x="297581" y="228600"/>
-            <a:ext cx="347879" cy="553998"/>
+            <a:off x="223186" y="228600"/>
+            <a:ext cx="260909" cy="415498"/>
           </a:xfrm>
           <a:prstGeom prst="rect">
             <a:avLst/>
@@ -1260,7 +1278,7 @@
           <a:lstStyle/>
           <a:p>
             <a:r>
-              <a:rPr sz="3600" b="1">
+              <a:rPr sz="2700" b="1">
                 <a:solidFill>
                   <a:schemeClr val="accent1">
                     <a:lumMod val="60000"/>
@@ -1313,7 +1331,7 @@
           <a:p>
             <a:fld id="{FEDBF184-AE6A-41EB-BBCB-9F86DBF77364}" type="datetimeFigureOut">
               <a:rPr lang="en-US" smtClean="0"/>
-              <a:t>2/26/14</a:t>
+              <a:t>2/26/2014</a:t>
             </a:fld>
             <a:endParaRPr lang="en-US"/>
           </a:p>
@@ -1394,8 +1412,8 @@
         </p:nvSpPr>
         <p:spPr>
           <a:xfrm>
-            <a:off x="10889129" y="282574"/>
-            <a:ext cx="914400" cy="302217"/>
+            <a:off x="8166847" y="282574"/>
+            <a:ext cx="685800" cy="302217"/>
           </a:xfrm>
           <a:prstGeom prst="rect">
             <a:avLst/>
@@ -1428,7 +1446,7 @@
           <a:lstStyle/>
           <a:p>
             <a:pPr algn="ctr"/>
-            <a:endParaRPr/>
+            <a:endParaRPr sz="1350"/>
           </a:p>
         </p:txBody>
       </p:sp>
@@ -1449,7 +1467,7 @@
           <a:p>
             <a:fld id="{FEDBF184-AE6A-41EB-BBCB-9F86DBF77364}" type="datetimeFigureOut">
               <a:rPr lang="en-US" smtClean="0"/>
-              <a:t>2/26/14</a:t>
+              <a:t>2/26/2014</a:t>
             </a:fld>
             <a:endParaRPr lang="en-US"/>
           </a:p>
@@ -1530,8 +1548,8 @@
         </p:nvSpPr>
         <p:spPr>
           <a:xfrm>
-            <a:off x="376768" y="228600"/>
-            <a:ext cx="4601633" cy="6345238"/>
+            <a:off x="282576" y="228600"/>
+            <a:ext cx="3451225" cy="6345238"/>
           </a:xfrm>
           <a:prstGeom prst="rect">
             <a:avLst/>
@@ -1564,7 +1582,7 @@
           <a:lstStyle/>
           <a:p>
             <a:pPr algn="ctr"/>
-            <a:endParaRPr/>
+            <a:endParaRPr sz="1350"/>
           </a:p>
         </p:txBody>
       </p:sp>
@@ -1580,8 +1598,8 @@
         </p:nvSpPr>
         <p:spPr>
           <a:xfrm>
-            <a:off x="507407" y="2571750"/>
-            <a:ext cx="4340352" cy="1162050"/>
+            <a:off x="380555" y="2571750"/>
+            <a:ext cx="3255264" cy="1162050"/>
           </a:xfrm>
         </p:spPr>
         <p:txBody>
@@ -1590,7 +1608,7 @@
           </a:bodyPr>
           <a:lstStyle>
             <a:lvl1pPr algn="l">
-              <a:defRPr sz="2600" b="0">
+              <a:defRPr sz="1950" b="0">
                 <a:solidFill>
                   <a:schemeClr val="bg1"/>
                 </a:solidFill>
@@ -1618,8 +1636,8 @@
         </p:nvSpPr>
         <p:spPr>
           <a:xfrm>
-            <a:off x="5558368" y="273051"/>
-            <a:ext cx="6129865" cy="5853113"/>
+            <a:off x="4168776" y="273052"/>
+            <a:ext cx="4597399" cy="5853113"/>
           </a:xfrm>
         </p:spPr>
         <p:txBody>
@@ -1628,31 +1646,31 @@
           </a:bodyPr>
           <a:lstStyle>
             <a:lvl1pPr>
-              <a:defRPr sz="1800"/>
+              <a:defRPr sz="1350"/>
             </a:lvl1pPr>
             <a:lvl2pPr>
-              <a:defRPr sz="1800"/>
+              <a:defRPr sz="1350"/>
             </a:lvl2pPr>
             <a:lvl3pPr>
-              <a:defRPr sz="1800"/>
+              <a:defRPr sz="1350"/>
             </a:lvl3pPr>
             <a:lvl4pPr>
-              <a:defRPr sz="1800"/>
+              <a:defRPr sz="1350"/>
             </a:lvl4pPr>
             <a:lvl5pPr>
-              <a:defRPr sz="1800"/>
+              <a:defRPr sz="1350"/>
             </a:lvl5pPr>
             <a:lvl6pPr>
-              <a:defRPr sz="2000"/>
+              <a:defRPr sz="1500"/>
             </a:lvl6pPr>
             <a:lvl7pPr>
-              <a:defRPr sz="2000"/>
+              <a:defRPr sz="1500"/>
             </a:lvl7pPr>
             <a:lvl8pPr>
-              <a:defRPr sz="2000"/>
+              <a:defRPr sz="1500"/>
             </a:lvl8pPr>
             <a:lvl9pPr>
-              <a:defRPr sz="2000"/>
+              <a:defRPr sz="1500"/>
             </a:lvl9pPr>
           </a:lstStyle>
           <a:p>
@@ -1705,8 +1723,8 @@
         </p:nvSpPr>
         <p:spPr>
           <a:xfrm>
-            <a:off x="508124" y="3733801"/>
-            <a:ext cx="4340352" cy="2392363"/>
+            <a:off x="381093" y="3733802"/>
+            <a:ext cx="3255264" cy="2392363"/>
           </a:xfrm>
         </p:spPr>
         <p:txBody>
@@ -1714,46 +1732,46 @@
           <a:lstStyle>
             <a:lvl1pPr marL="0" indent="0">
               <a:spcBef>
-                <a:spcPts val="600"/>
+                <a:spcPts val="450"/>
               </a:spcBef>
               <a:buNone/>
-              <a:defRPr sz="1400">
+              <a:defRPr sz="1050">
                 <a:solidFill>
                   <a:schemeClr val="bg1"/>
                 </a:solidFill>
               </a:defRPr>
             </a:lvl1pPr>
-            <a:lvl2pPr marL="457200" indent="0">
-              <a:buNone/>
-              <a:defRPr sz="1200"/>
+            <a:lvl2pPr marL="342900" indent="0">
+              <a:buNone/>
+              <a:defRPr sz="900"/>
             </a:lvl2pPr>
-            <a:lvl3pPr marL="914400" indent="0">
-              <a:buNone/>
-              <a:defRPr sz="1000"/>
+            <a:lvl3pPr marL="685800" indent="0">
+              <a:buNone/>
+              <a:defRPr sz="750"/>
             </a:lvl3pPr>
-            <a:lvl4pPr marL="1371600" indent="0">
-              <a:buNone/>
-              <a:defRPr sz="900"/>
+            <a:lvl4pPr marL="1028700" indent="0">
+              <a:buNone/>
+              <a:defRPr sz="675"/>
             </a:lvl4pPr>
-            <a:lvl5pPr marL="1828800" indent="0">
-              <a:buNone/>
-              <a:defRPr sz="900"/>
+            <a:lvl5pPr marL="1371600" indent="0">
+              <a:buNone/>
+              <a:defRPr sz="675"/>
             </a:lvl5pPr>
-            <a:lvl6pPr marL="2286000" indent="0">
-              <a:buNone/>
-              <a:defRPr sz="900"/>
+            <a:lvl6pPr marL="1714500" indent="0">
+              <a:buNone/>
+              <a:defRPr sz="675"/>
             </a:lvl6pPr>
-            <a:lvl7pPr marL="2743200" indent="0">
-              <a:buNone/>
-              <a:defRPr sz="900"/>
+            <a:lvl7pPr marL="2057400" indent="0">
+              <a:buNone/>
+              <a:defRPr sz="675"/>
             </a:lvl7pPr>
-            <a:lvl8pPr marL="3200400" indent="0">
-              <a:buNone/>
-              <a:defRPr sz="900"/>
+            <a:lvl8pPr marL="2400300" indent="0">
+              <a:buNone/>
+              <a:defRPr sz="675"/>
             </a:lvl8pPr>
-            <a:lvl9pPr marL="3657600" indent="0">
-              <a:buNone/>
-              <a:defRPr sz="900"/>
+            <a:lvl9pPr marL="2743200" indent="0">
+              <a:buNone/>
+              <a:defRPr sz="675"/>
             </a:lvl9pPr>
           </a:lstStyle>
           <a:p>
@@ -1777,8 +1795,8 @@
         </p:nvSpPr>
         <p:spPr>
           <a:xfrm>
-            <a:off x="9855200" y="6423586"/>
-            <a:ext cx="2049929" cy="365125"/>
+            <a:off x="7391400" y="6423587"/>
+            <a:ext cx="1537447" cy="365125"/>
           </a:xfrm>
         </p:spPr>
         <p:txBody>
@@ -1787,7 +1805,7 @@
           <a:p>
             <a:fld id="{FEDBF184-AE6A-41EB-BBCB-9F86DBF77364}" type="datetimeFigureOut">
               <a:rPr lang="en-US" smtClean="0"/>
-              <a:t>2/26/14</a:t>
+              <a:t>2/26/2014</a:t>
             </a:fld>
             <a:endParaRPr lang="en-US"/>
           </a:p>
@@ -1805,8 +1823,8 @@
         </p:nvSpPr>
         <p:spPr>
           <a:xfrm>
-            <a:off x="5145741" y="6423586"/>
-            <a:ext cx="4422588" cy="365125"/>
+            <a:off x="3859306" y="6423587"/>
+            <a:ext cx="3316941" cy="365125"/>
           </a:xfrm>
         </p:spPr>
         <p:txBody>
@@ -1825,8 +1843,8 @@
         </p:nvSpPr>
         <p:spPr>
           <a:xfrm>
-            <a:off x="566522" y="174813"/>
-            <a:ext cx="551079" cy="830997"/>
+            <a:off x="424892" y="174813"/>
+            <a:ext cx="413309" cy="623248"/>
           </a:xfrm>
           <a:prstGeom prst="rect">
             <a:avLst/>
@@ -1840,7 +1858,7 @@
           <a:lstStyle/>
           <a:p>
             <a:r>
-              <a:rPr sz="5400" b="1">
+              <a:rPr sz="4050" b="1">
                 <a:solidFill>
                   <a:schemeClr val="accent1">
                     <a:lumMod val="60000"/>
@@ -1886,8 +1904,8 @@
         </p:nvSpPr>
         <p:spPr>
           <a:xfrm>
-            <a:off x="10889129" y="282574"/>
-            <a:ext cx="914400" cy="302217"/>
+            <a:off x="8166847" y="282574"/>
+            <a:ext cx="685800" cy="302217"/>
           </a:xfrm>
           <a:prstGeom prst="rect">
             <a:avLst/>
@@ -1920,7 +1938,7 @@
           <a:lstStyle/>
           <a:p>
             <a:pPr algn="ctr"/>
-            <a:endParaRPr/>
+            <a:endParaRPr sz="1350"/>
           </a:p>
         </p:txBody>
       </p:sp>
@@ -1936,8 +1954,8 @@
         </p:nvSpPr>
         <p:spPr>
           <a:xfrm>
-            <a:off x="5559205" y="3124200"/>
-            <a:ext cx="5197696" cy="871538"/>
+            <a:off x="4169404" y="3124200"/>
+            <a:ext cx="3898272" cy="871538"/>
           </a:xfrm>
         </p:spPr>
         <p:txBody>
@@ -1946,7 +1964,7 @@
           </a:bodyPr>
           <a:lstStyle>
             <a:lvl1pPr algn="l">
-              <a:defRPr sz="2600" b="0"/>
+              <a:defRPr sz="1950" b="0"/>
             </a:lvl1pPr>
           </a:lstStyle>
           <a:p>
@@ -1970,8 +1988,8 @@
         </p:nvSpPr>
         <p:spPr>
           <a:xfrm>
-            <a:off x="370541" y="228600"/>
-            <a:ext cx="4614211" cy="6345238"/>
+            <a:off x="277906" y="228600"/>
+            <a:ext cx="3460658" cy="6345238"/>
           </a:xfrm>
         </p:spPr>
         <p:txBody>
@@ -1979,39 +1997,39 @@
           <a:lstStyle>
             <a:lvl1pPr marL="0" indent="0">
               <a:buNone/>
-              <a:defRPr sz="3200"/>
+              <a:defRPr sz="2400"/>
             </a:lvl1pPr>
-            <a:lvl2pPr marL="457200" indent="0">
-              <a:buNone/>
-              <a:defRPr sz="2800"/>
+            <a:lvl2pPr marL="342900" indent="0">
+              <a:buNone/>
+              <a:defRPr sz="2100"/>
             </a:lvl2pPr>
-            <a:lvl3pPr marL="914400" indent="0">
-              <a:buNone/>
-              <a:defRPr sz="2400"/>
+            <a:lvl3pPr marL="685800" indent="0">
+              <a:buNone/>
+              <a:defRPr sz="1800"/>
             </a:lvl3pPr>
-            <a:lvl4pPr marL="1371600" indent="0">
-              <a:buNone/>
-              <a:defRPr sz="2000"/>
+            <a:lvl4pPr marL="1028700" indent="0">
+              <a:buNone/>
+              <a:defRPr sz="1500"/>
             </a:lvl4pPr>
-            <a:lvl5pPr marL="1828800" indent="0">
-              <a:buNone/>
-              <a:defRPr sz="2000"/>
+            <a:lvl5pPr marL="1371600" indent="0">
+              <a:buNone/>
+              <a:defRPr sz="1500"/>
             </a:lvl5pPr>
-            <a:lvl6pPr marL="2286000" indent="0">
-              <a:buNone/>
-              <a:defRPr sz="2000"/>
+            <a:lvl6pPr marL="1714500" indent="0">
+              <a:buNone/>
+              <a:defRPr sz="1500"/>
             </a:lvl6pPr>
-            <a:lvl7pPr marL="2743200" indent="0">
-              <a:buNone/>
-              <a:defRPr sz="2000"/>
+            <a:lvl7pPr marL="2057400" indent="0">
+              <a:buNone/>
+              <a:defRPr sz="1500"/>
             </a:lvl7pPr>
-            <a:lvl8pPr marL="3200400" indent="0">
-              <a:buNone/>
-              <a:defRPr sz="2000"/>
+            <a:lvl8pPr marL="2400300" indent="0">
+              <a:buNone/>
+              <a:defRPr sz="1500"/>
             </a:lvl8pPr>
-            <a:lvl9pPr marL="3657600" indent="0">
-              <a:buNone/>
-              <a:defRPr sz="2000"/>
+            <a:lvl9pPr marL="2743200" indent="0">
+              <a:buNone/>
+              <a:defRPr sz="1500"/>
             </a:lvl9pPr>
           </a:lstStyle>
           <a:p>
@@ -2035,8 +2053,8 @@
         </p:nvSpPr>
         <p:spPr>
           <a:xfrm>
-            <a:off x="5559205" y="3995737"/>
-            <a:ext cx="5197696" cy="2147888"/>
+            <a:off x="4169404" y="3995737"/>
+            <a:ext cx="3898272" cy="2147888"/>
           </a:xfrm>
         </p:spPr>
         <p:txBody>
@@ -2044,42 +2062,42 @@
           <a:lstStyle>
             <a:lvl1pPr marL="0" indent="0">
               <a:spcBef>
-                <a:spcPts val="600"/>
+                <a:spcPts val="450"/>
               </a:spcBef>
               <a:buNone/>
-              <a:defRPr sz="1400"/>
+              <a:defRPr sz="1050"/>
             </a:lvl1pPr>
-            <a:lvl2pPr marL="457200" indent="0">
-              <a:buNone/>
-              <a:defRPr sz="1200"/>
+            <a:lvl2pPr marL="342900" indent="0">
+              <a:buNone/>
+              <a:defRPr sz="900"/>
             </a:lvl2pPr>
-            <a:lvl3pPr marL="914400" indent="0">
-              <a:buNone/>
-              <a:defRPr sz="1000"/>
+            <a:lvl3pPr marL="685800" indent="0">
+              <a:buNone/>
+              <a:defRPr sz="750"/>
             </a:lvl3pPr>
-            <a:lvl4pPr marL="1371600" indent="0">
-              <a:buNone/>
-              <a:defRPr sz="900"/>
+            <a:lvl4pPr marL="1028700" indent="0">
+              <a:buNone/>
+              <a:defRPr sz="675"/>
             </a:lvl4pPr>
-            <a:lvl5pPr marL="1828800" indent="0">
-              <a:buNone/>
-              <a:defRPr sz="900"/>
+            <a:lvl5pPr marL="1371600" indent="0">
+              <a:buNone/>
+              <a:defRPr sz="675"/>
             </a:lvl5pPr>
-            <a:lvl6pPr marL="2286000" indent="0">
-              <a:buNone/>
-              <a:defRPr sz="900"/>
+            <a:lvl6pPr marL="1714500" indent="0">
+              <a:buNone/>
+              <a:defRPr sz="675"/>
             </a:lvl6pPr>
-            <a:lvl7pPr marL="2743200" indent="0">
-              <a:buNone/>
-              <a:defRPr sz="900"/>
+            <a:lvl7pPr marL="2057400" indent="0">
+              <a:buNone/>
+              <a:defRPr sz="675"/>
             </a:lvl7pPr>
-            <a:lvl8pPr marL="3200400" indent="0">
-              <a:buNone/>
-              <a:defRPr sz="900"/>
+            <a:lvl8pPr marL="2400300" indent="0">
+              <a:buNone/>
+              <a:defRPr sz="675"/>
             </a:lvl8pPr>
-            <a:lvl9pPr marL="3657600" indent="0">
-              <a:buNone/>
-              <a:defRPr sz="900"/>
+            <a:lvl9pPr marL="2743200" indent="0">
+              <a:buNone/>
+              <a:defRPr sz="675"/>
             </a:lvl9pPr>
           </a:lstStyle>
           <a:p>
@@ -2103,8 +2121,8 @@
         </p:nvSpPr>
         <p:spPr>
           <a:xfrm>
-            <a:off x="9855200" y="6423586"/>
-            <a:ext cx="2049929" cy="365125"/>
+            <a:off x="7391400" y="6423587"/>
+            <a:ext cx="1537447" cy="365125"/>
           </a:xfrm>
         </p:spPr>
         <p:txBody>
@@ -2113,7 +2131,7 @@
           <a:p>
             <a:fld id="{FEDBF184-AE6A-41EB-BBCB-9F86DBF77364}" type="datetimeFigureOut">
               <a:rPr lang="en-US" smtClean="0"/>
-              <a:t>2/26/14</a:t>
+              <a:t>2/26/2014</a:t>
             </a:fld>
             <a:endParaRPr lang="en-US"/>
           </a:p>
@@ -2131,8 +2149,8 @@
         </p:nvSpPr>
         <p:spPr>
           <a:xfrm>
-            <a:off x="5588000" y="6423586"/>
-            <a:ext cx="4006851" cy="365125"/>
+            <a:off x="4191001" y="6423587"/>
+            <a:ext cx="3005138" cy="365125"/>
           </a:xfrm>
         </p:spPr>
         <p:txBody>
@@ -2174,8 +2192,8 @@
         </p:nvSpPr>
         <p:spPr>
           <a:xfrm>
-            <a:off x="5320147" y="3370730"/>
-            <a:ext cx="294091" cy="369332"/>
+            <a:off x="3990111" y="3370731"/>
+            <a:ext cx="220568" cy="276999"/>
           </a:xfrm>
           <a:prstGeom prst="rect">
             <a:avLst/>
@@ -2189,7 +2207,7 @@
           <a:lstStyle/>
           <a:p>
             <a:r>
-              <a:rPr sz="2400" b="1" baseline="0">
+              <a:rPr sz="1800" b="1" baseline="0">
                 <a:solidFill>
                   <a:schemeClr val="accent1">
                     <a:lumMod val="60000"/>
@@ -2239,8 +2257,8 @@
         </p:nvSpPr>
         <p:spPr>
           <a:xfrm>
-            <a:off x="675341" y="4424082"/>
-            <a:ext cx="8254876" cy="833718"/>
+            <a:off x="506506" y="4424082"/>
+            <a:ext cx="6191157" cy="833718"/>
           </a:xfrm>
         </p:spPr>
         <p:txBody>
@@ -2249,7 +2267,7 @@
           </a:bodyPr>
           <a:lstStyle>
             <a:lvl1pPr algn="l">
-              <a:defRPr sz="2600" b="0"/>
+              <a:defRPr sz="1950" b="0"/>
             </a:lvl1pPr>
           </a:lstStyle>
           <a:p>
@@ -2273,8 +2291,8 @@
         </p:nvSpPr>
         <p:spPr>
           <a:xfrm>
-            <a:off x="370541" y="228600"/>
-            <a:ext cx="8504519" cy="4187952"/>
+            <a:off x="277906" y="228600"/>
+            <a:ext cx="6378389" cy="4187952"/>
           </a:xfrm>
         </p:spPr>
         <p:txBody>
@@ -2282,39 +2300,39 @@
           <a:lstStyle>
             <a:lvl1pPr marL="0" indent="0">
               <a:buNone/>
-              <a:defRPr sz="3200"/>
+              <a:defRPr sz="2400"/>
             </a:lvl1pPr>
-            <a:lvl2pPr marL="457200" indent="0">
-              <a:buNone/>
-              <a:defRPr sz="2800"/>
+            <a:lvl2pPr marL="342900" indent="0">
+              <a:buNone/>
+              <a:defRPr sz="2100"/>
             </a:lvl2pPr>
-            <a:lvl3pPr marL="914400" indent="0">
-              <a:buNone/>
-              <a:defRPr sz="2400"/>
+            <a:lvl3pPr marL="685800" indent="0">
+              <a:buNone/>
+              <a:defRPr sz="1800"/>
             </a:lvl3pPr>
-            <a:lvl4pPr marL="1371600" indent="0">
-              <a:buNone/>
-              <a:defRPr sz="2000"/>
+            <a:lvl4pPr marL="1028700" indent="0">
+              <a:buNone/>
+              <a:defRPr sz="1500"/>
             </a:lvl4pPr>
-            <a:lvl5pPr marL="1828800" indent="0">
-              <a:buNone/>
-              <a:defRPr sz="2000"/>
+            <a:lvl5pPr marL="1371600" indent="0">
+              <a:buNone/>
+              <a:defRPr sz="1500"/>
             </a:lvl5pPr>
-            <a:lvl6pPr marL="2286000" indent="0">
-              <a:buNone/>
-              <a:defRPr sz="2000"/>
+            <a:lvl6pPr marL="1714500" indent="0">
+              <a:buNone/>
+              <a:defRPr sz="1500"/>
             </a:lvl6pPr>
-            <a:lvl7pPr marL="2743200" indent="0">
-              <a:buNone/>
-              <a:defRPr sz="2000"/>
+            <a:lvl7pPr marL="2057400" indent="0">
+              <a:buNone/>
+              <a:defRPr sz="1500"/>
             </a:lvl7pPr>
-            <a:lvl8pPr marL="3200400" indent="0">
-              <a:buNone/>
-              <a:defRPr sz="2000"/>
+            <a:lvl8pPr marL="2400300" indent="0">
+              <a:buNone/>
+              <a:defRPr sz="1500"/>
             </a:lvl8pPr>
-            <a:lvl9pPr marL="3657600" indent="0">
-              <a:buNone/>
-              <a:defRPr sz="2000"/>
+            <a:lvl9pPr marL="2743200" indent="0">
+              <a:buNone/>
+              <a:defRPr sz="1500"/>
             </a:lvl9pPr>
           </a:lstStyle>
           <a:p>
@@ -2338,8 +2356,8 @@
         </p:nvSpPr>
         <p:spPr>
           <a:xfrm>
-            <a:off x="675341" y="5257800"/>
-            <a:ext cx="8254876" cy="885825"/>
+            <a:off x="506506" y="5257801"/>
+            <a:ext cx="6191157" cy="885825"/>
           </a:xfrm>
         </p:spPr>
         <p:txBody>
@@ -2347,42 +2365,42 @@
           <a:lstStyle>
             <a:lvl1pPr marL="0" indent="0">
               <a:spcBef>
-                <a:spcPts val="300"/>
+                <a:spcPts val="225"/>
               </a:spcBef>
               <a:buNone/>
-              <a:defRPr sz="1400"/>
+              <a:defRPr sz="1050"/>
             </a:lvl1pPr>
-            <a:lvl2pPr marL="457200" indent="0">
-              <a:buNone/>
-              <a:defRPr sz="1200"/>
+            <a:lvl2pPr marL="342900" indent="0">
+              <a:buNone/>
+              <a:defRPr sz="900"/>
             </a:lvl2pPr>
-            <a:lvl3pPr marL="914400" indent="0">
-              <a:buNone/>
-              <a:defRPr sz="1000"/>
+            <a:lvl3pPr marL="685800" indent="0">
+              <a:buNone/>
+              <a:defRPr sz="750"/>
             </a:lvl3pPr>
-            <a:lvl4pPr marL="1371600" indent="0">
-              <a:buNone/>
-              <a:defRPr sz="900"/>
+            <a:lvl4pPr marL="1028700" indent="0">
+              <a:buNone/>
+              <a:defRPr sz="675"/>
             </a:lvl4pPr>
-            <a:lvl5pPr marL="1828800" indent="0">
-              <a:buNone/>
-              <a:defRPr sz="900"/>
+            <a:lvl5pPr marL="1371600" indent="0">
+              <a:buNone/>
+              <a:defRPr sz="675"/>
             </a:lvl5pPr>
-            <a:lvl6pPr marL="2286000" indent="0">
-              <a:buNone/>
-              <a:defRPr sz="900"/>
+            <a:lvl6pPr marL="1714500" indent="0">
+              <a:buNone/>
+              <a:defRPr sz="675"/>
             </a:lvl6pPr>
-            <a:lvl7pPr marL="2743200" indent="0">
-              <a:buNone/>
-              <a:defRPr sz="900"/>
+            <a:lvl7pPr marL="2057400" indent="0">
+              <a:buNone/>
+              <a:defRPr sz="675"/>
             </a:lvl7pPr>
-            <a:lvl8pPr marL="3200400" indent="0">
-              <a:buNone/>
-              <a:defRPr sz="900"/>
+            <a:lvl8pPr marL="2400300" indent="0">
+              <a:buNone/>
+              <a:defRPr sz="675"/>
             </a:lvl8pPr>
-            <a:lvl9pPr marL="3657600" indent="0">
-              <a:buNone/>
-              <a:defRPr sz="900"/>
+            <a:lvl9pPr marL="2743200" indent="0">
+              <a:buNone/>
+              <a:defRPr sz="675"/>
             </a:lvl9pPr>
           </a:lstStyle>
           <a:p>
@@ -2411,7 +2429,7 @@
           <a:p>
             <a:fld id="{FEDBF184-AE6A-41EB-BBCB-9F86DBF77364}" type="datetimeFigureOut">
               <a:rPr lang="en-US" smtClean="0"/>
-              <a:t>2/26/14</a:t>
+              <a:t>2/26/2014</a:t>
             </a:fld>
             <a:endParaRPr lang="en-US"/>
           </a:p>
@@ -2467,8 +2485,8 @@
         </p:nvSpPr>
         <p:spPr>
           <a:xfrm>
-            <a:off x="9069917" y="228600"/>
-            <a:ext cx="2743200" cy="2039112"/>
+            <a:off x="6802438" y="228600"/>
+            <a:ext cx="2057400" cy="2039112"/>
           </a:xfrm>
           <a:prstGeom prst="rect">
             <a:avLst/>
@@ -2501,7 +2519,7 @@
           <a:lstStyle/>
           <a:p>
             <a:pPr algn="ctr"/>
-            <a:endParaRPr/>
+            <a:endParaRPr sz="1350"/>
           </a:p>
         </p:txBody>
       </p:sp>
@@ -2513,8 +2531,8 @@
         </p:nvSpPr>
         <p:spPr>
           <a:xfrm>
-            <a:off x="9069917" y="2377440"/>
-            <a:ext cx="2743200" cy="2039112"/>
+            <a:off x="6802438" y="2377440"/>
+            <a:ext cx="2057400" cy="2039112"/>
           </a:xfrm>
           <a:prstGeom prst="rect">
             <a:avLst/>
@@ -2547,7 +2565,7 @@
           <a:lstStyle/>
           <a:p>
             <a:pPr algn="ctr"/>
-            <a:endParaRPr/>
+            <a:endParaRPr sz="1350"/>
           </a:p>
         </p:txBody>
       </p:sp>
@@ -2559,8 +2577,8 @@
         </p:nvSpPr>
         <p:spPr>
           <a:xfrm>
-            <a:off x="436283" y="4632792"/>
-            <a:ext cx="294091" cy="369332"/>
+            <a:off x="327213" y="4632793"/>
+            <a:ext cx="220568" cy="276999"/>
           </a:xfrm>
           <a:prstGeom prst="rect">
             <a:avLst/>
@@ -2574,7 +2592,7 @@
           <a:lstStyle/>
           <a:p>
             <a:r>
-              <a:rPr sz="2400" b="1" baseline="0">
+              <a:rPr sz="1800" b="1" baseline="0">
                 <a:solidFill>
                   <a:schemeClr val="accent1">
                     <a:lumMod val="60000"/>
@@ -2620,8 +2638,8 @@
         </p:nvSpPr>
         <p:spPr>
           <a:xfrm>
-            <a:off x="376766" y="228600"/>
-            <a:ext cx="8516223" cy="6345238"/>
+            <a:off x="282575" y="228600"/>
+            <a:ext cx="6387167" cy="6345238"/>
           </a:xfrm>
           <a:prstGeom prst="rect">
             <a:avLst/>
@@ -2654,7 +2672,7 @@
           <a:lstStyle/>
           <a:p>
             <a:pPr algn="ctr"/>
-            <a:endParaRPr/>
+            <a:endParaRPr sz="1350"/>
           </a:p>
         </p:txBody>
       </p:sp>
@@ -2670,8 +2688,8 @@
         </p:nvSpPr>
         <p:spPr>
           <a:xfrm>
-            <a:off x="507406" y="2571750"/>
-            <a:ext cx="8242148" cy="1162050"/>
+            <a:off x="380555" y="2571750"/>
+            <a:ext cx="6181611" cy="1162050"/>
           </a:xfrm>
         </p:spPr>
         <p:txBody>
@@ -2680,7 +2698,7 @@
           </a:bodyPr>
           <a:lstStyle>
             <a:lvl1pPr algn="l">
-              <a:defRPr sz="2600" b="0">
+              <a:defRPr sz="1950" b="0">
                 <a:solidFill>
                   <a:schemeClr val="bg1"/>
                 </a:solidFill>
@@ -2708,8 +2726,8 @@
         </p:nvSpPr>
         <p:spPr>
           <a:xfrm>
-            <a:off x="508126" y="3733801"/>
-            <a:ext cx="8239421" cy="2392363"/>
+            <a:off x="381095" y="3733802"/>
+            <a:ext cx="6179566" cy="2392363"/>
           </a:xfrm>
         </p:spPr>
         <p:txBody>
@@ -2717,46 +2735,46 @@
           <a:lstStyle>
             <a:lvl1pPr marL="0" indent="0">
               <a:spcBef>
-                <a:spcPts val="600"/>
+                <a:spcPts val="450"/>
               </a:spcBef>
               <a:buNone/>
-              <a:defRPr sz="1400">
+              <a:defRPr sz="1050">
                 <a:solidFill>
                   <a:schemeClr val="bg1"/>
                 </a:solidFill>
               </a:defRPr>
             </a:lvl1pPr>
-            <a:lvl2pPr marL="457200" indent="0">
-              <a:buNone/>
-              <a:defRPr sz="1200"/>
+            <a:lvl2pPr marL="342900" indent="0">
+              <a:buNone/>
+              <a:defRPr sz="900"/>
             </a:lvl2pPr>
-            <a:lvl3pPr marL="914400" indent="0">
-              <a:buNone/>
-              <a:defRPr sz="1000"/>
+            <a:lvl3pPr marL="685800" indent="0">
+              <a:buNone/>
+              <a:defRPr sz="750"/>
             </a:lvl3pPr>
-            <a:lvl4pPr marL="1371600" indent="0">
-              <a:buNone/>
-              <a:defRPr sz="900"/>
+            <a:lvl4pPr marL="1028700" indent="0">
+              <a:buNone/>
+              <a:defRPr sz="675"/>
             </a:lvl4pPr>
-            <a:lvl5pPr marL="1828800" indent="0">
-              <a:buNone/>
-              <a:defRPr sz="900"/>
+            <a:lvl5pPr marL="1371600" indent="0">
+              <a:buNone/>
+              <a:defRPr sz="675"/>
             </a:lvl5pPr>
-            <a:lvl6pPr marL="2286000" indent="0">
-              <a:buNone/>
-              <a:defRPr sz="900"/>
+            <a:lvl6pPr marL="1714500" indent="0">
+              <a:buNone/>
+              <a:defRPr sz="675"/>
             </a:lvl6pPr>
-            <a:lvl7pPr marL="2743200" indent="0">
-              <a:buNone/>
-              <a:defRPr sz="900"/>
+            <a:lvl7pPr marL="2057400" indent="0">
+              <a:buNone/>
+              <a:defRPr sz="675"/>
             </a:lvl7pPr>
-            <a:lvl8pPr marL="3200400" indent="0">
-              <a:buNone/>
-              <a:defRPr sz="900"/>
+            <a:lvl8pPr marL="2400300" indent="0">
+              <a:buNone/>
+              <a:defRPr sz="675"/>
             </a:lvl8pPr>
-            <a:lvl9pPr marL="3657600" indent="0">
-              <a:buNone/>
-              <a:defRPr sz="900"/>
+            <a:lvl9pPr marL="2743200" indent="0">
+              <a:buNone/>
+              <a:defRPr sz="675"/>
             </a:lvl9pPr>
           </a:lstStyle>
           <a:p>
@@ -2780,8 +2798,8 @@
         </p:nvSpPr>
         <p:spPr>
           <a:xfrm>
-            <a:off x="6949683" y="6235608"/>
-            <a:ext cx="1797864" cy="365125"/>
+            <a:off x="5212262" y="6235609"/>
+            <a:ext cx="1348398" cy="365125"/>
           </a:xfrm>
         </p:spPr>
         <p:txBody>
@@ -2798,7 +2816,7 @@
           <a:p>
             <a:fld id="{FEDBF184-AE6A-41EB-BBCB-9F86DBF77364}" type="datetimeFigureOut">
               <a:rPr lang="en-US" smtClean="0"/>
-              <a:t>2/26/14</a:t>
+              <a:t>2/26/2014</a:t>
             </a:fld>
             <a:endParaRPr lang="en-US"/>
           </a:p>
@@ -2816,8 +2834,8 @@
         </p:nvSpPr>
         <p:spPr>
           <a:xfrm>
-            <a:off x="508128" y="6235608"/>
-            <a:ext cx="6197473" cy="365125"/>
+            <a:off x="381096" y="6235609"/>
+            <a:ext cx="4648105" cy="365125"/>
           </a:xfrm>
         </p:spPr>
         <p:txBody>
@@ -2867,8 +2885,8 @@
         </p:nvSpPr>
         <p:spPr>
           <a:xfrm>
-            <a:off x="566522" y="174813"/>
-            <a:ext cx="551079" cy="830997"/>
+            <a:off x="424892" y="174813"/>
+            <a:ext cx="413309" cy="623248"/>
           </a:xfrm>
           <a:prstGeom prst="rect">
             <a:avLst/>
@@ -2882,7 +2900,7 @@
           <a:lstStyle/>
           <a:p>
             <a:r>
-              <a:rPr sz="5400" b="1">
+              <a:rPr sz="4050" b="1">
                 <a:solidFill>
                   <a:schemeClr val="accent1">
                     <a:lumMod val="60000"/>
@@ -2903,8 +2921,8 @@
         </p:nvSpPr>
         <p:spPr>
           <a:xfrm>
-            <a:off x="9069917" y="228600"/>
-            <a:ext cx="2743200" cy="2039112"/>
+            <a:off x="6802438" y="228600"/>
+            <a:ext cx="2057400" cy="2039112"/>
           </a:xfrm>
           <a:prstGeom prst="rect">
             <a:avLst/>
@@ -2937,7 +2955,7 @@
           <a:lstStyle/>
           <a:p>
             <a:pPr algn="ctr"/>
-            <a:endParaRPr/>
+            <a:endParaRPr sz="1350"/>
           </a:p>
         </p:txBody>
       </p:sp>
@@ -2953,8 +2971,8 @@
         </p:nvSpPr>
         <p:spPr>
           <a:xfrm>
-            <a:off x="9069917" y="2374940"/>
-            <a:ext cx="2743200" cy="2039112"/>
+            <a:off x="6802438" y="2374940"/>
+            <a:ext cx="2057400" cy="2039112"/>
           </a:xfrm>
         </p:spPr>
         <p:txBody>
@@ -2986,8 +3004,8 @@
         </p:nvSpPr>
         <p:spPr>
           <a:xfrm>
-            <a:off x="9069917" y="4535424"/>
-            <a:ext cx="2743200" cy="2039112"/>
+            <a:off x="6802438" y="4535424"/>
+            <a:ext cx="2057400" cy="2039112"/>
           </a:xfrm>
         </p:spPr>
         <p:txBody>
@@ -3040,8 +3058,8 @@
         </p:nvSpPr>
         <p:spPr>
           <a:xfrm>
-            <a:off x="376767" y="228600"/>
-            <a:ext cx="5647267" cy="6345238"/>
+            <a:off x="282576" y="228600"/>
+            <a:ext cx="4235450" cy="6345238"/>
           </a:xfrm>
           <a:prstGeom prst="rect">
             <a:avLst/>
@@ -3074,7 +3092,7 @@
           <a:lstStyle/>
           <a:p>
             <a:pPr algn="ctr"/>
-            <a:endParaRPr/>
+            <a:endParaRPr sz="1350"/>
           </a:p>
         </p:txBody>
       </p:sp>
@@ -3090,8 +3108,8 @@
         </p:nvSpPr>
         <p:spPr>
           <a:xfrm>
-            <a:off x="507406" y="2571750"/>
-            <a:ext cx="5355511" cy="1162050"/>
+            <a:off x="380555" y="2571750"/>
+            <a:ext cx="4016633" cy="1162050"/>
           </a:xfrm>
         </p:spPr>
         <p:txBody>
@@ -3100,7 +3118,7 @@
           </a:bodyPr>
           <a:lstStyle>
             <a:lvl1pPr algn="l">
-              <a:defRPr sz="2600" b="0">
+              <a:defRPr sz="1950" b="0">
                 <a:solidFill>
                   <a:schemeClr val="bg1"/>
                 </a:solidFill>
@@ -3128,8 +3146,8 @@
         </p:nvSpPr>
         <p:spPr>
           <a:xfrm>
-            <a:off x="508125" y="3733801"/>
-            <a:ext cx="5353739" cy="2392363"/>
+            <a:off x="381094" y="3733802"/>
+            <a:ext cx="4015304" cy="2392363"/>
           </a:xfrm>
         </p:spPr>
         <p:txBody>
@@ -3137,46 +3155,46 @@
           <a:lstStyle>
             <a:lvl1pPr marL="0" indent="0">
               <a:spcBef>
-                <a:spcPts val="600"/>
+                <a:spcPts val="450"/>
               </a:spcBef>
               <a:buNone/>
-              <a:defRPr sz="1400">
+              <a:defRPr sz="1050">
                 <a:solidFill>
                   <a:schemeClr val="bg1"/>
                 </a:solidFill>
               </a:defRPr>
             </a:lvl1pPr>
-            <a:lvl2pPr marL="457200" indent="0">
-              <a:buNone/>
-              <a:defRPr sz="1200"/>
+            <a:lvl2pPr marL="342900" indent="0">
+              <a:buNone/>
+              <a:defRPr sz="900"/>
             </a:lvl2pPr>
-            <a:lvl3pPr marL="914400" indent="0">
-              <a:buNone/>
-              <a:defRPr sz="1000"/>
+            <a:lvl3pPr marL="685800" indent="0">
+              <a:buNone/>
+              <a:defRPr sz="750"/>
             </a:lvl3pPr>
-            <a:lvl4pPr marL="1371600" indent="0">
-              <a:buNone/>
-              <a:defRPr sz="900"/>
+            <a:lvl4pPr marL="1028700" indent="0">
+              <a:buNone/>
+              <a:defRPr sz="675"/>
             </a:lvl4pPr>
-            <a:lvl5pPr marL="1828800" indent="0">
-              <a:buNone/>
-              <a:defRPr sz="900"/>
+            <a:lvl5pPr marL="1371600" indent="0">
+              <a:buNone/>
+              <a:defRPr sz="675"/>
             </a:lvl5pPr>
-            <a:lvl6pPr marL="2286000" indent="0">
-              <a:buNone/>
-              <a:defRPr sz="900"/>
+            <a:lvl6pPr marL="1714500" indent="0">
+              <a:buNone/>
+              <a:defRPr sz="675"/>
             </a:lvl6pPr>
-            <a:lvl7pPr marL="2743200" indent="0">
-              <a:buNone/>
-              <a:defRPr sz="900"/>
+            <a:lvl7pPr marL="2057400" indent="0">
+              <a:buNone/>
+              <a:defRPr sz="675"/>
             </a:lvl7pPr>
-            <a:lvl8pPr marL="3200400" indent="0">
-              <a:buNone/>
-              <a:defRPr sz="900"/>
+            <a:lvl8pPr marL="2400300" indent="0">
+              <a:buNone/>
+              <a:defRPr sz="675"/>
             </a:lvl8pPr>
-            <a:lvl9pPr marL="3657600" indent="0">
-              <a:buNone/>
-              <a:defRPr sz="900"/>
+            <a:lvl9pPr marL="2743200" indent="0">
+              <a:buNone/>
+              <a:defRPr sz="675"/>
             </a:lvl9pPr>
           </a:lstStyle>
           <a:p>
@@ -3200,8 +3218,8 @@
         </p:nvSpPr>
         <p:spPr>
           <a:xfrm>
-            <a:off x="4064000" y="6235608"/>
-            <a:ext cx="1797864" cy="365125"/>
+            <a:off x="3048000" y="6235609"/>
+            <a:ext cx="1348398" cy="365125"/>
           </a:xfrm>
         </p:spPr>
         <p:txBody>
@@ -3218,7 +3236,7 @@
           <a:p>
             <a:fld id="{FEDBF184-AE6A-41EB-BBCB-9F86DBF77364}" type="datetimeFigureOut">
               <a:rPr lang="en-US" smtClean="0"/>
-              <a:t>2/26/14</a:t>
+              <a:t>2/26/2014</a:t>
             </a:fld>
             <a:endParaRPr lang="en-US"/>
           </a:p>
@@ -3236,8 +3254,8 @@
         </p:nvSpPr>
         <p:spPr>
           <a:xfrm>
-            <a:off x="508128" y="6235608"/>
-            <a:ext cx="3454273" cy="365125"/>
+            <a:off x="381096" y="6235609"/>
+            <a:ext cx="2590705" cy="365125"/>
           </a:xfrm>
         </p:spPr>
         <p:txBody>
@@ -3287,8 +3305,8 @@
         </p:nvSpPr>
         <p:spPr>
           <a:xfrm>
-            <a:off x="566522" y="174813"/>
-            <a:ext cx="551079" cy="830997"/>
+            <a:off x="424892" y="174813"/>
+            <a:ext cx="413309" cy="623248"/>
           </a:xfrm>
           <a:prstGeom prst="rect">
             <a:avLst/>
@@ -3302,7 +3320,7 @@
           <a:lstStyle/>
           <a:p>
             <a:r>
-              <a:rPr sz="5400" b="1">
+              <a:rPr sz="4050" b="1">
                 <a:solidFill>
                   <a:schemeClr val="accent1">
                     <a:lumMod val="60000"/>
@@ -3323,8 +3341,8 @@
         </p:nvSpPr>
         <p:spPr>
           <a:xfrm>
-            <a:off x="9069917" y="228600"/>
-            <a:ext cx="2743200" cy="2039112"/>
+            <a:off x="6802438" y="228600"/>
+            <a:ext cx="2057400" cy="2039112"/>
           </a:xfrm>
           <a:prstGeom prst="rect">
             <a:avLst/>
@@ -3357,7 +3375,7 @@
           <a:lstStyle/>
           <a:p>
             <a:pPr algn="ctr"/>
-            <a:endParaRPr/>
+            <a:endParaRPr sz="1350"/>
           </a:p>
         </p:txBody>
       </p:sp>
@@ -3369,8 +3387,8 @@
         </p:nvSpPr>
         <p:spPr>
           <a:xfrm>
-            <a:off x="6165851" y="4534726"/>
-            <a:ext cx="2743200" cy="2039112"/>
+            <a:off x="4624388" y="4534726"/>
+            <a:ext cx="2057400" cy="2039112"/>
           </a:xfrm>
           <a:prstGeom prst="rect">
             <a:avLst/>
@@ -3403,7 +3421,7 @@
           <a:lstStyle/>
           <a:p>
             <a:pPr algn="ctr"/>
-            <a:endParaRPr/>
+            <a:endParaRPr sz="1350"/>
           </a:p>
         </p:txBody>
       </p:sp>
@@ -3419,8 +3437,8 @@
         </p:nvSpPr>
         <p:spPr>
           <a:xfrm>
-            <a:off x="6165851" y="228600"/>
-            <a:ext cx="2743200" cy="2039112"/>
+            <a:off x="4624388" y="228600"/>
+            <a:ext cx="2057400" cy="2039112"/>
           </a:xfrm>
         </p:spPr>
         <p:txBody>
@@ -3452,8 +3470,8 @@
         </p:nvSpPr>
         <p:spPr>
           <a:xfrm>
-            <a:off x="6165851" y="2381663"/>
-            <a:ext cx="2743200" cy="2039112"/>
+            <a:off x="4624388" y="2381663"/>
+            <a:ext cx="2057400" cy="2039112"/>
           </a:xfrm>
         </p:spPr>
         <p:txBody>
@@ -3485,8 +3503,8 @@
         </p:nvSpPr>
         <p:spPr>
           <a:xfrm>
-            <a:off x="9070848" y="2381662"/>
-            <a:ext cx="2743200" cy="4187952"/>
+            <a:off x="6803136" y="2381662"/>
+            <a:ext cx="2057400" cy="4187952"/>
           </a:xfrm>
         </p:spPr>
         <p:txBody>
@@ -3539,8 +3557,8 @@
         </p:nvSpPr>
         <p:spPr>
           <a:xfrm>
-            <a:off x="10889129" y="282574"/>
-            <a:ext cx="914400" cy="302217"/>
+            <a:off x="8166847" y="282574"/>
+            <a:ext cx="685800" cy="302217"/>
           </a:xfrm>
           <a:prstGeom prst="rect">
             <a:avLst/>
@@ -3573,7 +3591,7 @@
           <a:lstStyle/>
           <a:p>
             <a:pPr algn="ctr"/>
-            <a:endParaRPr/>
+            <a:endParaRPr sz="1350"/>
           </a:p>
         </p:txBody>
       </p:sp>
@@ -3589,8 +3607,8 @@
         </p:nvSpPr>
         <p:spPr>
           <a:xfrm>
-            <a:off x="6604000" y="3124200"/>
-            <a:ext cx="4145280" cy="871538"/>
+            <a:off x="4953000" y="3124200"/>
+            <a:ext cx="3108960" cy="871538"/>
           </a:xfrm>
         </p:spPr>
         <p:txBody>
@@ -3599,7 +3617,7 @@
           </a:bodyPr>
           <a:lstStyle>
             <a:lvl1pPr algn="l">
-              <a:defRPr sz="2600" b="0"/>
+              <a:defRPr sz="1950" b="0"/>
             </a:lvl1pPr>
           </a:lstStyle>
           <a:p>
@@ -3623,8 +3641,8 @@
         </p:nvSpPr>
         <p:spPr>
           <a:xfrm>
-            <a:off x="370541" y="2365248"/>
-            <a:ext cx="5653492" cy="4187952"/>
+            <a:off x="277906" y="2365248"/>
+            <a:ext cx="4240119" cy="4187952"/>
           </a:xfrm>
         </p:spPr>
         <p:txBody>
@@ -3632,39 +3650,39 @@
           <a:lstStyle>
             <a:lvl1pPr marL="0" indent="0">
               <a:buNone/>
-              <a:defRPr sz="3200"/>
+              <a:defRPr sz="2400"/>
             </a:lvl1pPr>
-            <a:lvl2pPr marL="457200" indent="0">
-              <a:buNone/>
-              <a:defRPr sz="2800"/>
+            <a:lvl2pPr marL="342900" indent="0">
+              <a:buNone/>
+              <a:defRPr sz="2100"/>
             </a:lvl2pPr>
-            <a:lvl3pPr marL="914400" indent="0">
-              <a:buNone/>
-              <a:defRPr sz="2400"/>
+            <a:lvl3pPr marL="685800" indent="0">
+              <a:buNone/>
+              <a:defRPr sz="1800"/>
             </a:lvl3pPr>
-            <a:lvl4pPr marL="1371600" indent="0">
-              <a:buNone/>
-              <a:defRPr sz="2000"/>
+            <a:lvl4pPr marL="1028700" indent="0">
+              <a:buNone/>
+              <a:defRPr sz="1500"/>
             </a:lvl4pPr>
-            <a:lvl5pPr marL="1828800" indent="0">
-              <a:buNone/>
-              <a:defRPr sz="2000"/>
+            <a:lvl5pPr marL="1371600" indent="0">
+              <a:buNone/>
+              <a:defRPr sz="1500"/>
             </a:lvl5pPr>
-            <a:lvl6pPr marL="2286000" indent="0">
-              <a:buNone/>
-              <a:defRPr sz="2000"/>
+            <a:lvl6pPr marL="1714500" indent="0">
+              <a:buNone/>
+              <a:defRPr sz="1500"/>
             </a:lvl6pPr>
-            <a:lvl7pPr marL="2743200" indent="0">
-              <a:buNone/>
-              <a:defRPr sz="2000"/>
+            <a:lvl7pPr marL="2057400" indent="0">
+              <a:buNone/>
+              <a:defRPr sz="1500"/>
             </a:lvl7pPr>
-            <a:lvl8pPr marL="3200400" indent="0">
-              <a:buNone/>
-              <a:defRPr sz="2000"/>
+            <a:lvl8pPr marL="2400300" indent="0">
+              <a:buNone/>
+              <a:defRPr sz="1500"/>
             </a:lvl8pPr>
-            <a:lvl9pPr marL="3657600" indent="0">
-              <a:buNone/>
-              <a:defRPr sz="2000"/>
+            <a:lvl9pPr marL="2743200" indent="0">
+              <a:buNone/>
+              <a:defRPr sz="1500"/>
             </a:lvl9pPr>
           </a:lstStyle>
           <a:p>
@@ -3688,8 +3706,8 @@
         </p:nvSpPr>
         <p:spPr>
           <a:xfrm>
-            <a:off x="6604000" y="3995737"/>
-            <a:ext cx="4145280" cy="2147888"/>
+            <a:off x="4953000" y="3995737"/>
+            <a:ext cx="3108960" cy="2147888"/>
           </a:xfrm>
         </p:spPr>
         <p:txBody>
@@ -3697,42 +3715,42 @@
           <a:lstStyle>
             <a:lvl1pPr marL="0" indent="0">
               <a:spcBef>
-                <a:spcPts val="600"/>
+                <a:spcPts val="450"/>
               </a:spcBef>
               <a:buNone/>
-              <a:defRPr sz="1400"/>
+              <a:defRPr sz="1050"/>
             </a:lvl1pPr>
-            <a:lvl2pPr marL="457200" indent="0">
-              <a:buNone/>
-              <a:defRPr sz="1200"/>
+            <a:lvl2pPr marL="342900" indent="0">
+              <a:buNone/>
+              <a:defRPr sz="900"/>
             </a:lvl2pPr>
-            <a:lvl3pPr marL="914400" indent="0">
-              <a:buNone/>
-              <a:defRPr sz="1000"/>
+            <a:lvl3pPr marL="685800" indent="0">
+              <a:buNone/>
+              <a:defRPr sz="750"/>
             </a:lvl3pPr>
-            <a:lvl4pPr marL="1371600" indent="0">
-              <a:buNone/>
-              <a:defRPr sz="900"/>
+            <a:lvl4pPr marL="1028700" indent="0">
+              <a:buNone/>
+              <a:defRPr sz="675"/>
             </a:lvl4pPr>
-            <a:lvl5pPr marL="1828800" indent="0">
-              <a:buNone/>
-              <a:defRPr sz="900"/>
+            <a:lvl5pPr marL="1371600" indent="0">
+              <a:buNone/>
+              <a:defRPr sz="675"/>
             </a:lvl5pPr>
-            <a:lvl6pPr marL="2286000" indent="0">
-              <a:buNone/>
-              <a:defRPr sz="900"/>
+            <a:lvl6pPr marL="1714500" indent="0">
+              <a:buNone/>
+              <a:defRPr sz="675"/>
             </a:lvl6pPr>
-            <a:lvl7pPr marL="2743200" indent="0">
-              <a:buNone/>
-              <a:defRPr sz="900"/>
+            <a:lvl7pPr marL="2057400" indent="0">
+              <a:buNone/>
+              <a:defRPr sz="675"/>
             </a:lvl7pPr>
-            <a:lvl8pPr marL="3200400" indent="0">
-              <a:buNone/>
-              <a:defRPr sz="900"/>
+            <a:lvl8pPr marL="2400300" indent="0">
+              <a:buNone/>
+              <a:defRPr sz="675"/>
             </a:lvl8pPr>
-            <a:lvl9pPr marL="3657600" indent="0">
-              <a:buNone/>
-              <a:defRPr sz="900"/>
+            <a:lvl9pPr marL="2743200" indent="0">
+              <a:buNone/>
+              <a:defRPr sz="675"/>
             </a:lvl9pPr>
           </a:lstStyle>
           <a:p>
@@ -3756,8 +3774,8 @@
         </p:nvSpPr>
         <p:spPr>
           <a:xfrm>
-            <a:off x="9855200" y="6423586"/>
-            <a:ext cx="2049929" cy="365125"/>
+            <a:off x="7391400" y="6423587"/>
+            <a:ext cx="1537447" cy="365125"/>
           </a:xfrm>
         </p:spPr>
         <p:txBody>
@@ -3766,7 +3784,7 @@
           <a:p>
             <a:fld id="{FEDBF184-AE6A-41EB-BBCB-9F86DBF77364}" type="datetimeFigureOut">
               <a:rPr lang="en-US" smtClean="0"/>
-              <a:t>2/26/14</a:t>
+              <a:t>2/26/2014</a:t>
             </a:fld>
             <a:endParaRPr lang="en-US"/>
           </a:p>
@@ -3784,8 +3802,8 @@
         </p:nvSpPr>
         <p:spPr>
           <a:xfrm>
-            <a:off x="5588000" y="6423586"/>
-            <a:ext cx="4006851" cy="365125"/>
+            <a:off x="4191001" y="6423587"/>
+            <a:ext cx="3005138" cy="365125"/>
           </a:xfrm>
         </p:spPr>
         <p:txBody>
@@ -3827,8 +3845,8 @@
         </p:nvSpPr>
         <p:spPr>
           <a:xfrm>
-            <a:off x="6333815" y="3370730"/>
-            <a:ext cx="294091" cy="369332"/>
+            <a:off x="4750362" y="3370731"/>
+            <a:ext cx="220568" cy="276999"/>
           </a:xfrm>
           <a:prstGeom prst="rect">
             <a:avLst/>
@@ -3842,7 +3860,7 @@
           <a:lstStyle/>
           <a:p>
             <a:r>
-              <a:rPr sz="2400" b="1" baseline="0">
+              <a:rPr sz="1800" b="1" baseline="0">
                 <a:solidFill>
                   <a:schemeClr val="accent1">
                     <a:lumMod val="60000"/>
@@ -3867,8 +3885,8 @@
         </p:nvSpPr>
         <p:spPr>
           <a:xfrm>
-            <a:off x="370540" y="228600"/>
-            <a:ext cx="2743200" cy="2039112"/>
+            <a:off x="277905" y="228600"/>
+            <a:ext cx="2057400" cy="2039112"/>
           </a:xfrm>
         </p:spPr>
         <p:txBody>
@@ -3900,8 +3918,8 @@
         </p:nvSpPr>
         <p:spPr>
           <a:xfrm>
-            <a:off x="3280833" y="228600"/>
-            <a:ext cx="2743200" cy="2039112"/>
+            <a:off x="2460625" y="228600"/>
+            <a:ext cx="2057400" cy="2039112"/>
           </a:xfrm>
         </p:spPr>
         <p:txBody>
@@ -3954,8 +3972,8 @@
         </p:nvSpPr>
         <p:spPr>
           <a:xfrm>
-            <a:off x="10889129" y="282574"/>
-            <a:ext cx="914400" cy="1600200"/>
+            <a:off x="8166847" y="282574"/>
+            <a:ext cx="685800" cy="1600200"/>
           </a:xfrm>
           <a:prstGeom prst="rect">
             <a:avLst/>
@@ -3988,7 +4006,7 @@
           <a:lstStyle/>
           <a:p>
             <a:pPr algn="ctr"/>
-            <a:endParaRPr/>
+            <a:endParaRPr sz="1350"/>
           </a:p>
         </p:txBody>
       </p:sp>
@@ -4000,8 +4018,8 @@
         </p:nvSpPr>
         <p:spPr>
           <a:xfrm>
-            <a:off x="297581" y="228600"/>
-            <a:ext cx="347879" cy="553998"/>
+            <a:off x="223186" y="228600"/>
+            <a:ext cx="260909" cy="415498"/>
           </a:xfrm>
           <a:prstGeom prst="rect">
             <a:avLst/>
@@ -4015,7 +4033,7 @@
           <a:lstStyle/>
           <a:p>
             <a:r>
-              <a:rPr sz="3600" b="1">
+              <a:rPr sz="2700" b="1">
                 <a:solidFill>
                   <a:schemeClr val="accent1">
                     <a:lumMod val="60000"/>
@@ -4124,7 +4142,7 @@
           <a:p>
             <a:fld id="{FEDBF184-AE6A-41EB-BBCB-9F86DBF77364}" type="datetimeFigureOut">
               <a:rPr lang="en-US" smtClean="0"/>
-              <a:t>2/26/14</a:t>
+              <a:t>2/26/2014</a:t>
             </a:fld>
             <a:endParaRPr lang="en-US"/>
           </a:p>
@@ -4205,8 +4223,8 @@
         </p:nvSpPr>
         <p:spPr>
           <a:xfrm>
-            <a:off x="10947401" y="282574"/>
-            <a:ext cx="856129" cy="1600200"/>
+            <a:off x="8210551" y="282574"/>
+            <a:ext cx="642097" cy="1600200"/>
           </a:xfrm>
           <a:prstGeom prst="rect">
             <a:avLst/>
@@ -4239,7 +4257,7 @@
           <a:lstStyle/>
           <a:p>
             <a:pPr algn="ctr"/>
-            <a:endParaRPr/>
+            <a:endParaRPr sz="1350"/>
           </a:p>
         </p:txBody>
       </p:sp>
@@ -4339,7 +4357,7 @@
           <a:p>
             <a:fld id="{FEDBF184-AE6A-41EB-BBCB-9F86DBF77364}" type="datetimeFigureOut">
               <a:rPr lang="en-US" smtClean="0"/>
-              <a:t>2/26/14</a:t>
+              <a:t>2/26/2014</a:t>
             </a:fld>
             <a:endParaRPr lang="en-US"/>
           </a:p>
@@ -4395,8 +4413,8 @@
         </p:nvSpPr>
         <p:spPr>
           <a:xfrm>
-            <a:off x="297581" y="228600"/>
-            <a:ext cx="347879" cy="553998"/>
+            <a:off x="223186" y="228600"/>
+            <a:ext cx="260909" cy="415498"/>
           </a:xfrm>
           <a:prstGeom prst="rect">
             <a:avLst/>
@@ -4410,7 +4428,7 @@
           <a:lstStyle/>
           <a:p>
             <a:r>
-              <a:rPr sz="3600" b="1">
+              <a:rPr sz="2700" b="1">
                 <a:solidFill>
                   <a:schemeClr val="accent1">
                     <a:lumMod val="60000"/>
@@ -4431,8 +4449,8 @@
         </p:nvSpPr>
         <p:spPr>
           <a:xfrm>
-            <a:off x="10757647" y="282574"/>
-            <a:ext cx="121920" cy="1600200"/>
+            <a:off x="8068235" y="282574"/>
+            <a:ext cx="91440" cy="1600200"/>
           </a:xfrm>
           <a:prstGeom prst="rect">
             <a:avLst/>
@@ -4465,7 +4483,7 @@
           <a:lstStyle/>
           <a:p>
             <a:pPr algn="ctr"/>
-            <a:endParaRPr/>
+            <a:endParaRPr sz="1350"/>
           </a:p>
         </p:txBody>
       </p:sp>
@@ -4502,8 +4520,8 @@
         </p:nvSpPr>
         <p:spPr>
           <a:xfrm>
-            <a:off x="10889129" y="282574"/>
-            <a:ext cx="914400" cy="302217"/>
+            <a:off x="8166847" y="282574"/>
+            <a:ext cx="685800" cy="302217"/>
           </a:xfrm>
           <a:prstGeom prst="rect">
             <a:avLst/>
@@ -4536,40 +4554,40 @@
           <a:lstStyle/>
           <a:p>
             <a:pPr algn="ctr"/>
+            <a:endParaRPr sz="1350"/>
+          </a:p>
+        </p:txBody>
+      </p:sp>
+      <p:sp>
+        <p:nvSpPr>
+          <p:cNvPr id="2" name="Vertical Title 1"/>
+          <p:cNvSpPr>
+            <a:spLocks noGrp="1"/>
+          </p:cNvSpPr>
+          <p:nvPr>
+            <p:ph type="title" orient="vert"/>
+          </p:nvPr>
+        </p:nvSpPr>
+        <p:spPr>
+          <a:xfrm>
+            <a:off x="7995772" y="954742"/>
+            <a:ext cx="681318" cy="5171422"/>
+          </a:xfrm>
+        </p:spPr>
+        <p:txBody>
+          <a:bodyPr vert="eaVert" anchor="t" anchorCtr="0"/>
+          <a:lstStyle/>
+          <a:p>
+            <a:r>
+              <a:rPr lang="en-US" altLang="zh-CN" smtClean="0"/>
+              <a:t>Click to edit Master title style</a:t>
+            </a:r>
             <a:endParaRPr/>
           </a:p>
         </p:txBody>
       </p:sp>
       <p:sp>
         <p:nvSpPr>
-          <p:cNvPr id="2" name="Vertical Title 1"/>
-          <p:cNvSpPr>
-            <a:spLocks noGrp="1"/>
-          </p:cNvSpPr>
-          <p:nvPr>
-            <p:ph type="title" orient="vert"/>
-          </p:nvPr>
-        </p:nvSpPr>
-        <p:spPr>
-          <a:xfrm>
-            <a:off x="10661029" y="954742"/>
-            <a:ext cx="908424" cy="5171422"/>
-          </a:xfrm>
-        </p:spPr>
-        <p:txBody>
-          <a:bodyPr vert="eaVert" anchor="t" anchorCtr="0"/>
-          <a:lstStyle/>
-          <a:p>
-            <a:r>
-              <a:rPr lang="en-US" altLang="zh-CN" smtClean="0"/>
-              <a:t>Click to edit Master title style</a:t>
-            </a:r>
-            <a:endParaRPr/>
-          </a:p>
-        </p:txBody>
-      </p:sp>
-      <p:sp>
-        <p:nvSpPr>
           <p:cNvPr id="3" name="Vertical Text Placeholder 2"/>
           <p:cNvSpPr>
             <a:spLocks noGrp="1"/>
@@ -4580,8 +4598,8 @@
         </p:nvSpPr>
         <p:spPr>
           <a:xfrm>
-            <a:off x="609600" y="958757"/>
-            <a:ext cx="9144000" cy="5184869"/>
+            <a:off x="457200" y="958758"/>
+            <a:ext cx="6858000" cy="5184869"/>
           </a:xfrm>
         </p:spPr>
         <p:txBody>
@@ -4646,7 +4664,7 @@
           <a:p>
             <a:fld id="{FEDBF184-AE6A-41EB-BBCB-9F86DBF77364}" type="datetimeFigureOut">
               <a:rPr lang="en-US" smtClean="0"/>
-              <a:t>2/26/14</a:t>
+              <a:t>2/26/2014</a:t>
             </a:fld>
             <a:endParaRPr lang="en-US"/>
           </a:p>
@@ -4702,8 +4720,8 @@
         </p:nvSpPr>
         <p:spPr>
           <a:xfrm rot="16200000">
-            <a:off x="11500967" y="561668"/>
-            <a:ext cx="260909" cy="553998"/>
+            <a:off x="8593112" y="630918"/>
+            <a:ext cx="260909" cy="415498"/>
           </a:xfrm>
           <a:prstGeom prst="rect">
             <a:avLst/>
@@ -4717,7 +4735,7 @@
           <a:lstStyle/>
           <a:p>
             <a:r>
-              <a:rPr sz="3600" b="1">
+              <a:rPr sz="2700" b="1">
                 <a:solidFill>
                   <a:schemeClr val="accent1">
                     <a:lumMod val="60000"/>
@@ -4763,8 +4781,8 @@
         </p:nvSpPr>
         <p:spPr>
           <a:xfrm>
-            <a:off x="10889129" y="282574"/>
-            <a:ext cx="914400" cy="1600200"/>
+            <a:off x="8166847" y="282574"/>
+            <a:ext cx="685800" cy="1600200"/>
           </a:xfrm>
           <a:prstGeom prst="rect">
             <a:avLst/>
@@ -4797,7 +4815,7 @@
           <a:lstStyle/>
           <a:p>
             <a:pPr algn="ctr"/>
-            <a:endParaRPr/>
+            <a:endParaRPr sz="1350"/>
           </a:p>
         </p:txBody>
       </p:sp>
@@ -4813,8 +4831,8 @@
         </p:nvSpPr>
         <p:spPr>
           <a:xfrm>
-            <a:off x="664633" y="134471"/>
-            <a:ext cx="10075084" cy="995082"/>
+            <a:off x="498475" y="134471"/>
+            <a:ext cx="7556313" cy="995082"/>
           </a:xfrm>
         </p:spPr>
         <p:txBody>
@@ -4902,7 +4920,7 @@
           <a:p>
             <a:fld id="{FEDBF184-AE6A-41EB-BBCB-9F86DBF77364}" type="datetimeFigureOut">
               <a:rPr lang="en-US" smtClean="0"/>
-              <a:t>2/26/14</a:t>
+              <a:t>2/26/2014</a:t>
             </a:fld>
             <a:endParaRPr lang="en-US"/>
           </a:p>
@@ -4958,8 +4976,8 @@
         </p:nvSpPr>
         <p:spPr>
           <a:xfrm>
-            <a:off x="297581" y="228600"/>
-            <a:ext cx="347879" cy="553998"/>
+            <a:off x="223186" y="228600"/>
+            <a:ext cx="260909" cy="415498"/>
           </a:xfrm>
           <a:prstGeom prst="rect">
             <a:avLst/>
@@ -4973,7 +4991,7 @@
           <a:lstStyle/>
           <a:p>
             <a:r>
-              <a:rPr sz="3600" b="1">
+              <a:rPr sz="2700" b="1">
                 <a:solidFill>
                   <a:schemeClr val="accent1">
                     <a:lumMod val="60000"/>
@@ -4998,8 +5016,8 @@
         </p:nvSpPr>
         <p:spPr>
           <a:xfrm>
-            <a:off x="664691" y="1129553"/>
-            <a:ext cx="10078613" cy="774700"/>
+            <a:off x="498519" y="1129553"/>
+            <a:ext cx="7558960" cy="774700"/>
           </a:xfrm>
         </p:spPr>
         <p:txBody>
@@ -5009,7 +5027,7 @@
           <a:lstStyle>
             <a:lvl1pPr marL="0" indent="0">
               <a:buNone/>
-              <a:defRPr kumimoji="0" sz="2400" b="0" i="0" u="none" strike="noStrike" kern="1200" cap="none" spc="0" normalizeH="0" baseline="0">
+              <a:defRPr kumimoji="0" sz="1800" b="0" i="0" u="none" strike="noStrike" kern="1200" cap="none" spc="0" normalizeH="0" baseline="0">
                 <a:ln>
                   <a:noFill/>
                 </a:ln>
@@ -5024,41 +5042,41 @@
                 <a:cs typeface="+mj-cs"/>
               </a:defRPr>
             </a:lvl1pPr>
-            <a:lvl2pPr marL="457200" indent="0">
-              <a:buNone/>
-              <a:defRPr sz="1200"/>
+            <a:lvl2pPr marL="342900" indent="0">
+              <a:buNone/>
+              <a:defRPr sz="900"/>
             </a:lvl2pPr>
-            <a:lvl3pPr marL="914400" indent="0">
-              <a:buNone/>
-              <a:defRPr sz="1000"/>
+            <a:lvl3pPr marL="685800" indent="0">
+              <a:buNone/>
+              <a:defRPr sz="750"/>
             </a:lvl3pPr>
-            <a:lvl4pPr marL="1371600" indent="0">
-              <a:buNone/>
-              <a:defRPr sz="900"/>
+            <a:lvl4pPr marL="1028700" indent="0">
+              <a:buNone/>
+              <a:defRPr sz="675"/>
             </a:lvl4pPr>
-            <a:lvl5pPr marL="1828800" indent="0">
-              <a:buNone/>
-              <a:defRPr sz="900"/>
+            <a:lvl5pPr marL="1371600" indent="0">
+              <a:buNone/>
+              <a:defRPr sz="675"/>
             </a:lvl5pPr>
-            <a:lvl6pPr marL="2286000" indent="0">
-              <a:buNone/>
-              <a:defRPr sz="900"/>
+            <a:lvl6pPr marL="1714500" indent="0">
+              <a:buNone/>
+              <a:defRPr sz="675"/>
             </a:lvl6pPr>
-            <a:lvl7pPr marL="2743200" indent="0">
-              <a:buNone/>
-              <a:defRPr sz="900"/>
+            <a:lvl7pPr marL="2057400" indent="0">
+              <a:buNone/>
+              <a:defRPr sz="675"/>
             </a:lvl7pPr>
-            <a:lvl8pPr marL="3200400" indent="0">
-              <a:buNone/>
-              <a:defRPr sz="900"/>
+            <a:lvl8pPr marL="2400300" indent="0">
+              <a:buNone/>
+              <a:defRPr sz="675"/>
             </a:lvl8pPr>
-            <a:lvl9pPr marL="3657600" indent="0">
-              <a:buNone/>
-              <a:defRPr sz="900"/>
+            <a:lvl9pPr marL="2743200" indent="0">
+              <a:buNone/>
+              <a:defRPr sz="675"/>
             </a:lvl9pPr>
           </a:lstStyle>
           <a:p>
-            <a:pPr marL="0" marR="0" lvl="0" indent="0" algn="l" defTabSz="914400" rtl="0" eaLnBrk="1" fontAlgn="auto" latinLnBrk="0" hangingPunct="1">
+            <a:pPr marL="0" marR="0" lvl="0" indent="0" algn="l" defTabSz="685800" rtl="0" eaLnBrk="1" fontAlgn="auto" latinLnBrk="0" hangingPunct="1">
               <a:lnSpc>
                 <a:spcPct val="100000"/>
               </a:lnSpc>
@@ -5119,8 +5137,8 @@
         </p:nvSpPr>
         <p:spPr>
           <a:xfrm>
-            <a:off x="6400800" y="4624668"/>
-            <a:ext cx="5384800" cy="933450"/>
+            <a:off x="4800600" y="4624668"/>
+            <a:ext cx="4038600" cy="933450"/>
           </a:xfrm>
         </p:spPr>
         <p:txBody>
@@ -5129,7 +5147,7 @@
           </a:bodyPr>
           <a:lstStyle>
             <a:lvl1pPr>
-              <a:defRPr sz="2800"/>
+              <a:defRPr sz="2100"/>
             </a:lvl1pPr>
           </a:lstStyle>
           <a:p>
@@ -5153,8 +5171,8 @@
         </p:nvSpPr>
         <p:spPr>
           <a:xfrm>
-            <a:off x="6400800" y="5562600"/>
-            <a:ext cx="5384800" cy="748553"/>
+            <a:off x="4800600" y="5562601"/>
+            <a:ext cx="4038600" cy="748553"/>
           </a:xfrm>
         </p:spPr>
         <p:txBody>
@@ -5164,10 +5182,10 @@
           <a:lstStyle>
             <a:lvl1pPr marL="0" indent="0" algn="l">
               <a:spcBef>
-                <a:spcPts val="300"/>
+                <a:spcPts val="225"/>
               </a:spcBef>
               <a:buNone/>
-              <a:defRPr sz="1400">
+              <a:defRPr sz="1050">
                 <a:solidFill>
                   <a:schemeClr val="tx1">
                     <a:tint val="75000"/>
@@ -5175,7 +5193,7 @@
                 </a:solidFill>
               </a:defRPr>
             </a:lvl1pPr>
-            <a:lvl2pPr marL="457200" indent="0" algn="ctr">
+            <a:lvl2pPr marL="342900" indent="0" algn="ctr">
               <a:buNone/>
               <a:defRPr>
                 <a:solidFill>
@@ -5185,7 +5203,7 @@
                 </a:solidFill>
               </a:defRPr>
             </a:lvl2pPr>
-            <a:lvl3pPr marL="914400" indent="0" algn="ctr">
+            <a:lvl3pPr marL="685800" indent="0" algn="ctr">
               <a:buNone/>
               <a:defRPr>
                 <a:solidFill>
@@ -5195,7 +5213,7 @@
                 </a:solidFill>
               </a:defRPr>
             </a:lvl3pPr>
-            <a:lvl4pPr marL="1371600" indent="0" algn="ctr">
+            <a:lvl4pPr marL="1028700" indent="0" algn="ctr">
               <a:buNone/>
               <a:defRPr>
                 <a:solidFill>
@@ -5205,7 +5223,7 @@
                 </a:solidFill>
               </a:defRPr>
             </a:lvl4pPr>
-            <a:lvl5pPr marL="1828800" indent="0" algn="ctr">
+            <a:lvl5pPr marL="1371600" indent="0" algn="ctr">
               <a:buNone/>
               <a:defRPr>
                 <a:solidFill>
@@ -5215,7 +5233,7 @@
                 </a:solidFill>
               </a:defRPr>
             </a:lvl5pPr>
-            <a:lvl6pPr marL="2286000" indent="0" algn="ctr">
+            <a:lvl6pPr marL="1714500" indent="0" algn="ctr">
               <a:buNone/>
               <a:defRPr>
                 <a:solidFill>
@@ -5225,7 +5243,7 @@
                 </a:solidFill>
               </a:defRPr>
             </a:lvl6pPr>
-            <a:lvl7pPr marL="2743200" indent="0" algn="ctr">
+            <a:lvl7pPr marL="2057400" indent="0" algn="ctr">
               <a:buNone/>
               <a:defRPr>
                 <a:solidFill>
@@ -5235,7 +5253,7 @@
                 </a:solidFill>
               </a:defRPr>
             </a:lvl7pPr>
-            <a:lvl8pPr marL="3200400" indent="0" algn="ctr">
+            <a:lvl8pPr marL="2400300" indent="0" algn="ctr">
               <a:buNone/>
               <a:defRPr>
                 <a:solidFill>
@@ -5245,7 +5263,7 @@
                 </a:solidFill>
               </a:defRPr>
             </a:lvl8pPr>
-            <a:lvl9pPr marL="3657600" indent="0" algn="ctr">
+            <a:lvl9pPr marL="2743200" indent="0" algn="ctr">
               <a:buNone/>
               <a:defRPr>
                 <a:solidFill>
@@ -5277,8 +5295,8 @@
         </p:nvSpPr>
         <p:spPr>
           <a:xfrm>
-            <a:off x="6400801" y="6425641"/>
-            <a:ext cx="1643529" cy="365125"/>
+            <a:off x="4800601" y="6425642"/>
+            <a:ext cx="1232647" cy="365125"/>
           </a:xfrm>
         </p:spPr>
         <p:txBody>
@@ -5291,7 +5309,7 @@
           <a:p>
             <a:fld id="{FEDBF184-AE6A-41EB-BBCB-9F86DBF77364}" type="datetimeFigureOut">
               <a:rPr lang="en-US" smtClean="0"/>
-              <a:t>2/26/14</a:t>
+              <a:t>2/26/2014</a:t>
             </a:fld>
             <a:endParaRPr lang="en-US"/>
           </a:p>
@@ -5309,8 +5327,8 @@
         </p:nvSpPr>
         <p:spPr>
           <a:xfrm>
-            <a:off x="8414871" y="6425641"/>
-            <a:ext cx="3490259" cy="365125"/>
+            <a:off x="6311154" y="6425642"/>
+            <a:ext cx="2617694" cy="365125"/>
           </a:xfrm>
         </p:spPr>
         <p:txBody>
@@ -5333,8 +5351,8 @@
         </p:nvSpPr>
         <p:spPr>
           <a:xfrm>
-            <a:off x="376767" y="228600"/>
-            <a:ext cx="5647267" cy="4187952"/>
+            <a:off x="282576" y="228600"/>
+            <a:ext cx="4235450" cy="4187952"/>
           </a:xfrm>
           <a:prstGeom prst="rect">
             <a:avLst/>
@@ -5367,7 +5385,7 @@
           <a:lstStyle/>
           <a:p>
             <a:pPr algn="ctr"/>
-            <a:endParaRPr/>
+            <a:endParaRPr sz="1350"/>
           </a:p>
         </p:txBody>
       </p:sp>
@@ -5379,8 +5397,8 @@
         </p:nvSpPr>
         <p:spPr>
           <a:xfrm>
-            <a:off x="9069917" y="228600"/>
-            <a:ext cx="2743200" cy="2039112"/>
+            <a:off x="6802438" y="228600"/>
+            <a:ext cx="2057400" cy="2039112"/>
           </a:xfrm>
           <a:prstGeom prst="rect">
             <a:avLst/>
@@ -5413,7 +5431,7 @@
           <a:lstStyle/>
           <a:p>
             <a:pPr algn="ctr"/>
-            <a:endParaRPr/>
+            <a:endParaRPr sz="1350"/>
           </a:p>
         </p:txBody>
       </p:sp>
@@ -5425,8 +5443,8 @@
         </p:nvSpPr>
         <p:spPr>
           <a:xfrm>
-            <a:off x="6165851" y="2377440"/>
-            <a:ext cx="2743200" cy="2039112"/>
+            <a:off x="4624388" y="2377440"/>
+            <a:ext cx="2057400" cy="2039112"/>
           </a:xfrm>
           <a:prstGeom prst="rect">
             <a:avLst/>
@@ -5459,7 +5477,7 @@
           <a:lstStyle/>
           <a:p>
             <a:pPr algn="ctr"/>
-            <a:endParaRPr/>
+            <a:endParaRPr sz="1350"/>
           </a:p>
         </p:txBody>
       </p:sp>
@@ -5475,8 +5493,8 @@
         </p:nvSpPr>
         <p:spPr>
           <a:xfrm>
-            <a:off x="6165851" y="228600"/>
-            <a:ext cx="2743200" cy="2039112"/>
+            <a:off x="4624388" y="228600"/>
+            <a:ext cx="2057400" cy="2039112"/>
           </a:xfrm>
         </p:spPr>
         <p:txBody>
@@ -5508,8 +5526,8 @@
         </p:nvSpPr>
         <p:spPr>
           <a:xfrm>
-            <a:off x="9069917" y="2377440"/>
-            <a:ext cx="2743200" cy="2039112"/>
+            <a:off x="6802438" y="2377440"/>
+            <a:ext cx="2057400" cy="2039112"/>
           </a:xfrm>
         </p:spPr>
         <p:txBody>
@@ -5541,8 +5559,8 @@
         </p:nvSpPr>
         <p:spPr>
           <a:xfrm>
-            <a:off x="1143000" y="1779495"/>
-            <a:ext cx="4114800" cy="2040905"/>
+            <a:off x="857250" y="1779496"/>
+            <a:ext cx="3086100" cy="2040905"/>
           </a:xfrm>
         </p:spPr>
         <p:txBody>
@@ -5552,26 +5570,26 @@
           <a:lstStyle>
             <a:lvl1pPr marL="0" indent="0" algn="ctr">
               <a:spcBef>
-                <a:spcPts val="600"/>
+                <a:spcPts val="450"/>
               </a:spcBef>
               <a:buNone/>
-              <a:defRPr sz="4600">
+              <a:defRPr sz="3450">
                 <a:solidFill>
                   <a:schemeClr val="bg1"/>
                 </a:solidFill>
               </a:defRPr>
             </a:lvl1pPr>
             <a:lvl2pPr>
-              <a:defRPr sz="1200"/>
+              <a:defRPr sz="900"/>
             </a:lvl2pPr>
             <a:lvl3pPr>
-              <a:defRPr sz="1000"/>
+              <a:defRPr sz="750"/>
             </a:lvl3pPr>
             <a:lvl4pPr>
-              <a:defRPr sz="900"/>
+              <a:defRPr sz="675"/>
             </a:lvl4pPr>
             <a:lvl5pPr>
-              <a:defRPr sz="900"/>
+              <a:defRPr sz="675"/>
             </a:lvl5pPr>
           </a:lstStyle>
           <a:p>
@@ -5591,8 +5609,8 @@
         </p:nvSpPr>
         <p:spPr>
           <a:xfrm>
-            <a:off x="566522" y="174813"/>
-            <a:ext cx="551079" cy="830997"/>
+            <a:off x="424892" y="174813"/>
+            <a:ext cx="413309" cy="623248"/>
           </a:xfrm>
           <a:prstGeom prst="rect">
             <a:avLst/>
@@ -5606,7 +5624,7 @@
           <a:lstStyle/>
           <a:p>
             <a:r>
-              <a:rPr sz="5400" b="1">
+              <a:rPr sz="4050" b="1">
                 <a:solidFill>
                   <a:schemeClr val="accent1">
                     <a:lumMod val="60000"/>
@@ -5652,8 +5670,8 @@
         </p:nvSpPr>
         <p:spPr>
           <a:xfrm>
-            <a:off x="878543" y="228600"/>
-            <a:ext cx="10934573" cy="6345238"/>
+            <a:off x="658908" y="228600"/>
+            <a:ext cx="8200930" cy="6345238"/>
           </a:xfrm>
           <a:prstGeom prst="rect">
             <a:avLst/>
@@ -5686,7 +5704,7 @@
           <a:lstStyle/>
           <a:p>
             <a:pPr algn="ctr"/>
-            <a:endParaRPr/>
+            <a:endParaRPr sz="1350"/>
           </a:p>
         </p:txBody>
       </p:sp>
@@ -5702,8 +5720,8 @@
         </p:nvSpPr>
         <p:spPr>
           <a:xfrm>
-            <a:off x="3048000" y="3124201"/>
-            <a:ext cx="7518400" cy="1362075"/>
+            <a:off x="2286000" y="3124202"/>
+            <a:ext cx="5638800" cy="1362075"/>
           </a:xfrm>
         </p:spPr>
         <p:txBody>
@@ -5712,7 +5730,7 @@
           </a:bodyPr>
           <a:lstStyle>
             <a:lvl1pPr algn="l">
-              <a:defRPr sz="3200" b="0" cap="none" baseline="0">
+              <a:defRPr sz="2400" b="0" cap="none" baseline="0">
                 <a:solidFill>
                   <a:schemeClr val="bg1"/>
                 </a:solidFill>
@@ -5740,8 +5758,8 @@
         </p:nvSpPr>
         <p:spPr>
           <a:xfrm>
-            <a:off x="3048000" y="4495801"/>
-            <a:ext cx="7518400" cy="1500187"/>
+            <a:off x="2286000" y="4495802"/>
+            <a:ext cx="5638800" cy="1500187"/>
           </a:xfrm>
         </p:spPr>
         <p:txBody>
@@ -5751,18 +5769,18 @@
           <a:lstStyle>
             <a:lvl1pPr marL="0" indent="0">
               <a:spcBef>
-                <a:spcPts val="300"/>
+                <a:spcPts val="225"/>
               </a:spcBef>
               <a:buNone/>
-              <a:defRPr sz="1400" cap="none" baseline="0">
+              <a:defRPr sz="1050" cap="none" baseline="0">
                 <a:solidFill>
                   <a:schemeClr val="bg1"/>
                 </a:solidFill>
               </a:defRPr>
             </a:lvl1pPr>
-            <a:lvl2pPr marL="457200" indent="0">
-              <a:buNone/>
-              <a:defRPr sz="1800">
+            <a:lvl2pPr marL="342900" indent="0">
+              <a:buNone/>
+              <a:defRPr sz="1350">
                 <a:solidFill>
                   <a:schemeClr val="tx1">
                     <a:tint val="75000"/>
@@ -5770,9 +5788,9 @@
                 </a:solidFill>
               </a:defRPr>
             </a:lvl2pPr>
-            <a:lvl3pPr marL="914400" indent="0">
-              <a:buNone/>
-              <a:defRPr sz="1600">
+            <a:lvl3pPr marL="685800" indent="0">
+              <a:buNone/>
+              <a:defRPr sz="1200">
                 <a:solidFill>
                   <a:schemeClr val="tx1">
                     <a:tint val="75000"/>
@@ -5780,9 +5798,9 @@
                 </a:solidFill>
               </a:defRPr>
             </a:lvl3pPr>
-            <a:lvl4pPr marL="1371600" indent="0">
-              <a:buNone/>
-              <a:defRPr sz="1400">
+            <a:lvl4pPr marL="1028700" indent="0">
+              <a:buNone/>
+              <a:defRPr sz="1050">
                 <a:solidFill>
                   <a:schemeClr val="tx1">
                     <a:tint val="75000"/>
@@ -5790,9 +5808,9 @@
                 </a:solidFill>
               </a:defRPr>
             </a:lvl4pPr>
-            <a:lvl5pPr marL="1828800" indent="0">
-              <a:buNone/>
-              <a:defRPr sz="1400">
+            <a:lvl5pPr marL="1371600" indent="0">
+              <a:buNone/>
+              <a:defRPr sz="1050">
                 <a:solidFill>
                   <a:schemeClr val="tx1">
                     <a:tint val="75000"/>
@@ -5800,9 +5818,9 @@
                 </a:solidFill>
               </a:defRPr>
             </a:lvl5pPr>
-            <a:lvl6pPr marL="2286000" indent="0">
-              <a:buNone/>
-              <a:defRPr sz="1400">
+            <a:lvl6pPr marL="1714500" indent="0">
+              <a:buNone/>
+              <a:defRPr sz="1050">
                 <a:solidFill>
                   <a:schemeClr val="tx1">
                     <a:tint val="75000"/>
@@ -5810,9 +5828,9 @@
                 </a:solidFill>
               </a:defRPr>
             </a:lvl6pPr>
-            <a:lvl7pPr marL="2743200" indent="0">
-              <a:buNone/>
-              <a:defRPr sz="1400">
+            <a:lvl7pPr marL="2057400" indent="0">
+              <a:buNone/>
+              <a:defRPr sz="1050">
                 <a:solidFill>
                   <a:schemeClr val="tx1">
                     <a:tint val="75000"/>
@@ -5820,9 +5838,9 @@
                 </a:solidFill>
               </a:defRPr>
             </a:lvl7pPr>
-            <a:lvl8pPr marL="3200400" indent="0">
-              <a:buNone/>
-              <a:defRPr sz="1400">
+            <a:lvl8pPr marL="2400300" indent="0">
+              <a:buNone/>
+              <a:defRPr sz="1050">
                 <a:solidFill>
                   <a:schemeClr val="tx1">
                     <a:tint val="75000"/>
@@ -5830,9 +5848,9 @@
                 </a:solidFill>
               </a:defRPr>
             </a:lvl8pPr>
-            <a:lvl9pPr marL="3657600" indent="0">
-              <a:buNone/>
-              <a:defRPr sz="1400">
+            <a:lvl9pPr marL="2743200" indent="0">
+              <a:buNone/>
+              <a:defRPr sz="1050">
                 <a:solidFill>
                   <a:schemeClr val="tx1">
                     <a:tint val="75000"/>
@@ -5862,8 +5880,8 @@
         </p:nvSpPr>
         <p:spPr>
           <a:xfrm>
-            <a:off x="878541" y="6248775"/>
-            <a:ext cx="1966259" cy="365125"/>
+            <a:off x="658906" y="6248776"/>
+            <a:ext cx="1474694" cy="365125"/>
           </a:xfrm>
         </p:spPr>
         <p:txBody>
@@ -5880,7 +5898,7 @@
           <a:p>
             <a:fld id="{FEDBF184-AE6A-41EB-BBCB-9F86DBF77364}" type="datetimeFigureOut">
               <a:rPr lang="en-US" smtClean="0"/>
-              <a:t>2/26/14</a:t>
+              <a:t>2/26/2014</a:t>
             </a:fld>
             <a:endParaRPr lang="en-US"/>
           </a:p>
@@ -5898,8 +5916,8 @@
         </p:nvSpPr>
         <p:spPr>
           <a:xfrm>
-            <a:off x="3048000" y="6248775"/>
-            <a:ext cx="7518400" cy="365125"/>
+            <a:off x="2286000" y="6248776"/>
+            <a:ext cx="5638800" cy="365125"/>
           </a:xfrm>
         </p:spPr>
         <p:txBody>
@@ -5930,8 +5948,8 @@
         </p:nvSpPr>
         <p:spPr>
           <a:xfrm>
-            <a:off x="11074400" y="6248775"/>
-            <a:ext cx="738717" cy="365125"/>
+            <a:off x="8305800" y="6248776"/>
+            <a:ext cx="554038" cy="365125"/>
           </a:xfrm>
         </p:spPr>
         <p:txBody>
@@ -5954,8 +5972,8 @@
         </p:nvSpPr>
         <p:spPr>
           <a:xfrm>
-            <a:off x="2671483" y="3110755"/>
-            <a:ext cx="347879" cy="615553"/>
+            <a:off x="2003613" y="3110756"/>
+            <a:ext cx="260909" cy="461665"/>
           </a:xfrm>
           <a:prstGeom prst="rect">
             <a:avLst/>
@@ -5969,7 +5987,7 @@
           <a:lstStyle/>
           <a:p>
             <a:r>
-              <a:rPr sz="4000" b="1">
+              <a:rPr sz="3000" b="1">
                 <a:solidFill>
                   <a:schemeClr val="accent1">
                     <a:lumMod val="60000"/>
@@ -5990,8 +6008,8 @@
         </p:nvSpPr>
         <p:spPr>
           <a:xfrm>
-            <a:off x="381001" y="228600"/>
-            <a:ext cx="283633" cy="6345238"/>
+            <a:off x="285751" y="228600"/>
+            <a:ext cx="212725" cy="6345238"/>
           </a:xfrm>
           <a:prstGeom prst="rect">
             <a:avLst/>
@@ -6024,7 +6042,7 @@
           <a:lstStyle/>
           <a:p>
             <a:pPr algn="ctr"/>
-            <a:endParaRPr/>
+            <a:endParaRPr sz="1350"/>
           </a:p>
         </p:txBody>
       </p:sp>
@@ -6061,8 +6079,8 @@
         </p:nvSpPr>
         <p:spPr>
           <a:xfrm>
-            <a:off x="10947401" y="282574"/>
-            <a:ext cx="856129" cy="1600200"/>
+            <a:off x="8210551" y="282574"/>
+            <a:ext cx="642097" cy="1600200"/>
           </a:xfrm>
           <a:prstGeom prst="rect">
             <a:avLst/>
@@ -6095,7 +6113,7 @@
           <a:lstStyle/>
           <a:p>
             <a:pPr algn="ctr"/>
-            <a:endParaRPr/>
+            <a:endParaRPr sz="1350"/>
           </a:p>
         </p:txBody>
       </p:sp>
@@ -6107,8 +6125,8 @@
         </p:nvSpPr>
         <p:spPr>
           <a:xfrm>
-            <a:off x="10757647" y="282574"/>
-            <a:ext cx="121920" cy="1600200"/>
+            <a:off x="8068235" y="282574"/>
+            <a:ext cx="91440" cy="1600200"/>
           </a:xfrm>
           <a:prstGeom prst="rect">
             <a:avLst/>
@@ -6141,7 +6159,7 @@
           <a:lstStyle/>
           <a:p>
             <a:pPr algn="ctr"/>
-            <a:endParaRPr/>
+            <a:endParaRPr sz="1350"/>
           </a:p>
         </p:txBody>
       </p:sp>
@@ -6153,8 +6171,8 @@
         </p:nvSpPr>
         <p:spPr>
           <a:xfrm>
-            <a:off x="297581" y="228600"/>
-            <a:ext cx="347879" cy="553998"/>
+            <a:off x="223186" y="228600"/>
+            <a:ext cx="260909" cy="415498"/>
           </a:xfrm>
           <a:prstGeom prst="rect">
             <a:avLst/>
@@ -6168,7 +6186,7 @@
           <a:lstStyle/>
           <a:p>
             <a:r>
-              <a:rPr sz="3600" b="1">
+              <a:rPr sz="2700" b="1">
                 <a:solidFill>
                   <a:schemeClr val="accent1">
                     <a:lumMod val="60000"/>
@@ -6216,8 +6234,8 @@
         </p:nvSpPr>
         <p:spPr>
           <a:xfrm>
-            <a:off x="664691" y="1985963"/>
-            <a:ext cx="4876800" cy="4140200"/>
+            <a:off x="498518" y="1985963"/>
+            <a:ext cx="3657600" cy="4140200"/>
           </a:xfrm>
         </p:spPr>
         <p:txBody>
@@ -6226,31 +6244,31 @@
           </a:bodyPr>
           <a:lstStyle>
             <a:lvl1pPr>
-              <a:defRPr sz="1800"/>
+              <a:defRPr sz="1350"/>
             </a:lvl1pPr>
             <a:lvl2pPr>
-              <a:defRPr sz="1800"/>
+              <a:defRPr sz="1350"/>
             </a:lvl2pPr>
             <a:lvl3pPr>
-              <a:defRPr sz="1800"/>
+              <a:defRPr sz="1350"/>
             </a:lvl3pPr>
             <a:lvl4pPr>
-              <a:defRPr sz="1800"/>
+              <a:defRPr sz="1350"/>
             </a:lvl4pPr>
             <a:lvl5pPr>
-              <a:defRPr sz="1800"/>
+              <a:defRPr sz="1350"/>
             </a:lvl5pPr>
             <a:lvl6pPr>
-              <a:defRPr sz="1800"/>
+              <a:defRPr sz="1350"/>
             </a:lvl6pPr>
             <a:lvl7pPr>
-              <a:defRPr sz="1800"/>
+              <a:defRPr sz="1350"/>
             </a:lvl7pPr>
             <a:lvl8pPr>
-              <a:defRPr sz="1800"/>
+              <a:defRPr sz="1350"/>
             </a:lvl8pPr>
             <a:lvl9pPr>
-              <a:defRPr sz="1800"/>
+              <a:defRPr sz="1350"/>
             </a:lvl9pPr>
           </a:lstStyle>
           <a:p>
@@ -6303,8 +6321,8 @@
         </p:nvSpPr>
         <p:spPr>
           <a:xfrm>
-            <a:off x="5866504" y="1985963"/>
-            <a:ext cx="4876800" cy="4140200"/>
+            <a:off x="4399878" y="1985963"/>
+            <a:ext cx="3657600" cy="4140200"/>
           </a:xfrm>
         </p:spPr>
         <p:txBody>
@@ -6313,31 +6331,31 @@
           </a:bodyPr>
           <a:lstStyle>
             <a:lvl1pPr>
-              <a:defRPr sz="1800"/>
+              <a:defRPr sz="1350"/>
             </a:lvl1pPr>
             <a:lvl2pPr>
-              <a:defRPr sz="1800"/>
+              <a:defRPr sz="1350"/>
             </a:lvl2pPr>
             <a:lvl3pPr>
-              <a:defRPr sz="1800"/>
+              <a:defRPr sz="1350"/>
             </a:lvl3pPr>
             <a:lvl4pPr>
-              <a:defRPr sz="1800"/>
+              <a:defRPr sz="1350"/>
             </a:lvl4pPr>
             <a:lvl5pPr>
-              <a:defRPr sz="1800"/>
+              <a:defRPr sz="1350"/>
             </a:lvl5pPr>
             <a:lvl6pPr>
-              <a:defRPr sz="1800"/>
+              <a:defRPr sz="1350"/>
             </a:lvl6pPr>
             <a:lvl7pPr>
-              <a:defRPr sz="1800"/>
+              <a:defRPr sz="1350"/>
             </a:lvl7pPr>
             <a:lvl8pPr>
-              <a:defRPr sz="1800"/>
+              <a:defRPr sz="1350"/>
             </a:lvl8pPr>
             <a:lvl9pPr>
-              <a:defRPr sz="1800"/>
+              <a:defRPr sz="1350"/>
             </a:lvl9pPr>
           </a:lstStyle>
           <a:p>
@@ -6395,7 +6413,7 @@
           <a:p>
             <a:fld id="{FEDBF184-AE6A-41EB-BBCB-9F86DBF77364}" type="datetimeFigureOut">
               <a:rPr lang="en-US" smtClean="0"/>
-              <a:t>2/26/14</a:t>
+              <a:t>2/26/2014</a:t>
             </a:fld>
             <a:endParaRPr lang="en-US"/>
           </a:p>
@@ -6476,8 +6494,8 @@
         </p:nvSpPr>
         <p:spPr>
           <a:xfrm>
-            <a:off x="10889129" y="282574"/>
-            <a:ext cx="914400" cy="1600200"/>
+            <a:off x="8166847" y="282574"/>
+            <a:ext cx="685800" cy="1600200"/>
           </a:xfrm>
           <a:prstGeom prst="rect">
             <a:avLst/>
@@ -6510,7 +6528,7 @@
           <a:lstStyle/>
           <a:p>
             <a:pPr algn="ctr"/>
-            <a:endParaRPr/>
+            <a:endParaRPr sz="1350"/>
           </a:p>
         </p:txBody>
       </p:sp>
@@ -6522,8 +6540,8 @@
         </p:nvSpPr>
         <p:spPr>
           <a:xfrm>
-            <a:off x="297581" y="228600"/>
-            <a:ext cx="347879" cy="553998"/>
+            <a:off x="223186" y="228600"/>
+            <a:ext cx="260909" cy="415498"/>
           </a:xfrm>
           <a:prstGeom prst="rect">
             <a:avLst/>
@@ -6537,7 +6555,7 @@
           <a:lstStyle/>
           <a:p>
             <a:r>
-              <a:rPr sz="3600" b="1">
+              <a:rPr sz="2700" b="1">
                 <a:solidFill>
                   <a:schemeClr val="accent1">
                     <a:lumMod val="60000"/>
@@ -6589,8 +6607,8 @@
         </p:nvSpPr>
         <p:spPr>
           <a:xfrm>
-            <a:off x="663388" y="2447366"/>
-            <a:ext cx="4876800" cy="3678797"/>
+            <a:off x="497541" y="2447367"/>
+            <a:ext cx="3657600" cy="3678797"/>
           </a:xfrm>
         </p:spPr>
         <p:txBody>
@@ -6599,31 +6617,31 @@
           </a:bodyPr>
           <a:lstStyle>
             <a:lvl1pPr>
-              <a:defRPr sz="1800"/>
+              <a:defRPr sz="1350"/>
             </a:lvl1pPr>
             <a:lvl2pPr>
-              <a:defRPr sz="1800"/>
+              <a:defRPr sz="1350"/>
             </a:lvl2pPr>
             <a:lvl3pPr>
-              <a:defRPr sz="1800"/>
+              <a:defRPr sz="1350"/>
             </a:lvl3pPr>
             <a:lvl4pPr>
-              <a:defRPr sz="1800"/>
+              <a:defRPr sz="1350"/>
             </a:lvl4pPr>
             <a:lvl5pPr>
-              <a:defRPr sz="1800"/>
+              <a:defRPr sz="1350"/>
             </a:lvl5pPr>
             <a:lvl6pPr>
-              <a:defRPr sz="1600"/>
+              <a:defRPr sz="1200"/>
             </a:lvl6pPr>
             <a:lvl7pPr>
-              <a:defRPr sz="1600"/>
+              <a:defRPr sz="1200"/>
             </a:lvl7pPr>
             <a:lvl8pPr>
-              <a:defRPr sz="1600"/>
+              <a:defRPr sz="1200"/>
             </a:lvl8pPr>
             <a:lvl9pPr>
-              <a:defRPr sz="1600"/>
+              <a:defRPr sz="1200"/>
             </a:lvl9pPr>
           </a:lstStyle>
           <a:p>
@@ -6676,8 +6694,8 @@
         </p:nvSpPr>
         <p:spPr>
           <a:xfrm>
-            <a:off x="5866504" y="2447366"/>
-            <a:ext cx="4876800" cy="3678797"/>
+            <a:off x="4399878" y="2447367"/>
+            <a:ext cx="3657600" cy="3678797"/>
           </a:xfrm>
         </p:spPr>
         <p:txBody>
@@ -6686,31 +6704,31 @@
           </a:bodyPr>
           <a:lstStyle>
             <a:lvl1pPr>
-              <a:defRPr sz="1800"/>
+              <a:defRPr sz="1350"/>
             </a:lvl1pPr>
             <a:lvl2pPr>
-              <a:defRPr sz="1800"/>
+              <a:defRPr sz="1350"/>
             </a:lvl2pPr>
             <a:lvl3pPr>
-              <a:defRPr sz="1800"/>
+              <a:defRPr sz="1350"/>
             </a:lvl3pPr>
             <a:lvl4pPr>
-              <a:defRPr sz="1800"/>
+              <a:defRPr sz="1350"/>
             </a:lvl4pPr>
             <a:lvl5pPr>
-              <a:defRPr sz="1800"/>
+              <a:defRPr sz="1350"/>
             </a:lvl5pPr>
             <a:lvl6pPr>
-              <a:defRPr sz="1600"/>
+              <a:defRPr sz="1200"/>
             </a:lvl6pPr>
             <a:lvl7pPr>
-              <a:defRPr sz="1600"/>
+              <a:defRPr sz="1200"/>
             </a:lvl7pPr>
             <a:lvl8pPr>
-              <a:defRPr sz="1600"/>
+              <a:defRPr sz="1200"/>
             </a:lvl8pPr>
             <a:lvl9pPr>
-              <a:defRPr sz="1600"/>
+              <a:defRPr sz="1200"/>
             </a:lvl9pPr>
           </a:lstStyle>
           <a:p>
@@ -6768,7 +6786,7 @@
           <a:p>
             <a:fld id="{FEDBF184-AE6A-41EB-BBCB-9F86DBF77364}" type="datetimeFigureOut">
               <a:rPr lang="en-US" smtClean="0"/>
-              <a:t>2/26/14</a:t>
+              <a:t>2/26/2014</a:t>
             </a:fld>
             <a:endParaRPr lang="en-US"/>
           </a:p>
@@ -6828,8 +6846,8 @@
         </p:nvSpPr>
         <p:spPr>
           <a:xfrm>
-            <a:off x="663388" y="2070848"/>
-            <a:ext cx="4876800" cy="322729"/>
+            <a:off x="497541" y="2070849"/>
+            <a:ext cx="3657600" cy="322729"/>
           </a:xfrm>
           <a:prstGeom prst="rect">
             <a:avLst/>
@@ -6848,43 +6866,43 @@
                 <a:spcPts val="0"/>
               </a:spcBef>
               <a:buNone/>
-              <a:defRPr sz="1800" b="0">
+              <a:defRPr sz="1350" b="0">
                 <a:solidFill>
                   <a:schemeClr val="bg1"/>
                 </a:solidFill>
               </a:defRPr>
             </a:lvl1pPr>
-            <a:lvl2pPr marL="457200" indent="0">
-              <a:buNone/>
-              <a:defRPr sz="2000" b="1"/>
+            <a:lvl2pPr marL="342900" indent="0">
+              <a:buNone/>
+              <a:defRPr sz="1500" b="1"/>
             </a:lvl2pPr>
-            <a:lvl3pPr marL="914400" indent="0">
-              <a:buNone/>
-              <a:defRPr sz="1800" b="1"/>
+            <a:lvl3pPr marL="685800" indent="0">
+              <a:buNone/>
+              <a:defRPr sz="1350" b="1"/>
             </a:lvl3pPr>
-            <a:lvl4pPr marL="1371600" indent="0">
-              <a:buNone/>
-              <a:defRPr sz="1600" b="1"/>
+            <a:lvl4pPr marL="1028700" indent="0">
+              <a:buNone/>
+              <a:defRPr sz="1200" b="1"/>
             </a:lvl4pPr>
-            <a:lvl5pPr marL="1828800" indent="0">
-              <a:buNone/>
-              <a:defRPr sz="1600" b="1"/>
+            <a:lvl5pPr marL="1371600" indent="0">
+              <a:buNone/>
+              <a:defRPr sz="1200" b="1"/>
             </a:lvl5pPr>
-            <a:lvl6pPr marL="2286000" indent="0">
-              <a:buNone/>
-              <a:defRPr sz="1600" b="1"/>
+            <a:lvl6pPr marL="1714500" indent="0">
+              <a:buNone/>
+              <a:defRPr sz="1200" b="1"/>
             </a:lvl6pPr>
-            <a:lvl7pPr marL="2743200" indent="0">
-              <a:buNone/>
-              <a:defRPr sz="1600" b="1"/>
+            <a:lvl7pPr marL="2057400" indent="0">
+              <a:buNone/>
+              <a:defRPr sz="1200" b="1"/>
             </a:lvl7pPr>
-            <a:lvl8pPr marL="3200400" indent="0">
-              <a:buNone/>
-              <a:defRPr sz="1600" b="1"/>
+            <a:lvl8pPr marL="2400300" indent="0">
+              <a:buNone/>
+              <a:defRPr sz="1200" b="1"/>
             </a:lvl8pPr>
-            <a:lvl9pPr marL="3657600" indent="0">
-              <a:buNone/>
-              <a:defRPr sz="1600" b="1"/>
+            <a:lvl9pPr marL="2743200" indent="0">
+              <a:buNone/>
+              <a:defRPr sz="1200" b="1"/>
             </a:lvl9pPr>
           </a:lstStyle>
           <a:p>
@@ -6908,8 +6926,8 @@
         </p:nvSpPr>
         <p:spPr>
           <a:xfrm>
-            <a:off x="5866504" y="2070848"/>
-            <a:ext cx="4876800" cy="322729"/>
+            <a:off x="4399878" y="2070849"/>
+            <a:ext cx="3657600" cy="322729"/>
           </a:xfrm>
           <a:prstGeom prst="rect">
             <a:avLst/>
@@ -6931,43 +6949,43 @@
                 <a:spcPts val="0"/>
               </a:spcBef>
               <a:buNone/>
-              <a:defRPr sz="1800" b="0">
+              <a:defRPr sz="1350" b="0">
                 <a:solidFill>
                   <a:schemeClr val="bg1"/>
                 </a:solidFill>
               </a:defRPr>
             </a:lvl1pPr>
-            <a:lvl2pPr marL="457200" indent="0">
-              <a:buNone/>
-              <a:defRPr sz="2000" b="1"/>
+            <a:lvl2pPr marL="342900" indent="0">
+              <a:buNone/>
+              <a:defRPr sz="1500" b="1"/>
             </a:lvl2pPr>
-            <a:lvl3pPr marL="914400" indent="0">
-              <a:buNone/>
-              <a:defRPr sz="1800" b="1"/>
+            <a:lvl3pPr marL="685800" indent="0">
+              <a:buNone/>
+              <a:defRPr sz="1350" b="1"/>
             </a:lvl3pPr>
-            <a:lvl4pPr marL="1371600" indent="0">
-              <a:buNone/>
-              <a:defRPr sz="1600" b="1"/>
+            <a:lvl4pPr marL="1028700" indent="0">
+              <a:buNone/>
+              <a:defRPr sz="1200" b="1"/>
             </a:lvl4pPr>
-            <a:lvl5pPr marL="1828800" indent="0">
-              <a:buNone/>
-              <a:defRPr sz="1600" b="1"/>
+            <a:lvl5pPr marL="1371600" indent="0">
+              <a:buNone/>
+              <a:defRPr sz="1200" b="1"/>
             </a:lvl5pPr>
-            <a:lvl6pPr marL="2286000" indent="0">
-              <a:buNone/>
-              <a:defRPr sz="1600" b="1"/>
+            <a:lvl6pPr marL="1714500" indent="0">
+              <a:buNone/>
+              <a:defRPr sz="1200" b="1"/>
             </a:lvl6pPr>
-            <a:lvl7pPr marL="2743200" indent="0">
-              <a:buNone/>
-              <a:defRPr sz="1600" b="1"/>
+            <a:lvl7pPr marL="2057400" indent="0">
+              <a:buNone/>
+              <a:defRPr sz="1200" b="1"/>
             </a:lvl7pPr>
-            <a:lvl8pPr marL="3200400" indent="0">
-              <a:buNone/>
-              <a:defRPr sz="1600" b="1"/>
+            <a:lvl8pPr marL="2400300" indent="0">
+              <a:buNone/>
+              <a:defRPr sz="1200" b="1"/>
             </a:lvl8pPr>
-            <a:lvl9pPr marL="3657600" indent="0">
-              <a:buNone/>
-              <a:defRPr sz="1600" b="1"/>
+            <a:lvl9pPr marL="2743200" indent="0">
+              <a:buNone/>
+              <a:defRPr sz="1200" b="1"/>
             </a:lvl9pPr>
           </a:lstStyle>
           <a:p>
@@ -7012,8 +7030,8 @@
         </p:nvSpPr>
         <p:spPr>
           <a:xfrm>
-            <a:off x="297581" y="228600"/>
-            <a:ext cx="347879" cy="553998"/>
+            <a:off x="223186" y="228600"/>
+            <a:ext cx="260909" cy="415498"/>
           </a:xfrm>
           <a:prstGeom prst="rect">
             <a:avLst/>
@@ -7027,7 +7045,7 @@
           <a:lstStyle/>
           <a:p>
             <a:r>
-              <a:rPr sz="3600" b="1">
+              <a:rPr sz="2700" b="1">
                 <a:solidFill>
                   <a:schemeClr val="accent1">
                     <a:lumMod val="60000"/>
@@ -7075,8 +7093,8 @@
         </p:nvSpPr>
         <p:spPr>
           <a:xfrm>
-            <a:off x="664690" y="1985963"/>
-            <a:ext cx="10092209" cy="1965960"/>
+            <a:off x="498518" y="1985963"/>
+            <a:ext cx="7569157" cy="1965960"/>
           </a:xfrm>
         </p:spPr>
         <p:txBody>
@@ -7085,31 +7103,31 @@
           </a:bodyPr>
           <a:lstStyle>
             <a:lvl1pPr>
-              <a:defRPr sz="1800"/>
+              <a:defRPr sz="1350"/>
             </a:lvl1pPr>
             <a:lvl2pPr>
-              <a:defRPr sz="1800"/>
+              <a:defRPr sz="1350"/>
             </a:lvl2pPr>
             <a:lvl3pPr>
-              <a:defRPr sz="1800"/>
+              <a:defRPr sz="1350"/>
             </a:lvl3pPr>
             <a:lvl4pPr>
-              <a:defRPr sz="1800"/>
+              <a:defRPr sz="1350"/>
             </a:lvl4pPr>
             <a:lvl5pPr>
-              <a:defRPr sz="1800"/>
+              <a:defRPr sz="1350"/>
             </a:lvl5pPr>
             <a:lvl6pPr>
-              <a:defRPr sz="1800"/>
+              <a:defRPr sz="1350"/>
             </a:lvl6pPr>
             <a:lvl7pPr>
-              <a:defRPr sz="1800"/>
+              <a:defRPr sz="1350"/>
             </a:lvl7pPr>
             <a:lvl8pPr>
-              <a:defRPr sz="1800"/>
+              <a:defRPr sz="1350"/>
             </a:lvl8pPr>
             <a:lvl9pPr>
-              <a:defRPr sz="1800"/>
+              <a:defRPr sz="1350"/>
             </a:lvl9pPr>
           </a:lstStyle>
           <a:p>
@@ -7167,7 +7185,7 @@
           <a:p>
             <a:fld id="{FEDBF184-AE6A-41EB-BBCB-9F86DBF77364}" type="datetimeFigureOut">
               <a:rPr lang="en-US" smtClean="0"/>
-              <a:t>2/26/14</a:t>
+              <a:t>2/26/2014</a:t>
             </a:fld>
             <a:endParaRPr lang="en-US"/>
           </a:p>
@@ -7204,8 +7222,8 @@
         </p:nvSpPr>
         <p:spPr>
           <a:xfrm>
-            <a:off x="664690" y="4164965"/>
-            <a:ext cx="10092209" cy="1965960"/>
+            <a:off x="498518" y="4164965"/>
+            <a:ext cx="7569157" cy="1965960"/>
           </a:xfrm>
         </p:spPr>
         <p:txBody>
@@ -7214,31 +7232,31 @@
           </a:bodyPr>
           <a:lstStyle>
             <a:lvl1pPr>
-              <a:defRPr sz="1800"/>
+              <a:defRPr sz="1350"/>
             </a:lvl1pPr>
             <a:lvl2pPr>
-              <a:defRPr sz="1800"/>
+              <a:defRPr sz="1350"/>
             </a:lvl2pPr>
             <a:lvl3pPr>
-              <a:defRPr sz="1800"/>
+              <a:defRPr sz="1350"/>
             </a:lvl3pPr>
             <a:lvl4pPr>
-              <a:defRPr sz="1800"/>
+              <a:defRPr sz="1350"/>
             </a:lvl4pPr>
             <a:lvl5pPr>
-              <a:defRPr sz="1800"/>
+              <a:defRPr sz="1350"/>
             </a:lvl5pPr>
             <a:lvl6pPr>
-              <a:defRPr sz="1800"/>
+              <a:defRPr sz="1350"/>
             </a:lvl6pPr>
             <a:lvl7pPr>
-              <a:defRPr sz="1800"/>
+              <a:defRPr sz="1350"/>
             </a:lvl7pPr>
             <a:lvl8pPr>
-              <a:defRPr sz="1800"/>
+              <a:defRPr sz="1350"/>
             </a:lvl8pPr>
             <a:lvl9pPr>
-              <a:defRPr sz="1800"/>
+              <a:defRPr sz="1350"/>
             </a:lvl9pPr>
           </a:lstStyle>
           <a:p>
@@ -7287,8 +7305,8 @@
         </p:nvSpPr>
         <p:spPr>
           <a:xfrm>
-            <a:off x="10889129" y="282574"/>
-            <a:ext cx="914400" cy="1600200"/>
+            <a:off x="8166847" y="282574"/>
+            <a:ext cx="685800" cy="1600200"/>
           </a:xfrm>
           <a:prstGeom prst="rect">
             <a:avLst/>
@@ -7321,7 +7339,7 @@
           <a:lstStyle/>
           <a:p>
             <a:pPr algn="ctr"/>
-            <a:endParaRPr/>
+            <a:endParaRPr sz="1350"/>
           </a:p>
         </p:txBody>
       </p:sp>
@@ -7337,8 +7355,8 @@
         </p:nvSpPr>
         <p:spPr>
           <a:xfrm>
-            <a:off x="11074400" y="242235"/>
-            <a:ext cx="738717" cy="365125"/>
+            <a:off x="8305800" y="242236"/>
+            <a:ext cx="554038" cy="365125"/>
           </a:xfrm>
         </p:spPr>
         <p:txBody>
@@ -7386,8 +7404,8 @@
         </p:nvSpPr>
         <p:spPr>
           <a:xfrm>
-            <a:off x="10889129" y="282574"/>
-            <a:ext cx="914400" cy="1600200"/>
+            <a:off x="8166847" y="282574"/>
+            <a:ext cx="685800" cy="1600200"/>
           </a:xfrm>
           <a:prstGeom prst="rect">
             <a:avLst/>
@@ -7420,7 +7438,7 @@
           <a:lstStyle/>
           <a:p>
             <a:pPr algn="ctr"/>
-            <a:endParaRPr/>
+            <a:endParaRPr sz="1350"/>
           </a:p>
         </p:txBody>
       </p:sp>
@@ -7432,8 +7450,8 @@
         </p:nvSpPr>
         <p:spPr>
           <a:xfrm>
-            <a:off x="297581" y="228600"/>
-            <a:ext cx="347879" cy="553998"/>
+            <a:off x="223186" y="228600"/>
+            <a:ext cx="260909" cy="415498"/>
           </a:xfrm>
           <a:prstGeom prst="rect">
             <a:avLst/>
@@ -7447,7 +7465,7 @@
           <a:lstStyle/>
           <a:p>
             <a:r>
-              <a:rPr sz="3600" b="1">
+              <a:rPr sz="2700" b="1">
                 <a:solidFill>
                   <a:schemeClr val="accent1">
                     <a:lumMod val="60000"/>
@@ -7495,8 +7513,8 @@
         </p:nvSpPr>
         <p:spPr>
           <a:xfrm>
-            <a:off x="5880100" y="1985963"/>
-            <a:ext cx="4876800" cy="1965960"/>
+            <a:off x="4410075" y="1985963"/>
+            <a:ext cx="3657600" cy="1965960"/>
           </a:xfrm>
         </p:spPr>
         <p:txBody>
@@ -7505,31 +7523,31 @@
           </a:bodyPr>
           <a:lstStyle>
             <a:lvl1pPr>
-              <a:defRPr sz="1800"/>
+              <a:defRPr sz="1350"/>
             </a:lvl1pPr>
             <a:lvl2pPr>
-              <a:defRPr sz="1800"/>
+              <a:defRPr sz="1350"/>
             </a:lvl2pPr>
             <a:lvl3pPr>
-              <a:defRPr sz="1800"/>
+              <a:defRPr sz="1350"/>
             </a:lvl3pPr>
             <a:lvl4pPr>
-              <a:defRPr sz="1800"/>
+              <a:defRPr sz="1350"/>
             </a:lvl4pPr>
             <a:lvl5pPr>
-              <a:defRPr sz="1800"/>
+              <a:defRPr sz="1350"/>
             </a:lvl5pPr>
             <a:lvl6pPr>
-              <a:defRPr sz="1800"/>
+              <a:defRPr sz="1350"/>
             </a:lvl6pPr>
             <a:lvl7pPr>
-              <a:defRPr sz="1800"/>
+              <a:defRPr sz="1350"/>
             </a:lvl7pPr>
             <a:lvl8pPr>
-              <a:defRPr sz="1800"/>
+              <a:defRPr sz="1350"/>
             </a:lvl8pPr>
             <a:lvl9pPr>
-              <a:defRPr sz="1800"/>
+              <a:defRPr sz="1350"/>
             </a:lvl9pPr>
           </a:lstStyle>
           <a:p>
@@ -7587,7 +7605,7 @@
           <a:p>
             <a:fld id="{FEDBF184-AE6A-41EB-BBCB-9F86DBF77364}" type="datetimeFigureOut">
               <a:rPr lang="en-US" smtClean="0"/>
-              <a:t>2/26/14</a:t>
+              <a:t>2/26/2014</a:t>
             </a:fld>
             <a:endParaRPr lang="en-US"/>
           </a:p>
@@ -7647,8 +7665,8 @@
         </p:nvSpPr>
         <p:spPr>
           <a:xfrm>
-            <a:off x="664691" y="1985963"/>
-            <a:ext cx="4876800" cy="4140200"/>
+            <a:off x="498518" y="1985963"/>
+            <a:ext cx="3657600" cy="4140200"/>
           </a:xfrm>
         </p:spPr>
         <p:txBody>
@@ -7657,31 +7675,31 @@
           </a:bodyPr>
           <a:lstStyle>
             <a:lvl1pPr>
-              <a:defRPr sz="1800"/>
+              <a:defRPr sz="1350"/>
             </a:lvl1pPr>
             <a:lvl2pPr>
-              <a:defRPr sz="1800"/>
+              <a:defRPr sz="1350"/>
             </a:lvl2pPr>
             <a:lvl3pPr>
-              <a:defRPr sz="1800"/>
+              <a:defRPr sz="1350"/>
             </a:lvl3pPr>
             <a:lvl4pPr>
-              <a:defRPr sz="1800"/>
+              <a:defRPr sz="1350"/>
             </a:lvl4pPr>
             <a:lvl5pPr>
-              <a:defRPr sz="1800"/>
+              <a:defRPr sz="1350"/>
             </a:lvl5pPr>
             <a:lvl6pPr>
-              <a:defRPr sz="1800"/>
+              <a:defRPr sz="1350"/>
             </a:lvl6pPr>
             <a:lvl7pPr>
-              <a:defRPr sz="1800"/>
+              <a:defRPr sz="1350"/>
             </a:lvl7pPr>
             <a:lvl8pPr>
-              <a:defRPr sz="1800"/>
+              <a:defRPr sz="1350"/>
             </a:lvl8pPr>
             <a:lvl9pPr>
-              <a:defRPr sz="1800"/>
+              <a:defRPr sz="1350"/>
             </a:lvl9pPr>
           </a:lstStyle>
           <a:p>
@@ -7734,8 +7752,8 @@
         </p:nvSpPr>
         <p:spPr>
           <a:xfrm>
-            <a:off x="5880100" y="4169664"/>
-            <a:ext cx="4876800" cy="1965960"/>
+            <a:off x="4410075" y="4169664"/>
+            <a:ext cx="3657600" cy="1965960"/>
           </a:xfrm>
         </p:spPr>
         <p:txBody>
@@ -7744,31 +7762,31 @@
           </a:bodyPr>
           <a:lstStyle>
             <a:lvl1pPr>
-              <a:defRPr sz="1800"/>
+              <a:defRPr sz="1350"/>
             </a:lvl1pPr>
             <a:lvl2pPr>
-              <a:defRPr sz="1800"/>
+              <a:defRPr sz="1350"/>
             </a:lvl2pPr>
             <a:lvl3pPr>
-              <a:defRPr sz="1800"/>
+              <a:defRPr sz="1350"/>
             </a:lvl3pPr>
             <a:lvl4pPr>
-              <a:defRPr sz="1800"/>
+              <a:defRPr sz="1350"/>
             </a:lvl4pPr>
             <a:lvl5pPr>
-              <a:defRPr sz="1800"/>
+              <a:defRPr sz="1350"/>
             </a:lvl5pPr>
             <a:lvl6pPr>
-              <a:defRPr sz="1800"/>
+              <a:defRPr sz="1350"/>
             </a:lvl6pPr>
             <a:lvl7pPr>
-              <a:defRPr sz="1800"/>
+              <a:defRPr sz="1350"/>
             </a:lvl7pPr>
             <a:lvl8pPr>
-              <a:defRPr sz="1800"/>
+              <a:defRPr sz="1350"/>
             </a:lvl8pPr>
             <a:lvl9pPr>
-              <a:defRPr sz="1800"/>
+              <a:defRPr sz="1350"/>
             </a:lvl9pPr>
           </a:lstStyle>
           <a:p>
@@ -7851,8 +7869,8 @@
         </p:nvSpPr>
         <p:spPr>
           <a:xfrm>
-            <a:off x="664633" y="484094"/>
-            <a:ext cx="10075084" cy="1116106"/>
+            <a:off x="498475" y="484094"/>
+            <a:ext cx="7556313" cy="1116106"/>
           </a:xfrm>
           <a:prstGeom prst="rect">
             <a:avLst/>
@@ -7884,8 +7902,8 @@
         </p:nvSpPr>
         <p:spPr>
           <a:xfrm>
-            <a:off x="664633" y="1981201"/>
-            <a:ext cx="10075084" cy="4144963"/>
+            <a:off x="498475" y="1981202"/>
+            <a:ext cx="7556313" cy="4144963"/>
           </a:xfrm>
           <a:prstGeom prst="rect">
             <a:avLst/>
@@ -7946,8 +7964,8 @@
         </p:nvSpPr>
         <p:spPr>
           <a:xfrm>
-            <a:off x="9060329" y="6423586"/>
-            <a:ext cx="2844800" cy="365125"/>
+            <a:off x="6795247" y="6423587"/>
+            <a:ext cx="2133600" cy="365125"/>
           </a:xfrm>
           <a:prstGeom prst="rect">
             <a:avLst/>
@@ -7957,7 +7975,7 @@
           <a:bodyPr vert="horz" lIns="91440" tIns="45720" rIns="91440" bIns="45720" rtlCol="0" anchor="ctr"/>
           <a:lstStyle>
             <a:lvl1pPr algn="r">
-              <a:defRPr sz="1100">
+              <a:defRPr sz="825">
                 <a:solidFill>
                   <a:schemeClr val="tx1">
                     <a:lumMod val="65000"/>
@@ -7970,7 +7988,7 @@
           <a:p>
             <a:fld id="{FEDBF184-AE6A-41EB-BBCB-9F86DBF77364}" type="datetimeFigureOut">
               <a:rPr lang="en-US" smtClean="0"/>
-              <a:t>2/26/14</a:t>
+              <a:t>2/26/2014</a:t>
             </a:fld>
             <a:endParaRPr lang="en-US"/>
           </a:p>
@@ -7988,8 +8006,8 @@
         </p:nvSpPr>
         <p:spPr>
           <a:xfrm>
-            <a:off x="268941" y="6423586"/>
-            <a:ext cx="8163859" cy="365125"/>
+            <a:off x="201706" y="6423587"/>
+            <a:ext cx="6122894" cy="365125"/>
           </a:xfrm>
           <a:prstGeom prst="rect">
             <a:avLst/>
@@ -7999,7 +8017,7 @@
           <a:bodyPr vert="horz" lIns="91440" tIns="45720" rIns="91440" bIns="45720" rtlCol="0" anchor="ctr"/>
           <a:lstStyle>
             <a:lvl1pPr algn="l">
-              <a:defRPr sz="1100">
+              <a:defRPr sz="825">
                 <a:solidFill>
                   <a:schemeClr val="tx1">
                     <a:lumMod val="65000"/>
@@ -8026,8 +8044,8 @@
         </p:nvSpPr>
         <p:spPr>
           <a:xfrm>
-            <a:off x="11074400" y="242235"/>
-            <a:ext cx="738717" cy="365125"/>
+            <a:off x="8305800" y="242236"/>
+            <a:ext cx="554038" cy="365125"/>
           </a:xfrm>
           <a:prstGeom prst="rect">
             <a:avLst/>
@@ -8037,7 +8055,7 @@
           <a:bodyPr vert="horz" lIns="91440" tIns="45720" rIns="91440" bIns="45720" rtlCol="0" anchor="ctr"/>
           <a:lstStyle>
             <a:lvl1pPr algn="r">
-              <a:defRPr sz="1400">
+              <a:defRPr sz="1050">
                 <a:solidFill>
                   <a:schemeClr val="bg1"/>
                 </a:solidFill>
@@ -8080,12 +8098,12 @@
   </p:sldLayoutIdLst>
   <p:txStyles>
     <p:titleStyle>
-      <a:lvl1pPr algn="l" defTabSz="914400" rtl="0" eaLnBrk="1" latinLnBrk="0" hangingPunct="1">
+      <a:lvl1pPr algn="l" defTabSz="685800" rtl="0" eaLnBrk="1" latinLnBrk="0" hangingPunct="1">
         <a:spcBef>
           <a:spcPct val="0"/>
         </a:spcBef>
         <a:buNone/>
-        <a:defRPr sz="3600" b="0" kern="1200">
+        <a:defRPr sz="2700" b="0" kern="1200">
           <a:solidFill>
             <a:schemeClr val="accent1"/>
           </a:solidFill>
@@ -8096,9 +8114,9 @@
       </a:lvl1pPr>
     </p:titleStyle>
     <p:bodyStyle>
-      <a:lvl1pPr marL="228600" indent="-228600" algn="l" defTabSz="914400" rtl="0" eaLnBrk="1" latinLnBrk="0" hangingPunct="1">
+      <a:lvl1pPr marL="171450" indent="-171450" algn="l" defTabSz="685800" rtl="0" eaLnBrk="1" latinLnBrk="0" hangingPunct="1">
         <a:spcBef>
-          <a:spcPts val="2000"/>
+          <a:spcPts val="1500"/>
         </a:spcBef>
         <a:buClr>
           <a:schemeClr val="accent1"/>
@@ -8106,7 +8124,7 @@
         <a:buSzPct val="75000"/>
         <a:buFont typeface="Wingdings" pitchFamily="2" charset="2"/>
         <a:buChar char="n"/>
-        <a:defRPr sz="2000" kern="1200">
+        <a:defRPr sz="1500" kern="1200">
           <a:solidFill>
             <a:schemeClr val="tx1">
               <a:lumMod val="65000"/>
@@ -8118,9 +8136,9 @@
           <a:cs typeface="+mn-cs"/>
         </a:defRPr>
       </a:lvl1pPr>
-      <a:lvl2pPr marL="457200" indent="-228600" algn="l" defTabSz="914400" rtl="0" eaLnBrk="1" latinLnBrk="0" hangingPunct="1">
+      <a:lvl2pPr marL="342900" indent="-171450" algn="l" defTabSz="685800" rtl="0" eaLnBrk="1" latinLnBrk="0" hangingPunct="1">
         <a:spcBef>
-          <a:spcPts val="600"/>
+          <a:spcPts val="450"/>
         </a:spcBef>
         <a:buClr>
           <a:schemeClr val="accent1">
@@ -8131,7 +8149,7 @@
         <a:buSzPct val="75000"/>
         <a:buFont typeface="Wingdings" pitchFamily="2" charset="2"/>
         <a:buChar char="n"/>
-        <a:defRPr sz="1800" kern="1200">
+        <a:defRPr sz="1350" kern="1200">
           <a:solidFill>
             <a:schemeClr val="tx1">
               <a:lumMod val="65000"/>
@@ -8143,9 +8161,9 @@
           <a:cs typeface="+mn-cs"/>
         </a:defRPr>
       </a:lvl2pPr>
-      <a:lvl3pPr marL="685800" indent="-228600" algn="l" defTabSz="914400" rtl="0" eaLnBrk="1" latinLnBrk="0" hangingPunct="1">
+      <a:lvl3pPr marL="514350" indent="-171450" algn="l" defTabSz="685800" rtl="0" eaLnBrk="1" latinLnBrk="0" hangingPunct="1">
         <a:spcBef>
-          <a:spcPts val="600"/>
+          <a:spcPts val="450"/>
         </a:spcBef>
         <a:buClr>
           <a:schemeClr val="accent1"/>
@@ -8153,7 +8171,7 @@
         <a:buSzPct val="75000"/>
         <a:buFont typeface="Wingdings" pitchFamily="2" charset="2"/>
         <a:buChar char="n"/>
-        <a:defRPr sz="1800" kern="1200">
+        <a:defRPr sz="1350" kern="1200">
           <a:solidFill>
             <a:schemeClr val="tx1">
               <a:lumMod val="65000"/>
@@ -8165,9 +8183,9 @@
           <a:cs typeface="+mn-cs"/>
         </a:defRPr>
       </a:lvl3pPr>
-      <a:lvl4pPr marL="914400" indent="-228600" algn="l" defTabSz="914400" rtl="0" eaLnBrk="1" latinLnBrk="0" hangingPunct="1">
+      <a:lvl4pPr marL="685800" indent="-171450" algn="l" defTabSz="685800" rtl="0" eaLnBrk="1" latinLnBrk="0" hangingPunct="1">
         <a:spcBef>
-          <a:spcPts val="600"/>
+          <a:spcPts val="450"/>
         </a:spcBef>
         <a:buClr>
           <a:schemeClr val="accent1">
@@ -8178,7 +8196,7 @@
         <a:buSzPct val="75000"/>
         <a:buFont typeface="Wingdings" pitchFamily="2" charset="2"/>
         <a:buChar char="n"/>
-        <a:defRPr sz="1800" kern="1200">
+        <a:defRPr sz="1350" kern="1200">
           <a:solidFill>
             <a:schemeClr val="tx1">
               <a:lumMod val="65000"/>
@@ -8190,9 +8208,9 @@
           <a:cs typeface="+mn-cs"/>
         </a:defRPr>
       </a:lvl4pPr>
-      <a:lvl5pPr marL="1143000" indent="-228600" algn="l" defTabSz="914400" rtl="0" eaLnBrk="1" latinLnBrk="0" hangingPunct="1">
+      <a:lvl5pPr marL="857250" indent="-171450" algn="l" defTabSz="685800" rtl="0" eaLnBrk="1" latinLnBrk="0" hangingPunct="1">
         <a:spcBef>
-          <a:spcPts val="600"/>
+          <a:spcPts val="450"/>
         </a:spcBef>
         <a:buClr>
           <a:schemeClr val="accent1"/>
@@ -8200,7 +8218,7 @@
         <a:buSzPct val="75000"/>
         <a:buFont typeface="Wingdings" pitchFamily="2" charset="2"/>
         <a:buChar char="n"/>
-        <a:defRPr sz="1800" kern="1200">
+        <a:defRPr sz="1350" kern="1200">
           <a:solidFill>
             <a:schemeClr val="tx1">
               <a:lumMod val="65000"/>
@@ -8212,7 +8230,7 @@
           <a:cs typeface="+mn-cs"/>
         </a:defRPr>
       </a:lvl5pPr>
-      <a:lvl6pPr marL="1377950" indent="-228600" algn="l" defTabSz="914400" rtl="0" eaLnBrk="1" latinLnBrk="0" hangingPunct="1">
+      <a:lvl6pPr marL="1033463" indent="-171450" algn="l" defTabSz="685800" rtl="0" eaLnBrk="1" latinLnBrk="0" hangingPunct="1">
         <a:spcBef>
           <a:spcPct val="20000"/>
         </a:spcBef>
@@ -8225,7 +8243,7 @@
         <a:buSzPct val="75000"/>
         <a:buFont typeface="Wingdings" pitchFamily="2" charset="2"/>
         <a:buChar char=""/>
-        <a:defRPr lang="en-US" sz="1800" kern="1200" dirty="0" smtClean="0">
+        <a:defRPr lang="en-US" sz="1350" kern="1200" dirty="0" smtClean="0">
           <a:solidFill>
             <a:schemeClr val="tx1">
               <a:lumMod val="65000"/>
@@ -8237,7 +8255,7 @@
           <a:cs typeface="+mn-cs"/>
         </a:defRPr>
       </a:lvl6pPr>
-      <a:lvl7pPr marL="1603375" indent="-228600" algn="l" defTabSz="914400" rtl="0" eaLnBrk="1" latinLnBrk="0" hangingPunct="1">
+      <a:lvl7pPr marL="1202531" indent="-171450" algn="l" defTabSz="685800" rtl="0" eaLnBrk="1" latinLnBrk="0" hangingPunct="1">
         <a:spcBef>
           <a:spcPct val="20000"/>
         </a:spcBef>
@@ -8247,7 +8265,7 @@
         <a:buSzPct val="75000"/>
         <a:buFont typeface="Wingdings" pitchFamily="2" charset="2"/>
         <a:buChar char=""/>
-        <a:defRPr lang="en-US" sz="1800" kern="1200" baseline="0" dirty="0" smtClean="0">
+        <a:defRPr lang="en-US" sz="1350" kern="1200" baseline="0" dirty="0" smtClean="0">
           <a:solidFill>
             <a:schemeClr val="tx1">
               <a:lumMod val="65000"/>
@@ -8259,7 +8277,7 @@
           <a:cs typeface="+mn-cs"/>
         </a:defRPr>
       </a:lvl7pPr>
-      <a:lvl8pPr marL="1830388" indent="-228600" algn="l" defTabSz="914400" rtl="0" eaLnBrk="1" latinLnBrk="0" hangingPunct="1">
+      <a:lvl8pPr marL="1372791" indent="-171450" algn="l" defTabSz="685800" rtl="0" eaLnBrk="1" latinLnBrk="0" hangingPunct="1">
         <a:spcBef>
           <a:spcPct val="20000"/>
         </a:spcBef>
@@ -8272,7 +8290,7 @@
         <a:buSzPct val="75000"/>
         <a:buFont typeface="Wingdings" pitchFamily="2" charset="2"/>
         <a:buChar char=""/>
-        <a:defRPr lang="en-US" sz="1800" kern="1200" baseline="0" dirty="0" smtClean="0">
+        <a:defRPr lang="en-US" sz="1350" kern="1200" baseline="0" dirty="0" smtClean="0">
           <a:solidFill>
             <a:schemeClr val="tx1">
               <a:lumMod val="65000"/>
@@ -8284,7 +8302,7 @@
           <a:cs typeface="+mn-cs"/>
         </a:defRPr>
       </a:lvl8pPr>
-      <a:lvl9pPr marL="2057400" indent="-228600" algn="l" defTabSz="914400" rtl="0" eaLnBrk="1" latinLnBrk="0" hangingPunct="1">
+      <a:lvl9pPr marL="1543050" indent="-171450" algn="l" defTabSz="685800" rtl="0" eaLnBrk="1" latinLnBrk="0" hangingPunct="1">
         <a:spcBef>
           <a:spcPct val="20000"/>
         </a:spcBef>
@@ -8294,7 +8312,7 @@
         <a:buSzPct val="75000"/>
         <a:buFont typeface="Wingdings" pitchFamily="2" charset="2"/>
         <a:buChar char=""/>
-        <a:defRPr lang="en-US" sz="1800" kern="1200" baseline="0" dirty="0">
+        <a:defRPr lang="en-US" sz="1350" kern="1200" baseline="0" dirty="0">
           <a:solidFill>
             <a:schemeClr val="tx1">
               <a:lumMod val="65000"/>
@@ -8311,8 +8329,8 @@
       <a:defPPr>
         <a:defRPr/>
       </a:defPPr>
-      <a:lvl1pPr marL="0" algn="l" defTabSz="914400" rtl="0" eaLnBrk="1" latinLnBrk="0" hangingPunct="1">
-        <a:defRPr sz="1800" kern="1200">
+      <a:lvl1pPr marL="0" algn="l" defTabSz="685800" rtl="0" eaLnBrk="1" latinLnBrk="0" hangingPunct="1">
+        <a:defRPr sz="1350" kern="1200">
           <a:solidFill>
             <a:schemeClr val="tx1"/>
           </a:solidFill>
@@ -8321,8 +8339,8 @@
           <a:cs typeface="+mn-cs"/>
         </a:defRPr>
       </a:lvl1pPr>
-      <a:lvl2pPr marL="457200" algn="l" defTabSz="914400" rtl="0" eaLnBrk="1" latinLnBrk="0" hangingPunct="1">
-        <a:defRPr sz="1800" kern="1200">
+      <a:lvl2pPr marL="342900" algn="l" defTabSz="685800" rtl="0" eaLnBrk="1" latinLnBrk="0" hangingPunct="1">
+        <a:defRPr sz="1350" kern="1200">
           <a:solidFill>
             <a:schemeClr val="tx1"/>
           </a:solidFill>
@@ -8331,8 +8349,8 @@
           <a:cs typeface="+mn-cs"/>
         </a:defRPr>
       </a:lvl2pPr>
-      <a:lvl3pPr marL="914400" algn="l" defTabSz="914400" rtl="0" eaLnBrk="1" latinLnBrk="0" hangingPunct="1">
-        <a:defRPr sz="1800" kern="1200">
+      <a:lvl3pPr marL="685800" algn="l" defTabSz="685800" rtl="0" eaLnBrk="1" latinLnBrk="0" hangingPunct="1">
+        <a:defRPr sz="1350" kern="1200">
           <a:solidFill>
             <a:schemeClr val="tx1"/>
           </a:solidFill>
@@ -8341,8 +8359,8 @@
           <a:cs typeface="+mn-cs"/>
         </a:defRPr>
       </a:lvl3pPr>
-      <a:lvl4pPr marL="1371600" algn="l" defTabSz="914400" rtl="0" eaLnBrk="1" latinLnBrk="0" hangingPunct="1">
-        <a:defRPr sz="1800" kern="1200">
+      <a:lvl4pPr marL="1028700" algn="l" defTabSz="685800" rtl="0" eaLnBrk="1" latinLnBrk="0" hangingPunct="1">
+        <a:defRPr sz="1350" kern="1200">
           <a:solidFill>
             <a:schemeClr val="tx1"/>
           </a:solidFill>
@@ -8351,8 +8369,8 @@
           <a:cs typeface="+mn-cs"/>
         </a:defRPr>
       </a:lvl4pPr>
-      <a:lvl5pPr marL="1828800" algn="l" defTabSz="914400" rtl="0" eaLnBrk="1" latinLnBrk="0" hangingPunct="1">
-        <a:defRPr sz="1800" kern="1200">
+      <a:lvl5pPr marL="1371600" algn="l" defTabSz="685800" rtl="0" eaLnBrk="1" latinLnBrk="0" hangingPunct="1">
+        <a:defRPr sz="1350" kern="1200">
           <a:solidFill>
             <a:schemeClr val="tx1"/>
           </a:solidFill>
@@ -8361,8 +8379,8 @@
           <a:cs typeface="+mn-cs"/>
         </a:defRPr>
       </a:lvl5pPr>
-      <a:lvl6pPr marL="2286000" algn="l" defTabSz="914400" rtl="0" eaLnBrk="1" latinLnBrk="0" hangingPunct="1">
-        <a:defRPr sz="1800" kern="1200">
+      <a:lvl6pPr marL="1714500" algn="l" defTabSz="685800" rtl="0" eaLnBrk="1" latinLnBrk="0" hangingPunct="1">
+        <a:defRPr sz="1350" kern="1200">
           <a:solidFill>
             <a:schemeClr val="tx1"/>
           </a:solidFill>
@@ -8371,8 +8389,8 @@
           <a:cs typeface="+mn-cs"/>
         </a:defRPr>
       </a:lvl6pPr>
-      <a:lvl7pPr marL="2743200" algn="l" defTabSz="914400" rtl="0" eaLnBrk="1" latinLnBrk="0" hangingPunct="1">
-        <a:defRPr sz="1800" kern="1200">
+      <a:lvl7pPr marL="2057400" algn="l" defTabSz="685800" rtl="0" eaLnBrk="1" latinLnBrk="0" hangingPunct="1">
+        <a:defRPr sz="1350" kern="1200">
           <a:solidFill>
             <a:schemeClr val="tx1"/>
           </a:solidFill>
@@ -8381,8 +8399,8 @@
           <a:cs typeface="+mn-cs"/>
         </a:defRPr>
       </a:lvl7pPr>
-      <a:lvl8pPr marL="3200400" algn="l" defTabSz="914400" rtl="0" eaLnBrk="1" latinLnBrk="0" hangingPunct="1">
-        <a:defRPr sz="1800" kern="1200">
+      <a:lvl8pPr marL="2400300" algn="l" defTabSz="685800" rtl="0" eaLnBrk="1" latinLnBrk="0" hangingPunct="1">
+        <a:defRPr sz="1350" kern="1200">
           <a:solidFill>
             <a:schemeClr val="tx1"/>
           </a:solidFill>
@@ -8391,8 +8409,8 @@
           <a:cs typeface="+mn-cs"/>
         </a:defRPr>
       </a:lvl8pPr>
-      <a:lvl9pPr marL="3657600" algn="l" defTabSz="914400" rtl="0" eaLnBrk="1" latinLnBrk="0" hangingPunct="1">
-        <a:defRPr sz="1800" kern="1200">
+      <a:lvl9pPr marL="2743200" algn="l" defTabSz="685800" rtl="0" eaLnBrk="1" latinLnBrk="0" hangingPunct="1">
+        <a:defRPr sz="1350" kern="1200">
           <a:solidFill>
             <a:schemeClr val="tx1"/>
           </a:solidFill>
@@ -8433,86 +8451,553 @@
             <p:ph type="ctrTitle"/>
           </p:nvPr>
         </p:nvSpPr>
+        <p:spPr>
+          <a:xfrm>
+            <a:off x="1445846" y="4640131"/>
+            <a:ext cx="7698154" cy="1303692"/>
+          </a:xfrm>
+        </p:spPr>
+        <p:txBody>
+          <a:bodyPr>
+            <a:normAutofit/>
+          </a:bodyPr>
+          <a:lstStyle/>
+          <a:p>
+            <a:r>
+              <a:rPr lang="en-US" altLang="zh-CN" sz="3200" dirty="0"/>
+              <a:t>A Visualized Toolkit for Crowdsourcing NLP Annotations</a:t>
+            </a:r>
+            <a:endParaRPr lang="en-US" sz="3200" dirty="0"/>
+          </a:p>
+        </p:txBody>
+      </p:sp>
+      <p:sp>
+        <p:nvSpPr>
+          <p:cNvPr id="3" name="Subtitle 2"/>
+          <p:cNvSpPr>
+            <a:spLocks noGrp="1"/>
+          </p:cNvSpPr>
+          <p:nvPr>
+            <p:ph type="subTitle" idx="1"/>
+          </p:nvPr>
+        </p:nvSpPr>
         <p:spPr/>
         <p:txBody>
-          <a:bodyPr>
-            <a:normAutofit fontScale="90000"/>
+          <a:bodyPr/>
+          <a:lstStyle/>
+          <a:p>
+            <a:endParaRPr lang="en-US" dirty="0"/>
+          </a:p>
+        </p:txBody>
+      </p:sp>
+      <p:sp>
+        <p:nvSpPr>
+          <p:cNvPr id="4" name="TextBox 3"/>
+          <p:cNvSpPr txBox="1"/>
+          <p:nvPr/>
+        </p:nvSpPr>
+        <p:spPr>
+          <a:xfrm>
+            <a:off x="4655127" y="732104"/>
+            <a:ext cx="1859973" cy="677108"/>
+          </a:xfrm>
+          <a:prstGeom prst="rect">
+            <a:avLst/>
+          </a:prstGeom>
+          <a:noFill/>
+        </p:spPr>
+        <p:txBody>
+          <a:bodyPr wrap="square" rtlCol="0">
+            <a:spAutoFit/>
           </a:bodyPr>
           <a:lstStyle/>
           <a:p>
-            <a:r>
-              <a:rPr lang="en-US" dirty="0" smtClean="0"/>
-              <a:t>Visualize NLP Annotations for Crowdsourcing</a:t>
-            </a:r>
-            <a:endParaRPr lang="en-US" dirty="0"/>
-          </a:p>
-        </p:txBody>
-      </p:sp>
-      <p:sp>
-        <p:nvSpPr>
-          <p:cNvPr id="3" name="Subtitle 2"/>
-          <p:cNvSpPr>
-            <a:spLocks noGrp="1"/>
-          </p:cNvSpPr>
-          <p:nvPr>
-            <p:ph type="subTitle" idx="1"/>
-          </p:nvPr>
-        </p:nvSpPr>
-        <p:spPr>
-          <a:xfrm>
-            <a:off x="1524000" y="4023612"/>
-            <a:ext cx="9144000" cy="1655762"/>
-          </a:xfrm>
-        </p:spPr>
-        <p:txBody>
-          <a:bodyPr/>
-          <a:lstStyle/>
-          <a:p>
-            <a:r>
-              <a:rPr lang="en-US" dirty="0" err="1" smtClean="0"/>
+            <a:pPr algn="ctr"/>
+            <a:r>
+              <a:rPr lang="en-US" altLang="zh-CN" dirty="0" err="1" smtClean="0">
+                <a:solidFill>
+                  <a:srgbClr val="0070C0"/>
+                </a:solidFill>
+              </a:rPr>
+              <a:t>Congle</a:t>
+            </a:r>
+            <a:r>
+              <a:rPr lang="en-US" altLang="zh-CN" dirty="0" smtClean="0">
+                <a:solidFill>
+                  <a:srgbClr val="0070C0"/>
+                </a:solidFill>
+              </a:rPr>
+              <a:t> Zhang</a:t>
+            </a:r>
+          </a:p>
+          <a:p>
+            <a:pPr algn="ctr"/>
+            <a:r>
+              <a:rPr lang="zh-CN" altLang="en-US" sz="2000" dirty="0" smtClean="0">
+                <a:solidFill>
+                  <a:srgbClr val="0070C0"/>
+                </a:solidFill>
+                <a:latin typeface="微软雅黑" panose="020B0503020204020204" pitchFamily="34" charset="-122"/>
+                <a:ea typeface="微软雅黑" panose="020B0503020204020204" pitchFamily="34" charset="-122"/>
+              </a:rPr>
+              <a:t>张</a:t>
+            </a:r>
+            <a:r>
+              <a:rPr lang="zh-CN" altLang="en-US" sz="2000" dirty="0">
+                <a:solidFill>
+                  <a:srgbClr val="0070C0"/>
+                </a:solidFill>
+                <a:latin typeface="微软雅黑" panose="020B0503020204020204" pitchFamily="34" charset="-122"/>
+                <a:ea typeface="微软雅黑" panose="020B0503020204020204" pitchFamily="34" charset="-122"/>
+              </a:rPr>
+              <a:t>从</a:t>
+            </a:r>
+            <a:r>
+              <a:rPr lang="zh-CN" altLang="en-US" sz="2000" dirty="0" smtClean="0">
+                <a:solidFill>
+                  <a:srgbClr val="0070C0"/>
+                </a:solidFill>
+                <a:latin typeface="微软雅黑" panose="020B0503020204020204" pitchFamily="34" charset="-122"/>
+                <a:ea typeface="微软雅黑" panose="020B0503020204020204" pitchFamily="34" charset="-122"/>
+              </a:rPr>
+              <a:t>乐</a:t>
+            </a:r>
+            <a:endParaRPr lang="zh-CN" altLang="en-US" sz="2000" dirty="0">
+              <a:solidFill>
+                <a:srgbClr val="0070C0"/>
+              </a:solidFill>
+              <a:latin typeface="微软雅黑" panose="020B0503020204020204" pitchFamily="34" charset="-122"/>
+              <a:ea typeface="微软雅黑" panose="020B0503020204020204" pitchFamily="34" charset="-122"/>
+            </a:endParaRPr>
+          </a:p>
+        </p:txBody>
+      </p:sp>
+      <p:sp>
+        <p:nvSpPr>
+          <p:cNvPr id="5" name="TextBox 4"/>
+          <p:cNvSpPr txBox="1"/>
+          <p:nvPr/>
+        </p:nvSpPr>
+        <p:spPr>
+          <a:xfrm>
+            <a:off x="6819900" y="732104"/>
+            <a:ext cx="1918855" cy="707886"/>
+          </a:xfrm>
+          <a:prstGeom prst="rect">
+            <a:avLst/>
+          </a:prstGeom>
+          <a:noFill/>
+        </p:spPr>
+        <p:txBody>
+          <a:bodyPr wrap="square" rtlCol="0">
+            <a:spAutoFit/>
+          </a:bodyPr>
+          <a:lstStyle/>
+          <a:p>
+            <a:pPr algn="ctr"/>
+            <a:r>
+              <a:rPr lang="en-US" altLang="zh-CN" sz="2000" dirty="0" err="1" smtClean="0">
+                <a:solidFill>
+                  <a:srgbClr val="92D050"/>
+                </a:solidFill>
+                <a:latin typeface="Arial Unicode MS" panose="020B0604020202020204" pitchFamily="34" charset="-122"/>
+                <a:ea typeface="Arial Unicode MS" panose="020B0604020202020204" pitchFamily="34" charset="-122"/>
+                <a:cs typeface="Arial Unicode MS" panose="020B0604020202020204" pitchFamily="34" charset="-122"/>
+              </a:rPr>
+              <a:t>Shengliang</a:t>
+            </a:r>
+            <a:r>
+              <a:rPr lang="en-US" altLang="zh-CN" sz="2000" dirty="0" smtClean="0">
+                <a:solidFill>
+                  <a:srgbClr val="92D050"/>
+                </a:solidFill>
+                <a:latin typeface="Arial Unicode MS" panose="020B0604020202020204" pitchFamily="34" charset="-122"/>
+                <a:ea typeface="Arial Unicode MS" panose="020B0604020202020204" pitchFamily="34" charset="-122"/>
+                <a:cs typeface="Arial Unicode MS" panose="020B0604020202020204" pitchFamily="34" charset="-122"/>
+              </a:rPr>
+              <a:t> Xu</a:t>
+            </a:r>
+            <a:r>
+              <a:rPr lang="zh-CN" altLang="en-US" sz="2000" dirty="0" smtClean="0">
+                <a:solidFill>
+                  <a:srgbClr val="92D050"/>
+                </a:solidFill>
+                <a:latin typeface="+mj-ea"/>
+                <a:ea typeface="+mj-ea"/>
+              </a:rPr>
+              <a:t>徐生良</a:t>
+            </a:r>
+            <a:endParaRPr lang="zh-CN" altLang="en-US" sz="2000" dirty="0">
+              <a:solidFill>
+                <a:srgbClr val="92D050"/>
+              </a:solidFill>
+              <a:latin typeface="+mj-ea"/>
+              <a:ea typeface="+mj-ea"/>
+            </a:endParaRPr>
+          </a:p>
+        </p:txBody>
+      </p:sp>
+      <p:sp>
+        <p:nvSpPr>
+          <p:cNvPr id="6" name="TextBox 5"/>
+          <p:cNvSpPr txBox="1"/>
+          <p:nvPr/>
+        </p:nvSpPr>
+        <p:spPr>
+          <a:xfrm>
+            <a:off x="4800600" y="3013364"/>
+            <a:ext cx="1610591" cy="707886"/>
+          </a:xfrm>
+          <a:prstGeom prst="rect">
+            <a:avLst/>
+          </a:prstGeom>
+          <a:noFill/>
+        </p:spPr>
+        <p:txBody>
+          <a:bodyPr wrap="square" rtlCol="0">
+            <a:spAutoFit/>
+          </a:bodyPr>
+          <a:lstStyle/>
+          <a:p>
+            <a:pPr algn="ctr"/>
+            <a:r>
+              <a:rPr lang="en-US" altLang="zh-CN" dirty="0" err="1" smtClean="0">
+                <a:solidFill>
+                  <a:srgbClr val="FFFF00"/>
+                </a:solidFill>
+              </a:rPr>
               <a:t>Hanchuan</a:t>
             </a:r>
             <a:r>
-              <a:rPr lang="en-US" dirty="0" smtClean="0"/>
-              <a:t> Li, </a:t>
-            </a:r>
-            <a:r>
-              <a:rPr lang="en-US" dirty="0" err="1" smtClean="0"/>
+              <a:rPr lang="en-US" altLang="zh-CN" dirty="0" smtClean="0">
+                <a:solidFill>
+                  <a:srgbClr val="FFFF00"/>
+                </a:solidFill>
+              </a:rPr>
+              <a:t> Li</a:t>
+            </a:r>
+            <a:r>
+              <a:rPr lang="zh-CN" altLang="en-US" sz="2200" dirty="0" smtClean="0">
+                <a:solidFill>
+                  <a:srgbClr val="FFFF00"/>
+                </a:solidFill>
+                <a:latin typeface="楷体" panose="02010609060101010101" pitchFamily="49" charset="-122"/>
+                <a:ea typeface="楷体" panose="02010609060101010101" pitchFamily="49" charset="-122"/>
+              </a:rPr>
+              <a:t>李寒川</a:t>
+            </a:r>
+            <a:endParaRPr lang="zh-CN" altLang="en-US" sz="2200" dirty="0">
+              <a:solidFill>
+                <a:srgbClr val="FFFF00"/>
+              </a:solidFill>
+              <a:latin typeface="楷体" panose="02010609060101010101" pitchFamily="49" charset="-122"/>
+              <a:ea typeface="楷体" panose="02010609060101010101" pitchFamily="49" charset="-122"/>
+            </a:endParaRPr>
+          </a:p>
+        </p:txBody>
+      </p:sp>
+      <p:sp>
+        <p:nvSpPr>
+          <p:cNvPr id="7" name="TextBox 6"/>
+          <p:cNvSpPr txBox="1"/>
+          <p:nvPr/>
+        </p:nvSpPr>
+        <p:spPr>
+          <a:xfrm>
+            <a:off x="7048500" y="3033355"/>
+            <a:ext cx="1690255" cy="646331"/>
+          </a:xfrm>
+          <a:prstGeom prst="rect">
+            <a:avLst/>
+          </a:prstGeom>
+          <a:noFill/>
+        </p:spPr>
+        <p:txBody>
+          <a:bodyPr wrap="square" rtlCol="0">
+            <a:spAutoFit/>
+          </a:bodyPr>
+          <a:lstStyle/>
+          <a:p>
+            <a:pPr algn="ctr"/>
+            <a:r>
+              <a:rPr lang="en-US" altLang="zh-CN" dirty="0" err="1" smtClean="0">
+                <a:solidFill>
+                  <a:srgbClr val="FF0000"/>
+                </a:solidFill>
+                <a:latin typeface="Arial Unicode MS" panose="020B0604020202020204" pitchFamily="34" charset="-122"/>
+                <a:ea typeface="Arial Unicode MS" panose="020B0604020202020204" pitchFamily="34" charset="-122"/>
+                <a:cs typeface="Arial Unicode MS" panose="020B0604020202020204" pitchFamily="34" charset="-122"/>
+              </a:rPr>
               <a:t>Haichen</a:t>
             </a:r>
             <a:r>
-              <a:rPr lang="en-US" dirty="0" smtClean="0"/>
-              <a:t> Shen, </a:t>
-            </a:r>
-            <a:r>
-              <a:rPr lang="en-US" dirty="0" err="1" smtClean="0"/>
-              <a:t>Shengliang</a:t>
-            </a:r>
-            <a:r>
-              <a:rPr lang="en-US" dirty="0" smtClean="0"/>
-              <a:t> Xu and Congle Zhang</a:t>
-            </a:r>
-            <a:endParaRPr lang="en-US" dirty="0"/>
+              <a:rPr lang="en-US" altLang="zh-CN" dirty="0" smtClean="0">
+                <a:solidFill>
+                  <a:srgbClr val="FF0000"/>
+                </a:solidFill>
+                <a:latin typeface="Arial Unicode MS" panose="020B0604020202020204" pitchFamily="34" charset="-122"/>
+                <a:ea typeface="Arial Unicode MS" panose="020B0604020202020204" pitchFamily="34" charset="-122"/>
+                <a:cs typeface="Arial Unicode MS" panose="020B0604020202020204" pitchFamily="34" charset="-122"/>
+              </a:rPr>
+              <a:t> Shen</a:t>
+            </a:r>
+          </a:p>
+          <a:p>
+            <a:pPr algn="ctr"/>
+            <a:r>
+              <a:rPr lang="zh-CN" altLang="en-US" dirty="0" smtClean="0">
+                <a:solidFill>
+                  <a:srgbClr val="FF0000"/>
+                </a:solidFill>
+                <a:latin typeface="黑体" panose="02010609060101010101" pitchFamily="49" charset="-122"/>
+                <a:ea typeface="黑体" panose="02010609060101010101" pitchFamily="49" charset="-122"/>
+              </a:rPr>
+              <a:t>沈海晨</a:t>
+            </a:r>
+            <a:endParaRPr lang="zh-CN" altLang="en-US" dirty="0">
+              <a:solidFill>
+                <a:srgbClr val="FF0000"/>
+              </a:solidFill>
+              <a:latin typeface="黑体" panose="02010609060101010101" pitchFamily="49" charset="-122"/>
+              <a:ea typeface="黑体" panose="02010609060101010101" pitchFamily="49" charset="-122"/>
+            </a:endParaRPr>
           </a:p>
         </p:txBody>
       </p:sp>
     </p:spTree>
     <p:extLst>
       <p:ext uri="{BB962C8B-B14F-4D97-AF65-F5344CB8AC3E}">
-        <p14:creationId xmlns:p14="http://schemas.microsoft.com/office/powerpoint/2010/main" val="1816210588"/>
+        <p14:creationId xmlns:p14="http://schemas.microsoft.com/office/powerpoint/2010/main" val="280004298"/>
       </p:ext>
     </p:extLst>
   </p:cSld>
   <p:clrMapOvr>
     <a:masterClrMapping/>
   </p:clrMapOvr>
-  <p:timing>
-    <p:tnLst>
-      <p:par>
-        <p:cTn xmlns:p14="http://schemas.microsoft.com/office/powerpoint/2010/main" id="1" dur="indefinite" restart="never" nodeType="tmRoot"/>
-      </p:par>
-    </p:tnLst>
-  </p:timing>
+</p:sld>
+</file>
+
+<file path=ppt/slides/slide10.xml><?xml version="1.0" encoding="utf-8"?>
+<p:sld xmlns:a="http://schemas.openxmlformats.org/drawingml/2006/main" xmlns:r="http://schemas.openxmlformats.org/officeDocument/2006/relationships" xmlns:p="http://schemas.openxmlformats.org/presentationml/2006/main">
+  <p:cSld>
+    <p:spTree>
+      <p:nvGrpSpPr>
+        <p:cNvPr id="1" name=""/>
+        <p:cNvGrpSpPr/>
+        <p:nvPr/>
+      </p:nvGrpSpPr>
+      <p:grpSpPr>
+        <a:xfrm>
+          <a:off x="0" y="0"/>
+          <a:ext cx="0" cy="0"/>
+          <a:chOff x="0" y="0"/>
+          <a:chExt cx="0" cy="0"/>
+        </a:xfrm>
+      </p:grpSpPr>
+      <p:sp>
+        <p:nvSpPr>
+          <p:cNvPr id="2" name="Title 1"/>
+          <p:cNvSpPr>
+            <a:spLocks noGrp="1"/>
+          </p:cNvSpPr>
+          <p:nvPr>
+            <p:ph type="title"/>
+          </p:nvPr>
+        </p:nvSpPr>
+        <p:spPr/>
+        <p:txBody>
+          <a:bodyPr/>
+          <a:lstStyle/>
+          <a:p>
+            <a:r>
+              <a:rPr lang="en-US" altLang="zh-CN" sz="3200" dirty="0"/>
+              <a:t>Evaluation: </a:t>
+            </a:r>
+            <a:r>
+              <a:rPr lang="en-US" altLang="zh-CN" sz="3200" dirty="0" smtClean="0"/>
+              <a:t>Tree Building</a:t>
+            </a:r>
+            <a:endParaRPr lang="zh-CN" altLang="en-US" sz="3200" dirty="0"/>
+          </a:p>
+        </p:txBody>
+      </p:sp>
+      <p:sp>
+        <p:nvSpPr>
+          <p:cNvPr id="3" name="Content Placeholder 2"/>
+          <p:cNvSpPr>
+            <a:spLocks noGrp="1"/>
+          </p:cNvSpPr>
+          <p:nvPr>
+            <p:ph idx="1"/>
+          </p:nvPr>
+        </p:nvSpPr>
+        <p:spPr>
+          <a:xfrm>
+            <a:off x="498475" y="1836615"/>
+            <a:ext cx="7556313" cy="4289551"/>
+          </a:xfrm>
+        </p:spPr>
+        <p:txBody>
+          <a:bodyPr>
+            <a:normAutofit fontScale="62500" lnSpcReduction="20000"/>
+          </a:bodyPr>
+          <a:lstStyle/>
+          <a:p>
+            <a:r>
+              <a:rPr lang="en-US" altLang="zh-CN" sz="3500" dirty="0"/>
+              <a:t>Participants: 6-10 UW Undergraduate/ graduate students</a:t>
+            </a:r>
+          </a:p>
+          <a:p>
+            <a:r>
+              <a:rPr lang="en-US" altLang="zh-CN" sz="3500" dirty="0"/>
+              <a:t>Tasks: Participants will be divided into two groups and each group will be given 2 different sets of standard NLP </a:t>
+            </a:r>
+            <a:r>
+              <a:rPr lang="en-US" altLang="zh-CN" sz="3500" dirty="0" smtClean="0"/>
+              <a:t>sentence sets. </a:t>
+            </a:r>
+            <a:r>
+              <a:rPr lang="en-US" altLang="zh-CN" sz="3500" dirty="0"/>
+              <a:t>The first group will do the first task using our visualization tool and then do the second task using pencil sketch. The second group of participants will complete the task in the reverse order. Instructions will be given before they get started.</a:t>
+            </a:r>
+          </a:p>
+          <a:p>
+            <a:r>
+              <a:rPr lang="en-US" altLang="zh-CN" sz="3500" dirty="0"/>
+              <a:t>Evaluation: Both time consumption and result quality of the two groups of participants will be evaluated.</a:t>
+            </a:r>
+          </a:p>
+          <a:p>
+            <a:endParaRPr lang="zh-CN" altLang="en-US" dirty="0"/>
+          </a:p>
+        </p:txBody>
+      </p:sp>
+    </p:spTree>
+    <p:extLst>
+      <p:ext uri="{BB962C8B-B14F-4D97-AF65-F5344CB8AC3E}">
+        <p14:creationId xmlns:p14="http://schemas.microsoft.com/office/powerpoint/2010/main" val="2256798174"/>
+      </p:ext>
+    </p:extLst>
+  </p:cSld>
+  <p:clrMapOvr>
+    <a:masterClrMapping/>
+  </p:clrMapOvr>
+</p:sld>
+</file>
+
+<file path=ppt/slides/slide11.xml><?xml version="1.0" encoding="utf-8"?>
+<p:sld xmlns:a="http://schemas.openxmlformats.org/drawingml/2006/main" xmlns:r="http://schemas.openxmlformats.org/officeDocument/2006/relationships" xmlns:p="http://schemas.openxmlformats.org/presentationml/2006/main">
+  <p:cSld>
+    <p:spTree>
+      <p:nvGrpSpPr>
+        <p:cNvPr id="1" name=""/>
+        <p:cNvGrpSpPr/>
+        <p:nvPr/>
+      </p:nvGrpSpPr>
+      <p:grpSpPr>
+        <a:xfrm>
+          <a:off x="0" y="0"/>
+          <a:ext cx="0" cy="0"/>
+          <a:chOff x="0" y="0"/>
+          <a:chExt cx="0" cy="0"/>
+        </a:xfrm>
+      </p:grpSpPr>
+      <p:sp>
+        <p:nvSpPr>
+          <p:cNvPr id="2" name="Title 1"/>
+          <p:cNvSpPr>
+            <a:spLocks noGrp="1"/>
+          </p:cNvSpPr>
+          <p:nvPr>
+            <p:ph type="title"/>
+          </p:nvPr>
+        </p:nvSpPr>
+        <p:spPr/>
+        <p:txBody>
+          <a:bodyPr/>
+          <a:lstStyle/>
+          <a:p>
+            <a:r>
+              <a:rPr lang="en-US" sz="3200" dirty="0" smtClean="0"/>
+              <a:t>Question</a:t>
+            </a:r>
+            <a:endParaRPr lang="en-US" sz="3200" dirty="0"/>
+          </a:p>
+        </p:txBody>
+      </p:sp>
+      <p:sp>
+        <p:nvSpPr>
+          <p:cNvPr id="3" name="Content Placeholder 2"/>
+          <p:cNvSpPr>
+            <a:spLocks noGrp="1"/>
+          </p:cNvSpPr>
+          <p:nvPr>
+            <p:ph idx="1"/>
+          </p:nvPr>
+        </p:nvSpPr>
+        <p:spPr/>
+        <p:txBody>
+          <a:bodyPr/>
+          <a:lstStyle/>
+          <a:p>
+            <a:r>
+              <a:rPr lang="en-US" sz="2200" dirty="0" smtClean="0"/>
+              <a:t>Flexibility: easily transferred to other tasks</a:t>
+            </a:r>
+          </a:p>
+          <a:p>
+            <a:pPr lvl="1"/>
+            <a:r>
+              <a:rPr lang="en-US" sz="2200" dirty="0" smtClean="0"/>
+              <a:t>Take HTML as input, with target objects tagged. </a:t>
+            </a:r>
+          </a:p>
+          <a:p>
+            <a:pPr lvl="1"/>
+            <a:r>
+              <a:rPr lang="en-US" sz="2200" dirty="0" smtClean="0"/>
+              <a:t>Let NLP experts to design the input visualization </a:t>
+            </a:r>
+            <a:endParaRPr lang="en-US" sz="2200" dirty="0"/>
+          </a:p>
+          <a:p>
+            <a:endParaRPr lang="en-US" sz="2200" dirty="0" smtClean="0"/>
+          </a:p>
+          <a:p>
+            <a:r>
+              <a:rPr lang="en-US" sz="2200" dirty="0" smtClean="0"/>
+              <a:t>Interface</a:t>
+            </a:r>
+          </a:p>
+          <a:p>
+            <a:r>
+              <a:rPr lang="en-US" sz="2200" dirty="0" smtClean="0"/>
+              <a:t>Evaluation: </a:t>
+            </a:r>
+            <a:r>
+              <a:rPr lang="en-US" altLang="zh-CN" sz="2200" dirty="0"/>
+              <a:t>How to make the work load equal between two tasks?</a:t>
+            </a:r>
+          </a:p>
+          <a:p>
+            <a:endParaRPr lang="en-US" dirty="0"/>
+          </a:p>
+          <a:p>
+            <a:endParaRPr lang="en-US" dirty="0"/>
+          </a:p>
+        </p:txBody>
+      </p:sp>
+    </p:spTree>
+    <p:extLst>
+      <p:ext uri="{BB962C8B-B14F-4D97-AF65-F5344CB8AC3E}">
+        <p14:creationId xmlns:p14="http://schemas.microsoft.com/office/powerpoint/2010/main" val="1658155821"/>
+      </p:ext>
+    </p:extLst>
+  </p:cSld>
+  <p:clrMapOvr>
+    <a:masterClrMapping/>
+  </p:clrMapOvr>
 </p:sld>
 </file>
 
@@ -8549,43 +9034,55 @@
           <a:lstStyle/>
           <a:p>
             <a:r>
-              <a:rPr lang="en-US" dirty="0" smtClean="0"/>
+              <a:rPr lang="en-US" sz="3200" dirty="0" smtClean="0"/>
               <a:t>Statistical Nature Language Processing</a:t>
             </a:r>
+            <a:endParaRPr lang="en-US" sz="3200" dirty="0"/>
+          </a:p>
+        </p:txBody>
+      </p:sp>
+      <p:sp>
+        <p:nvSpPr>
+          <p:cNvPr id="3" name="Content Placeholder 2"/>
+          <p:cNvSpPr>
+            <a:spLocks noGrp="1"/>
+          </p:cNvSpPr>
+          <p:nvPr>
+            <p:ph idx="1"/>
+          </p:nvPr>
+        </p:nvSpPr>
+        <p:spPr/>
+        <p:txBody>
+          <a:bodyPr/>
+          <a:lstStyle/>
+          <a:p>
+            <a:r>
+              <a:rPr lang="en-US" sz="2200" dirty="0" smtClean="0"/>
+              <a:t>NLP: interaction between computer and human languages</a:t>
+            </a:r>
+          </a:p>
+          <a:p>
+            <a:endParaRPr lang="en-US" dirty="0" smtClean="0"/>
+          </a:p>
+          <a:p>
+            <a:r>
+              <a:rPr lang="en-US" sz="2200" dirty="0" smtClean="0"/>
+              <a:t>Statistical approaches have made great success</a:t>
+            </a:r>
+          </a:p>
+          <a:p>
+            <a:endParaRPr lang="en-US" dirty="0" smtClean="0"/>
+          </a:p>
+          <a:p>
+            <a:pPr lvl="1"/>
+            <a:endParaRPr lang="en-US" dirty="0" smtClean="0"/>
+          </a:p>
+          <a:p>
+            <a:pPr lvl="1"/>
             <a:endParaRPr lang="en-US" dirty="0"/>
           </a:p>
-        </p:txBody>
-      </p:sp>
-      <p:sp>
-        <p:nvSpPr>
-          <p:cNvPr id="3" name="Content Placeholder 2"/>
-          <p:cNvSpPr>
-            <a:spLocks noGrp="1"/>
-          </p:cNvSpPr>
-          <p:nvPr>
-            <p:ph idx="1"/>
-          </p:nvPr>
-        </p:nvSpPr>
-        <p:spPr/>
-        <p:txBody>
-          <a:bodyPr/>
-          <a:lstStyle/>
-          <a:p>
-            <a:r>
-              <a:rPr lang="en-US" dirty="0" smtClean="0"/>
-              <a:t>NLP: interaction between computer and human languages</a:t>
-            </a:r>
-          </a:p>
-          <a:p>
-            <a:endParaRPr lang="en-US" dirty="0" smtClean="0"/>
-          </a:p>
-          <a:p>
-            <a:r>
-              <a:rPr lang="en-US" dirty="0" smtClean="0"/>
-              <a:t>Statistical approaches have made great success</a:t>
-            </a:r>
-          </a:p>
-          <a:p>
+          <a:p>
+            <a:pPr lvl="1"/>
             <a:endParaRPr lang="en-US" dirty="0" smtClean="0"/>
           </a:p>
           <a:p>
@@ -8602,8 +9099,8 @@
         </p:nvSpPr>
         <p:spPr>
           <a:xfrm>
-            <a:off x="4829664" y="3919541"/>
-            <a:ext cx="1462911" cy="971044"/>
+            <a:off x="3622249" y="3796906"/>
+            <a:ext cx="1097183" cy="728283"/>
           </a:xfrm>
           <a:prstGeom prst="roundRect">
             <a:avLst/>
@@ -8641,10 +9138,10 @@
           <a:p>
             <a:pPr algn="ctr"/>
             <a:r>
-              <a:rPr lang="en-US" sz="2400" dirty="0" smtClean="0"/>
+              <a:rPr lang="en-US" dirty="0"/>
               <a:t>Statistical Model</a:t>
             </a:r>
-            <a:endParaRPr lang="en-US" sz="2400" dirty="0"/>
+            <a:endParaRPr lang="en-US" dirty="0"/>
           </a:p>
         </p:txBody>
       </p:sp>
@@ -8657,7 +9154,7 @@
           <p:nvPr/>
         </p:nvPicPr>
         <p:blipFill>
-          <a:blip r:embed="rId2">
+          <a:blip r:embed="rId2" cstate="print">
             <a:extLst>
               <a:ext uri="{28A0092B-C50C-407E-A947-70E740481C1C}">
                 <a14:useLocalDpi xmlns:a14="http://schemas.microsoft.com/office/drawing/2010/main" val="0"/>
@@ -8671,8 +9168,8 @@
         </p:blipFill>
         <p:spPr bwMode="auto">
           <a:xfrm>
-            <a:off x="1612603" y="3823450"/>
-            <a:ext cx="1543098" cy="1169014"/>
+            <a:off x="1209452" y="3724837"/>
+            <a:ext cx="1157324" cy="876761"/>
           </a:xfrm>
           <a:prstGeom prst="rect">
             <a:avLst/>
@@ -8680,7 +9177,7 @@
           <a:noFill/>
           <a:extLst>
             <a:ext uri="{909E8E84-426E-40dd-AFC4-6F175D3DCCD1}">
-              <a14:hiddenFill xmlns:a14="http://schemas.microsoft.com/office/drawing/2010/main">
+              <a14:hiddenFill xmlns:a14="http://schemas.microsoft.com/office/drawing/2010/main" xmlns="">
                 <a:solidFill>
                   <a:srgbClr val="FFFFFF"/>
                 </a:solidFill>
@@ -8697,8 +9194,8 @@
         </p:nvSpPr>
         <p:spPr>
           <a:xfrm>
-            <a:off x="3295844" y="4160307"/>
-            <a:ext cx="1245869" cy="495300"/>
+            <a:off x="2471883" y="3977480"/>
+            <a:ext cx="934402" cy="371475"/>
           </a:xfrm>
           <a:prstGeom prst="rightArrow">
             <a:avLst/>
@@ -8723,7 +9220,7 @@
           <a:lstStyle/>
           <a:p>
             <a:pPr algn="ctr"/>
-            <a:endParaRPr lang="en-US" dirty="0"/>
+            <a:endParaRPr lang="en-US" sz="1350" dirty="0"/>
           </a:p>
         </p:txBody>
       </p:sp>
@@ -8735,8 +9232,8 @@
         </p:nvSpPr>
         <p:spPr>
           <a:xfrm>
-            <a:off x="6580526" y="4157413"/>
-            <a:ext cx="1245869" cy="495300"/>
+            <a:off x="4935395" y="3975310"/>
+            <a:ext cx="934402" cy="371475"/>
           </a:xfrm>
           <a:prstGeom prst="rightArrow">
             <a:avLst/>
@@ -8761,7 +9258,7 @@
           <a:lstStyle/>
           <a:p>
             <a:pPr algn="ctr"/>
-            <a:endParaRPr lang="en-US" dirty="0"/>
+            <a:endParaRPr lang="en-US" sz="1350" dirty="0"/>
           </a:p>
         </p:txBody>
       </p:sp>
@@ -8773,8 +9270,8 @@
         </p:nvSpPr>
         <p:spPr>
           <a:xfrm>
-            <a:off x="3343843" y="3869140"/>
-            <a:ext cx="1525530" cy="369332"/>
+            <a:off x="2507882" y="3759105"/>
+            <a:ext cx="1144148" cy="300082"/>
           </a:xfrm>
           <a:prstGeom prst="rect">
             <a:avLst/>
@@ -8788,14 +9285,14 @@
           <a:lstStyle/>
           <a:p>
             <a:r>
-              <a:rPr lang="en-US" b="1" dirty="0" smtClean="0">
+              <a:rPr lang="en-US" sz="1350" b="1" dirty="0">
                 <a:solidFill>
                   <a:srgbClr val="C00000"/>
                 </a:solidFill>
               </a:rPr>
               <a:t>input</a:t>
             </a:r>
-            <a:endParaRPr lang="en-US" sz="2400" b="1" dirty="0">
+            <a:endParaRPr lang="en-US" b="1" dirty="0">
               <a:solidFill>
                 <a:srgbClr val="C00000"/>
               </a:solidFill>
@@ -8811,8 +9308,8 @@
         </p:nvSpPr>
         <p:spPr>
           <a:xfrm>
-            <a:off x="6695720" y="3869140"/>
-            <a:ext cx="1740032" cy="369332"/>
+            <a:off x="5021790" y="3759105"/>
+            <a:ext cx="1305024" cy="300082"/>
           </a:xfrm>
           <a:prstGeom prst="rect">
             <a:avLst/>
@@ -8826,14 +9323,14 @@
           <a:lstStyle/>
           <a:p>
             <a:r>
-              <a:rPr lang="en-US" b="1" dirty="0" smtClean="0">
+              <a:rPr lang="en-US" sz="1350" b="1" dirty="0">
                 <a:solidFill>
                   <a:srgbClr val="C00000"/>
                 </a:solidFill>
               </a:rPr>
               <a:t>output</a:t>
             </a:r>
-            <a:endParaRPr lang="en-US" b="1" dirty="0">
+            <a:endParaRPr lang="en-US" sz="1350" b="1" dirty="0">
               <a:solidFill>
                 <a:srgbClr val="C00000"/>
               </a:solidFill>
@@ -8864,8 +9361,8 @@
         </p:blipFill>
         <p:spPr bwMode="auto">
           <a:xfrm>
-            <a:off x="8014537" y="3597113"/>
-            <a:ext cx="1465437" cy="1395351"/>
+            <a:off x="5974905" y="3637790"/>
+            <a:ext cx="1099078" cy="1046513"/>
           </a:xfrm>
           <a:prstGeom prst="rect">
             <a:avLst/>
@@ -8873,7 +9370,7 @@
           <a:noFill/>
           <a:extLst>
             <a:ext uri="{909E8E84-426E-40dd-AFC4-6F175D3DCCD1}">
-              <a14:hiddenFill xmlns:a14="http://schemas.microsoft.com/office/drawing/2010/main">
+              <a14:hiddenFill xmlns:a14="http://schemas.microsoft.com/office/drawing/2010/main" xmlns="">
                 <a:solidFill>
                   <a:srgbClr val="FFFFFF"/>
                 </a:solidFill>
@@ -8895,7 +9392,7 @@
   <p:timing>
     <p:tnLst>
       <p:par>
-        <p:cTn xmlns:p14="http://schemas.microsoft.com/office/powerpoint/2010/main" id="1" dur="indefinite" restart="never" nodeType="tmRoot"/>
+        <p:cTn id="1" dur="indefinite" restart="never" nodeType="tmRoot"/>
       </p:par>
     </p:tnLst>
   </p:timing>
@@ -8935,10 +9432,10 @@
           <a:lstStyle/>
           <a:p>
             <a:r>
-              <a:rPr lang="en-US" dirty="0" smtClean="0"/>
+              <a:rPr lang="en-US" sz="3200" dirty="0" smtClean="0"/>
               <a:t>But …</a:t>
             </a:r>
-            <a:endParaRPr lang="en-US" dirty="0"/>
+            <a:endParaRPr lang="en-US" sz="3200" dirty="0"/>
           </a:p>
         </p:txBody>
       </p:sp>
@@ -8954,14 +9451,16 @@
         </p:nvSpPr>
         <p:spPr/>
         <p:txBody>
-          <a:bodyPr/>
-          <a:lstStyle/>
-          <a:p>
-            <a:r>
-              <a:rPr lang="en-US" dirty="0" smtClean="0"/>
+          <a:bodyPr>
+            <a:normAutofit/>
+          </a:bodyPr>
+          <a:lstStyle/>
+          <a:p>
+            <a:r>
+              <a:rPr lang="en-US" sz="2200" dirty="0" smtClean="0"/>
               <a:t>Need labeled training data, which is very expensive</a:t>
             </a:r>
-            <a:endParaRPr lang="en-US" dirty="0"/>
+            <a:endParaRPr lang="en-US" sz="2200" dirty="0"/>
           </a:p>
         </p:txBody>
       </p:sp>
@@ -8974,7 +9473,7 @@
           <p:nvPr/>
         </p:nvPicPr>
         <p:blipFill>
-          <a:blip r:embed="rId2">
+          <a:blip r:embed="rId2" cstate="print">
             <a:extLst>
               <a:ext uri="{28A0092B-C50C-407E-A947-70E740481C1C}">
                 <a14:useLocalDpi xmlns:a14="http://schemas.microsoft.com/office/drawing/2010/main" val="0"/>
@@ -8988,8 +9487,8 @@
         </p:blipFill>
         <p:spPr bwMode="auto">
           <a:xfrm>
-            <a:off x="1677918" y="3015920"/>
-            <a:ext cx="1543098" cy="1169014"/>
+            <a:off x="1258438" y="3119190"/>
+            <a:ext cx="1157324" cy="876761"/>
           </a:xfrm>
           <a:prstGeom prst="rect">
             <a:avLst/>
@@ -8997,7 +9496,7 @@
           <a:noFill/>
           <a:extLst>
             <a:ext uri="{909E8E84-426E-40dd-AFC4-6F175D3DCCD1}">
-              <a14:hiddenFill xmlns:a14="http://schemas.microsoft.com/office/drawing/2010/main">
+              <a14:hiddenFill xmlns:a14="http://schemas.microsoft.com/office/drawing/2010/main" xmlns="">
                 <a:solidFill>
                   <a:srgbClr val="FFFFFF"/>
                 </a:solidFill>
@@ -9014,8 +9513,8 @@
         </p:nvSpPr>
         <p:spPr>
           <a:xfrm>
-            <a:off x="3361159" y="3352777"/>
-            <a:ext cx="1245869" cy="495300"/>
+            <a:off x="2520870" y="3371833"/>
+            <a:ext cx="934402" cy="371475"/>
           </a:xfrm>
           <a:prstGeom prst="rightArrow">
             <a:avLst/>
@@ -9040,7 +9539,7 @@
           <a:lstStyle/>
           <a:p>
             <a:pPr algn="ctr"/>
-            <a:endParaRPr lang="en-US" dirty="0"/>
+            <a:endParaRPr lang="en-US" sz="1350" dirty="0"/>
           </a:p>
         </p:txBody>
       </p:sp>
@@ -9052,8 +9551,8 @@
         </p:nvSpPr>
         <p:spPr>
           <a:xfrm>
-            <a:off x="6645841" y="3349883"/>
-            <a:ext cx="1245869" cy="495300"/>
+            <a:off x="4984381" y="3369662"/>
+            <a:ext cx="934402" cy="371475"/>
           </a:xfrm>
           <a:prstGeom prst="rightArrow">
             <a:avLst/>
@@ -9078,7 +9577,7 @@
           <a:lstStyle/>
           <a:p>
             <a:pPr algn="ctr"/>
-            <a:endParaRPr lang="en-US" dirty="0"/>
+            <a:endParaRPr lang="en-US" sz="1350" dirty="0"/>
           </a:p>
         </p:txBody>
       </p:sp>
@@ -9090,8 +9589,8 @@
         </p:nvSpPr>
         <p:spPr>
           <a:xfrm>
-            <a:off x="3409158" y="3061610"/>
-            <a:ext cx="1525530" cy="369332"/>
+            <a:off x="2556868" y="3153457"/>
+            <a:ext cx="1144148" cy="300082"/>
           </a:xfrm>
           <a:prstGeom prst="rect">
             <a:avLst/>
@@ -9105,14 +9604,14 @@
           <a:lstStyle/>
           <a:p>
             <a:r>
-              <a:rPr lang="en-US" b="1" dirty="0" smtClean="0">
+              <a:rPr lang="en-US" sz="1350" b="1" dirty="0">
                 <a:solidFill>
                   <a:srgbClr val="C00000"/>
                 </a:solidFill>
               </a:rPr>
               <a:t>input</a:t>
             </a:r>
-            <a:endParaRPr lang="en-US" sz="2400" b="1" dirty="0">
+            <a:endParaRPr lang="en-US" b="1" dirty="0">
               <a:solidFill>
                 <a:srgbClr val="C00000"/>
               </a:solidFill>
@@ -9128,8 +9627,8 @@
         </p:nvSpPr>
         <p:spPr>
           <a:xfrm>
-            <a:off x="6761035" y="3061610"/>
-            <a:ext cx="1740032" cy="369332"/>
+            <a:off x="5070776" y="3153457"/>
+            <a:ext cx="1305024" cy="300082"/>
           </a:xfrm>
           <a:prstGeom prst="rect">
             <a:avLst/>
@@ -9143,14 +9642,14 @@
           <a:lstStyle/>
           <a:p>
             <a:r>
-              <a:rPr lang="en-US" b="1" dirty="0" smtClean="0">
+              <a:rPr lang="en-US" sz="1350" b="1" dirty="0">
                 <a:solidFill>
                   <a:srgbClr val="C00000"/>
                 </a:solidFill>
               </a:rPr>
               <a:t>output</a:t>
             </a:r>
-            <a:endParaRPr lang="en-US" b="1" dirty="0">
+            <a:endParaRPr lang="en-US" sz="1350" b="1" dirty="0">
               <a:solidFill>
                 <a:srgbClr val="C00000"/>
               </a:solidFill>
@@ -9181,8 +9680,8 @@
         </p:blipFill>
         <p:spPr bwMode="auto">
           <a:xfrm>
-            <a:off x="8079852" y="2789583"/>
-            <a:ext cx="1465437" cy="1395351"/>
+            <a:off x="6059889" y="2949438"/>
+            <a:ext cx="1099078" cy="1046513"/>
           </a:xfrm>
           <a:prstGeom prst="rect">
             <a:avLst/>
@@ -9190,7 +9689,7 @@
           <a:noFill/>
           <a:extLst>
             <a:ext uri="{909E8E84-426E-40dd-AFC4-6F175D3DCCD1}">
-              <a14:hiddenFill xmlns:a14="http://schemas.microsoft.com/office/drawing/2010/main">
+              <a14:hiddenFill xmlns:a14="http://schemas.microsoft.com/office/drawing/2010/main" xmlns="">
                 <a:solidFill>
                   <a:srgbClr val="FFFFFF"/>
                 </a:solidFill>
@@ -9222,8 +9721,8 @@
         </p:blipFill>
         <p:spPr bwMode="auto">
           <a:xfrm>
-            <a:off x="4736034" y="2683133"/>
-            <a:ext cx="1828800" cy="1828800"/>
+            <a:off x="3552026" y="2869600"/>
+            <a:ext cx="1371600" cy="1371600"/>
           </a:xfrm>
           <a:prstGeom prst="rect">
             <a:avLst/>
@@ -9231,7 +9730,7 @@
           <a:noFill/>
           <a:extLst>
             <a:ext uri="{909E8E84-426E-40dd-AFC4-6F175D3DCCD1}">
-              <a14:hiddenFill xmlns:a14="http://schemas.microsoft.com/office/drawing/2010/main">
+              <a14:hiddenFill xmlns:a14="http://schemas.microsoft.com/office/drawing/2010/main" xmlns="">
                 <a:solidFill>
                   <a:srgbClr val="FFFFFF"/>
                 </a:solidFill>
@@ -9253,7 +9752,7 @@
   <p:timing>
     <p:tnLst>
       <p:par>
-        <p:cTn xmlns:p14="http://schemas.microsoft.com/office/powerpoint/2010/main" id="1" dur="indefinite" restart="never" nodeType="tmRoot"/>
+        <p:cTn id="1" dur="indefinite" restart="never" nodeType="tmRoot"/>
       </p:par>
     </p:tnLst>
   </p:timing>
@@ -9293,10 +9792,10 @@
           <a:lstStyle/>
           <a:p>
             <a:r>
-              <a:rPr lang="en-US" dirty="0" smtClean="0"/>
+              <a:rPr lang="en-US" sz="3200" dirty="0" smtClean="0"/>
               <a:t>Even worse…</a:t>
             </a:r>
-            <a:endParaRPr lang="en-US" dirty="0"/>
+            <a:endParaRPr lang="en-US" sz="3200" dirty="0"/>
           </a:p>
         </p:txBody>
       </p:sp>
@@ -9312,14 +9811,16 @@
         </p:nvSpPr>
         <p:spPr/>
         <p:txBody>
-          <a:bodyPr/>
-          <a:lstStyle/>
-          <a:p>
-            <a:r>
-              <a:rPr lang="en-US" dirty="0" smtClean="0"/>
+          <a:bodyPr>
+            <a:normAutofit/>
+          </a:bodyPr>
+          <a:lstStyle/>
+          <a:p>
+            <a:r>
+              <a:rPr lang="en-US" sz="2200" dirty="0" smtClean="0"/>
               <a:t>Structured prediction, expert only</a:t>
             </a:r>
-            <a:endParaRPr lang="en-US" dirty="0"/>
+            <a:endParaRPr lang="en-US" sz="2200" dirty="0"/>
           </a:p>
         </p:txBody>
       </p:sp>
@@ -9332,7 +9833,7 @@
           <p:nvPr/>
         </p:nvPicPr>
         <p:blipFill>
-          <a:blip r:embed="rId2">
+          <a:blip r:embed="rId2" cstate="print">
             <a:extLst>
               <a:ext uri="{28A0092B-C50C-407E-A947-70E740481C1C}">
                 <a14:useLocalDpi xmlns:a14="http://schemas.microsoft.com/office/drawing/2010/main" val="0"/>
@@ -9346,8 +9847,8 @@
         </p:blipFill>
         <p:spPr bwMode="auto">
           <a:xfrm>
-            <a:off x="1677918" y="3015920"/>
-            <a:ext cx="1543098" cy="1169014"/>
+            <a:off x="1258438" y="3119190"/>
+            <a:ext cx="1157324" cy="876761"/>
           </a:xfrm>
           <a:prstGeom prst="rect">
             <a:avLst/>
@@ -9355,7 +9856,7 @@
           <a:noFill/>
           <a:extLst>
             <a:ext uri="{909E8E84-426E-40dd-AFC4-6F175D3DCCD1}">
-              <a14:hiddenFill xmlns:a14="http://schemas.microsoft.com/office/drawing/2010/main">
+              <a14:hiddenFill xmlns:a14="http://schemas.microsoft.com/office/drawing/2010/main" xmlns="">
                 <a:solidFill>
                   <a:srgbClr val="FFFFFF"/>
                 </a:solidFill>
@@ -9372,8 +9873,8 @@
         </p:nvSpPr>
         <p:spPr>
           <a:xfrm>
-            <a:off x="3361159" y="3352777"/>
-            <a:ext cx="1245869" cy="495300"/>
+            <a:off x="2520870" y="3371833"/>
+            <a:ext cx="934402" cy="371475"/>
           </a:xfrm>
           <a:prstGeom prst="rightArrow">
             <a:avLst/>
@@ -9398,7 +9899,7 @@
           <a:lstStyle/>
           <a:p>
             <a:pPr algn="ctr"/>
-            <a:endParaRPr lang="en-US" dirty="0"/>
+            <a:endParaRPr lang="en-US" sz="1350" dirty="0"/>
           </a:p>
         </p:txBody>
       </p:sp>
@@ -9410,8 +9911,8 @@
         </p:nvSpPr>
         <p:spPr>
           <a:xfrm>
-            <a:off x="6645841" y="3349883"/>
-            <a:ext cx="1245869" cy="495300"/>
+            <a:off x="4984381" y="3369662"/>
+            <a:ext cx="934402" cy="371475"/>
           </a:xfrm>
           <a:prstGeom prst="rightArrow">
             <a:avLst/>
@@ -9436,7 +9937,7 @@
           <a:lstStyle/>
           <a:p>
             <a:pPr algn="ctr"/>
-            <a:endParaRPr lang="en-US" dirty="0"/>
+            <a:endParaRPr lang="en-US" sz="1350" dirty="0"/>
           </a:p>
         </p:txBody>
       </p:sp>
@@ -9448,8 +9949,8 @@
         </p:nvSpPr>
         <p:spPr>
           <a:xfrm>
-            <a:off x="3409158" y="3061610"/>
-            <a:ext cx="1525530" cy="369332"/>
+            <a:off x="2556868" y="3153457"/>
+            <a:ext cx="1144148" cy="300082"/>
           </a:xfrm>
           <a:prstGeom prst="rect">
             <a:avLst/>
@@ -9463,14 +9964,14 @@
           <a:lstStyle/>
           <a:p>
             <a:r>
-              <a:rPr lang="en-US" b="1" dirty="0" smtClean="0">
+              <a:rPr lang="en-US" sz="1350" b="1" dirty="0">
                 <a:solidFill>
                   <a:srgbClr val="C00000"/>
                 </a:solidFill>
               </a:rPr>
               <a:t>input</a:t>
             </a:r>
-            <a:endParaRPr lang="en-US" sz="2400" b="1" dirty="0">
+            <a:endParaRPr lang="en-US" b="1" dirty="0">
               <a:solidFill>
                 <a:srgbClr val="C00000"/>
               </a:solidFill>
@@ -9486,8 +9987,8 @@
         </p:nvSpPr>
         <p:spPr>
           <a:xfrm>
-            <a:off x="6761035" y="3061610"/>
-            <a:ext cx="1740032" cy="369332"/>
+            <a:off x="5070776" y="3153457"/>
+            <a:ext cx="1305024" cy="300082"/>
           </a:xfrm>
           <a:prstGeom prst="rect">
             <a:avLst/>
@@ -9501,14 +10002,14 @@
           <a:lstStyle/>
           <a:p>
             <a:r>
-              <a:rPr lang="en-US" b="1" dirty="0" smtClean="0">
+              <a:rPr lang="en-US" sz="1350" b="1" dirty="0">
                 <a:solidFill>
                   <a:srgbClr val="C00000"/>
                 </a:solidFill>
               </a:rPr>
               <a:t>output</a:t>
             </a:r>
-            <a:endParaRPr lang="en-US" b="1" dirty="0">
+            <a:endParaRPr lang="en-US" sz="1350" b="1" dirty="0">
               <a:solidFill>
                 <a:srgbClr val="C00000"/>
               </a:solidFill>
@@ -9539,8 +10040,8 @@
         </p:blipFill>
         <p:spPr bwMode="auto">
           <a:xfrm>
-            <a:off x="4736034" y="2683133"/>
-            <a:ext cx="1828800" cy="1828800"/>
+            <a:off x="3552026" y="2869600"/>
+            <a:ext cx="1371600" cy="1371600"/>
           </a:xfrm>
           <a:prstGeom prst="rect">
             <a:avLst/>
@@ -9548,7 +10049,7 @@
           <a:noFill/>
           <a:extLst>
             <a:ext uri="{909E8E84-426E-40dd-AFC4-6F175D3DCCD1}">
-              <a14:hiddenFill xmlns:a14="http://schemas.microsoft.com/office/drawing/2010/main">
+              <a14:hiddenFill xmlns:a14="http://schemas.microsoft.com/office/drawing/2010/main" xmlns="">
                 <a:solidFill>
                   <a:srgbClr val="FFFFFF"/>
                 </a:solidFill>
@@ -9580,8 +10081,8 @@
         </p:blipFill>
         <p:spPr bwMode="auto">
           <a:xfrm>
-            <a:off x="8025321" y="2401777"/>
-            <a:ext cx="3845306" cy="948106"/>
+            <a:off x="6018991" y="2658583"/>
+            <a:ext cx="2883980" cy="711080"/>
           </a:xfrm>
           <a:prstGeom prst="rect">
             <a:avLst/>
@@ -9589,7 +10090,7 @@
           <a:noFill/>
           <a:extLst>
             <a:ext uri="{909E8E84-426E-40dd-AFC4-6F175D3DCCD1}">
-              <a14:hiddenFill xmlns:a14="http://schemas.microsoft.com/office/drawing/2010/main">
+              <a14:hiddenFill xmlns:a14="http://schemas.microsoft.com/office/drawing/2010/main" xmlns="">
                 <a:solidFill>
                   <a:srgbClr val="FFFFFF"/>
                 </a:solidFill>
@@ -9607,7 +10108,7 @@
           <p:nvPr/>
         </p:nvPicPr>
         <p:blipFill>
-          <a:blip r:embed="rId5">
+          <a:blip r:embed="rId5" cstate="print">
             <a:extLst>
               <a:ext uri="{28A0092B-C50C-407E-A947-70E740481C1C}">
                 <a14:useLocalDpi xmlns:a14="http://schemas.microsoft.com/office/drawing/2010/main" val="0"/>
@@ -9621,8 +10122,8 @@
         </p:blipFill>
         <p:spPr bwMode="auto">
           <a:xfrm>
-            <a:off x="8229600" y="3811348"/>
-            <a:ext cx="3032744" cy="1711158"/>
+            <a:off x="6172200" y="3715761"/>
+            <a:ext cx="2274558" cy="1283369"/>
           </a:xfrm>
           <a:prstGeom prst="rect">
             <a:avLst/>
@@ -9630,7 +10131,7 @@
           <a:noFill/>
           <a:extLst>
             <a:ext uri="{909E8E84-426E-40dd-AFC4-6F175D3DCCD1}">
-              <a14:hiddenFill xmlns:a14="http://schemas.microsoft.com/office/drawing/2010/main">
+              <a14:hiddenFill xmlns:a14="http://schemas.microsoft.com/office/drawing/2010/main" xmlns="">
                 <a:solidFill>
                   <a:srgbClr val="FFFFFF"/>
                 </a:solidFill>
@@ -9652,7 +10153,7 @@
   <p:timing>
     <p:tnLst>
       <p:par>
-        <p:cTn xmlns:p14="http://schemas.microsoft.com/office/powerpoint/2010/main" id="1" dur="indefinite" restart="never" nodeType="tmRoot"/>
+        <p:cTn id="1" dur="indefinite" restart="never" nodeType="tmRoot"/>
       </p:par>
     </p:tnLst>
   </p:timing>
@@ -9692,10 +10193,10 @@
           <a:lstStyle/>
           <a:p>
             <a:r>
-              <a:rPr lang="en-US" dirty="0" smtClean="0"/>
+              <a:rPr lang="en-US" sz="3200" dirty="0" smtClean="0"/>
               <a:t>Even worse…</a:t>
             </a:r>
-            <a:endParaRPr lang="en-US" dirty="0"/>
+            <a:endParaRPr lang="en-US" sz="3200" dirty="0"/>
           </a:p>
         </p:txBody>
       </p:sp>
@@ -9711,14 +10212,16 @@
         </p:nvSpPr>
         <p:spPr/>
         <p:txBody>
-          <a:bodyPr/>
-          <a:lstStyle/>
-          <a:p>
-            <a:r>
-              <a:rPr lang="en-US" dirty="0" smtClean="0"/>
+          <a:bodyPr>
+            <a:normAutofit/>
+          </a:bodyPr>
+          <a:lstStyle/>
+          <a:p>
+            <a:r>
+              <a:rPr lang="en-US" sz="2200" dirty="0" smtClean="0"/>
               <a:t>Structured prediction (generate trees/graphs), expert only</a:t>
             </a:r>
-            <a:endParaRPr lang="en-US" dirty="0"/>
+            <a:endParaRPr lang="en-US" sz="2200" dirty="0"/>
           </a:p>
         </p:txBody>
       </p:sp>
@@ -9731,7 +10234,7 @@
           <p:nvPr/>
         </p:nvPicPr>
         <p:blipFill>
-          <a:blip r:embed="rId2">
+          <a:blip r:embed="rId2" cstate="print">
             <a:extLst>
               <a:ext uri="{28A0092B-C50C-407E-A947-70E740481C1C}">
                 <a14:useLocalDpi xmlns:a14="http://schemas.microsoft.com/office/drawing/2010/main" val="0"/>
@@ -9745,8 +10248,8 @@
         </p:blipFill>
         <p:spPr bwMode="auto">
           <a:xfrm>
-            <a:off x="1677918" y="3015920"/>
-            <a:ext cx="1543098" cy="1169014"/>
+            <a:off x="1258438" y="3119190"/>
+            <a:ext cx="1157324" cy="876761"/>
           </a:xfrm>
           <a:prstGeom prst="rect">
             <a:avLst/>
@@ -9754,7 +10257,7 @@
           <a:noFill/>
           <a:extLst>
             <a:ext uri="{909E8E84-426E-40dd-AFC4-6F175D3DCCD1}">
-              <a14:hiddenFill xmlns:a14="http://schemas.microsoft.com/office/drawing/2010/main">
+              <a14:hiddenFill xmlns:a14="http://schemas.microsoft.com/office/drawing/2010/main" xmlns="">
                 <a:solidFill>
                   <a:srgbClr val="FFFFFF"/>
                 </a:solidFill>
@@ -9771,8 +10274,8 @@
         </p:nvSpPr>
         <p:spPr>
           <a:xfrm>
-            <a:off x="3361159" y="3352777"/>
-            <a:ext cx="1245869" cy="495300"/>
+            <a:off x="2520870" y="3371833"/>
+            <a:ext cx="934402" cy="371475"/>
           </a:xfrm>
           <a:prstGeom prst="rightArrow">
             <a:avLst/>
@@ -9797,7 +10300,7 @@
           <a:lstStyle/>
           <a:p>
             <a:pPr algn="ctr"/>
-            <a:endParaRPr lang="en-US" dirty="0"/>
+            <a:endParaRPr lang="en-US" sz="1350" dirty="0"/>
           </a:p>
         </p:txBody>
       </p:sp>
@@ -9809,8 +10312,8 @@
         </p:nvSpPr>
         <p:spPr>
           <a:xfrm>
-            <a:off x="6645841" y="3349883"/>
-            <a:ext cx="1245869" cy="495300"/>
+            <a:off x="4984381" y="3369662"/>
+            <a:ext cx="934402" cy="371475"/>
           </a:xfrm>
           <a:prstGeom prst="rightArrow">
             <a:avLst/>
@@ -9835,7 +10338,7 @@
           <a:lstStyle/>
           <a:p>
             <a:pPr algn="ctr"/>
-            <a:endParaRPr lang="en-US" dirty="0"/>
+            <a:endParaRPr lang="en-US" sz="1350" dirty="0"/>
           </a:p>
         </p:txBody>
       </p:sp>
@@ -9847,8 +10350,8 @@
         </p:nvSpPr>
         <p:spPr>
           <a:xfrm>
-            <a:off x="3409158" y="3061610"/>
-            <a:ext cx="1525530" cy="369332"/>
+            <a:off x="2556868" y="3153457"/>
+            <a:ext cx="1144148" cy="300082"/>
           </a:xfrm>
           <a:prstGeom prst="rect">
             <a:avLst/>
@@ -9862,14 +10365,14 @@
           <a:lstStyle/>
           <a:p>
             <a:r>
-              <a:rPr lang="en-US" b="1" dirty="0" smtClean="0">
+              <a:rPr lang="en-US" sz="1350" b="1" dirty="0">
                 <a:solidFill>
                   <a:srgbClr val="C00000"/>
                 </a:solidFill>
               </a:rPr>
               <a:t>input</a:t>
             </a:r>
-            <a:endParaRPr lang="en-US" sz="2400" b="1" dirty="0">
+            <a:endParaRPr lang="en-US" b="1" dirty="0">
               <a:solidFill>
                 <a:srgbClr val="C00000"/>
               </a:solidFill>
@@ -9885,8 +10388,8 @@
         </p:nvSpPr>
         <p:spPr>
           <a:xfrm>
-            <a:off x="6761035" y="3061610"/>
-            <a:ext cx="1740032" cy="369332"/>
+            <a:off x="5070776" y="3153457"/>
+            <a:ext cx="1305024" cy="300082"/>
           </a:xfrm>
           <a:prstGeom prst="rect">
             <a:avLst/>
@@ -9900,14 +10403,14 @@
           <a:lstStyle/>
           <a:p>
             <a:r>
-              <a:rPr lang="en-US" b="1" dirty="0" smtClean="0">
+              <a:rPr lang="en-US" sz="1350" b="1" dirty="0">
                 <a:solidFill>
                   <a:srgbClr val="C00000"/>
                 </a:solidFill>
               </a:rPr>
               <a:t>output</a:t>
             </a:r>
-            <a:endParaRPr lang="en-US" b="1" dirty="0">
+            <a:endParaRPr lang="en-US" sz="1350" b="1" dirty="0">
               <a:solidFill>
                 <a:srgbClr val="C00000"/>
               </a:solidFill>
@@ -9938,8 +10441,8 @@
         </p:blipFill>
         <p:spPr bwMode="auto">
           <a:xfrm>
-            <a:off x="8025321" y="2401777"/>
-            <a:ext cx="3845306" cy="948106"/>
+            <a:off x="6018991" y="2658583"/>
+            <a:ext cx="2883980" cy="711080"/>
           </a:xfrm>
           <a:prstGeom prst="rect">
             <a:avLst/>
@@ -9947,7 +10450,7 @@
           <a:noFill/>
           <a:extLst>
             <a:ext uri="{909E8E84-426E-40dd-AFC4-6F175D3DCCD1}">
-              <a14:hiddenFill xmlns:a14="http://schemas.microsoft.com/office/drawing/2010/main">
+              <a14:hiddenFill xmlns:a14="http://schemas.microsoft.com/office/drawing/2010/main" xmlns="">
                 <a:solidFill>
                   <a:srgbClr val="FFFFFF"/>
                 </a:solidFill>
@@ -9965,7 +10468,7 @@
           <p:nvPr/>
         </p:nvPicPr>
         <p:blipFill>
-          <a:blip r:embed="rId4">
+          <a:blip r:embed="rId4" cstate="print">
             <a:extLst>
               <a:ext uri="{28A0092B-C50C-407E-A947-70E740481C1C}">
                 <a14:useLocalDpi xmlns:a14="http://schemas.microsoft.com/office/drawing/2010/main" val="0"/>
@@ -9979,8 +10482,8 @@
         </p:blipFill>
         <p:spPr bwMode="auto">
           <a:xfrm>
-            <a:off x="8229600" y="3811348"/>
-            <a:ext cx="3032744" cy="1711158"/>
+            <a:off x="6172200" y="3715761"/>
+            <a:ext cx="2274558" cy="1283369"/>
           </a:xfrm>
           <a:prstGeom prst="rect">
             <a:avLst/>
@@ -9988,7 +10491,7 @@
           <a:noFill/>
           <a:extLst>
             <a:ext uri="{909E8E84-426E-40dd-AFC4-6F175D3DCCD1}">
-              <a14:hiddenFill xmlns:a14="http://schemas.microsoft.com/office/drawing/2010/main">
+              <a14:hiddenFill xmlns:a14="http://schemas.microsoft.com/office/drawing/2010/main" xmlns="">
                 <a:solidFill>
                   <a:srgbClr val="FFFFFF"/>
                 </a:solidFill>
@@ -10018,8 +10521,8 @@
         </p:blipFill>
         <p:spPr bwMode="auto">
           <a:xfrm>
-            <a:off x="4787349" y="2626389"/>
-            <a:ext cx="1724881" cy="2129680"/>
+            <a:off x="3590512" y="2827042"/>
+            <a:ext cx="1293661" cy="1597260"/>
           </a:xfrm>
           <a:prstGeom prst="rect">
             <a:avLst/>
@@ -10027,7 +10530,7 @@
           <a:noFill/>
           <a:extLst>
             <a:ext uri="{909E8E84-426E-40dd-AFC4-6F175D3DCCD1}">
-              <a14:hiddenFill xmlns:a14="http://schemas.microsoft.com/office/drawing/2010/main">
+              <a14:hiddenFill xmlns:a14="http://schemas.microsoft.com/office/drawing/2010/main" xmlns="">
                 <a:solidFill>
                   <a:srgbClr val="FFFFFF"/>
                 </a:solidFill>
@@ -10049,7 +10552,7 @@
   <p:timing>
     <p:tnLst>
       <p:par>
-        <p:cTn xmlns:p14="http://schemas.microsoft.com/office/powerpoint/2010/main" id="1" dur="indefinite" restart="never" nodeType="tmRoot"/>
+        <p:cTn id="1" dur="indefinite" restart="never" nodeType="tmRoot"/>
       </p:par>
     </p:tnLst>
   </p:timing>
@@ -10089,10 +10592,10 @@
           <a:lstStyle/>
           <a:p>
             <a:r>
-              <a:rPr lang="en-US" dirty="0" smtClean="0"/>
+              <a:rPr lang="en-US" sz="3200" dirty="0" smtClean="0"/>
               <a:t>Let Crowds do the job</a:t>
             </a:r>
-            <a:endParaRPr lang="en-US" dirty="0"/>
+            <a:endParaRPr lang="en-US" sz="3200" dirty="0"/>
           </a:p>
         </p:txBody>
       </p:sp>
@@ -10108,14 +10611,16 @@
         </p:nvSpPr>
         <p:spPr/>
         <p:txBody>
-          <a:bodyPr/>
-          <a:lstStyle/>
-          <a:p>
-            <a:r>
-              <a:rPr lang="en-US" dirty="0" smtClean="0"/>
+          <a:bodyPr>
+            <a:normAutofit/>
+          </a:bodyPr>
+          <a:lstStyle/>
+          <a:p>
+            <a:r>
+              <a:rPr lang="en-US" sz="2200" dirty="0" smtClean="0"/>
               <a:t>Visualize the NLP annotation</a:t>
             </a:r>
-            <a:endParaRPr lang="en-US" dirty="0"/>
+            <a:endParaRPr lang="en-US" sz="2200" dirty="0"/>
           </a:p>
         </p:txBody>
       </p:sp>
@@ -10128,7 +10633,7 @@
           <p:nvPr/>
         </p:nvPicPr>
         <p:blipFill>
-          <a:blip r:embed="rId2">
+          <a:blip r:embed="rId2" cstate="print">
             <a:extLst>
               <a:ext uri="{28A0092B-C50C-407E-A947-70E740481C1C}">
                 <a14:useLocalDpi xmlns:a14="http://schemas.microsoft.com/office/drawing/2010/main" val="0"/>
@@ -10142,8 +10647,8 @@
         </p:blipFill>
         <p:spPr bwMode="auto">
           <a:xfrm>
-            <a:off x="1677918" y="3015920"/>
-            <a:ext cx="1543098" cy="1169014"/>
+            <a:off x="1258438" y="3119190"/>
+            <a:ext cx="1157324" cy="876761"/>
           </a:xfrm>
           <a:prstGeom prst="rect">
             <a:avLst/>
@@ -10151,7 +10656,7 @@
           <a:noFill/>
           <a:extLst>
             <a:ext uri="{909E8E84-426E-40dd-AFC4-6F175D3DCCD1}">
-              <a14:hiddenFill xmlns:a14="http://schemas.microsoft.com/office/drawing/2010/main">
+              <a14:hiddenFill xmlns:a14="http://schemas.microsoft.com/office/drawing/2010/main" xmlns="">
                 <a:solidFill>
                   <a:srgbClr val="FFFFFF"/>
                 </a:solidFill>
@@ -10168,8 +10673,8 @@
         </p:nvSpPr>
         <p:spPr>
           <a:xfrm>
-            <a:off x="3361159" y="3352777"/>
-            <a:ext cx="1245869" cy="495300"/>
+            <a:off x="2520870" y="3371833"/>
+            <a:ext cx="934402" cy="371475"/>
           </a:xfrm>
           <a:prstGeom prst="rightArrow">
             <a:avLst/>
@@ -10194,7 +10699,7 @@
           <a:lstStyle/>
           <a:p>
             <a:pPr algn="ctr"/>
-            <a:endParaRPr lang="en-US" dirty="0"/>
+            <a:endParaRPr lang="en-US" sz="1350" dirty="0"/>
           </a:p>
         </p:txBody>
       </p:sp>
@@ -10206,8 +10711,8 @@
         </p:nvSpPr>
         <p:spPr>
           <a:xfrm>
-            <a:off x="6645841" y="3349883"/>
-            <a:ext cx="1245869" cy="495300"/>
+            <a:off x="4984381" y="3369662"/>
+            <a:ext cx="934402" cy="371475"/>
           </a:xfrm>
           <a:prstGeom prst="rightArrow">
             <a:avLst/>
@@ -10232,7 +10737,7 @@
           <a:lstStyle/>
           <a:p>
             <a:pPr algn="ctr"/>
-            <a:endParaRPr lang="en-US" dirty="0"/>
+            <a:endParaRPr lang="en-US" sz="1350" dirty="0"/>
           </a:p>
         </p:txBody>
       </p:sp>
@@ -10244,8 +10749,8 @@
         </p:nvSpPr>
         <p:spPr>
           <a:xfrm>
-            <a:off x="3409158" y="3061610"/>
-            <a:ext cx="1525530" cy="369332"/>
+            <a:off x="2556868" y="3153457"/>
+            <a:ext cx="1144148" cy="300082"/>
           </a:xfrm>
           <a:prstGeom prst="rect">
             <a:avLst/>
@@ -10259,14 +10764,14 @@
           <a:lstStyle/>
           <a:p>
             <a:r>
-              <a:rPr lang="en-US" b="1" dirty="0" smtClean="0">
+              <a:rPr lang="en-US" sz="1350" b="1" dirty="0">
                 <a:solidFill>
                   <a:srgbClr val="C00000"/>
                 </a:solidFill>
               </a:rPr>
               <a:t>input</a:t>
             </a:r>
-            <a:endParaRPr lang="en-US" sz="2400" b="1" dirty="0">
+            <a:endParaRPr lang="en-US" b="1" dirty="0">
               <a:solidFill>
                 <a:srgbClr val="C00000"/>
               </a:solidFill>
@@ -10282,8 +10787,8 @@
         </p:nvSpPr>
         <p:spPr>
           <a:xfrm>
-            <a:off x="6761035" y="3061610"/>
-            <a:ext cx="1740032" cy="369332"/>
+            <a:off x="5070776" y="3153457"/>
+            <a:ext cx="1305024" cy="300082"/>
           </a:xfrm>
           <a:prstGeom prst="rect">
             <a:avLst/>
@@ -10297,14 +10802,14 @@
           <a:lstStyle/>
           <a:p>
             <a:r>
-              <a:rPr lang="en-US" b="1" dirty="0" smtClean="0">
+              <a:rPr lang="en-US" sz="1350" b="1" dirty="0">
                 <a:solidFill>
                   <a:srgbClr val="C00000"/>
                 </a:solidFill>
               </a:rPr>
               <a:t>output</a:t>
             </a:r>
-            <a:endParaRPr lang="en-US" b="1" dirty="0">
+            <a:endParaRPr lang="en-US" sz="1350" b="1" dirty="0">
               <a:solidFill>
                 <a:srgbClr val="C00000"/>
               </a:solidFill>
@@ -10335,8 +10840,8 @@
         </p:blipFill>
         <p:spPr bwMode="auto">
           <a:xfrm>
-            <a:off x="8025321" y="2401777"/>
-            <a:ext cx="3845306" cy="948106"/>
+            <a:off x="6018991" y="2658583"/>
+            <a:ext cx="2883980" cy="711080"/>
           </a:xfrm>
           <a:prstGeom prst="rect">
             <a:avLst/>
@@ -10344,7 +10849,7 @@
           <a:noFill/>
           <a:extLst>
             <a:ext uri="{909E8E84-426E-40dd-AFC4-6F175D3DCCD1}">
-              <a14:hiddenFill xmlns:a14="http://schemas.microsoft.com/office/drawing/2010/main">
+              <a14:hiddenFill xmlns:a14="http://schemas.microsoft.com/office/drawing/2010/main" xmlns="">
                 <a:solidFill>
                   <a:srgbClr val="FFFFFF"/>
                 </a:solidFill>
@@ -10362,7 +10867,7 @@
           <p:nvPr/>
         </p:nvPicPr>
         <p:blipFill rotWithShape="1">
-          <a:blip r:embed="rId4">
+          <a:blip r:embed="rId4" cstate="print">
             <a:extLst>
               <a:ext uri="{28A0092B-C50C-407E-A947-70E740481C1C}">
                 <a14:useLocalDpi xmlns:a14="http://schemas.microsoft.com/office/drawing/2010/main" val="0"/>
@@ -10374,8 +10879,8 @@
         </p:blipFill>
         <p:spPr bwMode="auto">
           <a:xfrm>
-            <a:off x="8188036" y="3753539"/>
-            <a:ext cx="3032744" cy="1009883"/>
+            <a:off x="6141027" y="3672405"/>
+            <a:ext cx="2274558" cy="757412"/>
           </a:xfrm>
           <a:prstGeom prst="rect">
             <a:avLst/>
@@ -10383,7 +10888,7 @@
           <a:noFill/>
           <a:extLst>
             <a:ext uri="{909E8E84-426E-40dd-AFC4-6F175D3DCCD1}">
-              <a14:hiddenFill xmlns:a14="http://schemas.microsoft.com/office/drawing/2010/main">
+              <a14:hiddenFill xmlns:a14="http://schemas.microsoft.com/office/drawing/2010/main" xmlns="">
                 <a:solidFill>
                   <a:srgbClr val="FFFFFF"/>
                 </a:solidFill>
@@ -10415,8 +10920,8 @@
         </p:blipFill>
         <p:spPr bwMode="auto">
           <a:xfrm>
-            <a:off x="4699243" y="2266682"/>
-            <a:ext cx="1847850" cy="1966872"/>
+            <a:off x="3524432" y="2557262"/>
+            <a:ext cx="1385888" cy="1475154"/>
           </a:xfrm>
           <a:prstGeom prst="rect">
             <a:avLst/>
@@ -10424,7 +10929,7 @@
           <a:noFill/>
           <a:extLst>
             <a:ext uri="{909E8E84-426E-40dd-AFC4-6F175D3DCCD1}">
-              <a14:hiddenFill xmlns:a14="http://schemas.microsoft.com/office/drawing/2010/main">
+              <a14:hiddenFill xmlns:a14="http://schemas.microsoft.com/office/drawing/2010/main" xmlns="">
                 <a:solidFill>
                   <a:srgbClr val="FFFFFF"/>
                 </a:solidFill>
@@ -10441,8 +10946,8 @@
         </p:nvSpPr>
         <p:spPr>
           <a:xfrm>
-            <a:off x="4607028" y="4320779"/>
-            <a:ext cx="2173184" cy="1077218"/>
+            <a:off x="3455271" y="4097835"/>
+            <a:ext cx="1629888" cy="1200329"/>
           </a:xfrm>
           <a:prstGeom prst="rect">
             <a:avLst/>
@@ -10456,14 +10961,14 @@
           <a:lstStyle/>
           <a:p>
             <a:r>
-              <a:rPr lang="en-US" sz="3200" b="1" dirty="0" smtClean="0">
+              <a:rPr lang="en-US" sz="2400" b="1" dirty="0">
                 <a:solidFill>
                   <a:srgbClr val="C00000"/>
                 </a:solidFill>
               </a:rPr>
               <a:t>+ visualized toolkit</a:t>
             </a:r>
-            <a:endParaRPr lang="en-US" sz="3200" b="1" dirty="0">
+            <a:endParaRPr lang="en-US" sz="2400" b="1" dirty="0">
               <a:solidFill>
                 <a:srgbClr val="C00000"/>
               </a:solidFill>
@@ -10484,7 +10989,7 @@
   <p:timing>
     <p:tnLst>
       <p:par>
-        <p:cTn xmlns:p14="http://schemas.microsoft.com/office/powerpoint/2010/main" id="1" dur="indefinite" restart="never" nodeType="tmRoot"/>
+        <p:cTn id="1" dur="indefinite" restart="never" nodeType="tmRoot"/>
       </p:par>
     </p:tnLst>
   </p:timing>
@@ -10524,32 +11029,38 @@
           <a:lstStyle/>
           <a:p>
             <a:r>
-              <a:rPr lang="en-US" dirty="0" smtClean="0"/>
+              <a:rPr lang="en-US" sz="3200" dirty="0" smtClean="0"/>
               <a:t>Goal</a:t>
             </a:r>
+            <a:endParaRPr lang="en-US" sz="3200" dirty="0"/>
+          </a:p>
+        </p:txBody>
+      </p:sp>
+      <p:sp>
+        <p:nvSpPr>
+          <p:cNvPr id="3" name="Content Placeholder 2"/>
+          <p:cNvSpPr>
+            <a:spLocks noGrp="1"/>
+          </p:cNvSpPr>
+          <p:nvPr>
+            <p:ph idx="1"/>
+          </p:nvPr>
+        </p:nvSpPr>
+        <p:spPr/>
+        <p:txBody>
+          <a:bodyPr/>
+          <a:lstStyle/>
+          <a:p>
+            <a:r>
+              <a:rPr lang="en-US" sz="2200" dirty="0" smtClean="0"/>
+              <a:t>Visualize two categories of annotations</a:t>
+            </a:r>
+          </a:p>
+          <a:p>
             <a:endParaRPr lang="en-US" dirty="0"/>
           </a:p>
-        </p:txBody>
-      </p:sp>
-      <p:sp>
-        <p:nvSpPr>
-          <p:cNvPr id="3" name="Content Placeholder 2"/>
-          <p:cNvSpPr>
-            <a:spLocks noGrp="1"/>
-          </p:cNvSpPr>
-          <p:nvPr>
-            <p:ph idx="1"/>
-          </p:nvPr>
-        </p:nvSpPr>
-        <p:spPr/>
-        <p:txBody>
-          <a:bodyPr/>
-          <a:lstStyle/>
-          <a:p>
-            <a:r>
-              <a:rPr lang="en-US" dirty="0" smtClean="0"/>
-              <a:t>Visualize two categories of annotations</a:t>
-            </a:r>
+          <a:p>
+            <a:endParaRPr lang="en-US" dirty="0" smtClean="0"/>
           </a:p>
           <a:p>
             <a:endParaRPr lang="en-US" dirty="0"/>
@@ -10558,20 +11069,14 @@
             <a:endParaRPr lang="en-US" dirty="0" smtClean="0"/>
           </a:p>
           <a:p>
-            <a:endParaRPr lang="en-US" dirty="0"/>
-          </a:p>
-          <a:p>
             <a:endParaRPr lang="en-US" dirty="0" smtClean="0"/>
           </a:p>
           <a:p>
-            <a:endParaRPr lang="en-US" dirty="0" smtClean="0"/>
-          </a:p>
-          <a:p>
-            <a:r>
-              <a:rPr lang="en-US" dirty="0" smtClean="0"/>
+            <a:r>
+              <a:rPr lang="en-US" sz="2200" dirty="0" smtClean="0"/>
               <a:t>Undo/redo </a:t>
             </a:r>
-            <a:endParaRPr lang="en-US" dirty="0"/>
+            <a:endParaRPr lang="en-US" sz="2200" dirty="0"/>
           </a:p>
         </p:txBody>
       </p:sp>
@@ -10584,7 +11089,7 @@
           <p:nvPr/>
         </p:nvPicPr>
         <p:blipFill rotWithShape="1">
-          <a:blip r:embed="rId2">
+          <a:blip r:embed="rId2" cstate="print">
             <a:extLst>
               <a:ext uri="{28A0092B-C50C-407E-A947-70E740481C1C}">
                 <a14:useLocalDpi xmlns:a14="http://schemas.microsoft.com/office/drawing/2010/main" val="0"/>
@@ -10596,8 +11101,8 @@
         </p:blipFill>
         <p:spPr bwMode="auto">
           <a:xfrm>
-            <a:off x="1620196" y="2633329"/>
-            <a:ext cx="3032744" cy="1009883"/>
+            <a:off x="1215147" y="2832247"/>
+            <a:ext cx="2274558" cy="757412"/>
           </a:xfrm>
           <a:prstGeom prst="rect">
             <a:avLst/>
@@ -10605,7 +11110,7 @@
           <a:noFill/>
           <a:extLst>
             <a:ext uri="{909E8E84-426E-40dd-AFC4-6F175D3DCCD1}">
-              <a14:hiddenFill xmlns:a14="http://schemas.microsoft.com/office/drawing/2010/main">
+              <a14:hiddenFill xmlns:a14="http://schemas.microsoft.com/office/drawing/2010/main" xmlns="">
                 <a:solidFill>
                   <a:srgbClr val="FFFFFF"/>
                 </a:solidFill>
@@ -10622,8 +11127,8 @@
         </p:nvSpPr>
         <p:spPr>
           <a:xfrm>
-            <a:off x="1863640" y="3706897"/>
-            <a:ext cx="2636322" cy="461665"/>
+            <a:off x="1397730" y="3637423"/>
+            <a:ext cx="1977242" cy="646331"/>
           </a:xfrm>
           <a:prstGeom prst="rect">
             <a:avLst/>
@@ -10637,14 +11142,14 @@
           <a:lstStyle/>
           <a:p>
             <a:r>
-              <a:rPr lang="en-US" sz="2400" b="1" dirty="0" smtClean="0">
+              <a:rPr lang="en-US" b="1" dirty="0">
                 <a:solidFill>
                   <a:srgbClr val="C00000"/>
                 </a:solidFill>
               </a:rPr>
               <a:t>Tree construction</a:t>
             </a:r>
-            <a:endParaRPr lang="en-US" sz="2400" b="1" dirty="0">
+            <a:endParaRPr lang="en-US" b="1" dirty="0">
               <a:solidFill>
                 <a:srgbClr val="C00000"/>
               </a:solidFill>
@@ -10675,8 +11180,8 @@
         </p:blipFill>
         <p:spPr bwMode="auto">
           <a:xfrm>
-            <a:off x="6201673" y="2664217"/>
-            <a:ext cx="3845306" cy="948106"/>
+            <a:off x="4651255" y="2855413"/>
+            <a:ext cx="2883980" cy="711080"/>
           </a:xfrm>
           <a:prstGeom prst="rect">
             <a:avLst/>
@@ -10684,7 +11189,7 @@
           <a:noFill/>
           <a:extLst>
             <a:ext uri="{909E8E84-426E-40dd-AFC4-6F175D3DCCD1}">
-              <a14:hiddenFill xmlns:a14="http://schemas.microsoft.com/office/drawing/2010/main">
+              <a14:hiddenFill xmlns:a14="http://schemas.microsoft.com/office/drawing/2010/main" xmlns="">
                 <a:solidFill>
                   <a:srgbClr val="FFFFFF"/>
                 </a:solidFill>
@@ -10701,8 +11206,8 @@
         </p:nvSpPr>
         <p:spPr>
           <a:xfrm>
-            <a:off x="7219302" y="3706896"/>
-            <a:ext cx="1905049" cy="461665"/>
+            <a:off x="5414477" y="3637422"/>
+            <a:ext cx="1428787" cy="369332"/>
           </a:xfrm>
           <a:prstGeom prst="rect">
             <a:avLst/>
@@ -10716,14 +11221,14 @@
           <a:lstStyle/>
           <a:p>
             <a:r>
-              <a:rPr lang="en-US" sz="2400" b="1" dirty="0" smtClean="0">
+              <a:rPr lang="en-US" b="1" dirty="0">
                 <a:solidFill>
                   <a:srgbClr val="C00000"/>
                 </a:solidFill>
               </a:rPr>
               <a:t>Clustering</a:t>
             </a:r>
-            <a:endParaRPr lang="en-US" sz="2400" b="1" dirty="0">
+            <a:endParaRPr lang="en-US" b="1" dirty="0">
               <a:solidFill>
                 <a:srgbClr val="C00000"/>
               </a:solidFill>
@@ -10777,10 +11282,10 @@
           <a:lstStyle/>
           <a:p>
             <a:r>
-              <a:rPr lang="en-US" dirty="0" smtClean="0"/>
+              <a:rPr lang="en-US" sz="3200" dirty="0" smtClean="0"/>
               <a:t>Design</a:t>
             </a:r>
-            <a:endParaRPr lang="en-US" dirty="0"/>
+            <a:endParaRPr lang="en-US" sz="3200" dirty="0"/>
           </a:p>
         </p:txBody>
       </p:sp>
@@ -10792,8 +11297,8 @@
         </p:nvSpPr>
         <p:spPr>
           <a:xfrm>
-            <a:off x="2681641" y="3306932"/>
-            <a:ext cx="3099460" cy="1569660"/>
+            <a:off x="2011231" y="3337449"/>
+            <a:ext cx="2324595" cy="1200329"/>
           </a:xfrm>
           <a:prstGeom prst="rect">
             <a:avLst/>
@@ -10807,11 +11312,11 @@
           <a:lstStyle/>
           <a:p>
             <a:r>
-              <a:rPr lang="en-US" sz="2400" dirty="0" smtClean="0"/>
+              <a:rPr lang="en-US" dirty="0"/>
               <a:t>“</a:t>
             </a:r>
             <a:r>
-              <a:rPr lang="en-US" sz="2400" dirty="0" smtClean="0">
+              <a:rPr lang="en-US" dirty="0">
                 <a:solidFill>
                   <a:schemeClr val="accent5"/>
                 </a:solidFill>
@@ -10819,11 +11324,11 @@
               <a:t>I</a:t>
             </a:r>
             <a:r>
-              <a:rPr lang="en-US" sz="2400" dirty="0" smtClean="0"/>
+              <a:rPr lang="en-US" dirty="0"/>
               <a:t> vote for </a:t>
             </a:r>
             <a:r>
-              <a:rPr lang="en-US" sz="2400" dirty="0" err="1" smtClean="0">
+              <a:rPr lang="en-US" dirty="0" err="1">
                 <a:solidFill>
                   <a:schemeClr val="accent5"/>
                 </a:solidFill>
@@ -10831,7 +11336,7 @@
               <a:t>Nadar</a:t>
             </a:r>
             <a:r>
-              <a:rPr lang="en-US" sz="2400" dirty="0" smtClean="0">
+              <a:rPr lang="en-US" dirty="0">
                 <a:solidFill>
                   <a:schemeClr val="accent5"/>
                 </a:solidFill>
@@ -10839,11 +11344,11 @@
               <a:t> </a:t>
             </a:r>
             <a:r>
-              <a:rPr lang="en-US" sz="2400" dirty="0" smtClean="0"/>
+              <a:rPr lang="en-US" dirty="0"/>
               <a:t>because </a:t>
             </a:r>
             <a:r>
-              <a:rPr lang="en-US" sz="2400" dirty="0" smtClean="0">
+              <a:rPr lang="en-US" dirty="0">
                 <a:solidFill>
                   <a:schemeClr val="accent5"/>
                 </a:solidFill>
@@ -10851,11 +11356,11 @@
               <a:t>he</a:t>
             </a:r>
             <a:r>
-              <a:rPr lang="en-US" sz="2400" dirty="0" smtClean="0"/>
+              <a:rPr lang="en-US" dirty="0"/>
               <a:t> most aligned with </a:t>
             </a:r>
             <a:r>
-              <a:rPr lang="en-US" sz="2400" dirty="0" smtClean="0">
+              <a:rPr lang="en-US" dirty="0">
                 <a:solidFill>
                   <a:schemeClr val="accent5"/>
                 </a:solidFill>
@@ -10863,11 +11368,11 @@
               <a:t>my</a:t>
             </a:r>
             <a:r>
-              <a:rPr lang="en-US" sz="2400" dirty="0" smtClean="0"/>
+              <a:rPr lang="en-US" dirty="0"/>
               <a:t> values”, </a:t>
             </a:r>
             <a:r>
-              <a:rPr lang="en-US" sz="2400" dirty="0" smtClean="0">
+              <a:rPr lang="en-US" dirty="0">
                 <a:solidFill>
                   <a:schemeClr val="accent5"/>
                 </a:solidFill>
@@ -10875,10 +11380,10 @@
               <a:t>she</a:t>
             </a:r>
             <a:r>
-              <a:rPr lang="en-US" sz="2400" dirty="0" smtClean="0"/>
+              <a:rPr lang="en-US" dirty="0"/>
               <a:t> said.</a:t>
             </a:r>
-            <a:endParaRPr lang="en-US" sz="2400" dirty="0"/>
+            <a:endParaRPr lang="en-US" dirty="0"/>
           </a:p>
         </p:txBody>
       </p:sp>
@@ -10890,8 +11395,8 @@
         </p:nvSpPr>
         <p:spPr>
           <a:xfrm>
-            <a:off x="961465" y="3675533"/>
-            <a:ext cx="1371660" cy="570131"/>
+            <a:off x="721099" y="3613900"/>
+            <a:ext cx="1028745" cy="427598"/>
           </a:xfrm>
           <a:prstGeom prst="wedgeRoundRectCallout">
             <a:avLst>
@@ -10932,14 +11437,14 @@
           <a:p>
             <a:pPr algn="ctr"/>
             <a:r>
-              <a:rPr lang="en-US" dirty="0" smtClean="0">
+              <a:rPr lang="en-US" sz="1350" dirty="0">
                 <a:solidFill>
                   <a:schemeClr val="tx1"/>
                 </a:solidFill>
               </a:rPr>
               <a:t>Input</a:t>
             </a:r>
-            <a:endParaRPr lang="en-US" dirty="0">
+            <a:endParaRPr lang="en-US" sz="1350" dirty="0">
               <a:solidFill>
                 <a:schemeClr val="tx1"/>
               </a:solidFill>
@@ -10968,8 +11473,8 @@
         </p:blipFill>
         <p:spPr bwMode="auto">
           <a:xfrm>
-            <a:off x="6250641" y="1471910"/>
-            <a:ext cx="1949824" cy="2971800"/>
+            <a:off x="4687981" y="1961183"/>
+            <a:ext cx="1462368" cy="2228850"/>
           </a:xfrm>
           <a:prstGeom prst="rect">
             <a:avLst/>
@@ -10977,7 +11482,7 @@
           <a:noFill/>
           <a:extLst>
             <a:ext uri="{909E8E84-426E-40dd-AFC4-6F175D3DCCD1}">
-              <a14:hiddenFill xmlns:a14="http://schemas.microsoft.com/office/drawing/2010/main">
+              <a14:hiddenFill xmlns:a14="http://schemas.microsoft.com/office/drawing/2010/main" xmlns="">
                 <a:solidFill>
                   <a:srgbClr val="FFFFFF"/>
                 </a:solidFill>
@@ -10994,8 +11499,8 @@
         </p:nvSpPr>
         <p:spPr>
           <a:xfrm>
-            <a:off x="9097995" y="2496090"/>
-            <a:ext cx="1928594" cy="1053120"/>
+            <a:off x="6823496" y="2729318"/>
+            <a:ext cx="1446446" cy="789840"/>
           </a:xfrm>
           <a:prstGeom prst="wedgeRoundRectCallout">
             <a:avLst>
@@ -11036,7 +11541,7 @@
           <a:p>
             <a:pPr algn="ctr"/>
             <a:r>
-              <a:rPr lang="en-US" dirty="0" smtClean="0">
+              <a:rPr lang="en-US" sz="1350" dirty="0">
                 <a:solidFill>
                   <a:schemeClr val="tx1"/>
                 </a:solidFill>
@@ -11054,8 +11559,8 @@
         </p:nvSpPr>
         <p:spPr>
           <a:xfrm>
-            <a:off x="6096000" y="4871415"/>
-            <a:ext cx="3099460" cy="1200329"/>
+            <a:off x="4572000" y="4510811"/>
+            <a:ext cx="2324595" cy="1200329"/>
           </a:xfrm>
           <a:prstGeom prst="rect">
             <a:avLst/>
@@ -11069,30 +11574,30 @@
           <a:lstStyle/>
           <a:p>
             <a:r>
-              <a:rPr lang="en-US" sz="2400" dirty="0" smtClean="0"/>
+              <a:rPr lang="en-US" dirty="0"/>
               <a:t>Link (he, </a:t>
             </a:r>
             <a:r>
-              <a:rPr lang="en-US" sz="2400" dirty="0" err="1" smtClean="0"/>
+              <a:rPr lang="en-US" dirty="0" err="1"/>
               <a:t>Nadar</a:t>
             </a:r>
             <a:r>
-              <a:rPr lang="en-US" sz="2400" dirty="0" smtClean="0"/>
+              <a:rPr lang="en-US" dirty="0"/>
               <a:t>)</a:t>
             </a:r>
           </a:p>
           <a:p>
             <a:r>
-              <a:rPr lang="en-US" sz="2400" dirty="0" smtClean="0"/>
+              <a:rPr lang="en-US" dirty="0"/>
               <a:t>Tag (she, “speaker”)</a:t>
             </a:r>
           </a:p>
           <a:p>
             <a:r>
-              <a:rPr lang="en-US" sz="2400" dirty="0" smtClean="0"/>
+              <a:rPr lang="en-US" dirty="0"/>
               <a:t>Link (I, my)</a:t>
             </a:r>
-            <a:endParaRPr lang="en-US" sz="2400" dirty="0"/>
+            <a:endParaRPr lang="en-US" dirty="0"/>
           </a:p>
         </p:txBody>
       </p:sp>
@@ -11104,8 +11609,8 @@
         </p:nvSpPr>
         <p:spPr>
           <a:xfrm>
-            <a:off x="9257117" y="5018624"/>
-            <a:ext cx="1928594" cy="1053120"/>
+            <a:off x="6942838" y="4621218"/>
+            <a:ext cx="1446446" cy="789840"/>
           </a:xfrm>
           <a:prstGeom prst="wedgeRoundRectCallout">
             <a:avLst>
@@ -11146,14 +11651,14 @@
           <a:p>
             <a:pPr algn="ctr"/>
             <a:r>
-              <a:rPr lang="en-US" dirty="0" smtClean="0">
+              <a:rPr lang="en-US" sz="1350" dirty="0">
                 <a:solidFill>
                   <a:schemeClr val="tx1"/>
                 </a:solidFill>
               </a:rPr>
               <a:t>History</a:t>
             </a:r>
-            <a:endParaRPr lang="en-US" dirty="0">
+            <a:endParaRPr lang="en-US" sz="1350" dirty="0">
               <a:solidFill>
                 <a:schemeClr val="tx1"/>
               </a:solidFill>
@@ -11169,8 +11674,8 @@
         </p:nvCxnSpPr>
         <p:spPr>
           <a:xfrm>
-            <a:off x="5378824" y="1781739"/>
-            <a:ext cx="73958" cy="4699747"/>
+            <a:off x="4034118" y="2193555"/>
+            <a:ext cx="55469" cy="3524810"/>
           </a:xfrm>
           <a:prstGeom prst="line">
             <a:avLst/>
@@ -11202,8 +11707,8 @@
         </p:nvCxnSpPr>
         <p:spPr>
           <a:xfrm flipV="1">
-            <a:off x="5967248" y="4443710"/>
-            <a:ext cx="5139559" cy="82156"/>
+            <a:off x="4475437" y="4190033"/>
+            <a:ext cx="3854669" cy="61617"/>
           </a:xfrm>
           <a:prstGeom prst="line">
             <a:avLst/>
@@ -11273,10 +11778,14 @@
           <a:lstStyle/>
           <a:p>
             <a:r>
-              <a:rPr lang="en-US" dirty="0" smtClean="0"/>
-              <a:t>Question</a:t>
-            </a:r>
-            <a:endParaRPr lang="en-US" dirty="0"/>
+              <a:rPr lang="en-US" altLang="zh-CN" sz="3200" dirty="0" smtClean="0"/>
+              <a:t>Evaluation: </a:t>
+            </a:r>
+            <a:r>
+              <a:rPr lang="en-US" altLang="zh-CN" sz="3200" dirty="0"/>
+              <a:t>Clustering building</a:t>
+            </a:r>
+            <a:endParaRPr lang="zh-CN" altLang="en-US" sz="3200" dirty="0"/>
           </a:p>
         </p:txBody>
       </p:sp>
@@ -11290,52 +11799,78 @@
             <p:ph idx="1"/>
           </p:nvPr>
         </p:nvSpPr>
-        <p:spPr/>
-        <p:txBody>
-          <a:bodyPr/>
-          <a:lstStyle/>
-          <a:p>
-            <a:r>
-              <a:rPr lang="en-US" dirty="0" smtClean="0"/>
-              <a:t>Flexibility: easily transferred to other tasks</a:t>
-            </a:r>
-          </a:p>
-          <a:p>
-            <a:pPr lvl="1"/>
-            <a:r>
-              <a:rPr lang="en-US" dirty="0" smtClean="0"/>
-              <a:t>Take HTML as input, with target objects tagged. </a:t>
-            </a:r>
-          </a:p>
-          <a:p>
-            <a:pPr lvl="1"/>
-            <a:r>
-              <a:rPr lang="en-US" dirty="0" smtClean="0"/>
-              <a:t>Let NLP experts to design the input visualization </a:t>
-            </a:r>
-            <a:endParaRPr lang="en-US" dirty="0"/>
-          </a:p>
-          <a:p>
-            <a:endParaRPr lang="en-US" dirty="0" smtClean="0"/>
-          </a:p>
-          <a:p>
-            <a:r>
-              <a:rPr lang="en-US" dirty="0" smtClean="0"/>
-              <a:t>Interface</a:t>
-            </a:r>
-          </a:p>
-          <a:p>
-            <a:endParaRPr lang="en-US" dirty="0"/>
-          </a:p>
-          <a:p>
-            <a:endParaRPr lang="en-US" dirty="0"/>
+        <p:spPr>
+          <a:xfrm>
+            <a:off x="498475" y="1934310"/>
+            <a:ext cx="7556313" cy="4144963"/>
+          </a:xfrm>
+        </p:spPr>
+        <p:txBody>
+          <a:bodyPr>
+            <a:normAutofit fontScale="70000" lnSpcReduction="20000"/>
+          </a:bodyPr>
+          <a:lstStyle/>
+          <a:p>
+            <a:r>
+              <a:rPr lang="en-US" altLang="zh-CN" sz="3100" dirty="0" smtClean="0"/>
+              <a:t>Participants: 6-10 UW Undergraduate/ graduate students</a:t>
+            </a:r>
+          </a:p>
+          <a:p>
+            <a:r>
+              <a:rPr lang="en-US" altLang="zh-CN" sz="3100" dirty="0"/>
+              <a:t>Tasks: </a:t>
+            </a:r>
+            <a:r>
+              <a:rPr lang="en-US" altLang="zh-CN" sz="3100" dirty="0" smtClean="0"/>
+              <a:t>Participants will be divided into two groups and each group will be given 2 different sets of standard NLP clustering tasks. The first group will do the first task using our visualization tool and then do the second task using </a:t>
+            </a:r>
+            <a:r>
+              <a:rPr lang="en-US" altLang="zh-CN" sz="3100" dirty="0"/>
+              <a:t>plain text file </a:t>
+            </a:r>
+            <a:r>
+              <a:rPr lang="en-US" altLang="zh-CN" sz="3100" dirty="0" smtClean="0"/>
+              <a:t>editors. The second group of participants will complete the task </a:t>
+            </a:r>
+            <a:r>
+              <a:rPr lang="en-US" altLang="zh-CN" sz="3100" dirty="0"/>
+              <a:t>in the reverse </a:t>
+            </a:r>
+            <a:r>
+              <a:rPr lang="en-US" altLang="zh-CN" sz="3100" dirty="0" smtClean="0"/>
+              <a:t>order. Instructions will be given before they get started.</a:t>
+            </a:r>
+          </a:p>
+          <a:p>
+            <a:r>
+              <a:rPr lang="en-US" altLang="zh-CN" sz="3100" dirty="0"/>
+              <a:t>Evaluation: Both time consumption and </a:t>
+            </a:r>
+            <a:r>
+              <a:rPr lang="en-US" altLang="zh-CN" sz="3100" dirty="0" smtClean="0"/>
+              <a:t>result quality </a:t>
+            </a:r>
+            <a:r>
+              <a:rPr lang="en-US" altLang="zh-CN" sz="3100" dirty="0"/>
+              <a:t>of the two groups of participants will </a:t>
+            </a:r>
+            <a:r>
+              <a:rPr lang="en-US" altLang="zh-CN" sz="3100" dirty="0" smtClean="0"/>
+              <a:t>be evaluated</a:t>
+            </a:r>
+            <a:r>
+              <a:rPr lang="en-US" altLang="zh-CN" dirty="0"/>
+              <a:t>.</a:t>
+            </a:r>
+            <a:endParaRPr lang="en-US" altLang="zh-CN" dirty="0" smtClean="0"/>
           </a:p>
         </p:txBody>
       </p:sp>
     </p:spTree>
     <p:extLst>
       <p:ext uri="{BB962C8B-B14F-4D97-AF65-F5344CB8AC3E}">
-        <p14:creationId xmlns:p14="http://schemas.microsoft.com/office/powerpoint/2010/main" val="1658155821"/>
+        <p14:creationId xmlns:p14="http://schemas.microsoft.com/office/powerpoint/2010/main" val="1275363448"/>
       </p:ext>
     </p:extLst>
   </p:cSld>
